--- a/Blazor Introduction.pptx
+++ b/Blazor Introduction.pptx
@@ -5,55 +5,61 @@
     <p:sldMasterId id="2147483674" r:id="rId1"/>
   </p:sldMasterIdLst>
   <p:notesMasterIdLst>
-    <p:notesMasterId r:id="rId22"/>
+    <p:notesMasterId r:id="rId28"/>
   </p:notesMasterIdLst>
   <p:sldIdLst>
     <p:sldId id="256" r:id="rId2"/>
-    <p:sldId id="279" r:id="rId3"/>
-    <p:sldId id="280" r:id="rId4"/>
-    <p:sldId id="281" r:id="rId5"/>
-    <p:sldId id="291" r:id="rId6"/>
-    <p:sldId id="292" r:id="rId7"/>
-    <p:sldId id="282" r:id="rId8"/>
-    <p:sldId id="283" r:id="rId9"/>
-    <p:sldId id="284" r:id="rId10"/>
-    <p:sldId id="285" r:id="rId11"/>
-    <p:sldId id="286" r:id="rId12"/>
-    <p:sldId id="294" r:id="rId13"/>
-    <p:sldId id="295" r:id="rId14"/>
-    <p:sldId id="296" r:id="rId15"/>
-    <p:sldId id="297" r:id="rId16"/>
-    <p:sldId id="298" r:id="rId17"/>
-    <p:sldId id="299" r:id="rId18"/>
-    <p:sldId id="288" r:id="rId19"/>
-    <p:sldId id="287" r:id="rId20"/>
-    <p:sldId id="293" r:id="rId21"/>
+    <p:sldId id="305" r:id="rId3"/>
+    <p:sldId id="279" r:id="rId4"/>
+    <p:sldId id="280" r:id="rId5"/>
+    <p:sldId id="281" r:id="rId6"/>
+    <p:sldId id="291" r:id="rId7"/>
+    <p:sldId id="292" r:id="rId8"/>
+    <p:sldId id="300" r:id="rId9"/>
+    <p:sldId id="282" r:id="rId10"/>
+    <p:sldId id="306" r:id="rId11"/>
+    <p:sldId id="283" r:id="rId12"/>
+    <p:sldId id="284" r:id="rId13"/>
+    <p:sldId id="285" r:id="rId14"/>
+    <p:sldId id="286" r:id="rId15"/>
+    <p:sldId id="295" r:id="rId16"/>
+    <p:sldId id="296" r:id="rId17"/>
+    <p:sldId id="297" r:id="rId18"/>
+    <p:sldId id="298" r:id="rId19"/>
+    <p:sldId id="304" r:id="rId20"/>
+    <p:sldId id="302" r:id="rId21"/>
+    <p:sldId id="303" r:id="rId22"/>
+    <p:sldId id="299" r:id="rId23"/>
+    <p:sldId id="288" r:id="rId24"/>
+    <p:sldId id="287" r:id="rId25"/>
+    <p:sldId id="301" r:id="rId26"/>
+    <p:sldId id="293" r:id="rId27"/>
   </p:sldIdLst>
   <p:sldSz cx="9144000" cy="5143500" type="screen16x9"/>
   <p:notesSz cx="6858000" cy="9144000"/>
   <p:embeddedFontLst>
     <p:embeddedFont>
       <p:font typeface="Aldrich" panose="02000000000000000000" pitchFamily="2" charset="0"/>
-      <p:regular r:id="rId23"/>
+      <p:regular r:id="rId29"/>
     </p:embeddedFont>
     <p:embeddedFont>
       <p:font typeface="Consolas" panose="020B0609020204030204" pitchFamily="49" charset="0"/>
-      <p:regular r:id="rId24"/>
-      <p:bold r:id="rId25"/>
-      <p:italic r:id="rId26"/>
-      <p:boldItalic r:id="rId27"/>
-    </p:embeddedFont>
-    <p:embeddedFont>
-      <p:font typeface="Nunito Light" panose="020F0302020204030204" pitchFamily="34" charset="0"/>
-      <p:regular r:id="rId28"/>
-      <p:italic r:id="rId29"/>
-    </p:embeddedFont>
-    <p:embeddedFont>
-      <p:font typeface="Open Sans" panose="020B0606030504020204" pitchFamily="34" charset="0"/>
       <p:regular r:id="rId30"/>
       <p:bold r:id="rId31"/>
       <p:italic r:id="rId32"/>
       <p:boldItalic r:id="rId33"/>
+    </p:embeddedFont>
+    <p:embeddedFont>
+      <p:font typeface="Nunito Light" pitchFamily="2" charset="0"/>
+      <p:regular r:id="rId34"/>
+      <p:italic r:id="rId35"/>
+    </p:embeddedFont>
+    <p:embeddedFont>
+      <p:font typeface="Open Sans" panose="020B0606030504020204" pitchFamily="34" charset="0"/>
+      <p:regular r:id="rId36"/>
+      <p:bold r:id="rId37"/>
+      <p:italic r:id="rId38"/>
+      <p:boldItalic r:id="rId39"/>
     </p:embeddedFont>
   </p:embeddedFontLst>
   <p:defaultTextStyle>
@@ -2545,6 +2551,753 @@
 </dgm:colorsDef>
 </file>
 
+<file path=ppt/diagrams/colors4.xml><?xml version="1.0" encoding="utf-8"?>
+<dgm:colorsDef xmlns:dgm="http://schemas.openxmlformats.org/drawingml/2006/diagram" xmlns:a="http://schemas.openxmlformats.org/drawingml/2006/main" uniqueId="urn:microsoft.com/office/officeart/2005/8/colors/accent1_2">
+  <dgm:title val=""/>
+  <dgm:desc val=""/>
+  <dgm:catLst>
+    <dgm:cat type="accent1" pri="11200"/>
+  </dgm:catLst>
+  <dgm:styleLbl name="node0">
+    <dgm:fillClrLst meth="repeat">
+      <a:schemeClr val="accent1"/>
+    </dgm:fillClrLst>
+    <dgm:linClrLst meth="repeat">
+      <a:schemeClr val="lt1"/>
+    </dgm:linClrLst>
+    <dgm:effectClrLst/>
+    <dgm:txLinClrLst/>
+    <dgm:txFillClrLst/>
+    <dgm:txEffectClrLst/>
+  </dgm:styleLbl>
+  <dgm:styleLbl name="alignNode1">
+    <dgm:fillClrLst meth="repeat">
+      <a:schemeClr val="accent1"/>
+    </dgm:fillClrLst>
+    <dgm:linClrLst meth="repeat">
+      <a:schemeClr val="accent1"/>
+    </dgm:linClrLst>
+    <dgm:effectClrLst/>
+    <dgm:txLinClrLst/>
+    <dgm:txFillClrLst/>
+    <dgm:txEffectClrLst/>
+  </dgm:styleLbl>
+  <dgm:styleLbl name="node1">
+    <dgm:fillClrLst meth="repeat">
+      <a:schemeClr val="accent1"/>
+    </dgm:fillClrLst>
+    <dgm:linClrLst meth="repeat">
+      <a:schemeClr val="lt1"/>
+    </dgm:linClrLst>
+    <dgm:effectClrLst/>
+    <dgm:txLinClrLst/>
+    <dgm:txFillClrLst/>
+    <dgm:txEffectClrLst/>
+  </dgm:styleLbl>
+  <dgm:styleLbl name="lnNode1">
+    <dgm:fillClrLst meth="repeat">
+      <a:schemeClr val="accent1"/>
+    </dgm:fillClrLst>
+    <dgm:linClrLst meth="repeat">
+      <a:schemeClr val="lt1"/>
+    </dgm:linClrLst>
+    <dgm:effectClrLst/>
+    <dgm:txLinClrLst/>
+    <dgm:txFillClrLst/>
+    <dgm:txEffectClrLst/>
+  </dgm:styleLbl>
+  <dgm:styleLbl name="vennNode1">
+    <dgm:fillClrLst meth="repeat">
+      <a:schemeClr val="accent1">
+        <a:alpha val="50000"/>
+      </a:schemeClr>
+    </dgm:fillClrLst>
+    <dgm:linClrLst meth="repeat">
+      <a:schemeClr val="lt1"/>
+    </dgm:linClrLst>
+    <dgm:effectClrLst/>
+    <dgm:txLinClrLst/>
+    <dgm:txFillClrLst/>
+    <dgm:txEffectClrLst/>
+  </dgm:styleLbl>
+  <dgm:styleLbl name="node2">
+    <dgm:fillClrLst meth="repeat">
+      <a:schemeClr val="accent1"/>
+    </dgm:fillClrLst>
+    <dgm:linClrLst meth="repeat">
+      <a:schemeClr val="lt1"/>
+    </dgm:linClrLst>
+    <dgm:effectClrLst/>
+    <dgm:txLinClrLst/>
+    <dgm:txFillClrLst/>
+    <dgm:txEffectClrLst/>
+  </dgm:styleLbl>
+  <dgm:styleLbl name="node3">
+    <dgm:fillClrLst meth="repeat">
+      <a:schemeClr val="accent1"/>
+    </dgm:fillClrLst>
+    <dgm:linClrLst meth="repeat">
+      <a:schemeClr val="lt1"/>
+    </dgm:linClrLst>
+    <dgm:effectClrLst/>
+    <dgm:txLinClrLst/>
+    <dgm:txFillClrLst/>
+    <dgm:txEffectClrLst/>
+  </dgm:styleLbl>
+  <dgm:styleLbl name="node4">
+    <dgm:fillClrLst meth="repeat">
+      <a:schemeClr val="accent1"/>
+    </dgm:fillClrLst>
+    <dgm:linClrLst meth="repeat">
+      <a:schemeClr val="lt1"/>
+    </dgm:linClrLst>
+    <dgm:effectClrLst/>
+    <dgm:txLinClrLst/>
+    <dgm:txFillClrLst/>
+    <dgm:txEffectClrLst/>
+  </dgm:styleLbl>
+  <dgm:styleLbl name="fgImgPlace1">
+    <dgm:fillClrLst meth="repeat">
+      <a:schemeClr val="accent1">
+        <a:tint val="50000"/>
+      </a:schemeClr>
+    </dgm:fillClrLst>
+    <dgm:linClrLst meth="repeat">
+      <a:schemeClr val="lt1"/>
+    </dgm:linClrLst>
+    <dgm:effectClrLst/>
+    <dgm:txLinClrLst/>
+    <dgm:txFillClrLst meth="repeat">
+      <a:schemeClr val="lt1"/>
+    </dgm:txFillClrLst>
+    <dgm:txEffectClrLst/>
+  </dgm:styleLbl>
+  <dgm:styleLbl name="alignImgPlace1">
+    <dgm:fillClrLst meth="repeat">
+      <a:schemeClr val="accent1">
+        <a:tint val="50000"/>
+      </a:schemeClr>
+    </dgm:fillClrLst>
+    <dgm:linClrLst meth="repeat">
+      <a:schemeClr val="lt1"/>
+    </dgm:linClrLst>
+    <dgm:effectClrLst/>
+    <dgm:txLinClrLst/>
+    <dgm:txFillClrLst meth="repeat">
+      <a:schemeClr val="lt1"/>
+    </dgm:txFillClrLst>
+    <dgm:txEffectClrLst/>
+  </dgm:styleLbl>
+  <dgm:styleLbl name="bgImgPlace1">
+    <dgm:fillClrLst meth="repeat">
+      <a:schemeClr val="accent1">
+        <a:tint val="50000"/>
+      </a:schemeClr>
+    </dgm:fillClrLst>
+    <dgm:linClrLst meth="repeat">
+      <a:schemeClr val="lt1"/>
+    </dgm:linClrLst>
+    <dgm:effectClrLst/>
+    <dgm:txLinClrLst/>
+    <dgm:txFillClrLst meth="repeat">
+      <a:schemeClr val="lt1"/>
+    </dgm:txFillClrLst>
+    <dgm:txEffectClrLst/>
+  </dgm:styleLbl>
+  <dgm:styleLbl name="sibTrans2D1">
+    <dgm:fillClrLst meth="repeat">
+      <a:schemeClr val="accent1">
+        <a:tint val="60000"/>
+      </a:schemeClr>
+    </dgm:fillClrLst>
+    <dgm:linClrLst meth="repeat">
+      <a:schemeClr val="accent1">
+        <a:tint val="60000"/>
+      </a:schemeClr>
+    </dgm:linClrLst>
+    <dgm:effectClrLst/>
+    <dgm:txLinClrLst/>
+    <dgm:txFillClrLst/>
+    <dgm:txEffectClrLst/>
+  </dgm:styleLbl>
+  <dgm:styleLbl name="fgSibTrans2D1">
+    <dgm:fillClrLst meth="repeat">
+      <a:schemeClr val="accent1">
+        <a:tint val="60000"/>
+      </a:schemeClr>
+    </dgm:fillClrLst>
+    <dgm:linClrLst meth="repeat">
+      <a:schemeClr val="accent1">
+        <a:tint val="60000"/>
+      </a:schemeClr>
+    </dgm:linClrLst>
+    <dgm:effectClrLst/>
+    <dgm:txLinClrLst/>
+    <dgm:txFillClrLst/>
+    <dgm:txEffectClrLst/>
+  </dgm:styleLbl>
+  <dgm:styleLbl name="bgSibTrans2D1">
+    <dgm:fillClrLst meth="repeat">
+      <a:schemeClr val="accent1">
+        <a:tint val="60000"/>
+      </a:schemeClr>
+    </dgm:fillClrLst>
+    <dgm:linClrLst meth="repeat">
+      <a:schemeClr val="accent1">
+        <a:tint val="60000"/>
+      </a:schemeClr>
+    </dgm:linClrLst>
+    <dgm:effectClrLst/>
+    <dgm:txLinClrLst/>
+    <dgm:txFillClrLst/>
+    <dgm:txEffectClrLst/>
+  </dgm:styleLbl>
+  <dgm:styleLbl name="sibTrans1D1">
+    <dgm:fillClrLst meth="repeat">
+      <a:schemeClr val="accent1"/>
+    </dgm:fillClrLst>
+    <dgm:linClrLst meth="repeat">
+      <a:schemeClr val="accent1"/>
+    </dgm:linClrLst>
+    <dgm:effectClrLst/>
+    <dgm:txLinClrLst/>
+    <dgm:txFillClrLst meth="repeat">
+      <a:schemeClr val="tx1"/>
+    </dgm:txFillClrLst>
+    <dgm:txEffectClrLst/>
+  </dgm:styleLbl>
+  <dgm:styleLbl name="callout">
+    <dgm:fillClrLst meth="repeat">
+      <a:schemeClr val="accent1"/>
+    </dgm:fillClrLst>
+    <dgm:linClrLst meth="repeat">
+      <a:schemeClr val="accent1">
+        <a:tint val="50000"/>
+      </a:schemeClr>
+    </dgm:linClrLst>
+    <dgm:effectClrLst/>
+    <dgm:txLinClrLst/>
+    <dgm:txFillClrLst meth="repeat">
+      <a:schemeClr val="tx1"/>
+    </dgm:txFillClrLst>
+    <dgm:txEffectClrLst/>
+  </dgm:styleLbl>
+  <dgm:styleLbl name="asst0">
+    <dgm:fillClrLst meth="repeat">
+      <a:schemeClr val="accent1"/>
+    </dgm:fillClrLst>
+    <dgm:linClrLst meth="repeat">
+      <a:schemeClr val="lt1"/>
+    </dgm:linClrLst>
+    <dgm:effectClrLst/>
+    <dgm:txLinClrLst/>
+    <dgm:txFillClrLst/>
+    <dgm:txEffectClrLst/>
+  </dgm:styleLbl>
+  <dgm:styleLbl name="asst1">
+    <dgm:fillClrLst meth="repeat">
+      <a:schemeClr val="accent1"/>
+    </dgm:fillClrLst>
+    <dgm:linClrLst meth="repeat">
+      <a:schemeClr val="lt1"/>
+    </dgm:linClrLst>
+    <dgm:effectClrLst/>
+    <dgm:txLinClrLst/>
+    <dgm:txFillClrLst/>
+    <dgm:txEffectClrLst/>
+  </dgm:styleLbl>
+  <dgm:styleLbl name="asst2">
+    <dgm:fillClrLst meth="repeat">
+      <a:schemeClr val="accent1"/>
+    </dgm:fillClrLst>
+    <dgm:linClrLst meth="repeat">
+      <a:schemeClr val="lt1"/>
+    </dgm:linClrLst>
+    <dgm:effectClrLst/>
+    <dgm:txLinClrLst/>
+    <dgm:txFillClrLst/>
+    <dgm:txEffectClrLst/>
+  </dgm:styleLbl>
+  <dgm:styleLbl name="asst3">
+    <dgm:fillClrLst meth="repeat">
+      <a:schemeClr val="accent1"/>
+    </dgm:fillClrLst>
+    <dgm:linClrLst meth="repeat">
+      <a:schemeClr val="lt1"/>
+    </dgm:linClrLst>
+    <dgm:effectClrLst/>
+    <dgm:txLinClrLst/>
+    <dgm:txFillClrLst/>
+    <dgm:txEffectClrLst/>
+  </dgm:styleLbl>
+  <dgm:styleLbl name="asst4">
+    <dgm:fillClrLst meth="repeat">
+      <a:schemeClr val="accent1"/>
+    </dgm:fillClrLst>
+    <dgm:linClrLst meth="repeat">
+      <a:schemeClr val="lt1"/>
+    </dgm:linClrLst>
+    <dgm:effectClrLst/>
+    <dgm:txLinClrLst/>
+    <dgm:txFillClrLst/>
+    <dgm:txEffectClrLst/>
+  </dgm:styleLbl>
+  <dgm:styleLbl name="parChTrans2D1">
+    <dgm:fillClrLst meth="repeat">
+      <a:schemeClr val="accent1">
+        <a:tint val="60000"/>
+      </a:schemeClr>
+    </dgm:fillClrLst>
+    <dgm:linClrLst meth="repeat">
+      <a:schemeClr val="accent1">
+        <a:tint val="60000"/>
+      </a:schemeClr>
+    </dgm:linClrLst>
+    <dgm:effectClrLst/>
+    <dgm:txLinClrLst/>
+    <dgm:txFillClrLst meth="repeat">
+      <a:schemeClr val="lt1"/>
+    </dgm:txFillClrLst>
+    <dgm:txEffectClrLst/>
+  </dgm:styleLbl>
+  <dgm:styleLbl name="parChTrans2D2">
+    <dgm:fillClrLst meth="repeat">
+      <a:schemeClr val="accent1"/>
+    </dgm:fillClrLst>
+    <dgm:linClrLst meth="repeat">
+      <a:schemeClr val="accent1"/>
+    </dgm:linClrLst>
+    <dgm:effectClrLst/>
+    <dgm:txLinClrLst/>
+    <dgm:txFillClrLst meth="repeat">
+      <a:schemeClr val="lt1"/>
+    </dgm:txFillClrLst>
+    <dgm:txEffectClrLst/>
+  </dgm:styleLbl>
+  <dgm:styleLbl name="parChTrans2D3">
+    <dgm:fillClrLst meth="repeat">
+      <a:schemeClr val="accent1"/>
+    </dgm:fillClrLst>
+    <dgm:linClrLst meth="repeat">
+      <a:schemeClr val="accent1"/>
+    </dgm:linClrLst>
+    <dgm:effectClrLst/>
+    <dgm:txLinClrLst/>
+    <dgm:txFillClrLst meth="repeat">
+      <a:schemeClr val="lt1"/>
+    </dgm:txFillClrLst>
+    <dgm:txEffectClrLst/>
+  </dgm:styleLbl>
+  <dgm:styleLbl name="parChTrans2D4">
+    <dgm:fillClrLst meth="repeat">
+      <a:schemeClr val="accent1"/>
+    </dgm:fillClrLst>
+    <dgm:linClrLst meth="repeat">
+      <a:schemeClr val="accent1"/>
+    </dgm:linClrLst>
+    <dgm:effectClrLst/>
+    <dgm:txLinClrLst/>
+    <dgm:txFillClrLst meth="repeat">
+      <a:schemeClr val="lt1"/>
+    </dgm:txFillClrLst>
+    <dgm:txEffectClrLst/>
+  </dgm:styleLbl>
+  <dgm:styleLbl name="parChTrans1D1">
+    <dgm:fillClrLst meth="repeat">
+      <a:schemeClr val="accent1"/>
+    </dgm:fillClrLst>
+    <dgm:linClrLst meth="repeat">
+      <a:schemeClr val="accent1">
+        <a:shade val="60000"/>
+      </a:schemeClr>
+    </dgm:linClrLst>
+    <dgm:effectClrLst/>
+    <dgm:txLinClrLst/>
+    <dgm:txFillClrLst meth="repeat">
+      <a:schemeClr val="tx1"/>
+    </dgm:txFillClrLst>
+    <dgm:txEffectClrLst/>
+  </dgm:styleLbl>
+  <dgm:styleLbl name="parChTrans1D2">
+    <dgm:fillClrLst meth="repeat">
+      <a:schemeClr val="accent1"/>
+    </dgm:fillClrLst>
+    <dgm:linClrLst meth="repeat">
+      <a:schemeClr val="accent1">
+        <a:shade val="60000"/>
+      </a:schemeClr>
+    </dgm:linClrLst>
+    <dgm:effectClrLst/>
+    <dgm:txLinClrLst/>
+    <dgm:txFillClrLst meth="repeat">
+      <a:schemeClr val="tx1"/>
+    </dgm:txFillClrLst>
+    <dgm:txEffectClrLst/>
+  </dgm:styleLbl>
+  <dgm:styleLbl name="parChTrans1D3">
+    <dgm:fillClrLst meth="repeat">
+      <a:schemeClr val="accent1"/>
+    </dgm:fillClrLst>
+    <dgm:linClrLst meth="repeat">
+      <a:schemeClr val="accent1">
+        <a:shade val="80000"/>
+      </a:schemeClr>
+    </dgm:linClrLst>
+    <dgm:effectClrLst/>
+    <dgm:txLinClrLst/>
+    <dgm:txFillClrLst meth="repeat">
+      <a:schemeClr val="tx1"/>
+    </dgm:txFillClrLst>
+    <dgm:txEffectClrLst/>
+  </dgm:styleLbl>
+  <dgm:styleLbl name="parChTrans1D4">
+    <dgm:fillClrLst meth="repeat">
+      <a:schemeClr val="accent1"/>
+    </dgm:fillClrLst>
+    <dgm:linClrLst meth="repeat">
+      <a:schemeClr val="accent1">
+        <a:shade val="80000"/>
+      </a:schemeClr>
+    </dgm:linClrLst>
+    <dgm:effectClrLst/>
+    <dgm:txLinClrLst/>
+    <dgm:txFillClrLst meth="repeat">
+      <a:schemeClr val="tx1"/>
+    </dgm:txFillClrLst>
+    <dgm:txEffectClrLst/>
+  </dgm:styleLbl>
+  <dgm:styleLbl name="fgAcc1">
+    <dgm:fillClrLst meth="repeat">
+      <a:schemeClr val="lt1">
+        <a:alpha val="90000"/>
+      </a:schemeClr>
+    </dgm:fillClrLst>
+    <dgm:linClrLst meth="repeat">
+      <a:schemeClr val="accent1"/>
+    </dgm:linClrLst>
+    <dgm:effectClrLst/>
+    <dgm:txLinClrLst/>
+    <dgm:txFillClrLst meth="repeat">
+      <a:schemeClr val="dk1"/>
+    </dgm:txFillClrLst>
+    <dgm:txEffectClrLst/>
+  </dgm:styleLbl>
+  <dgm:styleLbl name="conFgAcc1">
+    <dgm:fillClrLst meth="repeat">
+      <a:schemeClr val="lt1">
+        <a:alpha val="90000"/>
+      </a:schemeClr>
+    </dgm:fillClrLst>
+    <dgm:linClrLst meth="repeat">
+      <a:schemeClr val="accent1"/>
+    </dgm:linClrLst>
+    <dgm:effectClrLst/>
+    <dgm:txLinClrLst/>
+    <dgm:txFillClrLst meth="repeat">
+      <a:schemeClr val="dk1"/>
+    </dgm:txFillClrLst>
+    <dgm:txEffectClrLst/>
+  </dgm:styleLbl>
+  <dgm:styleLbl name="alignAcc1">
+    <dgm:fillClrLst meth="repeat">
+      <a:schemeClr val="lt1">
+        <a:alpha val="90000"/>
+      </a:schemeClr>
+    </dgm:fillClrLst>
+    <dgm:linClrLst meth="repeat">
+      <a:schemeClr val="accent1"/>
+    </dgm:linClrLst>
+    <dgm:effectClrLst/>
+    <dgm:txLinClrLst/>
+    <dgm:txFillClrLst meth="repeat">
+      <a:schemeClr val="dk1"/>
+    </dgm:txFillClrLst>
+    <dgm:txEffectClrLst/>
+  </dgm:styleLbl>
+  <dgm:styleLbl name="trAlignAcc1">
+    <dgm:fillClrLst meth="repeat">
+      <a:schemeClr val="lt1">
+        <a:alpha val="40000"/>
+      </a:schemeClr>
+    </dgm:fillClrLst>
+    <dgm:linClrLst meth="repeat">
+      <a:schemeClr val="accent1"/>
+    </dgm:linClrLst>
+    <dgm:effectClrLst/>
+    <dgm:txLinClrLst/>
+    <dgm:txFillClrLst meth="repeat">
+      <a:schemeClr val="dk1"/>
+    </dgm:txFillClrLst>
+    <dgm:txEffectClrLst/>
+  </dgm:styleLbl>
+  <dgm:styleLbl name="bgAcc1">
+    <dgm:fillClrLst meth="repeat">
+      <a:schemeClr val="lt1">
+        <a:alpha val="90000"/>
+      </a:schemeClr>
+    </dgm:fillClrLst>
+    <dgm:linClrLst meth="repeat">
+      <a:schemeClr val="accent1"/>
+    </dgm:linClrLst>
+    <dgm:effectClrLst/>
+    <dgm:txLinClrLst/>
+    <dgm:txFillClrLst meth="repeat">
+      <a:schemeClr val="dk1"/>
+    </dgm:txFillClrLst>
+    <dgm:txEffectClrLst/>
+  </dgm:styleLbl>
+  <dgm:styleLbl name="solidFgAcc1">
+    <dgm:fillClrLst meth="repeat">
+      <a:schemeClr val="lt1"/>
+    </dgm:fillClrLst>
+    <dgm:linClrLst meth="repeat">
+      <a:schemeClr val="accent1"/>
+    </dgm:linClrLst>
+    <dgm:effectClrLst/>
+    <dgm:txLinClrLst/>
+    <dgm:txFillClrLst meth="repeat">
+      <a:schemeClr val="dk1"/>
+    </dgm:txFillClrLst>
+    <dgm:txEffectClrLst/>
+  </dgm:styleLbl>
+  <dgm:styleLbl name="solidAlignAcc1">
+    <dgm:fillClrLst meth="repeat">
+      <a:schemeClr val="lt1"/>
+    </dgm:fillClrLst>
+    <dgm:linClrLst meth="repeat">
+      <a:schemeClr val="accent1"/>
+    </dgm:linClrLst>
+    <dgm:effectClrLst/>
+    <dgm:txLinClrLst/>
+    <dgm:txFillClrLst meth="repeat">
+      <a:schemeClr val="dk1"/>
+    </dgm:txFillClrLst>
+    <dgm:txEffectClrLst/>
+  </dgm:styleLbl>
+  <dgm:styleLbl name="solidBgAcc1">
+    <dgm:fillClrLst meth="repeat">
+      <a:schemeClr val="lt1"/>
+    </dgm:fillClrLst>
+    <dgm:linClrLst meth="repeat">
+      <a:schemeClr val="accent1"/>
+    </dgm:linClrLst>
+    <dgm:effectClrLst/>
+    <dgm:txLinClrLst/>
+    <dgm:txFillClrLst meth="repeat">
+      <a:schemeClr val="dk1"/>
+    </dgm:txFillClrLst>
+    <dgm:txEffectClrLst/>
+  </dgm:styleLbl>
+  <dgm:styleLbl name="fgAccFollowNode1">
+    <dgm:fillClrLst meth="repeat">
+      <a:schemeClr val="accent1">
+        <a:alpha val="90000"/>
+        <a:tint val="40000"/>
+      </a:schemeClr>
+    </dgm:fillClrLst>
+    <dgm:linClrLst meth="repeat">
+      <a:schemeClr val="accent1">
+        <a:alpha val="90000"/>
+        <a:tint val="40000"/>
+      </a:schemeClr>
+    </dgm:linClrLst>
+    <dgm:effectClrLst/>
+    <dgm:txLinClrLst/>
+    <dgm:txFillClrLst meth="repeat">
+      <a:schemeClr val="dk1"/>
+    </dgm:txFillClrLst>
+    <dgm:txEffectClrLst/>
+  </dgm:styleLbl>
+  <dgm:styleLbl name="alignAccFollowNode1">
+    <dgm:fillClrLst meth="repeat">
+      <a:schemeClr val="accent1">
+        <a:alpha val="90000"/>
+        <a:tint val="40000"/>
+      </a:schemeClr>
+    </dgm:fillClrLst>
+    <dgm:linClrLst meth="repeat">
+      <a:schemeClr val="accent1">
+        <a:alpha val="90000"/>
+        <a:tint val="40000"/>
+      </a:schemeClr>
+    </dgm:linClrLst>
+    <dgm:effectClrLst/>
+    <dgm:txLinClrLst/>
+    <dgm:txFillClrLst meth="repeat">
+      <a:schemeClr val="dk1"/>
+    </dgm:txFillClrLst>
+    <dgm:txEffectClrLst/>
+  </dgm:styleLbl>
+  <dgm:styleLbl name="bgAccFollowNode1">
+    <dgm:fillClrLst meth="repeat">
+      <a:schemeClr val="accent1">
+        <a:alpha val="90000"/>
+        <a:tint val="40000"/>
+      </a:schemeClr>
+    </dgm:fillClrLst>
+    <dgm:linClrLst meth="repeat">
+      <a:schemeClr val="accent1">
+        <a:alpha val="90000"/>
+        <a:tint val="40000"/>
+      </a:schemeClr>
+    </dgm:linClrLst>
+    <dgm:effectClrLst/>
+    <dgm:txLinClrLst/>
+    <dgm:txFillClrLst meth="repeat">
+      <a:schemeClr val="dk1"/>
+    </dgm:txFillClrLst>
+    <dgm:txEffectClrLst/>
+  </dgm:styleLbl>
+  <dgm:styleLbl name="fgAcc0">
+    <dgm:fillClrLst meth="repeat">
+      <a:schemeClr val="lt1">
+        <a:alpha val="90000"/>
+      </a:schemeClr>
+    </dgm:fillClrLst>
+    <dgm:linClrLst meth="repeat">
+      <a:schemeClr val="accent1"/>
+    </dgm:linClrLst>
+    <dgm:effectClrLst/>
+    <dgm:txLinClrLst/>
+    <dgm:txFillClrLst meth="repeat">
+      <a:schemeClr val="dk1"/>
+    </dgm:txFillClrLst>
+    <dgm:txEffectClrLst/>
+  </dgm:styleLbl>
+  <dgm:styleLbl name="fgAcc2">
+    <dgm:fillClrLst meth="repeat">
+      <a:schemeClr val="lt1">
+        <a:alpha val="90000"/>
+      </a:schemeClr>
+    </dgm:fillClrLst>
+    <dgm:linClrLst meth="repeat">
+      <a:schemeClr val="accent1"/>
+    </dgm:linClrLst>
+    <dgm:effectClrLst/>
+    <dgm:txLinClrLst/>
+    <dgm:txFillClrLst meth="repeat">
+      <a:schemeClr val="dk1"/>
+    </dgm:txFillClrLst>
+    <dgm:txEffectClrLst/>
+  </dgm:styleLbl>
+  <dgm:styleLbl name="fgAcc3">
+    <dgm:fillClrLst meth="repeat">
+      <a:schemeClr val="lt1">
+        <a:alpha val="90000"/>
+      </a:schemeClr>
+    </dgm:fillClrLst>
+    <dgm:linClrLst meth="repeat">
+      <a:schemeClr val="accent1"/>
+    </dgm:linClrLst>
+    <dgm:effectClrLst/>
+    <dgm:txLinClrLst/>
+    <dgm:txFillClrLst meth="repeat">
+      <a:schemeClr val="dk1"/>
+    </dgm:txFillClrLst>
+    <dgm:txEffectClrLst/>
+  </dgm:styleLbl>
+  <dgm:styleLbl name="fgAcc4">
+    <dgm:fillClrLst meth="repeat">
+      <a:schemeClr val="lt1">
+        <a:alpha val="90000"/>
+      </a:schemeClr>
+    </dgm:fillClrLst>
+    <dgm:linClrLst meth="repeat">
+      <a:schemeClr val="accent1"/>
+    </dgm:linClrLst>
+    <dgm:effectClrLst/>
+    <dgm:txLinClrLst/>
+    <dgm:txFillClrLst meth="repeat">
+      <a:schemeClr val="dk1"/>
+    </dgm:txFillClrLst>
+    <dgm:txEffectClrLst/>
+  </dgm:styleLbl>
+  <dgm:styleLbl name="bgShp">
+    <dgm:fillClrLst meth="repeat">
+      <a:schemeClr val="accent1">
+        <a:tint val="40000"/>
+      </a:schemeClr>
+    </dgm:fillClrLst>
+    <dgm:linClrLst meth="repeat">
+      <a:schemeClr val="accent1"/>
+    </dgm:linClrLst>
+    <dgm:effectClrLst/>
+    <dgm:txLinClrLst/>
+    <dgm:txFillClrLst meth="repeat">
+      <a:schemeClr val="dk1"/>
+    </dgm:txFillClrLst>
+    <dgm:txEffectClrLst/>
+  </dgm:styleLbl>
+  <dgm:styleLbl name="dkBgShp">
+    <dgm:fillClrLst meth="repeat">
+      <a:schemeClr val="accent1">
+        <a:shade val="80000"/>
+      </a:schemeClr>
+    </dgm:fillClrLst>
+    <dgm:linClrLst meth="repeat">
+      <a:schemeClr val="accent1"/>
+    </dgm:linClrLst>
+    <dgm:effectClrLst/>
+    <dgm:txLinClrLst/>
+    <dgm:txFillClrLst meth="repeat">
+      <a:schemeClr val="lt1"/>
+    </dgm:txFillClrLst>
+    <dgm:txEffectClrLst/>
+  </dgm:styleLbl>
+  <dgm:styleLbl name="trBgShp">
+    <dgm:fillClrLst meth="repeat">
+      <a:schemeClr val="accent1">
+        <a:tint val="50000"/>
+        <a:alpha val="40000"/>
+      </a:schemeClr>
+    </dgm:fillClrLst>
+    <dgm:linClrLst meth="repeat">
+      <a:schemeClr val="accent1"/>
+    </dgm:linClrLst>
+    <dgm:effectClrLst/>
+    <dgm:txLinClrLst/>
+    <dgm:txFillClrLst meth="repeat">
+      <a:schemeClr val="lt1"/>
+    </dgm:txFillClrLst>
+    <dgm:txEffectClrLst/>
+  </dgm:styleLbl>
+  <dgm:styleLbl name="fgShp">
+    <dgm:fillClrLst meth="repeat">
+      <a:schemeClr val="accent1">
+        <a:tint val="60000"/>
+      </a:schemeClr>
+    </dgm:fillClrLst>
+    <dgm:linClrLst meth="repeat">
+      <a:schemeClr val="lt1"/>
+    </dgm:linClrLst>
+    <dgm:effectClrLst/>
+    <dgm:txLinClrLst/>
+    <dgm:txFillClrLst meth="repeat">
+      <a:schemeClr val="dk1"/>
+    </dgm:txFillClrLst>
+    <dgm:txEffectClrLst/>
+  </dgm:styleLbl>
+  <dgm:styleLbl name="revTx">
+    <dgm:fillClrLst meth="repeat">
+      <a:schemeClr val="lt1">
+        <a:alpha val="0"/>
+      </a:schemeClr>
+    </dgm:fillClrLst>
+    <dgm:linClrLst meth="repeat">
+      <a:schemeClr val="dk1">
+        <a:alpha val="0"/>
+      </a:schemeClr>
+    </dgm:linClrLst>
+    <dgm:effectClrLst/>
+    <dgm:txLinClrLst/>
+    <dgm:txFillClrLst meth="repeat">
+      <a:schemeClr val="tx1"/>
+    </dgm:txFillClrLst>
+    <dgm:txEffectClrLst/>
+  </dgm:styleLbl>
+</dgm:colorsDef>
+</file>
+
 <file path=ppt/diagrams/data1.xml><?xml version="1.0" encoding="utf-8"?>
 <dgm:dataModel xmlns:dgm="http://schemas.openxmlformats.org/drawingml/2006/diagram" xmlns:a="http://schemas.openxmlformats.org/drawingml/2006/main">
   <dgm:ptLst>
@@ -2643,10 +3396,9 @@
         <a:lstStyle/>
         <a:p>
           <a:r>
-            <a:rPr lang="en-US"/>
+            <a:rPr lang="en-US" dirty="0"/>
             <a:t>A Framework Built for SPAs (Single-Page Applications)</a:t>
           </a:r>
-          <a:endParaRPr lang="en-US" dirty="0"/>
         </a:p>
       </dgm:t>
     </dgm:pt>
@@ -2680,10 +3432,9 @@
         <a:lstStyle/>
         <a:p>
           <a:r>
-            <a:rPr lang="en-US"/>
+            <a:rPr lang="en-US" dirty="0"/>
             <a:t>Blazor Is Open Source and Cross-Platform</a:t>
           </a:r>
-          <a:endParaRPr lang="en-US" dirty="0"/>
         </a:p>
       </dgm:t>
     </dgm:pt>
@@ -3106,11 +3857,11 @@
   <dgm:cxnLst>
     <dgm:cxn modelId="{7CAEEF24-7352-3248-B4C5-32FAE23EA90B}" srcId="{1D67F1E1-BB8C-C14D-84CC-798E8538D318}" destId="{5652CFAA-34F3-504C-BDD4-84BE3B6C42F7}" srcOrd="3" destOrd="0" parTransId="{A0A5C85C-4BE7-534E-8787-9ED34482E684}" sibTransId="{75D60485-E58E-6647-AE73-0833C25B9D62}"/>
     <dgm:cxn modelId="{8A05072A-61B4-7644-8585-41B7AB430D6C}" type="presOf" srcId="{231FDCE3-1404-AD4F-8EFB-6D43E9C9816B}" destId="{28257905-2A04-2346-882B-A7696A408B41}" srcOrd="1" destOrd="0" presId="urn:microsoft.com/office/officeart/2005/8/layout/vList4"/>
-    <dgm:cxn modelId="{E8A96656-FBAF-7B4C-B1C4-D90925EAA8FF}" type="presOf" srcId="{1D67F1E1-BB8C-C14D-84CC-798E8538D318}" destId="{DB7F399B-9F6F-2A43-B7DF-53DAA881200A}" srcOrd="0" destOrd="0" presId="urn:microsoft.com/office/officeart/2005/8/layout/vList4"/>
     <dgm:cxn modelId="{60DDF35D-DE09-2048-BA16-2D54158A1A87}" srcId="{1D67F1E1-BB8C-C14D-84CC-798E8538D318}" destId="{771A78D1-358C-F943-8BE4-385205E731DA}" srcOrd="1" destOrd="0" parTransId="{CC6A76D0-B836-D84D-9C30-A3F89502F963}" sibTransId="{D4E2FE46-5043-C940-AD4B-A0DBC798ACAB}"/>
     <dgm:cxn modelId="{F4C62F5F-8143-F044-8A68-C47949222E4D}" type="presOf" srcId="{231FDCE3-1404-AD4F-8EFB-6D43E9C9816B}" destId="{D1E9B527-7E42-7D49-8845-8C0C41C11762}" srcOrd="0" destOrd="0" presId="urn:microsoft.com/office/officeart/2005/8/layout/vList4"/>
     <dgm:cxn modelId="{7F9E2C65-B748-D440-BD24-BB46269A1618}" srcId="{1D67F1E1-BB8C-C14D-84CC-798E8538D318}" destId="{4A76D983-D22B-BD4C-B6F5-4C1097C55F04}" srcOrd="2" destOrd="0" parTransId="{4C4473C9-18AA-2C42-8FF1-F113540225D6}" sibTransId="{139C7692-6315-C34E-AF02-CB013E0A6B28}"/>
     <dgm:cxn modelId="{0FD5F16F-E4B4-6A40-97FD-41B1D52EBADE}" type="presOf" srcId="{771A78D1-358C-F943-8BE4-385205E731DA}" destId="{79387760-D37B-7446-90BE-902FC1DB77AA}" srcOrd="0" destOrd="0" presId="urn:microsoft.com/office/officeart/2005/8/layout/vList4"/>
+    <dgm:cxn modelId="{E8A96656-FBAF-7B4C-B1C4-D90925EAA8FF}" type="presOf" srcId="{1D67F1E1-BB8C-C14D-84CC-798E8538D318}" destId="{DB7F399B-9F6F-2A43-B7DF-53DAA881200A}" srcOrd="0" destOrd="0" presId="urn:microsoft.com/office/officeart/2005/8/layout/vList4"/>
     <dgm:cxn modelId="{259A2977-7830-FA41-BFD8-65B78B6134D8}" type="presOf" srcId="{5652CFAA-34F3-504C-BDD4-84BE3B6C42F7}" destId="{187E7682-223C-D74E-A4E3-62B9F8A443C3}" srcOrd="1" destOrd="0" presId="urn:microsoft.com/office/officeart/2005/8/layout/vList4"/>
     <dgm:cxn modelId="{022EB680-40D2-AA4C-BA6E-B70EB7572A26}" type="presOf" srcId="{5652CFAA-34F3-504C-BDD4-84BE3B6C42F7}" destId="{F852C702-4A69-1449-99B6-80DA270A2F10}" srcOrd="0" destOrd="0" presId="urn:microsoft.com/office/officeart/2005/8/layout/vList4"/>
     <dgm:cxn modelId="{53134C99-1F0E-B44A-A61E-5B9B3271D8E0}" type="presOf" srcId="{771A78D1-358C-F943-8BE4-385205E731DA}" destId="{8E8F80D1-7288-554E-A724-326332CE4D4F}" srcOrd="1" destOrd="0" presId="urn:microsoft.com/office/officeart/2005/8/layout/vList4"/>
@@ -3150,6 +3901,308 @@
 <file path=ppt/diagrams/data3.xml><?xml version="1.0" encoding="utf-8"?>
 <dgm:dataModel xmlns:dgm="http://schemas.openxmlformats.org/drawingml/2006/diagram" xmlns:a="http://schemas.openxmlformats.org/drawingml/2006/main">
   <dgm:ptLst>
+    <dgm:pt modelId="{E2215ED4-696B-4F90-9E7C-4411EE61F3C4}" type="doc">
+      <dgm:prSet loTypeId="urn:microsoft.com/office/officeart/2005/8/layout/vList2" loCatId="list" qsTypeId="urn:microsoft.com/office/officeart/2005/8/quickstyle/simple1" qsCatId="simple" csTypeId="urn:microsoft.com/office/officeart/2005/8/colors/accent1_2" csCatId="accent1"/>
+      <dgm:spPr/>
+      <dgm:t>
+        <a:bodyPr/>
+        <a:lstStyle/>
+        <a:p>
+          <a:endParaRPr lang="en-US"/>
+        </a:p>
+      </dgm:t>
+    </dgm:pt>
+    <dgm:pt modelId="{576D2B60-9E1A-4124-B075-1E12943FFE18}">
+      <dgm:prSet/>
+      <dgm:spPr/>
+      <dgm:t>
+        <a:bodyPr/>
+        <a:lstStyle/>
+        <a:p>
+          <a:r>
+            <a:rPr lang="en-US" b="0" i="0"/>
+            <a:t>Larger Download Size</a:t>
+          </a:r>
+          <a:endParaRPr lang="en-US"/>
+        </a:p>
+      </dgm:t>
+    </dgm:pt>
+    <dgm:pt modelId="{4CC9BD63-E8F3-41A9-B66C-100EAE17B85A}" type="parTrans" cxnId="{2BDA1FE5-CCB5-4C56-8613-9E7E55D760AD}">
+      <dgm:prSet/>
+      <dgm:spPr/>
+      <dgm:t>
+        <a:bodyPr/>
+        <a:lstStyle/>
+        <a:p>
+          <a:endParaRPr lang="en-US"/>
+        </a:p>
+      </dgm:t>
+    </dgm:pt>
+    <dgm:pt modelId="{CAA9819C-D378-420F-8ED0-767FAD197C5A}" type="sibTrans" cxnId="{2BDA1FE5-CCB5-4C56-8613-9E7E55D760AD}">
+      <dgm:prSet/>
+      <dgm:spPr/>
+      <dgm:t>
+        <a:bodyPr/>
+        <a:lstStyle/>
+        <a:p>
+          <a:endParaRPr lang="en-US"/>
+        </a:p>
+      </dgm:t>
+    </dgm:pt>
+    <dgm:pt modelId="{2A02E346-FD14-4EF4-AF14-B221A6569EF8}">
+      <dgm:prSet/>
+      <dgm:spPr/>
+      <dgm:t>
+        <a:bodyPr/>
+        <a:lstStyle/>
+        <a:p>
+          <a:r>
+            <a:rPr lang="en-US" b="0" i="0"/>
+            <a:t>Initial Load Time</a:t>
+          </a:r>
+          <a:endParaRPr lang="en-US"/>
+        </a:p>
+      </dgm:t>
+    </dgm:pt>
+    <dgm:pt modelId="{92B86AA1-9E67-4BA5-9113-3E0D76A3262E}" type="parTrans" cxnId="{C2E4EF66-51CA-4DC4-A586-59722426BFE4}">
+      <dgm:prSet/>
+      <dgm:spPr/>
+      <dgm:t>
+        <a:bodyPr/>
+        <a:lstStyle/>
+        <a:p>
+          <a:endParaRPr lang="en-US"/>
+        </a:p>
+      </dgm:t>
+    </dgm:pt>
+    <dgm:pt modelId="{211129FC-F613-4E71-86AB-304743704F25}" type="sibTrans" cxnId="{C2E4EF66-51CA-4DC4-A586-59722426BFE4}">
+      <dgm:prSet/>
+      <dgm:spPr/>
+      <dgm:t>
+        <a:bodyPr/>
+        <a:lstStyle/>
+        <a:p>
+          <a:endParaRPr lang="en-US"/>
+        </a:p>
+      </dgm:t>
+    </dgm:pt>
+    <dgm:pt modelId="{930C89FB-868B-4600-B811-1AAB3173CA3B}">
+      <dgm:prSet/>
+      <dgm:spPr/>
+      <dgm:t>
+        <a:bodyPr/>
+        <a:lstStyle/>
+        <a:p>
+          <a:r>
+            <a:rPr lang="en-US" b="0" i="0"/>
+            <a:t>Dependency on WebAssembly</a:t>
+          </a:r>
+          <a:endParaRPr lang="en-US"/>
+        </a:p>
+      </dgm:t>
+    </dgm:pt>
+    <dgm:pt modelId="{4D7A85D1-09EB-4626-9277-28AD6C56C159}" type="parTrans" cxnId="{0016EACD-4B72-4E99-ADD2-E96DDC48F1CF}">
+      <dgm:prSet/>
+      <dgm:spPr/>
+      <dgm:t>
+        <a:bodyPr/>
+        <a:lstStyle/>
+        <a:p>
+          <a:endParaRPr lang="en-US"/>
+        </a:p>
+      </dgm:t>
+    </dgm:pt>
+    <dgm:pt modelId="{EBB587E1-EF18-4DE5-8D7C-0CAFB15C6F03}" type="sibTrans" cxnId="{0016EACD-4B72-4E99-ADD2-E96DDC48F1CF}">
+      <dgm:prSet/>
+      <dgm:spPr/>
+      <dgm:t>
+        <a:bodyPr/>
+        <a:lstStyle/>
+        <a:p>
+          <a:endParaRPr lang="en-US"/>
+        </a:p>
+      </dgm:t>
+    </dgm:pt>
+    <dgm:pt modelId="{274F32BF-0750-4CE9-A8B0-22DD9489BD06}">
+      <dgm:prSet/>
+      <dgm:spPr/>
+      <dgm:t>
+        <a:bodyPr/>
+        <a:lstStyle/>
+        <a:p>
+          <a:r>
+            <a:rPr lang="en-US" b="0" i="0"/>
+            <a:t>Limited Debugging Capability</a:t>
+          </a:r>
+          <a:endParaRPr lang="en-US"/>
+        </a:p>
+      </dgm:t>
+    </dgm:pt>
+    <dgm:pt modelId="{77E9E604-0CBF-4432-98C0-D0DE0733059A}" type="parTrans" cxnId="{A1909A4A-1647-4369-B841-D62D9B2DD94F}">
+      <dgm:prSet/>
+      <dgm:spPr/>
+      <dgm:t>
+        <a:bodyPr/>
+        <a:lstStyle/>
+        <a:p>
+          <a:endParaRPr lang="en-US"/>
+        </a:p>
+      </dgm:t>
+    </dgm:pt>
+    <dgm:pt modelId="{E20D9C54-639B-4CAF-956C-3FB6E18A680F}" type="sibTrans" cxnId="{A1909A4A-1647-4369-B841-D62D9B2DD94F}">
+      <dgm:prSet/>
+      <dgm:spPr/>
+      <dgm:t>
+        <a:bodyPr/>
+        <a:lstStyle/>
+        <a:p>
+          <a:endParaRPr lang="en-US"/>
+        </a:p>
+      </dgm:t>
+    </dgm:pt>
+    <dgm:pt modelId="{720817B9-285B-4291-B77B-EFE4DC5BFDEA}">
+      <dgm:prSet/>
+      <dgm:spPr/>
+      <dgm:t>
+        <a:bodyPr/>
+        <a:lstStyle/>
+        <a:p>
+          <a:r>
+            <a:rPr lang="en-US" b="0" i="0"/>
+            <a:t>Server Connection Dependency</a:t>
+          </a:r>
+          <a:endParaRPr lang="en-US"/>
+        </a:p>
+      </dgm:t>
+    </dgm:pt>
+    <dgm:pt modelId="{872FF5EA-30F5-44D2-BEE9-490FDCA6F0DA}" type="parTrans" cxnId="{DC87F9E1-67D6-4C49-B444-3C16A7AE4D50}">
+      <dgm:prSet/>
+      <dgm:spPr/>
+      <dgm:t>
+        <a:bodyPr/>
+        <a:lstStyle/>
+        <a:p>
+          <a:endParaRPr lang="en-US"/>
+        </a:p>
+      </dgm:t>
+    </dgm:pt>
+    <dgm:pt modelId="{D0DB1E22-7BF7-4E59-9CA5-7B6D1A92C475}" type="sibTrans" cxnId="{DC87F9E1-67D6-4C49-B444-3C16A7AE4D50}">
+      <dgm:prSet/>
+      <dgm:spPr/>
+      <dgm:t>
+        <a:bodyPr/>
+        <a:lstStyle/>
+        <a:p>
+          <a:endParaRPr lang="en-US"/>
+        </a:p>
+      </dgm:t>
+    </dgm:pt>
+    <dgm:pt modelId="{582583EF-383E-44C9-ADE0-636C9E77F803}" type="pres">
+      <dgm:prSet presAssocID="{E2215ED4-696B-4F90-9E7C-4411EE61F3C4}" presName="linear" presStyleCnt="0">
+        <dgm:presLayoutVars>
+          <dgm:animLvl val="lvl"/>
+          <dgm:resizeHandles val="exact"/>
+        </dgm:presLayoutVars>
+      </dgm:prSet>
+      <dgm:spPr/>
+    </dgm:pt>
+    <dgm:pt modelId="{26E98FDD-C4BC-40E6-A845-966C20450C85}" type="pres">
+      <dgm:prSet presAssocID="{576D2B60-9E1A-4124-B075-1E12943FFE18}" presName="parentText" presStyleLbl="node1" presStyleIdx="0" presStyleCnt="5">
+        <dgm:presLayoutVars>
+          <dgm:chMax val="0"/>
+          <dgm:bulletEnabled val="1"/>
+        </dgm:presLayoutVars>
+      </dgm:prSet>
+      <dgm:spPr/>
+    </dgm:pt>
+    <dgm:pt modelId="{307B7074-DFA3-451F-BDD2-6B6E9979C1D7}" type="pres">
+      <dgm:prSet presAssocID="{CAA9819C-D378-420F-8ED0-767FAD197C5A}" presName="spacer" presStyleCnt="0"/>
+      <dgm:spPr/>
+    </dgm:pt>
+    <dgm:pt modelId="{CF2E315D-E704-4002-897B-832865FC731B}" type="pres">
+      <dgm:prSet presAssocID="{2A02E346-FD14-4EF4-AF14-B221A6569EF8}" presName="parentText" presStyleLbl="node1" presStyleIdx="1" presStyleCnt="5">
+        <dgm:presLayoutVars>
+          <dgm:chMax val="0"/>
+          <dgm:bulletEnabled val="1"/>
+        </dgm:presLayoutVars>
+      </dgm:prSet>
+      <dgm:spPr/>
+    </dgm:pt>
+    <dgm:pt modelId="{FE71A273-3DF1-4816-B674-99B885663DED}" type="pres">
+      <dgm:prSet presAssocID="{211129FC-F613-4E71-86AB-304743704F25}" presName="spacer" presStyleCnt="0"/>
+      <dgm:spPr/>
+    </dgm:pt>
+    <dgm:pt modelId="{73F73748-1341-4BAB-9965-5EDEEE8C1CAE}" type="pres">
+      <dgm:prSet presAssocID="{930C89FB-868B-4600-B811-1AAB3173CA3B}" presName="parentText" presStyleLbl="node1" presStyleIdx="2" presStyleCnt="5">
+        <dgm:presLayoutVars>
+          <dgm:chMax val="0"/>
+          <dgm:bulletEnabled val="1"/>
+        </dgm:presLayoutVars>
+      </dgm:prSet>
+      <dgm:spPr/>
+    </dgm:pt>
+    <dgm:pt modelId="{50FFAC44-35F9-4302-8A79-008317551AAF}" type="pres">
+      <dgm:prSet presAssocID="{EBB587E1-EF18-4DE5-8D7C-0CAFB15C6F03}" presName="spacer" presStyleCnt="0"/>
+      <dgm:spPr/>
+    </dgm:pt>
+    <dgm:pt modelId="{E71B7D9C-0230-4D93-972A-26F06454184C}" type="pres">
+      <dgm:prSet presAssocID="{274F32BF-0750-4CE9-A8B0-22DD9489BD06}" presName="parentText" presStyleLbl="node1" presStyleIdx="3" presStyleCnt="5">
+        <dgm:presLayoutVars>
+          <dgm:chMax val="0"/>
+          <dgm:bulletEnabled val="1"/>
+        </dgm:presLayoutVars>
+      </dgm:prSet>
+      <dgm:spPr/>
+    </dgm:pt>
+    <dgm:pt modelId="{F371F0A5-9A09-4458-ABFC-2825C2CE26F7}" type="pres">
+      <dgm:prSet presAssocID="{E20D9C54-639B-4CAF-956C-3FB6E18A680F}" presName="spacer" presStyleCnt="0"/>
+      <dgm:spPr/>
+    </dgm:pt>
+    <dgm:pt modelId="{927504D8-05A5-4723-BB62-40057AC3DEAA}" type="pres">
+      <dgm:prSet presAssocID="{720817B9-285B-4291-B77B-EFE4DC5BFDEA}" presName="parentText" presStyleLbl="node1" presStyleIdx="4" presStyleCnt="5">
+        <dgm:presLayoutVars>
+          <dgm:chMax val="0"/>
+          <dgm:bulletEnabled val="1"/>
+        </dgm:presLayoutVars>
+      </dgm:prSet>
+      <dgm:spPr/>
+    </dgm:pt>
+  </dgm:ptLst>
+  <dgm:cxnLst>
+    <dgm:cxn modelId="{48168709-37C2-4A95-9DBE-33F1192AE826}" type="presOf" srcId="{2A02E346-FD14-4EF4-AF14-B221A6569EF8}" destId="{CF2E315D-E704-4002-897B-832865FC731B}" srcOrd="0" destOrd="0" presId="urn:microsoft.com/office/officeart/2005/8/layout/vList2"/>
+    <dgm:cxn modelId="{102C303D-4134-4BE5-AA58-F2BB39A028DD}" type="presOf" srcId="{930C89FB-868B-4600-B811-1AAB3173CA3B}" destId="{73F73748-1341-4BAB-9965-5EDEEE8C1CAE}" srcOrd="0" destOrd="0" presId="urn:microsoft.com/office/officeart/2005/8/layout/vList2"/>
+    <dgm:cxn modelId="{A956C445-882A-478D-B830-00C070A13F64}" type="presOf" srcId="{274F32BF-0750-4CE9-A8B0-22DD9489BD06}" destId="{E71B7D9C-0230-4D93-972A-26F06454184C}" srcOrd="0" destOrd="0" presId="urn:microsoft.com/office/officeart/2005/8/layout/vList2"/>
+    <dgm:cxn modelId="{C2E4EF66-51CA-4DC4-A586-59722426BFE4}" srcId="{E2215ED4-696B-4F90-9E7C-4411EE61F3C4}" destId="{2A02E346-FD14-4EF4-AF14-B221A6569EF8}" srcOrd="1" destOrd="0" parTransId="{92B86AA1-9E67-4BA5-9113-3E0D76A3262E}" sibTransId="{211129FC-F613-4E71-86AB-304743704F25}"/>
+    <dgm:cxn modelId="{A1909A4A-1647-4369-B841-D62D9B2DD94F}" srcId="{E2215ED4-696B-4F90-9E7C-4411EE61F3C4}" destId="{274F32BF-0750-4CE9-A8B0-22DD9489BD06}" srcOrd="3" destOrd="0" parTransId="{77E9E604-0CBF-4432-98C0-D0DE0733059A}" sibTransId="{E20D9C54-639B-4CAF-956C-3FB6E18A680F}"/>
+    <dgm:cxn modelId="{7E127387-0B6A-4CE7-B278-0F169BE1CD73}" type="presOf" srcId="{720817B9-285B-4291-B77B-EFE4DC5BFDEA}" destId="{927504D8-05A5-4723-BB62-40057AC3DEAA}" srcOrd="0" destOrd="0" presId="urn:microsoft.com/office/officeart/2005/8/layout/vList2"/>
+    <dgm:cxn modelId="{0016EACD-4B72-4E99-ADD2-E96DDC48F1CF}" srcId="{E2215ED4-696B-4F90-9E7C-4411EE61F3C4}" destId="{930C89FB-868B-4600-B811-1AAB3173CA3B}" srcOrd="2" destOrd="0" parTransId="{4D7A85D1-09EB-4626-9277-28AD6C56C159}" sibTransId="{EBB587E1-EF18-4DE5-8D7C-0CAFB15C6F03}"/>
+    <dgm:cxn modelId="{21094DDD-8241-4A27-85E8-0F27D198ACFD}" type="presOf" srcId="{576D2B60-9E1A-4124-B075-1E12943FFE18}" destId="{26E98FDD-C4BC-40E6-A845-966C20450C85}" srcOrd="0" destOrd="0" presId="urn:microsoft.com/office/officeart/2005/8/layout/vList2"/>
+    <dgm:cxn modelId="{DC87F9E1-67D6-4C49-B444-3C16A7AE4D50}" srcId="{E2215ED4-696B-4F90-9E7C-4411EE61F3C4}" destId="{720817B9-285B-4291-B77B-EFE4DC5BFDEA}" srcOrd="4" destOrd="0" parTransId="{872FF5EA-30F5-44D2-BEE9-490FDCA6F0DA}" sibTransId="{D0DB1E22-7BF7-4E59-9CA5-7B6D1A92C475}"/>
+    <dgm:cxn modelId="{2BDA1FE5-CCB5-4C56-8613-9E7E55D760AD}" srcId="{E2215ED4-696B-4F90-9E7C-4411EE61F3C4}" destId="{576D2B60-9E1A-4124-B075-1E12943FFE18}" srcOrd="0" destOrd="0" parTransId="{4CC9BD63-E8F3-41A9-B66C-100EAE17B85A}" sibTransId="{CAA9819C-D378-420F-8ED0-767FAD197C5A}"/>
+    <dgm:cxn modelId="{A40288E9-E4F6-4AAD-80D5-09DF27456340}" type="presOf" srcId="{E2215ED4-696B-4F90-9E7C-4411EE61F3C4}" destId="{582583EF-383E-44C9-ADE0-636C9E77F803}" srcOrd="0" destOrd="0" presId="urn:microsoft.com/office/officeart/2005/8/layout/vList2"/>
+    <dgm:cxn modelId="{DD619AD9-4D52-4496-BD37-872CA55E3843}" type="presParOf" srcId="{582583EF-383E-44C9-ADE0-636C9E77F803}" destId="{26E98FDD-C4BC-40E6-A845-966C20450C85}" srcOrd="0" destOrd="0" presId="urn:microsoft.com/office/officeart/2005/8/layout/vList2"/>
+    <dgm:cxn modelId="{7FEA22F3-DCCF-40E7-8475-E7276B29A7E3}" type="presParOf" srcId="{582583EF-383E-44C9-ADE0-636C9E77F803}" destId="{307B7074-DFA3-451F-BDD2-6B6E9979C1D7}" srcOrd="1" destOrd="0" presId="urn:microsoft.com/office/officeart/2005/8/layout/vList2"/>
+    <dgm:cxn modelId="{4B62146D-3228-4090-8CE6-53A4B18092CE}" type="presParOf" srcId="{582583EF-383E-44C9-ADE0-636C9E77F803}" destId="{CF2E315D-E704-4002-897B-832865FC731B}" srcOrd="2" destOrd="0" presId="urn:microsoft.com/office/officeart/2005/8/layout/vList2"/>
+    <dgm:cxn modelId="{2543A92B-0913-4ABE-845E-AF3FE27544D4}" type="presParOf" srcId="{582583EF-383E-44C9-ADE0-636C9E77F803}" destId="{FE71A273-3DF1-4816-B674-99B885663DED}" srcOrd="3" destOrd="0" presId="urn:microsoft.com/office/officeart/2005/8/layout/vList2"/>
+    <dgm:cxn modelId="{10114C85-1A31-4F28-B8C3-BCF0A10D5928}" type="presParOf" srcId="{582583EF-383E-44C9-ADE0-636C9E77F803}" destId="{73F73748-1341-4BAB-9965-5EDEEE8C1CAE}" srcOrd="4" destOrd="0" presId="urn:microsoft.com/office/officeart/2005/8/layout/vList2"/>
+    <dgm:cxn modelId="{77C70C09-61F4-4F5C-8581-3814A0F7AD15}" type="presParOf" srcId="{582583EF-383E-44C9-ADE0-636C9E77F803}" destId="{50FFAC44-35F9-4302-8A79-008317551AAF}" srcOrd="5" destOrd="0" presId="urn:microsoft.com/office/officeart/2005/8/layout/vList2"/>
+    <dgm:cxn modelId="{3EB3C0D8-EB07-4688-BDF7-C1FE0FF0489E}" type="presParOf" srcId="{582583EF-383E-44C9-ADE0-636C9E77F803}" destId="{E71B7D9C-0230-4D93-972A-26F06454184C}" srcOrd="6" destOrd="0" presId="urn:microsoft.com/office/officeart/2005/8/layout/vList2"/>
+    <dgm:cxn modelId="{4C254819-7EF5-47A1-8871-84EECBD4DE3A}" type="presParOf" srcId="{582583EF-383E-44C9-ADE0-636C9E77F803}" destId="{F371F0A5-9A09-4458-ABFC-2825C2CE26F7}" srcOrd="7" destOrd="0" presId="urn:microsoft.com/office/officeart/2005/8/layout/vList2"/>
+    <dgm:cxn modelId="{54919988-DEF8-4229-AD3D-7D903F01BA29}" type="presParOf" srcId="{582583EF-383E-44C9-ADE0-636C9E77F803}" destId="{927504D8-05A5-4723-BB62-40057AC3DEAA}" srcOrd="8" destOrd="0" presId="urn:microsoft.com/office/officeart/2005/8/layout/vList2"/>
+  </dgm:cxnLst>
+  <dgm:bg/>
+  <dgm:whole/>
+  <dgm:extLst>
+    <a:ext uri="http://schemas.microsoft.com/office/drawing/2008/diagram">
+      <dsp:dataModelExt xmlns:dsp="http://schemas.microsoft.com/office/drawing/2008/diagram" relId="rId6" minVer="http://schemas.openxmlformats.org/drawingml/2006/diagram"/>
+    </a:ext>
+  </dgm:extLst>
+</dgm:dataModel>
+</file>
+
+<file path=ppt/diagrams/data4.xml><?xml version="1.0" encoding="utf-8"?>
+<dgm:dataModel xmlns:dgm="http://schemas.openxmlformats.org/drawingml/2006/diagram" xmlns:a="http://schemas.openxmlformats.org/drawingml/2006/main">
+  <dgm:ptLst>
     <dgm:pt modelId="{9CE03B36-516B-0640-8BD6-98055C04EACA}" type="doc">
       <dgm:prSet loTypeId="urn:microsoft.com/office/officeart/2005/8/layout/list1" loCatId="" qsTypeId="urn:microsoft.com/office/officeart/2005/8/quickstyle/simple1" qsCatId="simple" csTypeId="urn:microsoft.com/office/officeart/2005/8/colors/accent1_2" csCatId="accent1" phldr="1"/>
       <dgm:spPr/>
@@ -3169,10 +4222,10 @@
         <a:lstStyle/>
         <a:p>
           <a:r>
-            <a:rPr lang="en-US" sz="1400" dirty="0" err="1"/>
+            <a:rPr lang="en-US" sz="1800" dirty="0" err="1"/>
             <a:t>Radzen</a:t>
           </a:r>
-          <a:endParaRPr lang="en-US" sz="1200" dirty="0"/>
+          <a:endParaRPr lang="en-US" sz="1600" dirty="0"/>
         </a:p>
       </dgm:t>
     </dgm:pt>
@@ -3206,10 +4259,10 @@
         <a:lstStyle/>
         <a:p>
           <a:r>
-            <a:rPr lang="en-US" sz="1400" dirty="0" err="1"/>
+            <a:rPr lang="en-US" sz="1800" dirty="0" err="1"/>
             <a:t>MudBlazor</a:t>
           </a:r>
-          <a:endParaRPr lang="en-US" sz="1200" dirty="0"/>
+          <a:endParaRPr lang="en-US" sz="1600" dirty="0"/>
         </a:p>
       </dgm:t>
     </dgm:pt>
@@ -3243,10 +4296,10 @@
         <a:lstStyle/>
         <a:p>
           <a:r>
-            <a:rPr lang="en-US" sz="1400" b="0" i="0" dirty="0" err="1"/>
+            <a:rPr lang="en-US" sz="1800" b="0" i="0" dirty="0" err="1"/>
             <a:t>Blazorise</a:t>
           </a:r>
-          <a:endParaRPr lang="en-US" sz="1200" dirty="0"/>
+          <a:endParaRPr lang="en-US" sz="1600" dirty="0"/>
         </a:p>
       </dgm:t>
     </dgm:pt>
@@ -3280,10 +4333,10 @@
         <a:lstStyle/>
         <a:p>
           <a:r>
-            <a:rPr lang="en-US" sz="1400" b="0" i="0" dirty="0" err="1"/>
+            <a:rPr lang="en-US" sz="1800" b="0" i="0" dirty="0" err="1"/>
             <a:t>Blazored</a:t>
           </a:r>
-          <a:endParaRPr lang="en-US" sz="1200" b="0" dirty="0"/>
+          <a:endParaRPr lang="en-US" sz="1600" b="0" dirty="0"/>
         </a:p>
       </dgm:t>
     </dgm:pt>
@@ -3317,10 +4370,10 @@
         <a:lstStyle/>
         <a:p>
           <a:r>
-            <a:rPr lang="en-US" sz="1400" b="0" i="0" dirty="0" err="1"/>
+            <a:rPr lang="en-US" sz="1800" b="0" i="0" dirty="0" err="1"/>
             <a:t>MatBlazor</a:t>
           </a:r>
-          <a:endParaRPr lang="en-US" sz="1200" b="0" dirty="0"/>
+          <a:endParaRPr lang="en-US" sz="1600" b="0" dirty="0"/>
         </a:p>
       </dgm:t>
     </dgm:pt>
@@ -3354,14 +4407,14 @@
         <a:lstStyle/>
         <a:p>
           <a:r>
-            <a:rPr lang="en-US" sz="1400" b="0" i="0" dirty="0"/>
+            <a:rPr lang="en-US" sz="1800" b="0" i="0" dirty="0"/>
             <a:t>Microsoft Fluent UI </a:t>
           </a:r>
           <a:r>
-            <a:rPr lang="en-US" sz="1400" b="0" i="0" dirty="0" err="1"/>
+            <a:rPr lang="en-US" sz="1800" b="0" i="0" dirty="0" err="1"/>
             <a:t>Blazor</a:t>
           </a:r>
-          <a:endParaRPr lang="en-US" sz="1400" b="0" dirty="0"/>
+          <a:endParaRPr lang="en-US" sz="1800" b="0" dirty="0"/>
         </a:p>
       </dgm:t>
     </dgm:pt>
@@ -3598,9 +4651,9 @@
     <dgm:cxn modelId="{11FFF614-8F0B-9741-BE17-6F821276FB29}" type="presOf" srcId="{FAA7E25B-6D90-0242-94E8-17BF2ECD1019}" destId="{792AA140-A883-CF4B-8F6C-6D66B5E47EFF}" srcOrd="1" destOrd="0" presId="urn:microsoft.com/office/officeart/2005/8/layout/list1"/>
     <dgm:cxn modelId="{E6158923-D7A1-8842-AFA8-9601C2461F71}" srcId="{9CE03B36-516B-0640-8BD6-98055C04EACA}" destId="{FAA7E25B-6D90-0242-94E8-17BF2ECD1019}" srcOrd="3" destOrd="0" parTransId="{03CFC730-E4F9-574A-8469-2950C1D97BD5}" sibTransId="{399145EC-2AA8-394D-8E37-348B22455CD0}"/>
     <dgm:cxn modelId="{1776152C-7F12-5B44-9665-422DD3378CF1}" type="presOf" srcId="{FAA7E25B-6D90-0242-94E8-17BF2ECD1019}" destId="{C930E3DC-FACF-074F-88AC-99FCAF84AB9A}" srcOrd="0" destOrd="0" presId="urn:microsoft.com/office/officeart/2005/8/layout/list1"/>
+    <dgm:cxn modelId="{D426C95B-7E4A-1947-A76C-49E75B083431}" type="presOf" srcId="{0229E1ED-5B18-FB40-9CCC-C4368659F2EF}" destId="{A8D1C0B9-2EED-6D43-B389-45AA020C26D8}" srcOrd="0" destOrd="0" presId="urn:microsoft.com/office/officeart/2005/8/layout/list1"/>
     <dgm:cxn modelId="{BBF28E44-58D4-0B41-8B30-FABAD7C4DED8}" type="presOf" srcId="{0229E1ED-5B18-FB40-9CCC-C4368659F2EF}" destId="{8A07015F-3CC9-7A46-BD84-B14F6049704E}" srcOrd="1" destOrd="0" presId="urn:microsoft.com/office/officeart/2005/8/layout/list1"/>
     <dgm:cxn modelId="{ADE07047-29CF-1D4D-83AA-20672CDBDF03}" type="presOf" srcId="{0A181E9B-4743-E14B-B139-07BD93C6ABA3}" destId="{BFC2CF04-86EF-4243-9A17-6A5BBE65AA4E}" srcOrd="1" destOrd="0" presId="urn:microsoft.com/office/officeart/2005/8/layout/list1"/>
-    <dgm:cxn modelId="{D426C95B-7E4A-1947-A76C-49E75B083431}" type="presOf" srcId="{0229E1ED-5B18-FB40-9CCC-C4368659F2EF}" destId="{A8D1C0B9-2EED-6D43-B389-45AA020C26D8}" srcOrd="0" destOrd="0" presId="urn:microsoft.com/office/officeart/2005/8/layout/list1"/>
     <dgm:cxn modelId="{15C5F06B-2680-CC4B-A321-ADAB089FDE9F}" srcId="{9CE03B36-516B-0640-8BD6-98055C04EACA}" destId="{06D3E43F-81CF-8641-9CFF-C2D27C2827A6}" srcOrd="0" destOrd="0" parTransId="{E0EAF335-EB23-6D4B-B6F6-38B3270161A9}" sibTransId="{424F848E-3AF2-5D4A-B9EE-A4AFD247D64F}"/>
     <dgm:cxn modelId="{F729DB93-04CC-6E4D-B282-452E0F326BFA}" type="presOf" srcId="{E6950B55-6B38-5743-93DC-42ABD1A1B3ED}" destId="{A049A340-B25C-FF47-8ABF-0B85F45F6C27}" srcOrd="1" destOrd="0" presId="urn:microsoft.com/office/officeart/2005/8/layout/list1"/>
     <dgm:cxn modelId="{1FF54499-152D-A44B-8C62-A2667A563E9B}" srcId="{9CE03B36-516B-0640-8BD6-98055C04EACA}" destId="{E6C38592-9470-9F4E-BAB0-69C92B2255FF}" srcOrd="4" destOrd="0" parTransId="{BC0FBF8D-7673-5446-A4BC-3ADEBDEEE7EA}" sibTransId="{48883215-9377-3D41-AF80-2F7226F66C19}"/>
@@ -4030,10 +5083,9 @@
             <a:buNone/>
           </a:pPr>
           <a:r>
-            <a:rPr lang="en-US" sz="1600" kern="1200"/>
+            <a:rPr lang="en-US" sz="1600" kern="1200" dirty="0"/>
             <a:t>A Framework Built for SPAs (Single-Page Applications)</a:t>
           </a:r>
-          <a:endParaRPr lang="en-US" sz="1600" kern="1200" dirty="0"/>
         </a:p>
       </dsp:txBody>
       <dsp:txXfrm>
@@ -4155,10 +5207,9 @@
             <a:buNone/>
           </a:pPr>
           <a:r>
-            <a:rPr lang="en-US" sz="1600" kern="1200"/>
+            <a:rPr lang="en-US" sz="1600" kern="1200" dirty="0"/>
             <a:t>Blazor Is Open Source and Cross-Platform</a:t>
           </a:r>
-          <a:endParaRPr lang="en-US" sz="1600" kern="1200" dirty="0"/>
         </a:p>
       </dsp:txBody>
       <dsp:txXfrm>
@@ -4755,6 +5806,408 @@
       <dsp:cNvGrpSpPr/>
     </dsp:nvGrpSpPr>
     <dsp:grpSpPr/>
+    <dsp:sp modelId="{26E98FDD-C4BC-40E6-A845-966C20450C85}">
+      <dsp:nvSpPr>
+        <dsp:cNvPr id="0" name=""/>
+        <dsp:cNvSpPr/>
+      </dsp:nvSpPr>
+      <dsp:spPr>
+        <a:xfrm>
+          <a:off x="0" y="25703"/>
+          <a:ext cx="7717500" cy="585000"/>
+        </a:xfrm>
+        <a:prstGeom prst="roundRect">
+          <a:avLst/>
+        </a:prstGeom>
+        <a:solidFill>
+          <a:schemeClr val="accent1">
+            <a:hueOff val="0"/>
+            <a:satOff val="0"/>
+            <a:lumOff val="0"/>
+            <a:alphaOff val="0"/>
+          </a:schemeClr>
+        </a:solidFill>
+        <a:ln w="25400" cap="flat" cmpd="sng" algn="ctr">
+          <a:solidFill>
+            <a:schemeClr val="lt1">
+              <a:hueOff val="0"/>
+              <a:satOff val="0"/>
+              <a:lumOff val="0"/>
+              <a:alphaOff val="0"/>
+            </a:schemeClr>
+          </a:solidFill>
+          <a:prstDash val="solid"/>
+        </a:ln>
+        <a:effectLst/>
+      </dsp:spPr>
+      <dsp:style>
+        <a:lnRef idx="2">
+          <a:scrgbClr r="0" g="0" b="0"/>
+        </a:lnRef>
+        <a:fillRef idx="1">
+          <a:scrgbClr r="0" g="0" b="0"/>
+        </a:fillRef>
+        <a:effectRef idx="0">
+          <a:scrgbClr r="0" g="0" b="0"/>
+        </a:effectRef>
+        <a:fontRef idx="minor">
+          <a:schemeClr val="lt1"/>
+        </a:fontRef>
+      </dsp:style>
+      <dsp:txBody>
+        <a:bodyPr spcFirstLastPara="0" vert="horz" wrap="square" lIns="95250" tIns="95250" rIns="95250" bIns="95250" numCol="1" spcCol="1270" anchor="ctr" anchorCtr="0">
+          <a:noAutofit/>
+        </a:bodyPr>
+        <a:lstStyle/>
+        <a:p>
+          <a:pPr marL="0" lvl="0" indent="0" algn="l" defTabSz="1111250">
+            <a:lnSpc>
+              <a:spcPct val="90000"/>
+            </a:lnSpc>
+            <a:spcBef>
+              <a:spcPct val="0"/>
+            </a:spcBef>
+            <a:spcAft>
+              <a:spcPct val="35000"/>
+            </a:spcAft>
+            <a:buNone/>
+          </a:pPr>
+          <a:r>
+            <a:rPr lang="en-US" sz="2500" b="0" i="0" kern="1200"/>
+            <a:t>Larger Download Size</a:t>
+          </a:r>
+          <a:endParaRPr lang="en-US" sz="2500" kern="1200"/>
+        </a:p>
+      </dsp:txBody>
+      <dsp:txXfrm>
+        <a:off x="28557" y="54260"/>
+        <a:ext cx="7660386" cy="527886"/>
+      </dsp:txXfrm>
+    </dsp:sp>
+    <dsp:sp modelId="{CF2E315D-E704-4002-897B-832865FC731B}">
+      <dsp:nvSpPr>
+        <dsp:cNvPr id="0" name=""/>
+        <dsp:cNvSpPr/>
+      </dsp:nvSpPr>
+      <dsp:spPr>
+        <a:xfrm>
+          <a:off x="0" y="682703"/>
+          <a:ext cx="7717500" cy="585000"/>
+        </a:xfrm>
+        <a:prstGeom prst="roundRect">
+          <a:avLst/>
+        </a:prstGeom>
+        <a:solidFill>
+          <a:schemeClr val="accent1">
+            <a:hueOff val="0"/>
+            <a:satOff val="0"/>
+            <a:lumOff val="0"/>
+            <a:alphaOff val="0"/>
+          </a:schemeClr>
+        </a:solidFill>
+        <a:ln w="25400" cap="flat" cmpd="sng" algn="ctr">
+          <a:solidFill>
+            <a:schemeClr val="lt1">
+              <a:hueOff val="0"/>
+              <a:satOff val="0"/>
+              <a:lumOff val="0"/>
+              <a:alphaOff val="0"/>
+            </a:schemeClr>
+          </a:solidFill>
+          <a:prstDash val="solid"/>
+        </a:ln>
+        <a:effectLst/>
+      </dsp:spPr>
+      <dsp:style>
+        <a:lnRef idx="2">
+          <a:scrgbClr r="0" g="0" b="0"/>
+        </a:lnRef>
+        <a:fillRef idx="1">
+          <a:scrgbClr r="0" g="0" b="0"/>
+        </a:fillRef>
+        <a:effectRef idx="0">
+          <a:scrgbClr r="0" g="0" b="0"/>
+        </a:effectRef>
+        <a:fontRef idx="minor">
+          <a:schemeClr val="lt1"/>
+        </a:fontRef>
+      </dsp:style>
+      <dsp:txBody>
+        <a:bodyPr spcFirstLastPara="0" vert="horz" wrap="square" lIns="95250" tIns="95250" rIns="95250" bIns="95250" numCol="1" spcCol="1270" anchor="ctr" anchorCtr="0">
+          <a:noAutofit/>
+        </a:bodyPr>
+        <a:lstStyle/>
+        <a:p>
+          <a:pPr marL="0" lvl="0" indent="0" algn="l" defTabSz="1111250">
+            <a:lnSpc>
+              <a:spcPct val="90000"/>
+            </a:lnSpc>
+            <a:spcBef>
+              <a:spcPct val="0"/>
+            </a:spcBef>
+            <a:spcAft>
+              <a:spcPct val="35000"/>
+            </a:spcAft>
+            <a:buNone/>
+          </a:pPr>
+          <a:r>
+            <a:rPr lang="en-US" sz="2500" b="0" i="0" kern="1200"/>
+            <a:t>Initial Load Time</a:t>
+          </a:r>
+          <a:endParaRPr lang="en-US" sz="2500" kern="1200"/>
+        </a:p>
+      </dsp:txBody>
+      <dsp:txXfrm>
+        <a:off x="28557" y="711260"/>
+        <a:ext cx="7660386" cy="527886"/>
+      </dsp:txXfrm>
+    </dsp:sp>
+    <dsp:sp modelId="{73F73748-1341-4BAB-9965-5EDEEE8C1CAE}">
+      <dsp:nvSpPr>
+        <dsp:cNvPr id="0" name=""/>
+        <dsp:cNvSpPr/>
+      </dsp:nvSpPr>
+      <dsp:spPr>
+        <a:xfrm>
+          <a:off x="0" y="1339704"/>
+          <a:ext cx="7717500" cy="585000"/>
+        </a:xfrm>
+        <a:prstGeom prst="roundRect">
+          <a:avLst/>
+        </a:prstGeom>
+        <a:solidFill>
+          <a:schemeClr val="accent1">
+            <a:hueOff val="0"/>
+            <a:satOff val="0"/>
+            <a:lumOff val="0"/>
+            <a:alphaOff val="0"/>
+          </a:schemeClr>
+        </a:solidFill>
+        <a:ln w="25400" cap="flat" cmpd="sng" algn="ctr">
+          <a:solidFill>
+            <a:schemeClr val="lt1">
+              <a:hueOff val="0"/>
+              <a:satOff val="0"/>
+              <a:lumOff val="0"/>
+              <a:alphaOff val="0"/>
+            </a:schemeClr>
+          </a:solidFill>
+          <a:prstDash val="solid"/>
+        </a:ln>
+        <a:effectLst/>
+      </dsp:spPr>
+      <dsp:style>
+        <a:lnRef idx="2">
+          <a:scrgbClr r="0" g="0" b="0"/>
+        </a:lnRef>
+        <a:fillRef idx="1">
+          <a:scrgbClr r="0" g="0" b="0"/>
+        </a:fillRef>
+        <a:effectRef idx="0">
+          <a:scrgbClr r="0" g="0" b="0"/>
+        </a:effectRef>
+        <a:fontRef idx="minor">
+          <a:schemeClr val="lt1"/>
+        </a:fontRef>
+      </dsp:style>
+      <dsp:txBody>
+        <a:bodyPr spcFirstLastPara="0" vert="horz" wrap="square" lIns="95250" tIns="95250" rIns="95250" bIns="95250" numCol="1" spcCol="1270" anchor="ctr" anchorCtr="0">
+          <a:noAutofit/>
+        </a:bodyPr>
+        <a:lstStyle/>
+        <a:p>
+          <a:pPr marL="0" lvl="0" indent="0" algn="l" defTabSz="1111250">
+            <a:lnSpc>
+              <a:spcPct val="90000"/>
+            </a:lnSpc>
+            <a:spcBef>
+              <a:spcPct val="0"/>
+            </a:spcBef>
+            <a:spcAft>
+              <a:spcPct val="35000"/>
+            </a:spcAft>
+            <a:buNone/>
+          </a:pPr>
+          <a:r>
+            <a:rPr lang="en-US" sz="2500" b="0" i="0" kern="1200"/>
+            <a:t>Dependency on WebAssembly</a:t>
+          </a:r>
+          <a:endParaRPr lang="en-US" sz="2500" kern="1200"/>
+        </a:p>
+      </dsp:txBody>
+      <dsp:txXfrm>
+        <a:off x="28557" y="1368261"/>
+        <a:ext cx="7660386" cy="527886"/>
+      </dsp:txXfrm>
+    </dsp:sp>
+    <dsp:sp modelId="{E71B7D9C-0230-4D93-972A-26F06454184C}">
+      <dsp:nvSpPr>
+        <dsp:cNvPr id="0" name=""/>
+        <dsp:cNvSpPr/>
+      </dsp:nvSpPr>
+      <dsp:spPr>
+        <a:xfrm>
+          <a:off x="0" y="1996704"/>
+          <a:ext cx="7717500" cy="585000"/>
+        </a:xfrm>
+        <a:prstGeom prst="roundRect">
+          <a:avLst/>
+        </a:prstGeom>
+        <a:solidFill>
+          <a:schemeClr val="accent1">
+            <a:hueOff val="0"/>
+            <a:satOff val="0"/>
+            <a:lumOff val="0"/>
+            <a:alphaOff val="0"/>
+          </a:schemeClr>
+        </a:solidFill>
+        <a:ln w="25400" cap="flat" cmpd="sng" algn="ctr">
+          <a:solidFill>
+            <a:schemeClr val="lt1">
+              <a:hueOff val="0"/>
+              <a:satOff val="0"/>
+              <a:lumOff val="0"/>
+              <a:alphaOff val="0"/>
+            </a:schemeClr>
+          </a:solidFill>
+          <a:prstDash val="solid"/>
+        </a:ln>
+        <a:effectLst/>
+      </dsp:spPr>
+      <dsp:style>
+        <a:lnRef idx="2">
+          <a:scrgbClr r="0" g="0" b="0"/>
+        </a:lnRef>
+        <a:fillRef idx="1">
+          <a:scrgbClr r="0" g="0" b="0"/>
+        </a:fillRef>
+        <a:effectRef idx="0">
+          <a:scrgbClr r="0" g="0" b="0"/>
+        </a:effectRef>
+        <a:fontRef idx="minor">
+          <a:schemeClr val="lt1"/>
+        </a:fontRef>
+      </dsp:style>
+      <dsp:txBody>
+        <a:bodyPr spcFirstLastPara="0" vert="horz" wrap="square" lIns="95250" tIns="95250" rIns="95250" bIns="95250" numCol="1" spcCol="1270" anchor="ctr" anchorCtr="0">
+          <a:noAutofit/>
+        </a:bodyPr>
+        <a:lstStyle/>
+        <a:p>
+          <a:pPr marL="0" lvl="0" indent="0" algn="l" defTabSz="1111250">
+            <a:lnSpc>
+              <a:spcPct val="90000"/>
+            </a:lnSpc>
+            <a:spcBef>
+              <a:spcPct val="0"/>
+            </a:spcBef>
+            <a:spcAft>
+              <a:spcPct val="35000"/>
+            </a:spcAft>
+            <a:buNone/>
+          </a:pPr>
+          <a:r>
+            <a:rPr lang="en-US" sz="2500" b="0" i="0" kern="1200"/>
+            <a:t>Limited Debugging Capability</a:t>
+          </a:r>
+          <a:endParaRPr lang="en-US" sz="2500" kern="1200"/>
+        </a:p>
+      </dsp:txBody>
+      <dsp:txXfrm>
+        <a:off x="28557" y="2025261"/>
+        <a:ext cx="7660386" cy="527886"/>
+      </dsp:txXfrm>
+    </dsp:sp>
+    <dsp:sp modelId="{927504D8-05A5-4723-BB62-40057AC3DEAA}">
+      <dsp:nvSpPr>
+        <dsp:cNvPr id="0" name=""/>
+        <dsp:cNvSpPr/>
+      </dsp:nvSpPr>
+      <dsp:spPr>
+        <a:xfrm>
+          <a:off x="0" y="2653704"/>
+          <a:ext cx="7717500" cy="585000"/>
+        </a:xfrm>
+        <a:prstGeom prst="roundRect">
+          <a:avLst/>
+        </a:prstGeom>
+        <a:solidFill>
+          <a:schemeClr val="accent1">
+            <a:hueOff val="0"/>
+            <a:satOff val="0"/>
+            <a:lumOff val="0"/>
+            <a:alphaOff val="0"/>
+          </a:schemeClr>
+        </a:solidFill>
+        <a:ln w="25400" cap="flat" cmpd="sng" algn="ctr">
+          <a:solidFill>
+            <a:schemeClr val="lt1">
+              <a:hueOff val="0"/>
+              <a:satOff val="0"/>
+              <a:lumOff val="0"/>
+              <a:alphaOff val="0"/>
+            </a:schemeClr>
+          </a:solidFill>
+          <a:prstDash val="solid"/>
+        </a:ln>
+        <a:effectLst/>
+      </dsp:spPr>
+      <dsp:style>
+        <a:lnRef idx="2">
+          <a:scrgbClr r="0" g="0" b="0"/>
+        </a:lnRef>
+        <a:fillRef idx="1">
+          <a:scrgbClr r="0" g="0" b="0"/>
+        </a:fillRef>
+        <a:effectRef idx="0">
+          <a:scrgbClr r="0" g="0" b="0"/>
+        </a:effectRef>
+        <a:fontRef idx="minor">
+          <a:schemeClr val="lt1"/>
+        </a:fontRef>
+      </dsp:style>
+      <dsp:txBody>
+        <a:bodyPr spcFirstLastPara="0" vert="horz" wrap="square" lIns="95250" tIns="95250" rIns="95250" bIns="95250" numCol="1" spcCol="1270" anchor="ctr" anchorCtr="0">
+          <a:noAutofit/>
+        </a:bodyPr>
+        <a:lstStyle/>
+        <a:p>
+          <a:pPr marL="0" lvl="0" indent="0" algn="l" defTabSz="1111250">
+            <a:lnSpc>
+              <a:spcPct val="90000"/>
+            </a:lnSpc>
+            <a:spcBef>
+              <a:spcPct val="0"/>
+            </a:spcBef>
+            <a:spcAft>
+              <a:spcPct val="35000"/>
+            </a:spcAft>
+            <a:buNone/>
+          </a:pPr>
+          <a:r>
+            <a:rPr lang="en-US" sz="2500" b="0" i="0" kern="1200"/>
+            <a:t>Server Connection Dependency</a:t>
+          </a:r>
+          <a:endParaRPr lang="en-US" sz="2500" kern="1200"/>
+        </a:p>
+      </dsp:txBody>
+      <dsp:txXfrm>
+        <a:off x="28557" y="2682261"/>
+        <a:ext cx="7660386" cy="527886"/>
+      </dsp:txXfrm>
+    </dsp:sp>
+  </dsp:spTree>
+</dsp:drawing>
+</file>
+
+<file path=ppt/diagrams/drawing4.xml><?xml version="1.0" encoding="utf-8"?>
+<dsp:drawing xmlns:dgm="http://schemas.openxmlformats.org/drawingml/2006/diagram" xmlns:dsp="http://schemas.microsoft.com/office/drawing/2008/diagram" xmlns:a="http://schemas.openxmlformats.org/drawingml/2006/main">
+  <dsp:spTree>
+    <dsp:nvGrpSpPr>
+      <dsp:cNvPr id="0" name=""/>
+      <dsp:cNvGrpSpPr/>
+    </dsp:nvGrpSpPr>
+    <dsp:grpSpPr/>
     <dsp:sp modelId="{CD5AB8F6-C3CB-3148-8439-25243F7D8EE5}">
       <dsp:nvSpPr>
         <dsp:cNvPr id="0" name=""/>
@@ -4763,7 +6216,7 @@
       <dsp:spPr>
         <a:xfrm>
           <a:off x="0" y="225286"/>
-          <a:ext cx="7157156" cy="302399"/>
+          <a:ext cx="7157156" cy="302400"/>
         </a:xfrm>
         <a:prstGeom prst="rect">
           <a:avLst/>
@@ -4857,7 +6310,7 @@
         </a:bodyPr>
         <a:lstStyle/>
         <a:p>
-          <a:pPr marL="0" lvl="0" indent="0" algn="l" defTabSz="622300">
+          <a:pPr marL="0" lvl="0" indent="0" algn="l" defTabSz="800100">
             <a:lnSpc>
               <a:spcPct val="90000"/>
             </a:lnSpc>
@@ -4870,10 +6323,10 @@
             <a:buNone/>
           </a:pPr>
           <a:r>
-            <a:rPr lang="en-US" sz="1400" kern="1200" dirty="0" err="1"/>
+            <a:rPr lang="en-US" sz="1800" kern="1200" dirty="0" err="1"/>
             <a:t>Radzen</a:t>
           </a:r>
-          <a:endParaRPr lang="en-US" sz="1200" kern="1200" dirty="0"/>
+          <a:endParaRPr lang="en-US" sz="1600" kern="1200" dirty="0"/>
         </a:p>
       </dsp:txBody>
       <dsp:txXfrm>
@@ -4889,7 +6342,7 @@
       <dsp:spPr>
         <a:xfrm>
           <a:off x="0" y="769606"/>
-          <a:ext cx="7157156" cy="302399"/>
+          <a:ext cx="7157156" cy="302400"/>
         </a:xfrm>
         <a:prstGeom prst="rect">
           <a:avLst/>
@@ -4983,7 +6436,7 @@
         </a:bodyPr>
         <a:lstStyle/>
         <a:p>
-          <a:pPr marL="0" lvl="0" indent="0" algn="l" defTabSz="622300">
+          <a:pPr marL="0" lvl="0" indent="0" algn="l" defTabSz="800100">
             <a:lnSpc>
               <a:spcPct val="90000"/>
             </a:lnSpc>
@@ -4996,10 +6449,10 @@
             <a:buNone/>
           </a:pPr>
           <a:r>
-            <a:rPr lang="en-US" sz="1400" kern="1200" dirty="0" err="1"/>
+            <a:rPr lang="en-US" sz="1800" kern="1200" dirty="0" err="1"/>
             <a:t>MudBlazor</a:t>
           </a:r>
-          <a:endParaRPr lang="en-US" sz="1200" kern="1200" dirty="0"/>
+          <a:endParaRPr lang="en-US" sz="1600" kern="1200" dirty="0"/>
         </a:p>
       </dsp:txBody>
       <dsp:txXfrm>
@@ -5015,7 +6468,7 @@
       <dsp:spPr>
         <a:xfrm>
           <a:off x="0" y="1313926"/>
-          <a:ext cx="7157156" cy="302399"/>
+          <a:ext cx="7157156" cy="302400"/>
         </a:xfrm>
         <a:prstGeom prst="rect">
           <a:avLst/>
@@ -5109,7 +6562,7 @@
         </a:bodyPr>
         <a:lstStyle/>
         <a:p>
-          <a:pPr marL="0" lvl="0" indent="0" algn="l" defTabSz="622300">
+          <a:pPr marL="0" lvl="0" indent="0" algn="l" defTabSz="800100">
             <a:lnSpc>
               <a:spcPct val="90000"/>
             </a:lnSpc>
@@ -5122,10 +6575,10 @@
             <a:buNone/>
           </a:pPr>
           <a:r>
-            <a:rPr lang="en-US" sz="1400" b="0" i="0" kern="1200" dirty="0" err="1"/>
+            <a:rPr lang="en-US" sz="1800" b="0" i="0" kern="1200" dirty="0" err="1"/>
             <a:t>Blazorise</a:t>
           </a:r>
-          <a:endParaRPr lang="en-US" sz="1200" kern="1200" dirty="0"/>
+          <a:endParaRPr lang="en-US" sz="1600" kern="1200" dirty="0"/>
         </a:p>
       </dsp:txBody>
       <dsp:txXfrm>
@@ -5141,7 +6594,7 @@
       <dsp:spPr>
         <a:xfrm>
           <a:off x="0" y="1858246"/>
-          <a:ext cx="7157156" cy="302399"/>
+          <a:ext cx="7157156" cy="302400"/>
         </a:xfrm>
         <a:prstGeom prst="rect">
           <a:avLst/>
@@ -5235,7 +6688,7 @@
         </a:bodyPr>
         <a:lstStyle/>
         <a:p>
-          <a:pPr marL="0" lvl="0" indent="0" algn="l" defTabSz="622300">
+          <a:pPr marL="0" lvl="0" indent="0" algn="l" defTabSz="800100">
             <a:lnSpc>
               <a:spcPct val="90000"/>
             </a:lnSpc>
@@ -5248,10 +6701,10 @@
             <a:buNone/>
           </a:pPr>
           <a:r>
-            <a:rPr lang="en-US" sz="1400" b="0" i="0" kern="1200" dirty="0" err="1"/>
+            <a:rPr lang="en-US" sz="1800" b="0" i="0" kern="1200" dirty="0" err="1"/>
             <a:t>Blazored</a:t>
           </a:r>
-          <a:endParaRPr lang="en-US" sz="1200" b="0" kern="1200" dirty="0"/>
+          <a:endParaRPr lang="en-US" sz="1600" b="0" kern="1200" dirty="0"/>
         </a:p>
       </dsp:txBody>
       <dsp:txXfrm>
@@ -5267,7 +6720,7 @@
       <dsp:spPr>
         <a:xfrm>
           <a:off x="0" y="2402566"/>
-          <a:ext cx="7157156" cy="302399"/>
+          <a:ext cx="7157156" cy="302400"/>
         </a:xfrm>
         <a:prstGeom prst="rect">
           <a:avLst/>
@@ -5361,7 +6814,7 @@
         </a:bodyPr>
         <a:lstStyle/>
         <a:p>
-          <a:pPr marL="0" lvl="0" indent="0" algn="l" defTabSz="622300">
+          <a:pPr marL="0" lvl="0" indent="0" algn="l" defTabSz="800100">
             <a:lnSpc>
               <a:spcPct val="90000"/>
             </a:lnSpc>
@@ -5374,10 +6827,10 @@
             <a:buNone/>
           </a:pPr>
           <a:r>
-            <a:rPr lang="en-US" sz="1400" b="0" i="0" kern="1200" dirty="0" err="1"/>
+            <a:rPr lang="en-US" sz="1800" b="0" i="0" kern="1200" dirty="0" err="1"/>
             <a:t>MatBlazor</a:t>
           </a:r>
-          <a:endParaRPr lang="en-US" sz="1200" b="0" kern="1200" dirty="0"/>
+          <a:endParaRPr lang="en-US" sz="1600" b="0" kern="1200" dirty="0"/>
         </a:p>
       </dsp:txBody>
       <dsp:txXfrm>
@@ -5393,7 +6846,7 @@
       <dsp:spPr>
         <a:xfrm>
           <a:off x="0" y="2946886"/>
-          <a:ext cx="7157156" cy="302399"/>
+          <a:ext cx="7157156" cy="302400"/>
         </a:xfrm>
         <a:prstGeom prst="rect">
           <a:avLst/>
@@ -5487,7 +6940,7 @@
         </a:bodyPr>
         <a:lstStyle/>
         <a:p>
-          <a:pPr marL="0" lvl="0" indent="0" algn="l" defTabSz="622300">
+          <a:pPr marL="0" lvl="0" indent="0" algn="l" defTabSz="800100">
             <a:lnSpc>
               <a:spcPct val="90000"/>
             </a:lnSpc>
@@ -5500,14 +6953,14 @@
             <a:buNone/>
           </a:pPr>
           <a:r>
-            <a:rPr lang="en-US" sz="1400" b="0" i="0" kern="1200" dirty="0"/>
+            <a:rPr lang="en-US" sz="1800" b="0" i="0" kern="1200" dirty="0"/>
             <a:t>Microsoft Fluent UI </a:t>
           </a:r>
           <a:r>
-            <a:rPr lang="en-US" sz="1400" b="0" i="0" kern="1200" dirty="0" err="1"/>
+            <a:rPr lang="en-US" sz="1800" b="0" i="0" kern="1200" dirty="0" err="1"/>
             <a:t>Blazor</a:t>
           </a:r>
-          <a:endParaRPr lang="en-US" sz="1400" b="0" kern="1200" dirty="0"/>
+          <a:endParaRPr lang="en-US" sz="1800" b="0" kern="1200" dirty="0"/>
         </a:p>
       </dsp:txBody>
       <dsp:txXfrm>
@@ -7005,6 +8458,173 @@
 </file>
 
 <file path=ppt/diagrams/layout3.xml><?xml version="1.0" encoding="utf-8"?>
+<dgm:layoutDef xmlns:dgm="http://schemas.openxmlformats.org/drawingml/2006/diagram" xmlns:a="http://schemas.openxmlformats.org/drawingml/2006/main" uniqueId="urn:microsoft.com/office/officeart/2005/8/layout/vList2">
+  <dgm:title val=""/>
+  <dgm:desc val=""/>
+  <dgm:catLst>
+    <dgm:cat type="list" pri="3000"/>
+    <dgm:cat type="convert" pri="1000"/>
+  </dgm:catLst>
+  <dgm:sampData>
+    <dgm:dataModel>
+      <dgm:ptLst>
+        <dgm:pt modelId="0" type="doc"/>
+        <dgm:pt modelId="1">
+          <dgm:prSet phldr="1"/>
+        </dgm:pt>
+        <dgm:pt modelId="11">
+          <dgm:prSet phldr="1"/>
+        </dgm:pt>
+        <dgm:pt modelId="2">
+          <dgm:prSet phldr="1"/>
+        </dgm:pt>
+        <dgm:pt modelId="21">
+          <dgm:prSet phldr="1"/>
+        </dgm:pt>
+      </dgm:ptLst>
+      <dgm:cxnLst>
+        <dgm:cxn modelId="4" srcId="0" destId="1" srcOrd="0" destOrd="0"/>
+        <dgm:cxn modelId="5" srcId="0" destId="2" srcOrd="1" destOrd="0"/>
+        <dgm:cxn modelId="12" srcId="1" destId="11" srcOrd="0" destOrd="0"/>
+        <dgm:cxn modelId="23" srcId="2" destId="21" srcOrd="0" destOrd="0"/>
+      </dgm:cxnLst>
+      <dgm:bg/>
+      <dgm:whole/>
+    </dgm:dataModel>
+  </dgm:sampData>
+  <dgm:styleData>
+    <dgm:dataModel>
+      <dgm:ptLst>
+        <dgm:pt modelId="0" type="doc"/>
+        <dgm:pt modelId="1"/>
+        <dgm:pt modelId="2"/>
+      </dgm:ptLst>
+      <dgm:cxnLst>
+        <dgm:cxn modelId="3" srcId="0" destId="1" srcOrd="0" destOrd="0"/>
+        <dgm:cxn modelId="4" srcId="0" destId="2" srcOrd="1" destOrd="0"/>
+      </dgm:cxnLst>
+      <dgm:bg/>
+      <dgm:whole/>
+    </dgm:dataModel>
+  </dgm:styleData>
+  <dgm:clrData>
+    <dgm:dataModel>
+      <dgm:ptLst>
+        <dgm:pt modelId="0" type="doc"/>
+        <dgm:pt modelId="1"/>
+        <dgm:pt modelId="2"/>
+        <dgm:pt modelId="3"/>
+        <dgm:pt modelId="4"/>
+      </dgm:ptLst>
+      <dgm:cxnLst>
+        <dgm:cxn modelId="5" srcId="0" destId="1" srcOrd="0" destOrd="0"/>
+        <dgm:cxn modelId="6" srcId="0" destId="2" srcOrd="1" destOrd="0"/>
+        <dgm:cxn modelId="7" srcId="0" destId="3" srcOrd="2" destOrd="0"/>
+        <dgm:cxn modelId="8" srcId="0" destId="4" srcOrd="3" destOrd="0"/>
+      </dgm:cxnLst>
+      <dgm:bg/>
+      <dgm:whole/>
+    </dgm:dataModel>
+  </dgm:clrData>
+  <dgm:layoutNode name="linear">
+    <dgm:varLst>
+      <dgm:animLvl val="lvl"/>
+      <dgm:resizeHandles val="exact"/>
+    </dgm:varLst>
+    <dgm:alg type="lin">
+      <dgm:param type="linDir" val="fromT"/>
+      <dgm:param type="vertAlign" val="mid"/>
+    </dgm:alg>
+    <dgm:shape xmlns:r="http://schemas.openxmlformats.org/officeDocument/2006/relationships" r:blip="">
+      <dgm:adjLst/>
+    </dgm:shape>
+    <dgm:presOf/>
+    <dgm:constrLst>
+      <dgm:constr type="w" for="ch" forName="parentText" refType="w"/>
+      <dgm:constr type="h" for="ch" forName="parentText" refType="primFontSz" refFor="ch" refForName="parentText" fact="0.52"/>
+      <dgm:constr type="w" for="ch" forName="childText" refType="w"/>
+      <dgm:constr type="h" for="ch" forName="childText" refType="primFontSz" refFor="ch" refForName="parentText" fact="0.46"/>
+      <dgm:constr type="h" for="ch" forName="parentText" op="equ"/>
+      <dgm:constr type="primFontSz" for="ch" forName="parentText" op="equ" val="65"/>
+      <dgm:constr type="primFontSz" for="ch" forName="childText" refType="primFontSz" refFor="ch" refForName="parentText" op="equ"/>
+      <dgm:constr type="h" for="ch" forName="spacer" refType="primFontSz" refFor="ch" refForName="parentText" fact="0.08"/>
+    </dgm:constrLst>
+    <dgm:ruleLst>
+      <dgm:rule type="primFontSz" for="ch" forName="parentText" val="5" fact="NaN" max="NaN"/>
+    </dgm:ruleLst>
+    <dgm:forEach name="Name0" axis="ch" ptType="node">
+      <dgm:layoutNode name="parentText" styleLbl="node1">
+        <dgm:varLst>
+          <dgm:chMax val="0"/>
+          <dgm:bulletEnabled val="1"/>
+        </dgm:varLst>
+        <dgm:alg type="tx">
+          <dgm:param type="parTxLTRAlign" val="l"/>
+          <dgm:param type="parTxRTLAlign" val="r"/>
+        </dgm:alg>
+        <dgm:shape xmlns:r="http://schemas.openxmlformats.org/officeDocument/2006/relationships" type="roundRect" r:blip="">
+          <dgm:adjLst/>
+        </dgm:shape>
+        <dgm:presOf axis="self"/>
+        <dgm:constrLst>
+          <dgm:constr type="tMarg" refType="primFontSz" fact="0.3"/>
+          <dgm:constr type="bMarg" refType="primFontSz" fact="0.3"/>
+          <dgm:constr type="lMarg" refType="primFontSz" fact="0.3"/>
+          <dgm:constr type="rMarg" refType="primFontSz" fact="0.3"/>
+        </dgm:constrLst>
+        <dgm:ruleLst>
+          <dgm:rule type="h" val="INF" fact="NaN" max="NaN"/>
+        </dgm:ruleLst>
+      </dgm:layoutNode>
+      <dgm:choose name="Name1">
+        <dgm:if name="Name2" axis="ch" ptType="node" func="cnt" op="gte" val="1">
+          <dgm:layoutNode name="childText" styleLbl="revTx">
+            <dgm:varLst>
+              <dgm:bulletEnabled val="1"/>
+            </dgm:varLst>
+            <dgm:alg type="tx">
+              <dgm:param type="stBulletLvl" val="1"/>
+              <dgm:param type="lnSpAfChP" val="20"/>
+            </dgm:alg>
+            <dgm:shape xmlns:r="http://schemas.openxmlformats.org/officeDocument/2006/relationships" type="rect" r:blip="">
+              <dgm:adjLst/>
+            </dgm:shape>
+            <dgm:presOf axis="des" ptType="node"/>
+            <dgm:constrLst>
+              <dgm:constr type="tMarg" refType="primFontSz" fact="0.1"/>
+              <dgm:constr type="bMarg" refType="primFontSz" fact="0.1"/>
+              <dgm:constr type="lMarg" refType="w" fact="0.09"/>
+            </dgm:constrLst>
+            <dgm:ruleLst>
+              <dgm:rule type="h" val="INF" fact="NaN" max="NaN"/>
+            </dgm:ruleLst>
+          </dgm:layoutNode>
+        </dgm:if>
+        <dgm:else name="Name3">
+          <dgm:choose name="Name4">
+            <dgm:if name="Name5" axis="par ch" ptType="doc node" func="cnt" op="gte" val="2">
+              <dgm:forEach name="Name6" axis="followSib" ptType="sibTrans" cnt="1">
+                <dgm:layoutNode name="spacer">
+                  <dgm:alg type="sp"/>
+                  <dgm:shape xmlns:r="http://schemas.openxmlformats.org/officeDocument/2006/relationships" r:blip="">
+                    <dgm:adjLst/>
+                  </dgm:shape>
+                  <dgm:presOf/>
+                  <dgm:constrLst/>
+                  <dgm:ruleLst/>
+                </dgm:layoutNode>
+              </dgm:forEach>
+            </dgm:if>
+            <dgm:else name="Name7"/>
+          </dgm:choose>
+        </dgm:else>
+      </dgm:choose>
+    </dgm:forEach>
+  </dgm:layoutNode>
+</dgm:layoutDef>
+</file>
+
+<file path=ppt/diagrams/layout4.xml><?xml version="1.0" encoding="utf-8"?>
 <dgm:layoutDef xmlns:dgm="http://schemas.openxmlformats.org/drawingml/2006/diagram" xmlns:a="http://schemas.openxmlformats.org/drawingml/2006/main" uniqueId="urn:microsoft.com/office/officeart/2005/8/layout/list1">
   <dgm:title val=""/>
   <dgm:desc val=""/>
@@ -9298,6 +10918,1040 @@
 </file>
 
 <file path=ppt/diagrams/quickStyle3.xml><?xml version="1.0" encoding="utf-8"?>
+<dgm:styleDef xmlns:dgm="http://schemas.openxmlformats.org/drawingml/2006/diagram" xmlns:a="http://schemas.openxmlformats.org/drawingml/2006/main" uniqueId="urn:microsoft.com/office/officeart/2005/8/quickstyle/simple1">
+  <dgm:title val=""/>
+  <dgm:desc val=""/>
+  <dgm:catLst>
+    <dgm:cat type="simple" pri="10100"/>
+  </dgm:catLst>
+  <dgm:scene3d>
+    <a:camera prst="orthographicFront"/>
+    <a:lightRig rig="threePt" dir="t"/>
+  </dgm:scene3d>
+  <dgm:styleLbl name="node0">
+    <dgm:scene3d>
+      <a:camera prst="orthographicFront"/>
+      <a:lightRig rig="threePt" dir="t"/>
+    </dgm:scene3d>
+    <dgm:sp3d/>
+    <dgm:txPr/>
+    <dgm:style>
+      <a:lnRef idx="2">
+        <a:scrgbClr r="0" g="0" b="0"/>
+      </a:lnRef>
+      <a:fillRef idx="1">
+        <a:scrgbClr r="0" g="0" b="0"/>
+      </a:fillRef>
+      <a:effectRef idx="0">
+        <a:scrgbClr r="0" g="0" b="0"/>
+      </a:effectRef>
+      <a:fontRef idx="minor">
+        <a:schemeClr val="lt1"/>
+      </a:fontRef>
+    </dgm:style>
+  </dgm:styleLbl>
+  <dgm:styleLbl name="lnNode1">
+    <dgm:scene3d>
+      <a:camera prst="orthographicFront"/>
+      <a:lightRig rig="threePt" dir="t"/>
+    </dgm:scene3d>
+    <dgm:sp3d/>
+    <dgm:txPr/>
+    <dgm:style>
+      <a:lnRef idx="2">
+        <a:scrgbClr r="0" g="0" b="0"/>
+      </a:lnRef>
+      <a:fillRef idx="1">
+        <a:scrgbClr r="0" g="0" b="0"/>
+      </a:fillRef>
+      <a:effectRef idx="0">
+        <a:scrgbClr r="0" g="0" b="0"/>
+      </a:effectRef>
+      <a:fontRef idx="minor">
+        <a:schemeClr val="lt1"/>
+      </a:fontRef>
+    </dgm:style>
+  </dgm:styleLbl>
+  <dgm:styleLbl name="vennNode1">
+    <dgm:scene3d>
+      <a:camera prst="orthographicFront"/>
+      <a:lightRig rig="threePt" dir="t"/>
+    </dgm:scene3d>
+    <dgm:sp3d/>
+    <dgm:txPr/>
+    <dgm:style>
+      <a:lnRef idx="2">
+        <a:scrgbClr r="0" g="0" b="0"/>
+      </a:lnRef>
+      <a:fillRef idx="1">
+        <a:scrgbClr r="0" g="0" b="0"/>
+      </a:fillRef>
+      <a:effectRef idx="0">
+        <a:scrgbClr r="0" g="0" b="0"/>
+      </a:effectRef>
+      <a:fontRef idx="minor">
+        <a:schemeClr val="tx1"/>
+      </a:fontRef>
+    </dgm:style>
+  </dgm:styleLbl>
+  <dgm:styleLbl name="alignNode1">
+    <dgm:scene3d>
+      <a:camera prst="orthographicFront"/>
+      <a:lightRig rig="threePt" dir="t"/>
+    </dgm:scene3d>
+    <dgm:sp3d/>
+    <dgm:txPr/>
+    <dgm:style>
+      <a:lnRef idx="2">
+        <a:scrgbClr r="0" g="0" b="0"/>
+      </a:lnRef>
+      <a:fillRef idx="1">
+        <a:scrgbClr r="0" g="0" b="0"/>
+      </a:fillRef>
+      <a:effectRef idx="0">
+        <a:scrgbClr r="0" g="0" b="0"/>
+      </a:effectRef>
+      <a:fontRef idx="minor">
+        <a:schemeClr val="lt1"/>
+      </a:fontRef>
+    </dgm:style>
+  </dgm:styleLbl>
+  <dgm:styleLbl name="node1">
+    <dgm:scene3d>
+      <a:camera prst="orthographicFront"/>
+      <a:lightRig rig="threePt" dir="t"/>
+    </dgm:scene3d>
+    <dgm:sp3d/>
+    <dgm:txPr/>
+    <dgm:style>
+      <a:lnRef idx="2">
+        <a:scrgbClr r="0" g="0" b="0"/>
+      </a:lnRef>
+      <a:fillRef idx="1">
+        <a:scrgbClr r="0" g="0" b="0"/>
+      </a:fillRef>
+      <a:effectRef idx="0">
+        <a:scrgbClr r="0" g="0" b="0"/>
+      </a:effectRef>
+      <a:fontRef idx="minor">
+        <a:schemeClr val="lt1"/>
+      </a:fontRef>
+    </dgm:style>
+  </dgm:styleLbl>
+  <dgm:styleLbl name="node2">
+    <dgm:scene3d>
+      <a:camera prst="orthographicFront"/>
+      <a:lightRig rig="threePt" dir="t"/>
+    </dgm:scene3d>
+    <dgm:sp3d/>
+    <dgm:txPr/>
+    <dgm:style>
+      <a:lnRef idx="2">
+        <a:scrgbClr r="0" g="0" b="0"/>
+      </a:lnRef>
+      <a:fillRef idx="1">
+        <a:scrgbClr r="0" g="0" b="0"/>
+      </a:fillRef>
+      <a:effectRef idx="0">
+        <a:scrgbClr r="0" g="0" b="0"/>
+      </a:effectRef>
+      <a:fontRef idx="minor">
+        <a:schemeClr val="lt1"/>
+      </a:fontRef>
+    </dgm:style>
+  </dgm:styleLbl>
+  <dgm:styleLbl name="node3">
+    <dgm:scene3d>
+      <a:camera prst="orthographicFront"/>
+      <a:lightRig rig="threePt" dir="t"/>
+    </dgm:scene3d>
+    <dgm:sp3d/>
+    <dgm:txPr/>
+    <dgm:style>
+      <a:lnRef idx="2">
+        <a:scrgbClr r="0" g="0" b="0"/>
+      </a:lnRef>
+      <a:fillRef idx="1">
+        <a:scrgbClr r="0" g="0" b="0"/>
+      </a:fillRef>
+      <a:effectRef idx="0">
+        <a:scrgbClr r="0" g="0" b="0"/>
+      </a:effectRef>
+      <a:fontRef idx="minor">
+        <a:schemeClr val="lt1"/>
+      </a:fontRef>
+    </dgm:style>
+  </dgm:styleLbl>
+  <dgm:styleLbl name="node4">
+    <dgm:scene3d>
+      <a:camera prst="orthographicFront"/>
+      <a:lightRig rig="threePt" dir="t"/>
+    </dgm:scene3d>
+    <dgm:sp3d/>
+    <dgm:txPr/>
+    <dgm:style>
+      <a:lnRef idx="2">
+        <a:scrgbClr r="0" g="0" b="0"/>
+      </a:lnRef>
+      <a:fillRef idx="1">
+        <a:scrgbClr r="0" g="0" b="0"/>
+      </a:fillRef>
+      <a:effectRef idx="0">
+        <a:scrgbClr r="0" g="0" b="0"/>
+      </a:effectRef>
+      <a:fontRef idx="minor">
+        <a:schemeClr val="lt1"/>
+      </a:fontRef>
+    </dgm:style>
+  </dgm:styleLbl>
+  <dgm:styleLbl name="fgImgPlace1">
+    <dgm:scene3d>
+      <a:camera prst="orthographicFront"/>
+      <a:lightRig rig="threePt" dir="t"/>
+    </dgm:scene3d>
+    <dgm:sp3d/>
+    <dgm:txPr/>
+    <dgm:style>
+      <a:lnRef idx="2">
+        <a:scrgbClr r="0" g="0" b="0"/>
+      </a:lnRef>
+      <a:fillRef idx="1">
+        <a:scrgbClr r="0" g="0" b="0"/>
+      </a:fillRef>
+      <a:effectRef idx="0">
+        <a:scrgbClr r="0" g="0" b="0"/>
+      </a:effectRef>
+      <a:fontRef idx="minor"/>
+    </dgm:style>
+  </dgm:styleLbl>
+  <dgm:styleLbl name="alignImgPlace1">
+    <dgm:scene3d>
+      <a:camera prst="orthographicFront"/>
+      <a:lightRig rig="threePt" dir="t"/>
+    </dgm:scene3d>
+    <dgm:sp3d/>
+    <dgm:txPr/>
+    <dgm:style>
+      <a:lnRef idx="2">
+        <a:scrgbClr r="0" g="0" b="0"/>
+      </a:lnRef>
+      <a:fillRef idx="1">
+        <a:scrgbClr r="0" g="0" b="0"/>
+      </a:fillRef>
+      <a:effectRef idx="0">
+        <a:scrgbClr r="0" g="0" b="0"/>
+      </a:effectRef>
+      <a:fontRef idx="minor"/>
+    </dgm:style>
+  </dgm:styleLbl>
+  <dgm:styleLbl name="bgImgPlace1">
+    <dgm:scene3d>
+      <a:camera prst="orthographicFront"/>
+      <a:lightRig rig="threePt" dir="t"/>
+    </dgm:scene3d>
+    <dgm:sp3d/>
+    <dgm:txPr/>
+    <dgm:style>
+      <a:lnRef idx="2">
+        <a:scrgbClr r="0" g="0" b="0"/>
+      </a:lnRef>
+      <a:fillRef idx="1">
+        <a:scrgbClr r="0" g="0" b="0"/>
+      </a:fillRef>
+      <a:effectRef idx="0">
+        <a:scrgbClr r="0" g="0" b="0"/>
+      </a:effectRef>
+      <a:fontRef idx="minor"/>
+    </dgm:style>
+  </dgm:styleLbl>
+  <dgm:styleLbl name="sibTrans2D1">
+    <dgm:scene3d>
+      <a:camera prst="orthographicFront"/>
+      <a:lightRig rig="threePt" dir="t"/>
+    </dgm:scene3d>
+    <dgm:sp3d/>
+    <dgm:txPr/>
+    <dgm:style>
+      <a:lnRef idx="0">
+        <a:scrgbClr r="0" g="0" b="0"/>
+      </a:lnRef>
+      <a:fillRef idx="1">
+        <a:scrgbClr r="0" g="0" b="0"/>
+      </a:fillRef>
+      <a:effectRef idx="0">
+        <a:scrgbClr r="0" g="0" b="0"/>
+      </a:effectRef>
+      <a:fontRef idx="minor">
+        <a:schemeClr val="lt1"/>
+      </a:fontRef>
+    </dgm:style>
+  </dgm:styleLbl>
+  <dgm:styleLbl name="fgSibTrans2D1">
+    <dgm:scene3d>
+      <a:camera prst="orthographicFront"/>
+      <a:lightRig rig="threePt" dir="t"/>
+    </dgm:scene3d>
+    <dgm:sp3d/>
+    <dgm:txPr/>
+    <dgm:style>
+      <a:lnRef idx="0">
+        <a:scrgbClr r="0" g="0" b="0"/>
+      </a:lnRef>
+      <a:fillRef idx="1">
+        <a:scrgbClr r="0" g="0" b="0"/>
+      </a:fillRef>
+      <a:effectRef idx="0">
+        <a:scrgbClr r="0" g="0" b="0"/>
+      </a:effectRef>
+      <a:fontRef idx="minor">
+        <a:schemeClr val="lt1"/>
+      </a:fontRef>
+    </dgm:style>
+  </dgm:styleLbl>
+  <dgm:styleLbl name="bgSibTrans2D1">
+    <dgm:scene3d>
+      <a:camera prst="orthographicFront"/>
+      <a:lightRig rig="threePt" dir="t"/>
+    </dgm:scene3d>
+    <dgm:sp3d/>
+    <dgm:txPr/>
+    <dgm:style>
+      <a:lnRef idx="0">
+        <a:scrgbClr r="0" g="0" b="0"/>
+      </a:lnRef>
+      <a:fillRef idx="1">
+        <a:scrgbClr r="0" g="0" b="0"/>
+      </a:fillRef>
+      <a:effectRef idx="0">
+        <a:scrgbClr r="0" g="0" b="0"/>
+      </a:effectRef>
+      <a:fontRef idx="minor">
+        <a:schemeClr val="lt1"/>
+      </a:fontRef>
+    </dgm:style>
+  </dgm:styleLbl>
+  <dgm:styleLbl name="sibTrans1D1">
+    <dgm:scene3d>
+      <a:camera prst="orthographicFront"/>
+      <a:lightRig rig="threePt" dir="t"/>
+    </dgm:scene3d>
+    <dgm:sp3d/>
+    <dgm:txPr/>
+    <dgm:style>
+      <a:lnRef idx="1">
+        <a:scrgbClr r="0" g="0" b="0"/>
+      </a:lnRef>
+      <a:fillRef idx="0">
+        <a:scrgbClr r="0" g="0" b="0"/>
+      </a:fillRef>
+      <a:effectRef idx="0">
+        <a:scrgbClr r="0" g="0" b="0"/>
+      </a:effectRef>
+      <a:fontRef idx="minor"/>
+    </dgm:style>
+  </dgm:styleLbl>
+  <dgm:styleLbl name="callout">
+    <dgm:scene3d>
+      <a:camera prst="orthographicFront"/>
+      <a:lightRig rig="threePt" dir="t"/>
+    </dgm:scene3d>
+    <dgm:sp3d/>
+    <dgm:txPr/>
+    <dgm:style>
+      <a:lnRef idx="2">
+        <a:scrgbClr r="0" g="0" b="0"/>
+      </a:lnRef>
+      <a:fillRef idx="1">
+        <a:scrgbClr r="0" g="0" b="0"/>
+      </a:fillRef>
+      <a:effectRef idx="0">
+        <a:scrgbClr r="0" g="0" b="0"/>
+      </a:effectRef>
+      <a:fontRef idx="minor"/>
+    </dgm:style>
+  </dgm:styleLbl>
+  <dgm:styleLbl name="asst0">
+    <dgm:scene3d>
+      <a:camera prst="orthographicFront"/>
+      <a:lightRig rig="threePt" dir="t"/>
+    </dgm:scene3d>
+    <dgm:sp3d/>
+    <dgm:txPr/>
+    <dgm:style>
+      <a:lnRef idx="2">
+        <a:scrgbClr r="0" g="0" b="0"/>
+      </a:lnRef>
+      <a:fillRef idx="1">
+        <a:scrgbClr r="0" g="0" b="0"/>
+      </a:fillRef>
+      <a:effectRef idx="0">
+        <a:scrgbClr r="0" g="0" b="0"/>
+      </a:effectRef>
+      <a:fontRef idx="minor">
+        <a:schemeClr val="lt1"/>
+      </a:fontRef>
+    </dgm:style>
+  </dgm:styleLbl>
+  <dgm:styleLbl name="asst1">
+    <dgm:scene3d>
+      <a:camera prst="orthographicFront"/>
+      <a:lightRig rig="threePt" dir="t"/>
+    </dgm:scene3d>
+    <dgm:sp3d/>
+    <dgm:txPr/>
+    <dgm:style>
+      <a:lnRef idx="2">
+        <a:scrgbClr r="0" g="0" b="0"/>
+      </a:lnRef>
+      <a:fillRef idx="1">
+        <a:scrgbClr r="0" g="0" b="0"/>
+      </a:fillRef>
+      <a:effectRef idx="0">
+        <a:scrgbClr r="0" g="0" b="0"/>
+      </a:effectRef>
+      <a:fontRef idx="minor">
+        <a:schemeClr val="lt1"/>
+      </a:fontRef>
+    </dgm:style>
+  </dgm:styleLbl>
+  <dgm:styleLbl name="asst2">
+    <dgm:scene3d>
+      <a:camera prst="orthographicFront"/>
+      <a:lightRig rig="threePt" dir="t"/>
+    </dgm:scene3d>
+    <dgm:sp3d/>
+    <dgm:txPr/>
+    <dgm:style>
+      <a:lnRef idx="2">
+        <a:scrgbClr r="0" g="0" b="0"/>
+      </a:lnRef>
+      <a:fillRef idx="1">
+        <a:scrgbClr r="0" g="0" b="0"/>
+      </a:fillRef>
+      <a:effectRef idx="0">
+        <a:scrgbClr r="0" g="0" b="0"/>
+      </a:effectRef>
+      <a:fontRef idx="minor">
+        <a:schemeClr val="lt1"/>
+      </a:fontRef>
+    </dgm:style>
+  </dgm:styleLbl>
+  <dgm:styleLbl name="asst3">
+    <dgm:scene3d>
+      <a:camera prst="orthographicFront"/>
+      <a:lightRig rig="threePt" dir="t"/>
+    </dgm:scene3d>
+    <dgm:sp3d/>
+    <dgm:txPr/>
+    <dgm:style>
+      <a:lnRef idx="2">
+        <a:scrgbClr r="0" g="0" b="0"/>
+      </a:lnRef>
+      <a:fillRef idx="1">
+        <a:scrgbClr r="0" g="0" b="0"/>
+      </a:fillRef>
+      <a:effectRef idx="0">
+        <a:scrgbClr r="0" g="0" b="0"/>
+      </a:effectRef>
+      <a:fontRef idx="minor">
+        <a:schemeClr val="lt1"/>
+      </a:fontRef>
+    </dgm:style>
+  </dgm:styleLbl>
+  <dgm:styleLbl name="asst4">
+    <dgm:scene3d>
+      <a:camera prst="orthographicFront"/>
+      <a:lightRig rig="threePt" dir="t"/>
+    </dgm:scene3d>
+    <dgm:sp3d/>
+    <dgm:txPr/>
+    <dgm:style>
+      <a:lnRef idx="2">
+        <a:scrgbClr r="0" g="0" b="0"/>
+      </a:lnRef>
+      <a:fillRef idx="1">
+        <a:scrgbClr r="0" g="0" b="0"/>
+      </a:fillRef>
+      <a:effectRef idx="0">
+        <a:scrgbClr r="0" g="0" b="0"/>
+      </a:effectRef>
+      <a:fontRef idx="minor">
+        <a:schemeClr val="lt1"/>
+      </a:fontRef>
+    </dgm:style>
+  </dgm:styleLbl>
+  <dgm:styleLbl name="parChTrans2D1">
+    <dgm:scene3d>
+      <a:camera prst="orthographicFront"/>
+      <a:lightRig rig="threePt" dir="t"/>
+    </dgm:scene3d>
+    <dgm:sp3d/>
+    <dgm:txPr/>
+    <dgm:style>
+      <a:lnRef idx="2">
+        <a:scrgbClr r="0" g="0" b="0"/>
+      </a:lnRef>
+      <a:fillRef idx="1">
+        <a:scrgbClr r="0" g="0" b="0"/>
+      </a:fillRef>
+      <a:effectRef idx="0">
+        <a:scrgbClr r="0" g="0" b="0"/>
+      </a:effectRef>
+      <a:fontRef idx="minor">
+        <a:schemeClr val="lt1"/>
+      </a:fontRef>
+    </dgm:style>
+  </dgm:styleLbl>
+  <dgm:styleLbl name="parChTrans2D2">
+    <dgm:scene3d>
+      <a:camera prst="orthographicFront"/>
+      <a:lightRig rig="threePt" dir="t"/>
+    </dgm:scene3d>
+    <dgm:sp3d/>
+    <dgm:txPr/>
+    <dgm:style>
+      <a:lnRef idx="2">
+        <a:scrgbClr r="0" g="0" b="0"/>
+      </a:lnRef>
+      <a:fillRef idx="1">
+        <a:scrgbClr r="0" g="0" b="0"/>
+      </a:fillRef>
+      <a:effectRef idx="0">
+        <a:scrgbClr r="0" g="0" b="0"/>
+      </a:effectRef>
+      <a:fontRef idx="minor">
+        <a:schemeClr val="lt1"/>
+      </a:fontRef>
+    </dgm:style>
+  </dgm:styleLbl>
+  <dgm:styleLbl name="parChTrans2D3">
+    <dgm:scene3d>
+      <a:camera prst="orthographicFront"/>
+      <a:lightRig rig="threePt" dir="t"/>
+    </dgm:scene3d>
+    <dgm:sp3d/>
+    <dgm:txPr/>
+    <dgm:style>
+      <a:lnRef idx="2">
+        <a:scrgbClr r="0" g="0" b="0"/>
+      </a:lnRef>
+      <a:fillRef idx="1">
+        <a:scrgbClr r="0" g="0" b="0"/>
+      </a:fillRef>
+      <a:effectRef idx="0">
+        <a:scrgbClr r="0" g="0" b="0"/>
+      </a:effectRef>
+      <a:fontRef idx="minor">
+        <a:schemeClr val="lt1"/>
+      </a:fontRef>
+    </dgm:style>
+  </dgm:styleLbl>
+  <dgm:styleLbl name="parChTrans2D4">
+    <dgm:scene3d>
+      <a:camera prst="orthographicFront"/>
+      <a:lightRig rig="threePt" dir="t"/>
+    </dgm:scene3d>
+    <dgm:sp3d/>
+    <dgm:txPr/>
+    <dgm:style>
+      <a:lnRef idx="2">
+        <a:scrgbClr r="0" g="0" b="0"/>
+      </a:lnRef>
+      <a:fillRef idx="1">
+        <a:scrgbClr r="0" g="0" b="0"/>
+      </a:fillRef>
+      <a:effectRef idx="0">
+        <a:scrgbClr r="0" g="0" b="0"/>
+      </a:effectRef>
+      <a:fontRef idx="minor">
+        <a:schemeClr val="lt1"/>
+      </a:fontRef>
+    </dgm:style>
+  </dgm:styleLbl>
+  <dgm:styleLbl name="parChTrans1D1">
+    <dgm:scene3d>
+      <a:camera prst="orthographicFront"/>
+      <a:lightRig rig="threePt" dir="t"/>
+    </dgm:scene3d>
+    <dgm:sp3d/>
+    <dgm:txPr/>
+    <dgm:style>
+      <a:lnRef idx="2">
+        <a:scrgbClr r="0" g="0" b="0"/>
+      </a:lnRef>
+      <a:fillRef idx="0">
+        <a:scrgbClr r="0" g="0" b="0"/>
+      </a:fillRef>
+      <a:effectRef idx="0">
+        <a:scrgbClr r="0" g="0" b="0"/>
+      </a:effectRef>
+      <a:fontRef idx="minor"/>
+    </dgm:style>
+  </dgm:styleLbl>
+  <dgm:styleLbl name="parChTrans1D2">
+    <dgm:scene3d>
+      <a:camera prst="orthographicFront"/>
+      <a:lightRig rig="threePt" dir="t"/>
+    </dgm:scene3d>
+    <dgm:sp3d/>
+    <dgm:txPr/>
+    <dgm:style>
+      <a:lnRef idx="2">
+        <a:scrgbClr r="0" g="0" b="0"/>
+      </a:lnRef>
+      <a:fillRef idx="0">
+        <a:scrgbClr r="0" g="0" b="0"/>
+      </a:fillRef>
+      <a:effectRef idx="0">
+        <a:scrgbClr r="0" g="0" b="0"/>
+      </a:effectRef>
+      <a:fontRef idx="minor"/>
+    </dgm:style>
+  </dgm:styleLbl>
+  <dgm:styleLbl name="parChTrans1D3">
+    <dgm:scene3d>
+      <a:camera prst="orthographicFront"/>
+      <a:lightRig rig="threePt" dir="t"/>
+    </dgm:scene3d>
+    <dgm:sp3d/>
+    <dgm:txPr/>
+    <dgm:style>
+      <a:lnRef idx="2">
+        <a:scrgbClr r="0" g="0" b="0"/>
+      </a:lnRef>
+      <a:fillRef idx="0">
+        <a:scrgbClr r="0" g="0" b="0"/>
+      </a:fillRef>
+      <a:effectRef idx="0">
+        <a:scrgbClr r="0" g="0" b="0"/>
+      </a:effectRef>
+      <a:fontRef idx="minor"/>
+    </dgm:style>
+  </dgm:styleLbl>
+  <dgm:styleLbl name="parChTrans1D4">
+    <dgm:scene3d>
+      <a:camera prst="orthographicFront"/>
+      <a:lightRig rig="threePt" dir="t"/>
+    </dgm:scene3d>
+    <dgm:sp3d/>
+    <dgm:txPr/>
+    <dgm:style>
+      <a:lnRef idx="2">
+        <a:scrgbClr r="0" g="0" b="0"/>
+      </a:lnRef>
+      <a:fillRef idx="0">
+        <a:scrgbClr r="0" g="0" b="0"/>
+      </a:fillRef>
+      <a:effectRef idx="0">
+        <a:scrgbClr r="0" g="0" b="0"/>
+      </a:effectRef>
+      <a:fontRef idx="minor"/>
+    </dgm:style>
+  </dgm:styleLbl>
+  <dgm:styleLbl name="fgAcc1">
+    <dgm:scene3d>
+      <a:camera prst="orthographicFront"/>
+      <a:lightRig rig="threePt" dir="t"/>
+    </dgm:scene3d>
+    <dgm:sp3d/>
+    <dgm:txPr/>
+    <dgm:style>
+      <a:lnRef idx="2">
+        <a:scrgbClr r="0" g="0" b="0"/>
+      </a:lnRef>
+      <a:fillRef idx="1">
+        <a:scrgbClr r="0" g="0" b="0"/>
+      </a:fillRef>
+      <a:effectRef idx="0">
+        <a:scrgbClr r="0" g="0" b="0"/>
+      </a:effectRef>
+      <a:fontRef idx="minor"/>
+    </dgm:style>
+  </dgm:styleLbl>
+  <dgm:styleLbl name="conFgAcc1">
+    <dgm:scene3d>
+      <a:camera prst="orthographicFront"/>
+      <a:lightRig rig="threePt" dir="t"/>
+    </dgm:scene3d>
+    <dgm:sp3d/>
+    <dgm:txPr/>
+    <dgm:style>
+      <a:lnRef idx="2">
+        <a:scrgbClr r="0" g="0" b="0"/>
+      </a:lnRef>
+      <a:fillRef idx="1">
+        <a:scrgbClr r="0" g="0" b="0"/>
+      </a:fillRef>
+      <a:effectRef idx="0">
+        <a:scrgbClr r="0" g="0" b="0"/>
+      </a:effectRef>
+      <a:fontRef idx="minor"/>
+    </dgm:style>
+  </dgm:styleLbl>
+  <dgm:styleLbl name="alignAcc1">
+    <dgm:scene3d>
+      <a:camera prst="orthographicFront"/>
+      <a:lightRig rig="threePt" dir="t"/>
+    </dgm:scene3d>
+    <dgm:sp3d/>
+    <dgm:txPr/>
+    <dgm:style>
+      <a:lnRef idx="2">
+        <a:scrgbClr r="0" g="0" b="0"/>
+      </a:lnRef>
+      <a:fillRef idx="1">
+        <a:scrgbClr r="0" g="0" b="0"/>
+      </a:fillRef>
+      <a:effectRef idx="0">
+        <a:scrgbClr r="0" g="0" b="0"/>
+      </a:effectRef>
+      <a:fontRef idx="minor"/>
+    </dgm:style>
+  </dgm:styleLbl>
+  <dgm:styleLbl name="trAlignAcc1">
+    <dgm:scene3d>
+      <a:camera prst="orthographicFront"/>
+      <a:lightRig rig="threePt" dir="t"/>
+    </dgm:scene3d>
+    <dgm:sp3d/>
+    <dgm:txPr/>
+    <dgm:style>
+      <a:lnRef idx="1">
+        <a:scrgbClr r="0" g="0" b="0"/>
+      </a:lnRef>
+      <a:fillRef idx="1">
+        <a:scrgbClr r="0" g="0" b="0"/>
+      </a:fillRef>
+      <a:effectRef idx="0">
+        <a:scrgbClr r="0" g="0" b="0"/>
+      </a:effectRef>
+      <a:fontRef idx="minor"/>
+    </dgm:style>
+  </dgm:styleLbl>
+  <dgm:styleLbl name="bgAcc1">
+    <dgm:scene3d>
+      <a:camera prst="orthographicFront"/>
+      <a:lightRig rig="threePt" dir="t"/>
+    </dgm:scene3d>
+    <dgm:sp3d/>
+    <dgm:txPr/>
+    <dgm:style>
+      <a:lnRef idx="2">
+        <a:scrgbClr r="0" g="0" b="0"/>
+      </a:lnRef>
+      <a:fillRef idx="1">
+        <a:scrgbClr r="0" g="0" b="0"/>
+      </a:fillRef>
+      <a:effectRef idx="0">
+        <a:scrgbClr r="0" g="0" b="0"/>
+      </a:effectRef>
+      <a:fontRef idx="minor"/>
+    </dgm:style>
+  </dgm:styleLbl>
+  <dgm:styleLbl name="solidFgAcc1">
+    <dgm:scene3d>
+      <a:camera prst="orthographicFront"/>
+      <a:lightRig rig="threePt" dir="t"/>
+    </dgm:scene3d>
+    <dgm:sp3d/>
+    <dgm:txPr/>
+    <dgm:style>
+      <a:lnRef idx="2">
+        <a:scrgbClr r="0" g="0" b="0"/>
+      </a:lnRef>
+      <a:fillRef idx="1">
+        <a:scrgbClr r="0" g="0" b="0"/>
+      </a:fillRef>
+      <a:effectRef idx="0">
+        <a:scrgbClr r="0" g="0" b="0"/>
+      </a:effectRef>
+      <a:fontRef idx="minor"/>
+    </dgm:style>
+  </dgm:styleLbl>
+  <dgm:styleLbl name="solidAlignAcc1">
+    <dgm:scene3d>
+      <a:camera prst="orthographicFront"/>
+      <a:lightRig rig="threePt" dir="t"/>
+    </dgm:scene3d>
+    <dgm:sp3d/>
+    <dgm:txPr/>
+    <dgm:style>
+      <a:lnRef idx="2">
+        <a:scrgbClr r="0" g="0" b="0"/>
+      </a:lnRef>
+      <a:fillRef idx="1">
+        <a:scrgbClr r="0" g="0" b="0"/>
+      </a:fillRef>
+      <a:effectRef idx="0">
+        <a:scrgbClr r="0" g="0" b="0"/>
+      </a:effectRef>
+      <a:fontRef idx="minor"/>
+    </dgm:style>
+  </dgm:styleLbl>
+  <dgm:styleLbl name="solidBgAcc1">
+    <dgm:scene3d>
+      <a:camera prst="orthographicFront"/>
+      <a:lightRig rig="threePt" dir="t"/>
+    </dgm:scene3d>
+    <dgm:sp3d/>
+    <dgm:txPr/>
+    <dgm:style>
+      <a:lnRef idx="2">
+        <a:scrgbClr r="0" g="0" b="0"/>
+      </a:lnRef>
+      <a:fillRef idx="1">
+        <a:scrgbClr r="0" g="0" b="0"/>
+      </a:fillRef>
+      <a:effectRef idx="0">
+        <a:scrgbClr r="0" g="0" b="0"/>
+      </a:effectRef>
+      <a:fontRef idx="minor"/>
+    </dgm:style>
+  </dgm:styleLbl>
+  <dgm:styleLbl name="fgAccFollowNode1">
+    <dgm:scene3d>
+      <a:camera prst="orthographicFront"/>
+      <a:lightRig rig="threePt" dir="t"/>
+    </dgm:scene3d>
+    <dgm:sp3d/>
+    <dgm:txPr/>
+    <dgm:style>
+      <a:lnRef idx="2">
+        <a:scrgbClr r="0" g="0" b="0"/>
+      </a:lnRef>
+      <a:fillRef idx="1">
+        <a:scrgbClr r="0" g="0" b="0"/>
+      </a:fillRef>
+      <a:effectRef idx="0">
+        <a:scrgbClr r="0" g="0" b="0"/>
+      </a:effectRef>
+      <a:fontRef idx="minor"/>
+    </dgm:style>
+  </dgm:styleLbl>
+  <dgm:styleLbl name="alignAccFollowNode1">
+    <dgm:scene3d>
+      <a:camera prst="orthographicFront"/>
+      <a:lightRig rig="threePt" dir="t"/>
+    </dgm:scene3d>
+    <dgm:sp3d/>
+    <dgm:txPr/>
+    <dgm:style>
+      <a:lnRef idx="2">
+        <a:scrgbClr r="0" g="0" b="0"/>
+      </a:lnRef>
+      <a:fillRef idx="1">
+        <a:scrgbClr r="0" g="0" b="0"/>
+      </a:fillRef>
+      <a:effectRef idx="0">
+        <a:scrgbClr r="0" g="0" b="0"/>
+      </a:effectRef>
+      <a:fontRef idx="minor"/>
+    </dgm:style>
+  </dgm:styleLbl>
+  <dgm:styleLbl name="bgAccFollowNode1">
+    <dgm:scene3d>
+      <a:camera prst="orthographicFront"/>
+      <a:lightRig rig="threePt" dir="t"/>
+    </dgm:scene3d>
+    <dgm:sp3d/>
+    <dgm:txPr/>
+    <dgm:style>
+      <a:lnRef idx="2">
+        <a:scrgbClr r="0" g="0" b="0"/>
+      </a:lnRef>
+      <a:fillRef idx="1">
+        <a:scrgbClr r="0" g="0" b="0"/>
+      </a:fillRef>
+      <a:effectRef idx="0">
+        <a:scrgbClr r="0" g="0" b="0"/>
+      </a:effectRef>
+      <a:fontRef idx="minor"/>
+    </dgm:style>
+  </dgm:styleLbl>
+  <dgm:styleLbl name="fgAcc0">
+    <dgm:scene3d>
+      <a:camera prst="orthographicFront"/>
+      <a:lightRig rig="threePt" dir="t"/>
+    </dgm:scene3d>
+    <dgm:sp3d/>
+    <dgm:txPr/>
+    <dgm:style>
+      <a:lnRef idx="2">
+        <a:scrgbClr r="0" g="0" b="0"/>
+      </a:lnRef>
+      <a:fillRef idx="1">
+        <a:scrgbClr r="0" g="0" b="0"/>
+      </a:fillRef>
+      <a:effectRef idx="0">
+        <a:scrgbClr r="0" g="0" b="0"/>
+      </a:effectRef>
+      <a:fontRef idx="minor"/>
+    </dgm:style>
+  </dgm:styleLbl>
+  <dgm:styleLbl name="fgAcc2">
+    <dgm:scene3d>
+      <a:camera prst="orthographicFront"/>
+      <a:lightRig rig="threePt" dir="t"/>
+    </dgm:scene3d>
+    <dgm:sp3d/>
+    <dgm:txPr/>
+    <dgm:style>
+      <a:lnRef idx="2">
+        <a:scrgbClr r="0" g="0" b="0"/>
+      </a:lnRef>
+      <a:fillRef idx="1">
+        <a:scrgbClr r="0" g="0" b="0"/>
+      </a:fillRef>
+      <a:effectRef idx="0">
+        <a:scrgbClr r="0" g="0" b="0"/>
+      </a:effectRef>
+      <a:fontRef idx="minor"/>
+    </dgm:style>
+  </dgm:styleLbl>
+  <dgm:styleLbl name="fgAcc3">
+    <dgm:scene3d>
+      <a:camera prst="orthographicFront"/>
+      <a:lightRig rig="threePt" dir="t"/>
+    </dgm:scene3d>
+    <dgm:sp3d/>
+    <dgm:txPr/>
+    <dgm:style>
+      <a:lnRef idx="2">
+        <a:scrgbClr r="0" g="0" b="0"/>
+      </a:lnRef>
+      <a:fillRef idx="1">
+        <a:scrgbClr r="0" g="0" b="0"/>
+      </a:fillRef>
+      <a:effectRef idx="0">
+        <a:scrgbClr r="0" g="0" b="0"/>
+      </a:effectRef>
+      <a:fontRef idx="minor"/>
+    </dgm:style>
+  </dgm:styleLbl>
+  <dgm:styleLbl name="fgAcc4">
+    <dgm:scene3d>
+      <a:camera prst="orthographicFront"/>
+      <a:lightRig rig="threePt" dir="t"/>
+    </dgm:scene3d>
+    <dgm:sp3d/>
+    <dgm:txPr/>
+    <dgm:style>
+      <a:lnRef idx="2">
+        <a:scrgbClr r="0" g="0" b="0"/>
+      </a:lnRef>
+      <a:fillRef idx="1">
+        <a:scrgbClr r="0" g="0" b="0"/>
+      </a:fillRef>
+      <a:effectRef idx="0">
+        <a:scrgbClr r="0" g="0" b="0"/>
+      </a:effectRef>
+      <a:fontRef idx="minor"/>
+    </dgm:style>
+  </dgm:styleLbl>
+  <dgm:styleLbl name="bgShp">
+    <dgm:scene3d>
+      <a:camera prst="orthographicFront"/>
+      <a:lightRig rig="threePt" dir="t"/>
+    </dgm:scene3d>
+    <dgm:sp3d/>
+    <dgm:txPr/>
+    <dgm:style>
+      <a:lnRef idx="0">
+        <a:scrgbClr r="0" g="0" b="0"/>
+      </a:lnRef>
+      <a:fillRef idx="1">
+        <a:scrgbClr r="0" g="0" b="0"/>
+      </a:fillRef>
+      <a:effectRef idx="0">
+        <a:scrgbClr r="0" g="0" b="0"/>
+      </a:effectRef>
+      <a:fontRef idx="minor"/>
+    </dgm:style>
+  </dgm:styleLbl>
+  <dgm:styleLbl name="dkBgShp">
+    <dgm:scene3d>
+      <a:camera prst="orthographicFront"/>
+      <a:lightRig rig="threePt" dir="t"/>
+    </dgm:scene3d>
+    <dgm:sp3d/>
+    <dgm:txPr/>
+    <dgm:style>
+      <a:lnRef idx="0">
+        <a:scrgbClr r="0" g="0" b="0"/>
+      </a:lnRef>
+      <a:fillRef idx="1">
+        <a:scrgbClr r="0" g="0" b="0"/>
+      </a:fillRef>
+      <a:effectRef idx="0">
+        <a:scrgbClr r="0" g="0" b="0"/>
+      </a:effectRef>
+      <a:fontRef idx="minor"/>
+    </dgm:style>
+  </dgm:styleLbl>
+  <dgm:styleLbl name="trBgShp">
+    <dgm:scene3d>
+      <a:camera prst="orthographicFront"/>
+      <a:lightRig rig="threePt" dir="t"/>
+    </dgm:scene3d>
+    <dgm:sp3d/>
+    <dgm:txPr/>
+    <dgm:style>
+      <a:lnRef idx="0">
+        <a:scrgbClr r="0" g="0" b="0"/>
+      </a:lnRef>
+      <a:fillRef idx="1">
+        <a:scrgbClr r="0" g="0" b="0"/>
+      </a:fillRef>
+      <a:effectRef idx="0">
+        <a:scrgbClr r="0" g="0" b="0"/>
+      </a:effectRef>
+      <a:fontRef idx="minor"/>
+    </dgm:style>
+  </dgm:styleLbl>
+  <dgm:styleLbl name="fgShp">
+    <dgm:scene3d>
+      <a:camera prst="orthographicFront"/>
+      <a:lightRig rig="threePt" dir="t"/>
+    </dgm:scene3d>
+    <dgm:sp3d/>
+    <dgm:txPr/>
+    <dgm:style>
+      <a:lnRef idx="2">
+        <a:scrgbClr r="0" g="0" b="0"/>
+      </a:lnRef>
+      <a:fillRef idx="1">
+        <a:scrgbClr r="0" g="0" b="0"/>
+      </a:fillRef>
+      <a:effectRef idx="0">
+        <a:scrgbClr r="0" g="0" b="0"/>
+      </a:effectRef>
+      <a:fontRef idx="minor"/>
+    </dgm:style>
+  </dgm:styleLbl>
+  <dgm:styleLbl name="revTx">
+    <dgm:scene3d>
+      <a:camera prst="orthographicFront"/>
+      <a:lightRig rig="threePt" dir="t"/>
+    </dgm:scene3d>
+    <dgm:sp3d/>
+    <dgm:txPr/>
+    <dgm:style>
+      <a:lnRef idx="0">
+        <a:scrgbClr r="0" g="0" b="0"/>
+      </a:lnRef>
+      <a:fillRef idx="0">
+        <a:scrgbClr r="0" g="0" b="0"/>
+      </a:fillRef>
+      <a:effectRef idx="0">
+        <a:scrgbClr r="0" g="0" b="0"/>
+      </a:effectRef>
+      <a:fontRef idx="minor"/>
+    </dgm:style>
+  </dgm:styleLbl>
+</dgm:styleDef>
+</file>
+
+<file path=ppt/diagrams/quickStyle4.xml><?xml version="1.0" encoding="utf-8"?>
 <dgm:styleDef xmlns:dgm="http://schemas.openxmlformats.org/drawingml/2006/diagram" xmlns:a="http://schemas.openxmlformats.org/drawingml/2006/main" uniqueId="urn:microsoft.com/office/officeart/2005/8/quickstyle/simple1">
   <dgm:title val=""/>
   <dgm:desc val=""/>
@@ -11313,11 +13967,17 @@
 </file>
 
 <file path=ppt/notesSlides/notesSlide3.xml><?xml version="1.0" encoding="utf-8"?>
-<p:notes xmlns:a="http://schemas.openxmlformats.org/drawingml/2006/main" xmlns:r="http://schemas.openxmlformats.org/officeDocument/2006/relationships" xmlns:p="http://schemas.openxmlformats.org/presentationml/2006/main">
+<p:notes xmlns:a="http://schemas.openxmlformats.org/drawingml/2006/main" xmlns:r="http://schemas.openxmlformats.org/officeDocument/2006/relationships" xmlns:p="http://schemas.openxmlformats.org/presentationml/2006/main" showMasterSp="0" showMasterPhAnim="0">
   <p:cSld>
     <p:spTree>
       <p:nvGrpSpPr>
-        <p:cNvPr id="1" name=""/>
+        <p:cNvPr id="1" name="Shape 478">
+          <a:extLst>
+            <a:ext uri="{FF2B5EF4-FFF2-40B4-BE49-F238E27FC236}">
+              <a16:creationId xmlns:a16="http://schemas.microsoft.com/office/drawing/2014/main" id="{FA70121D-4E72-04E5-B4EA-778A5D6A7992}"/>
+            </a:ext>
+          </a:extLst>
+        </p:cNvPr>
         <p:cNvGrpSpPr/>
         <p:nvPr/>
       </p:nvGrpSpPr>
@@ -11331,12 +13991,18 @@
       </p:grpSpPr>
       <p:sp>
         <p:nvSpPr>
-          <p:cNvPr id="2" name="Slide Image Placeholder 1"/>
+          <p:cNvPr id="479" name="Google Shape;479;g1910c9cffe2_0_1:notes">
+            <a:extLst>
+              <a:ext uri="{FF2B5EF4-FFF2-40B4-BE49-F238E27FC236}">
+                <a16:creationId xmlns:a16="http://schemas.microsoft.com/office/drawing/2014/main" id="{FBD2C4BB-724F-479F-6D98-C10335C2E013}"/>
+              </a:ext>
+            </a:extLst>
+          </p:cNvPr>
           <p:cNvSpPr>
             <a:spLocks noGrp="1" noRot="1" noChangeAspect="1"/>
           </p:cNvSpPr>
           <p:nvPr>
-            <p:ph type="sldImg"/>
+            <p:ph type="sldImg" idx="2"/>
           </p:nvPr>
         </p:nvSpPr>
         <p:spPr>
@@ -11344,40 +14010,80 @@
             <a:off x="381000" y="685800"/>
             <a:ext cx="6096000" cy="3429000"/>
           </a:xfrm>
+          <a:custGeom>
+            <a:avLst/>
+            <a:gdLst/>
+            <a:ahLst/>
+            <a:cxnLst/>
+            <a:rect l="l" t="t" r="r" b="b"/>
+            <a:pathLst>
+              <a:path w="120000" h="120000" extrusionOk="0">
+                <a:moveTo>
+                  <a:pt x="0" y="0"/>
+                </a:moveTo>
+                <a:lnTo>
+                  <a:pt x="120000" y="0"/>
+                </a:lnTo>
+                <a:lnTo>
+                  <a:pt x="120000" y="120000"/>
+                </a:lnTo>
+                <a:lnTo>
+                  <a:pt x="0" y="120000"/>
+                </a:lnTo>
+                <a:close/>
+              </a:path>
+            </a:pathLst>
+          </a:custGeom>
         </p:spPr>
       </p:sp>
       <p:sp>
         <p:nvSpPr>
-          <p:cNvPr id="3" name="Notes Placeholder 2"/>
-          <p:cNvSpPr>
+          <p:cNvPr id="480" name="Google Shape;480;g1910c9cffe2_0_1:notes">
+            <a:extLst>
+              <a:ext uri="{FF2B5EF4-FFF2-40B4-BE49-F238E27FC236}">
+                <a16:creationId xmlns:a16="http://schemas.microsoft.com/office/drawing/2014/main" id="{26051F9E-8A75-9B3D-99C7-71D471E67D0D}"/>
+              </a:ext>
+            </a:extLst>
+          </p:cNvPr>
+          <p:cNvSpPr txBox="1">
             <a:spLocks noGrp="1"/>
           </p:cNvSpPr>
           <p:nvPr>
             <p:ph type="body" idx="1"/>
           </p:nvPr>
         </p:nvSpPr>
-        <p:spPr/>
+        <p:spPr>
+          <a:xfrm>
+            <a:off x="685800" y="4343400"/>
+            <a:ext cx="5486400" cy="4114800"/>
+          </a:xfrm>
+          <a:prstGeom prst="rect">
+            <a:avLst/>
+          </a:prstGeom>
+        </p:spPr>
         <p:txBody>
-          <a:bodyPr/>
+          <a:bodyPr spcFirstLastPara="1" wrap="square" lIns="91425" tIns="91425" rIns="91425" bIns="91425" anchor="t" anchorCtr="0">
+            <a:noAutofit/>
+          </a:bodyPr>
           <a:lstStyle/>
           <a:p>
-            <a:r>
-              <a:rPr lang="en-US" dirty="0"/>
-              <a:t>The @bind directive binds the input field's value to the name variable, allowing real-time updates both ways.</a:t>
-            </a:r>
-          </a:p>
-          <a:p>
-            <a:r>
-              <a:rPr lang="en-US" dirty="0"/>
-              <a:t>As the user types in the input field, the name variable updates automatically, and any changes to name in the code are reflected in the input. The p tag then displays the updated value of name.</a:t>
-            </a:r>
+            <a:pPr marL="0" lvl="0" indent="0" algn="l" rtl="0">
+              <a:spcBef>
+                <a:spcPts val="0"/>
+              </a:spcBef>
+              <a:spcAft>
+                <a:spcPts val="0"/>
+              </a:spcAft>
+              <a:buNone/>
+            </a:pPr>
+            <a:endParaRPr/>
           </a:p>
         </p:txBody>
       </p:sp>
     </p:spTree>
     <p:extLst>
       <p:ext uri="{BB962C8B-B14F-4D97-AF65-F5344CB8AC3E}">
-        <p14:creationId xmlns:p14="http://schemas.microsoft.com/office/powerpoint/2010/main" val="3245781862"/>
+        <p14:creationId xmlns:p14="http://schemas.microsoft.com/office/powerpoint/2010/main" val="1081819043"/>
       </p:ext>
     </p:extLst>
   </p:cSld>
@@ -11438,29 +14144,13 @@
           <a:p>
             <a:r>
               <a:rPr lang="en-US" dirty="0"/>
-              <a:t>The @onclick directive binds the </a:t>
-            </a:r>
-            <a:r>
-              <a:rPr lang="en-US" dirty="0" err="1"/>
-              <a:t>ShowMessage</a:t>
-            </a:r>
-            <a:r>
-              <a:rPr lang="en-US" dirty="0"/>
-              <a:t> method to the button's click event.</a:t>
+              <a:t>The @bind directive binds the input field's value to the name variable, allowing real-time updates both ways.</a:t>
             </a:r>
           </a:p>
           <a:p>
             <a:r>
               <a:rPr lang="en-US" dirty="0"/>
-              <a:t>When the button is clicked, the </a:t>
-            </a:r>
-            <a:r>
-              <a:rPr lang="en-US" dirty="0" err="1"/>
-              <a:t>ShowMessage</a:t>
-            </a:r>
-            <a:r>
-              <a:rPr lang="en-US" dirty="0"/>
-              <a:t> method updates the message variable, which is then displayed in the &lt;p&gt; tag.</a:t>
+              <a:t>As the user types in the input field, the name variable updates automatically, and any changes to name in the code are reflected in the input. The p tag then displays the updated value of name.</a:t>
             </a:r>
           </a:p>
         </p:txBody>
@@ -11468,7 +14158,7 @@
     </p:spTree>
     <p:extLst>
       <p:ext uri="{BB962C8B-B14F-4D97-AF65-F5344CB8AC3E}">
-        <p14:creationId xmlns:p14="http://schemas.microsoft.com/office/powerpoint/2010/main" val="70843319"/>
+        <p14:creationId xmlns:p14="http://schemas.microsoft.com/office/powerpoint/2010/main" val="3245781862"/>
       </p:ext>
     </p:extLst>
   </p:cSld>
@@ -11529,55 +14219,29 @@
           <a:p>
             <a:r>
               <a:rPr lang="en-US" dirty="0"/>
-              <a:t>The service </a:t>
+              <a:t>The @onclick directive binds the </a:t>
             </a:r>
             <a:r>
               <a:rPr lang="en-US" dirty="0" err="1"/>
-              <a:t>GreetingService</a:t>
+              <a:t>ShowMessage</a:t>
             </a:r>
             <a:r>
               <a:rPr lang="en-US" dirty="0"/>
-              <a:t> is registered as a singleton in </a:t>
-            </a:r>
-            <a:r>
-              <a:rPr lang="en-US" dirty="0" err="1"/>
-              <a:t>Program.cs</a:t>
-            </a:r>
-            <a:r>
-              <a:rPr lang="en-US" dirty="0"/>
-              <a:t>.</a:t>
+              <a:t> method to the button's click event.</a:t>
             </a:r>
           </a:p>
           <a:p>
             <a:r>
               <a:rPr lang="en-US" dirty="0"/>
-              <a:t>The @inject directive injects </a:t>
+              <a:t>When the button is clicked, the </a:t>
             </a:r>
             <a:r>
               <a:rPr lang="en-US" dirty="0" err="1"/>
-              <a:t>GreetingService</a:t>
+              <a:t>ShowMessage</a:t>
             </a:r>
             <a:r>
               <a:rPr lang="en-US" dirty="0"/>
-              <a:t> into the component, making it accessible as </a:t>
-            </a:r>
-            <a:r>
-              <a:rPr lang="en-US" dirty="0" err="1"/>
-              <a:t>GreetingService</a:t>
-            </a:r>
-            <a:r>
-              <a:rPr lang="en-US" dirty="0"/>
-              <a:t>.</a:t>
-            </a:r>
-          </a:p>
-          <a:p>
-            <a:r>
-              <a:rPr lang="en-US" dirty="0" err="1"/>
-              <a:t>GetGreeting</a:t>
-            </a:r>
-            <a:r>
-              <a:rPr lang="en-US" dirty="0"/>
-              <a:t>() is called to display a message from the service in the component.</a:t>
+              <a:t> method updates the message variable, which is then displayed in the &lt;p&gt; tag.</a:t>
             </a:r>
           </a:p>
         </p:txBody>
@@ -11585,7 +14249,7 @@
     </p:spTree>
     <p:extLst>
       <p:ext uri="{BB962C8B-B14F-4D97-AF65-F5344CB8AC3E}">
-        <p14:creationId xmlns:p14="http://schemas.microsoft.com/office/powerpoint/2010/main" val="3913446860"/>
+        <p14:creationId xmlns:p14="http://schemas.microsoft.com/office/powerpoint/2010/main" val="70843319"/>
       </p:ext>
     </p:extLst>
   </p:cSld>
@@ -11646,43 +14310,55 @@
           <a:p>
             <a:r>
               <a:rPr lang="en-US" dirty="0"/>
-              <a:t>The </a:t>
+              <a:t>The service </a:t>
             </a:r>
             <a:r>
               <a:rPr lang="en-US" dirty="0" err="1"/>
-              <a:t>OnInitialized</a:t>
+              <a:t>GreetingService</a:t>
             </a:r>
             <a:r>
               <a:rPr lang="en-US" dirty="0"/>
-              <a:t> method is a </a:t>
+              <a:t> is registered as a singleton in </a:t>
             </a:r>
             <a:r>
               <a:rPr lang="en-US" dirty="0" err="1"/>
-              <a:t>Blazor</a:t>
+              <a:t>Program.cs</a:t>
             </a:r>
             <a:r>
               <a:rPr lang="en-US" dirty="0"/>
-              <a:t> lifecycle method that runs when the component is first initialized.</a:t>
+              <a:t>.</a:t>
             </a:r>
           </a:p>
           <a:p>
             <a:r>
               <a:rPr lang="en-US" dirty="0"/>
-              <a:t>In this example, </a:t>
+              <a:t>The @inject directive injects </a:t>
             </a:r>
             <a:r>
               <a:rPr lang="en-US" dirty="0" err="1"/>
-              <a:t>OnInitialized</a:t>
+              <a:t>GreetingService</a:t>
             </a:r>
             <a:r>
               <a:rPr lang="en-US" dirty="0"/>
-              <a:t> sets the message variable, which is then displayed in the &lt;p&gt; tag.</a:t>
+              <a:t> into the component, making it accessible as </a:t>
+            </a:r>
+            <a:r>
+              <a:rPr lang="en-US" dirty="0" err="1"/>
+              <a:t>GreetingService</a:t>
+            </a:r>
+            <a:r>
+              <a:rPr lang="en-US" dirty="0"/>
+              <a:t>.</a:t>
             </a:r>
           </a:p>
           <a:p>
             <a:r>
+              <a:rPr lang="en-US" dirty="0" err="1"/>
+              <a:t>GetGreeting</a:t>
+            </a:r>
+            <a:r>
               <a:rPr lang="en-US" dirty="0"/>
-              <a:t>This approach is commonly used for initial setup or data fetching when the component is loaded.</a:t>
+              <a:t>() is called to display a message from the service in the component.</a:t>
             </a:r>
           </a:p>
         </p:txBody>
@@ -11690,7 +14366,7 @@
     </p:spTree>
     <p:extLst>
       <p:ext uri="{BB962C8B-B14F-4D97-AF65-F5344CB8AC3E}">
-        <p14:creationId xmlns:p14="http://schemas.microsoft.com/office/powerpoint/2010/main" val="773588313"/>
+        <p14:creationId xmlns:p14="http://schemas.microsoft.com/office/powerpoint/2010/main" val="3913446860"/>
       </p:ext>
     </p:extLst>
   </p:cSld>
@@ -11705,13 +14381,7 @@
   <p:cSld>
     <p:spTree>
       <p:nvGrpSpPr>
-        <p:cNvPr id="1" name="">
-          <a:extLst>
-            <a:ext uri="{FF2B5EF4-FFF2-40B4-BE49-F238E27FC236}">
-              <a16:creationId xmlns:a16="http://schemas.microsoft.com/office/drawing/2014/main" id="{BE32A8C3-449A-74CD-5ECD-1C2EA6B0CC14}"/>
-            </a:ext>
-          </a:extLst>
-        </p:cNvPr>
+        <p:cNvPr id="1" name=""/>
         <p:cNvGrpSpPr/>
         <p:nvPr/>
       </p:nvGrpSpPr>
@@ -11725,13 +14395,7 @@
       </p:grpSpPr>
       <p:sp>
         <p:nvSpPr>
-          <p:cNvPr id="2" name="Slide Image Placeholder 1">
-            <a:extLst>
-              <a:ext uri="{FF2B5EF4-FFF2-40B4-BE49-F238E27FC236}">
-                <a16:creationId xmlns:a16="http://schemas.microsoft.com/office/drawing/2014/main" id="{545B6F5E-1596-EF0D-0FA3-CF2AF0DD2DEA}"/>
-              </a:ext>
-            </a:extLst>
-          </p:cNvPr>
+          <p:cNvPr id="2" name="Slide Image Placeholder 1"/>
           <p:cNvSpPr>
             <a:spLocks noGrp="1" noRot="1" noChangeAspect="1"/>
           </p:cNvSpPr>
@@ -11748,13 +14412,7 @@
       </p:sp>
       <p:sp>
         <p:nvSpPr>
-          <p:cNvPr id="3" name="Notes Placeholder 2">
-            <a:extLst>
-              <a:ext uri="{FF2B5EF4-FFF2-40B4-BE49-F238E27FC236}">
-                <a16:creationId xmlns:a16="http://schemas.microsoft.com/office/drawing/2014/main" id="{946D053D-8F15-1085-B5E2-0D177A5FFE7E}"/>
-              </a:ext>
-            </a:extLst>
-          </p:cNvPr>
+          <p:cNvPr id="3" name="Notes Placeholder 2"/>
           <p:cNvSpPr>
             <a:spLocks noGrp="1"/>
           </p:cNvSpPr>
@@ -11813,7 +14471,7 @@
     </p:spTree>
     <p:extLst>
       <p:ext uri="{BB962C8B-B14F-4D97-AF65-F5344CB8AC3E}">
-        <p14:creationId xmlns:p14="http://schemas.microsoft.com/office/powerpoint/2010/main" val="485640435"/>
+        <p14:creationId xmlns:p14="http://schemas.microsoft.com/office/powerpoint/2010/main" val="773588313"/>
       </p:ext>
     </p:extLst>
   </p:cSld>
@@ -19578,6 +22236,707 @@
   <p:cSld>
     <p:spTree>
       <p:nvGrpSpPr>
+        <p:cNvPr id="1" name="Shape 481">
+          <a:extLst>
+            <a:ext uri="{FF2B5EF4-FFF2-40B4-BE49-F238E27FC236}">
+              <a16:creationId xmlns:a16="http://schemas.microsoft.com/office/drawing/2014/main" id="{47F729C3-3563-C8BA-AA84-9A96536C77C6}"/>
+            </a:ext>
+          </a:extLst>
+        </p:cNvPr>
+        <p:cNvGrpSpPr/>
+        <p:nvPr/>
+      </p:nvGrpSpPr>
+      <p:grpSpPr>
+        <a:xfrm>
+          <a:off x="0" y="0"/>
+          <a:ext cx="0" cy="0"/>
+          <a:chOff x="0" y="0"/>
+          <a:chExt cx="0" cy="0"/>
+        </a:xfrm>
+      </p:grpSpPr>
+      <p:pic>
+        <p:nvPicPr>
+          <p:cNvPr id="482" name="Google Shape;482;p39">
+            <a:extLst>
+              <a:ext uri="{FF2B5EF4-FFF2-40B4-BE49-F238E27FC236}">
+                <a16:creationId xmlns:a16="http://schemas.microsoft.com/office/drawing/2014/main" id="{2573EC84-9848-AF6D-8534-AD95528247BB}"/>
+              </a:ext>
+            </a:extLst>
+          </p:cNvPr>
+          <p:cNvPicPr preferRelativeResize="0">
+            <a:picLocks noGrp="1"/>
+          </p:cNvPicPr>
+          <p:nvPr>
+            <p:ph type="pic" idx="2"/>
+          </p:nvPr>
+        </p:nvPicPr>
+        <p:blipFill rotWithShape="1">
+          <a:blip r:embed="rId3">
+            <a:alphaModFix/>
+          </a:blip>
+          <a:srcRect t="7676" b="7685"/>
+          <a:stretch/>
+        </p:blipFill>
+        <p:spPr>
+          <a:xfrm>
+            <a:off x="0" y="-14875"/>
+            <a:ext cx="9144003" cy="5158499"/>
+          </a:xfrm>
+          <a:prstGeom prst="rect">
+            <a:avLst/>
+          </a:prstGeom>
+        </p:spPr>
+      </p:pic>
+      <p:sp>
+        <p:nvSpPr>
+          <p:cNvPr id="483" name="Google Shape;483;p39">
+            <a:extLst>
+              <a:ext uri="{FF2B5EF4-FFF2-40B4-BE49-F238E27FC236}">
+                <a16:creationId xmlns:a16="http://schemas.microsoft.com/office/drawing/2014/main" id="{D4B38DCD-480F-9B84-2745-E84DD416B71F}"/>
+              </a:ext>
+            </a:extLst>
+          </p:cNvPr>
+          <p:cNvSpPr txBox="1">
+            <a:spLocks noGrp="1"/>
+          </p:cNvSpPr>
+          <p:nvPr>
+            <p:ph type="title"/>
+          </p:nvPr>
+        </p:nvSpPr>
+        <p:spPr>
+          <a:xfrm>
+            <a:off x="926200" y="681525"/>
+            <a:ext cx="2705100" cy="1118100"/>
+          </a:xfrm>
+          <a:prstGeom prst="rect">
+            <a:avLst/>
+          </a:prstGeom>
+        </p:spPr>
+        <p:txBody>
+          <a:bodyPr spcFirstLastPara="1" wrap="square" lIns="91425" tIns="91425" rIns="91425" bIns="91425" anchor="t" anchorCtr="0">
+            <a:noAutofit/>
+          </a:bodyPr>
+          <a:lstStyle/>
+          <a:p>
+            <a:pPr marL="0" lvl="0" indent="0" algn="l" rtl="0">
+              <a:spcBef>
+                <a:spcPts val="0"/>
+              </a:spcBef>
+              <a:spcAft>
+                <a:spcPts val="0"/>
+              </a:spcAft>
+              <a:buNone/>
+            </a:pPr>
+            <a:r>
+              <a:rPr lang="en" sz="4000" dirty="0"/>
+              <a:t>Demo</a:t>
+            </a:r>
+            <a:endParaRPr sz="4000" dirty="0"/>
+          </a:p>
+        </p:txBody>
+      </p:sp>
+      <p:grpSp>
+        <p:nvGrpSpPr>
+          <p:cNvPr id="484" name="Google Shape;484;p39">
+            <a:extLst>
+              <a:ext uri="{FF2B5EF4-FFF2-40B4-BE49-F238E27FC236}">
+                <a16:creationId xmlns:a16="http://schemas.microsoft.com/office/drawing/2014/main" id="{EDBF493D-9005-2DC4-0069-567FBB4F9530}"/>
+              </a:ext>
+            </a:extLst>
+          </p:cNvPr>
+          <p:cNvGrpSpPr/>
+          <p:nvPr/>
+        </p:nvGrpSpPr>
+        <p:grpSpPr>
+          <a:xfrm>
+            <a:off x="496925" y="1436601"/>
+            <a:ext cx="8150150" cy="3151497"/>
+            <a:chOff x="496925" y="1436601"/>
+            <a:chExt cx="8150150" cy="3151497"/>
+          </a:xfrm>
+        </p:grpSpPr>
+        <p:sp>
+          <p:nvSpPr>
+            <p:cNvPr id="485" name="Google Shape;485;p39">
+              <a:extLst>
+                <a:ext uri="{FF2B5EF4-FFF2-40B4-BE49-F238E27FC236}">
+                  <a16:creationId xmlns:a16="http://schemas.microsoft.com/office/drawing/2014/main" id="{E3C67085-6239-372D-8367-8226ADEEBA86}"/>
+                </a:ext>
+              </a:extLst>
+            </p:cNvPr>
+            <p:cNvSpPr txBox="1"/>
+            <p:nvPr/>
+          </p:nvSpPr>
+          <p:spPr>
+            <a:xfrm>
+              <a:off x="8430775" y="2030298"/>
+              <a:ext cx="216300" cy="2557800"/>
+            </a:xfrm>
+            <a:prstGeom prst="rect">
+              <a:avLst/>
+            </a:prstGeom>
+            <a:noFill/>
+            <a:ln>
+              <a:noFill/>
+            </a:ln>
+          </p:spPr>
+          <p:txBody>
+            <a:bodyPr spcFirstLastPara="1" wrap="square" lIns="91425" tIns="91425" rIns="91425" bIns="91425" anchor="t" anchorCtr="0">
+              <a:noAutofit/>
+            </a:bodyPr>
+            <a:lstStyle/>
+            <a:p>
+              <a:pPr marL="0" lvl="0" indent="0" algn="ctr" rtl="0">
+                <a:spcBef>
+                  <a:spcPts val="0"/>
+                </a:spcBef>
+                <a:spcAft>
+                  <a:spcPts val="0"/>
+                </a:spcAft>
+                <a:buNone/>
+              </a:pPr>
+              <a:r>
+                <a:rPr lang="en" sz="1000">
+                  <a:solidFill>
+                    <a:schemeClr val="dk1"/>
+                  </a:solidFill>
+                  <a:latin typeface="Open Sans"/>
+                  <a:ea typeface="Open Sans"/>
+                  <a:cs typeface="Open Sans"/>
+                  <a:sym typeface="Open Sans"/>
+                </a:rPr>
+                <a:t>1010010010110111</a:t>
+              </a:r>
+              <a:endParaRPr sz="1000">
+                <a:solidFill>
+                  <a:schemeClr val="dk1"/>
+                </a:solidFill>
+                <a:latin typeface="Open Sans"/>
+                <a:ea typeface="Open Sans"/>
+                <a:cs typeface="Open Sans"/>
+                <a:sym typeface="Open Sans"/>
+              </a:endParaRPr>
+            </a:p>
+          </p:txBody>
+        </p:sp>
+        <p:sp>
+          <p:nvSpPr>
+            <p:cNvPr id="486" name="Google Shape;486;p39">
+              <a:extLst>
+                <a:ext uri="{FF2B5EF4-FFF2-40B4-BE49-F238E27FC236}">
+                  <a16:creationId xmlns:a16="http://schemas.microsoft.com/office/drawing/2014/main" id="{ADED1D6C-F1CA-2D9B-8478-13E8518FDEA9}"/>
+                </a:ext>
+              </a:extLst>
+            </p:cNvPr>
+            <p:cNvSpPr txBox="1"/>
+            <p:nvPr/>
+          </p:nvSpPr>
+          <p:spPr>
+            <a:xfrm>
+              <a:off x="496925" y="1436601"/>
+              <a:ext cx="216300" cy="2557800"/>
+            </a:xfrm>
+            <a:prstGeom prst="rect">
+              <a:avLst/>
+            </a:prstGeom>
+            <a:noFill/>
+            <a:ln>
+              <a:noFill/>
+            </a:ln>
+          </p:spPr>
+          <p:txBody>
+            <a:bodyPr spcFirstLastPara="1" wrap="square" lIns="91425" tIns="91425" rIns="91425" bIns="91425" anchor="t" anchorCtr="0">
+              <a:noAutofit/>
+            </a:bodyPr>
+            <a:lstStyle/>
+            <a:p>
+              <a:pPr marL="0" lvl="0" indent="0" algn="ctr" rtl="0">
+                <a:spcBef>
+                  <a:spcPts val="0"/>
+                </a:spcBef>
+                <a:spcAft>
+                  <a:spcPts val="0"/>
+                </a:spcAft>
+                <a:buNone/>
+              </a:pPr>
+              <a:r>
+                <a:rPr lang="en" sz="1000">
+                  <a:solidFill>
+                    <a:schemeClr val="dk1"/>
+                  </a:solidFill>
+                  <a:latin typeface="Open Sans"/>
+                  <a:ea typeface="Open Sans"/>
+                  <a:cs typeface="Open Sans"/>
+                  <a:sym typeface="Open Sans"/>
+                </a:rPr>
+                <a:t>1001010100101010</a:t>
+              </a:r>
+              <a:endParaRPr sz="1000">
+                <a:solidFill>
+                  <a:schemeClr val="dk1"/>
+                </a:solidFill>
+                <a:latin typeface="Open Sans"/>
+                <a:ea typeface="Open Sans"/>
+                <a:cs typeface="Open Sans"/>
+                <a:sym typeface="Open Sans"/>
+              </a:endParaRPr>
+            </a:p>
+          </p:txBody>
+        </p:sp>
+      </p:grpSp>
+    </p:spTree>
+    <p:extLst>
+      <p:ext uri="{BB962C8B-B14F-4D97-AF65-F5344CB8AC3E}">
+        <p14:creationId xmlns:p14="http://schemas.microsoft.com/office/powerpoint/2010/main" val="3107790914"/>
+      </p:ext>
+    </p:extLst>
+  </p:cSld>
+  <p:clrMapOvr>
+    <a:masterClrMapping/>
+  </p:clrMapOvr>
+</p:sld>
+</file>
+
+<file path=ppt/slides/slide11.xml><?xml version="1.0" encoding="utf-8"?>
+<p:sld xmlns:a="http://schemas.openxmlformats.org/drawingml/2006/main" xmlns:r="http://schemas.openxmlformats.org/officeDocument/2006/relationships" xmlns:p="http://schemas.openxmlformats.org/presentationml/2006/main">
+  <p:cSld>
+    <p:spTree>
+      <p:nvGrpSpPr>
+        <p:cNvPr id="1" name=""/>
+        <p:cNvGrpSpPr/>
+        <p:nvPr/>
+      </p:nvGrpSpPr>
+      <p:grpSpPr>
+        <a:xfrm>
+          <a:off x="0" y="0"/>
+          <a:ext cx="0" cy="0"/>
+          <a:chOff x="0" y="0"/>
+          <a:chExt cx="0" cy="0"/>
+        </a:xfrm>
+      </p:grpSpPr>
+      <p:sp>
+        <p:nvSpPr>
+          <p:cNvPr id="2" name="Text Placeholder 1">
+            <a:extLst>
+              <a:ext uri="{FF2B5EF4-FFF2-40B4-BE49-F238E27FC236}">
+                <a16:creationId xmlns:a16="http://schemas.microsoft.com/office/drawing/2014/main" id="{A6A9454D-8040-E779-0768-3F9F17BD6C7E}"/>
+              </a:ext>
+            </a:extLst>
+          </p:cNvPr>
+          <p:cNvSpPr>
+            <a:spLocks noGrp="1"/>
+          </p:cNvSpPr>
+          <p:nvPr>
+            <p:ph type="body" idx="1"/>
+          </p:nvPr>
+        </p:nvSpPr>
+        <p:spPr>
+          <a:xfrm>
+            <a:off x="713225" y="1398725"/>
+            <a:ext cx="7651842" cy="2638800"/>
+          </a:xfrm>
+        </p:spPr>
+        <p:txBody>
+          <a:bodyPr/>
+          <a:lstStyle/>
+          <a:p>
+            <a:pPr marL="152400" indent="0">
+              <a:buNone/>
+            </a:pPr>
+            <a:r>
+              <a:rPr lang="en-US" sz="2000" dirty="0">
+                <a:latin typeface="Consolas" panose="020B0609020204030204" pitchFamily="49" charset="0"/>
+                <a:cs typeface="Consolas" panose="020B0609020204030204" pitchFamily="49" charset="0"/>
+              </a:rPr>
+              <a:t>&lt;input @bind="name" placeholder="Enter your name" /&gt;</a:t>
+            </a:r>
+          </a:p>
+          <a:p>
+            <a:pPr marL="152400" indent="0">
+              <a:buNone/>
+            </a:pPr>
+            <a:r>
+              <a:rPr lang="en-US" sz="2000" dirty="0">
+                <a:latin typeface="Consolas" panose="020B0609020204030204" pitchFamily="49" charset="0"/>
+                <a:cs typeface="Consolas" panose="020B0609020204030204" pitchFamily="49" charset="0"/>
+              </a:rPr>
+              <a:t>&lt;p&gt;Hello, @name!&lt;/p&gt;</a:t>
+            </a:r>
+          </a:p>
+          <a:p>
+            <a:pPr marL="152400" indent="0">
+              <a:buNone/>
+            </a:pPr>
+            <a:endParaRPr lang="en-US" sz="2000" dirty="0">
+              <a:latin typeface="Consolas" panose="020B0609020204030204" pitchFamily="49" charset="0"/>
+              <a:cs typeface="Consolas" panose="020B0609020204030204" pitchFamily="49" charset="0"/>
+            </a:endParaRPr>
+          </a:p>
+          <a:p>
+            <a:pPr marL="152400" indent="0">
+              <a:buNone/>
+            </a:pPr>
+            <a:r>
+              <a:rPr lang="en-US" sz="2000" dirty="0">
+                <a:latin typeface="Consolas" panose="020B0609020204030204" pitchFamily="49" charset="0"/>
+                <a:cs typeface="Consolas" panose="020B0609020204030204" pitchFamily="49" charset="0"/>
+              </a:rPr>
+              <a:t>@code {</a:t>
+            </a:r>
+          </a:p>
+          <a:p>
+            <a:pPr marL="152400" indent="0">
+              <a:buNone/>
+            </a:pPr>
+            <a:r>
+              <a:rPr lang="en-US" sz="2000" dirty="0">
+                <a:latin typeface="Consolas" panose="020B0609020204030204" pitchFamily="49" charset="0"/>
+                <a:cs typeface="Consolas" panose="020B0609020204030204" pitchFamily="49" charset="0"/>
+              </a:rPr>
+              <a:t>    private string name = "</a:t>
+            </a:r>
+            <a:r>
+              <a:rPr lang="en-US" sz="2000" dirty="0" err="1">
+                <a:latin typeface="Consolas" panose="020B0609020204030204" pitchFamily="49" charset="0"/>
+                <a:cs typeface="Consolas" panose="020B0609020204030204" pitchFamily="49" charset="0"/>
+              </a:rPr>
+              <a:t>Blazor</a:t>
+            </a:r>
+            <a:r>
+              <a:rPr lang="en-US" sz="2000" dirty="0">
+                <a:latin typeface="Consolas" panose="020B0609020204030204" pitchFamily="49" charset="0"/>
+                <a:cs typeface="Consolas" panose="020B0609020204030204" pitchFamily="49" charset="0"/>
+              </a:rPr>
+              <a:t>";</a:t>
+            </a:r>
+          </a:p>
+          <a:p>
+            <a:pPr marL="152400" indent="0">
+              <a:buNone/>
+            </a:pPr>
+            <a:r>
+              <a:rPr lang="en-US" sz="2000" dirty="0">
+                <a:latin typeface="Consolas" panose="020B0609020204030204" pitchFamily="49" charset="0"/>
+                <a:cs typeface="Consolas" panose="020B0609020204030204" pitchFamily="49" charset="0"/>
+              </a:rPr>
+              <a:t>}</a:t>
+            </a:r>
+          </a:p>
+          <a:p>
+            <a:pPr marL="152400" indent="0">
+              <a:buNone/>
+            </a:pPr>
+            <a:endParaRPr lang="en-US" sz="1600" dirty="0">
+              <a:latin typeface="Consolas" panose="020B0609020204030204" pitchFamily="49" charset="0"/>
+              <a:cs typeface="Consolas" panose="020B0609020204030204" pitchFamily="49" charset="0"/>
+            </a:endParaRPr>
+          </a:p>
+        </p:txBody>
+      </p:sp>
+      <p:sp>
+        <p:nvSpPr>
+          <p:cNvPr id="3" name="Title 2">
+            <a:extLst>
+              <a:ext uri="{FF2B5EF4-FFF2-40B4-BE49-F238E27FC236}">
+                <a16:creationId xmlns:a16="http://schemas.microsoft.com/office/drawing/2014/main" id="{335A6545-40FC-3D0D-A0D9-957D9B0D7DBD}"/>
+              </a:ext>
+            </a:extLst>
+          </p:cNvPr>
+          <p:cNvSpPr>
+            <a:spLocks noGrp="1"/>
+          </p:cNvSpPr>
+          <p:nvPr>
+            <p:ph type="title"/>
+          </p:nvPr>
+        </p:nvSpPr>
+        <p:spPr/>
+        <p:txBody>
+          <a:bodyPr/>
+          <a:lstStyle/>
+          <a:p>
+            <a:r>
+              <a:rPr lang="en-US" dirty="0"/>
+              <a:t>Data Binding in </a:t>
+            </a:r>
+            <a:r>
+              <a:rPr lang="en-US" dirty="0" err="1"/>
+              <a:t>Blazor</a:t>
+            </a:r>
+            <a:endParaRPr lang="en-US" dirty="0"/>
+          </a:p>
+        </p:txBody>
+      </p:sp>
+    </p:spTree>
+    <p:extLst>
+      <p:ext uri="{BB962C8B-B14F-4D97-AF65-F5344CB8AC3E}">
+        <p14:creationId xmlns:p14="http://schemas.microsoft.com/office/powerpoint/2010/main" val="1473923475"/>
+      </p:ext>
+    </p:extLst>
+  </p:cSld>
+  <p:clrMapOvr>
+    <a:masterClrMapping/>
+  </p:clrMapOvr>
+</p:sld>
+</file>
+
+<file path=ppt/slides/slide12.xml><?xml version="1.0" encoding="utf-8"?>
+<p:sld xmlns:a="http://schemas.openxmlformats.org/drawingml/2006/main" xmlns:r="http://schemas.openxmlformats.org/officeDocument/2006/relationships" xmlns:p="http://schemas.openxmlformats.org/presentationml/2006/main">
+  <p:cSld>
+    <p:spTree>
+      <p:nvGrpSpPr>
+        <p:cNvPr id="1" name=""/>
+        <p:cNvGrpSpPr/>
+        <p:nvPr/>
+      </p:nvGrpSpPr>
+      <p:grpSpPr>
+        <a:xfrm>
+          <a:off x="0" y="0"/>
+          <a:ext cx="0" cy="0"/>
+          <a:chOff x="0" y="0"/>
+          <a:chExt cx="0" cy="0"/>
+        </a:xfrm>
+      </p:grpSpPr>
+      <p:sp>
+        <p:nvSpPr>
+          <p:cNvPr id="8" name="Text Placeholder 7">
+            <a:extLst>
+              <a:ext uri="{FF2B5EF4-FFF2-40B4-BE49-F238E27FC236}">
+                <a16:creationId xmlns:a16="http://schemas.microsoft.com/office/drawing/2014/main" id="{761CB51C-8E23-263F-FA97-BA1141190F7D}"/>
+              </a:ext>
+            </a:extLst>
+          </p:cNvPr>
+          <p:cNvSpPr>
+            <a:spLocks noGrp="1"/>
+          </p:cNvSpPr>
+          <p:nvPr>
+            <p:ph type="body" idx="1"/>
+          </p:nvPr>
+        </p:nvSpPr>
+        <p:spPr>
+          <a:xfrm>
+            <a:off x="713224" y="1398724"/>
+            <a:ext cx="7459931" cy="3229719"/>
+          </a:xfrm>
+        </p:spPr>
+        <p:txBody>
+          <a:bodyPr/>
+          <a:lstStyle/>
+          <a:p>
+            <a:pPr marL="152400" indent="0">
+              <a:buNone/>
+            </a:pPr>
+            <a:r>
+              <a:rPr lang="en-US" sz="1800" dirty="0">
+                <a:latin typeface="Consolas" panose="020B0609020204030204" pitchFamily="49" charset="0"/>
+                <a:cs typeface="Consolas" panose="020B0609020204030204" pitchFamily="49" charset="0"/>
+              </a:rPr>
+              <a:t>&lt;button @onclick="</a:t>
+            </a:r>
+            <a:r>
+              <a:rPr lang="en-US" sz="1800" dirty="0" err="1">
+                <a:latin typeface="Consolas" panose="020B0609020204030204" pitchFamily="49" charset="0"/>
+                <a:cs typeface="Consolas" panose="020B0609020204030204" pitchFamily="49" charset="0"/>
+              </a:rPr>
+              <a:t>ShowMessage</a:t>
+            </a:r>
+            <a:r>
+              <a:rPr lang="en-US" sz="1800" dirty="0">
+                <a:latin typeface="Consolas" panose="020B0609020204030204" pitchFamily="49" charset="0"/>
+                <a:cs typeface="Consolas" panose="020B0609020204030204" pitchFamily="49" charset="0"/>
+              </a:rPr>
+              <a:t>"&gt;Click me&lt;/button&gt;</a:t>
+            </a:r>
+          </a:p>
+          <a:p>
+            <a:pPr marL="152400" indent="0">
+              <a:buNone/>
+            </a:pPr>
+            <a:r>
+              <a:rPr lang="en-US" sz="1800" dirty="0">
+                <a:latin typeface="Consolas" panose="020B0609020204030204" pitchFamily="49" charset="0"/>
+                <a:cs typeface="Consolas" panose="020B0609020204030204" pitchFamily="49" charset="0"/>
+              </a:rPr>
+              <a:t>&lt;p&gt;@message&lt;/p&gt;</a:t>
+            </a:r>
+          </a:p>
+          <a:p>
+            <a:pPr marL="152400" indent="0">
+              <a:buNone/>
+            </a:pPr>
+            <a:endParaRPr lang="en-US" sz="1800" dirty="0">
+              <a:latin typeface="Consolas" panose="020B0609020204030204" pitchFamily="49" charset="0"/>
+              <a:cs typeface="Consolas" panose="020B0609020204030204" pitchFamily="49" charset="0"/>
+            </a:endParaRPr>
+          </a:p>
+          <a:p>
+            <a:pPr marL="152400" indent="0">
+              <a:buNone/>
+            </a:pPr>
+            <a:r>
+              <a:rPr lang="en-US" sz="1800" dirty="0">
+                <a:latin typeface="Consolas" panose="020B0609020204030204" pitchFamily="49" charset="0"/>
+                <a:cs typeface="Consolas" panose="020B0609020204030204" pitchFamily="49" charset="0"/>
+              </a:rPr>
+              <a:t>@code {</a:t>
+            </a:r>
+          </a:p>
+          <a:p>
+            <a:pPr marL="152400" indent="0">
+              <a:buNone/>
+            </a:pPr>
+            <a:r>
+              <a:rPr lang="en-US" sz="1800" dirty="0">
+                <a:latin typeface="Consolas" panose="020B0609020204030204" pitchFamily="49" charset="0"/>
+                <a:cs typeface="Consolas" panose="020B0609020204030204" pitchFamily="49" charset="0"/>
+              </a:rPr>
+              <a:t>    private string message = "";</a:t>
+            </a:r>
+          </a:p>
+          <a:p>
+            <a:pPr marL="152400" indent="0">
+              <a:buNone/>
+            </a:pPr>
+            <a:endParaRPr lang="en-US" sz="1800" dirty="0">
+              <a:latin typeface="Consolas" panose="020B0609020204030204" pitchFamily="49" charset="0"/>
+              <a:cs typeface="Consolas" panose="020B0609020204030204" pitchFamily="49" charset="0"/>
+            </a:endParaRPr>
+          </a:p>
+          <a:p>
+            <a:pPr marL="152400" indent="0">
+              <a:buNone/>
+            </a:pPr>
+            <a:r>
+              <a:rPr lang="en-US" sz="1800" dirty="0">
+                <a:latin typeface="Consolas" panose="020B0609020204030204" pitchFamily="49" charset="0"/>
+                <a:cs typeface="Consolas" panose="020B0609020204030204" pitchFamily="49" charset="0"/>
+              </a:rPr>
+              <a:t>    private void </a:t>
+            </a:r>
+            <a:r>
+              <a:rPr lang="en-US" sz="1800" dirty="0" err="1">
+                <a:latin typeface="Consolas" panose="020B0609020204030204" pitchFamily="49" charset="0"/>
+                <a:cs typeface="Consolas" panose="020B0609020204030204" pitchFamily="49" charset="0"/>
+              </a:rPr>
+              <a:t>ShowMessage</a:t>
+            </a:r>
+            <a:r>
+              <a:rPr lang="en-US" sz="1800" dirty="0">
+                <a:latin typeface="Consolas" panose="020B0609020204030204" pitchFamily="49" charset="0"/>
+                <a:cs typeface="Consolas" panose="020B0609020204030204" pitchFamily="49" charset="0"/>
+              </a:rPr>
+              <a:t>()</a:t>
+            </a:r>
+          </a:p>
+          <a:p>
+            <a:pPr marL="152400" indent="0">
+              <a:buNone/>
+            </a:pPr>
+            <a:r>
+              <a:rPr lang="en-US" sz="1800" dirty="0">
+                <a:latin typeface="Consolas" panose="020B0609020204030204" pitchFamily="49" charset="0"/>
+                <a:cs typeface="Consolas" panose="020B0609020204030204" pitchFamily="49" charset="0"/>
+              </a:rPr>
+              <a:t>    {</a:t>
+            </a:r>
+          </a:p>
+          <a:p>
+            <a:pPr marL="152400" indent="0">
+              <a:buNone/>
+            </a:pPr>
+            <a:r>
+              <a:rPr lang="en-US" sz="1800" dirty="0">
+                <a:latin typeface="Consolas" panose="020B0609020204030204" pitchFamily="49" charset="0"/>
+                <a:cs typeface="Consolas" panose="020B0609020204030204" pitchFamily="49" charset="0"/>
+              </a:rPr>
+              <a:t>        message = "Button clicked!";</a:t>
+            </a:r>
+          </a:p>
+          <a:p>
+            <a:pPr marL="152400" indent="0">
+              <a:buNone/>
+            </a:pPr>
+            <a:r>
+              <a:rPr lang="en-US" sz="1800" dirty="0">
+                <a:latin typeface="Consolas" panose="020B0609020204030204" pitchFamily="49" charset="0"/>
+                <a:cs typeface="Consolas" panose="020B0609020204030204" pitchFamily="49" charset="0"/>
+              </a:rPr>
+              <a:t>    }</a:t>
+            </a:r>
+          </a:p>
+          <a:p>
+            <a:pPr marL="152400" indent="0">
+              <a:buNone/>
+            </a:pPr>
+            <a:r>
+              <a:rPr lang="en-US" sz="1800" dirty="0">
+                <a:latin typeface="Consolas" panose="020B0609020204030204" pitchFamily="49" charset="0"/>
+                <a:cs typeface="Consolas" panose="020B0609020204030204" pitchFamily="49" charset="0"/>
+              </a:rPr>
+              <a:t>}</a:t>
+            </a:r>
+          </a:p>
+          <a:p>
+            <a:pPr marL="152400" indent="0">
+              <a:buNone/>
+            </a:pPr>
+            <a:endParaRPr lang="en-US" sz="1800" dirty="0">
+              <a:latin typeface="Consolas" panose="020B0609020204030204" pitchFamily="49" charset="0"/>
+              <a:cs typeface="Consolas" panose="020B0609020204030204" pitchFamily="49" charset="0"/>
+            </a:endParaRPr>
+          </a:p>
+        </p:txBody>
+      </p:sp>
+      <p:sp>
+        <p:nvSpPr>
+          <p:cNvPr id="7" name="Title 6">
+            <a:extLst>
+              <a:ext uri="{FF2B5EF4-FFF2-40B4-BE49-F238E27FC236}">
+                <a16:creationId xmlns:a16="http://schemas.microsoft.com/office/drawing/2014/main" id="{EE3F54A3-4619-FEAF-A3E2-71D0D762D83F}"/>
+              </a:ext>
+            </a:extLst>
+          </p:cNvPr>
+          <p:cNvSpPr>
+            <a:spLocks noGrp="1"/>
+          </p:cNvSpPr>
+          <p:nvPr>
+            <p:ph type="title"/>
+          </p:nvPr>
+        </p:nvSpPr>
+        <p:spPr/>
+        <p:txBody>
+          <a:bodyPr/>
+          <a:lstStyle/>
+          <a:p>
+            <a:r>
+              <a:rPr lang="en-US" dirty="0"/>
+              <a:t>Event Handling in </a:t>
+            </a:r>
+            <a:r>
+              <a:rPr lang="en-US" dirty="0" err="1"/>
+              <a:t>Blazor</a:t>
+            </a:r>
+            <a:endParaRPr lang="en-US" dirty="0"/>
+          </a:p>
+        </p:txBody>
+      </p:sp>
+    </p:spTree>
+    <p:extLst>
+      <p:ext uri="{BB962C8B-B14F-4D97-AF65-F5344CB8AC3E}">
+        <p14:creationId xmlns:p14="http://schemas.microsoft.com/office/powerpoint/2010/main" val="730345138"/>
+      </p:ext>
+    </p:extLst>
+  </p:cSld>
+  <p:clrMapOvr>
+    <a:masterClrMapping/>
+  </p:clrMapOvr>
+</p:sld>
+</file>
+
+<file path=ppt/slides/slide13.xml><?xml version="1.0" encoding="utf-8"?>
+<p:sld xmlns:a="http://schemas.openxmlformats.org/drawingml/2006/main" xmlns:r="http://schemas.openxmlformats.org/officeDocument/2006/relationships" xmlns:p="http://schemas.openxmlformats.org/presentationml/2006/main">
+  <p:cSld>
+    <p:spTree>
+      <p:nvGrpSpPr>
         <p:cNvPr id="1" name=""/>
         <p:cNvGrpSpPr/>
         <p:nvPr/>
@@ -20295,7 +23654,7 @@
 </p:sld>
 </file>
 
-<file path=ppt/slides/slide11.xml><?xml version="1.0" encoding="utf-8"?>
+<file path=ppt/slides/slide14.xml><?xml version="1.0" encoding="utf-8"?>
 <p:sld xmlns:a="http://schemas.openxmlformats.org/drawingml/2006/main" xmlns:r="http://schemas.openxmlformats.org/officeDocument/2006/relationships" xmlns:p="http://schemas.openxmlformats.org/presentationml/2006/main">
   <p:cSld>
     <p:spTree>
@@ -20512,230 +23871,7 @@
 </p:sld>
 </file>
 
-<file path=ppt/slides/slide12.xml><?xml version="1.0" encoding="utf-8"?>
-<p:sld xmlns:a="http://schemas.openxmlformats.org/drawingml/2006/main" xmlns:r="http://schemas.openxmlformats.org/officeDocument/2006/relationships" xmlns:p="http://schemas.openxmlformats.org/presentationml/2006/main">
-  <p:cSld>
-    <p:spTree>
-      <p:nvGrpSpPr>
-        <p:cNvPr id="1" name="">
-          <a:extLst>
-            <a:ext uri="{FF2B5EF4-FFF2-40B4-BE49-F238E27FC236}">
-              <a16:creationId xmlns:a16="http://schemas.microsoft.com/office/drawing/2014/main" id="{58893531-0AFB-C4C8-07ED-408B1EE38EC8}"/>
-            </a:ext>
-          </a:extLst>
-        </p:cNvPr>
-        <p:cNvGrpSpPr/>
-        <p:nvPr/>
-      </p:nvGrpSpPr>
-      <p:grpSpPr>
-        <a:xfrm>
-          <a:off x="0" y="0"/>
-          <a:ext cx="0" cy="0"/>
-          <a:chOff x="0" y="0"/>
-          <a:chExt cx="0" cy="0"/>
-        </a:xfrm>
-      </p:grpSpPr>
-      <p:sp>
-        <p:nvSpPr>
-          <p:cNvPr id="2" name="Text Placeholder 1">
-            <a:extLst>
-              <a:ext uri="{FF2B5EF4-FFF2-40B4-BE49-F238E27FC236}">
-                <a16:creationId xmlns:a16="http://schemas.microsoft.com/office/drawing/2014/main" id="{F83CA013-8891-D616-2CDF-E8A301BBE1B0}"/>
-              </a:ext>
-            </a:extLst>
-          </p:cNvPr>
-          <p:cNvSpPr>
-            <a:spLocks noGrp="1"/>
-          </p:cNvSpPr>
-          <p:nvPr>
-            <p:ph type="body" idx="1"/>
-          </p:nvPr>
-        </p:nvSpPr>
-        <p:spPr/>
-        <p:txBody>
-          <a:bodyPr/>
-          <a:lstStyle/>
-          <a:p>
-            <a:pPr marL="152400" indent="0">
-              <a:buNone/>
-            </a:pPr>
-            <a:r>
-              <a:rPr lang="en-US" sz="1800" dirty="0">
-                <a:latin typeface="Consolas" panose="020B0609020204030204" pitchFamily="49" charset="0"/>
-                <a:cs typeface="Consolas" panose="020B0609020204030204" pitchFamily="49" charset="0"/>
-              </a:rPr>
-              <a:t>&lt;p&gt;Message: @message&lt;/p&gt;</a:t>
-            </a:r>
-          </a:p>
-          <a:p>
-            <a:pPr marL="152400" indent="0">
-              <a:buNone/>
-            </a:pPr>
-            <a:endParaRPr lang="en-US" sz="1800" dirty="0">
-              <a:latin typeface="Consolas" panose="020B0609020204030204" pitchFamily="49" charset="0"/>
-              <a:cs typeface="Consolas" panose="020B0609020204030204" pitchFamily="49" charset="0"/>
-            </a:endParaRPr>
-          </a:p>
-          <a:p>
-            <a:pPr marL="152400" indent="0">
-              <a:buNone/>
-            </a:pPr>
-            <a:r>
-              <a:rPr lang="en-US" sz="1800" dirty="0">
-                <a:latin typeface="Consolas" panose="020B0609020204030204" pitchFamily="49" charset="0"/>
-                <a:cs typeface="Consolas" panose="020B0609020204030204" pitchFamily="49" charset="0"/>
-              </a:rPr>
-              <a:t>@code {</a:t>
-            </a:r>
-          </a:p>
-          <a:p>
-            <a:pPr marL="152400" indent="0">
-              <a:buNone/>
-            </a:pPr>
-            <a:r>
-              <a:rPr lang="en-US" sz="1800" dirty="0">
-                <a:latin typeface="Consolas" panose="020B0609020204030204" pitchFamily="49" charset="0"/>
-                <a:cs typeface="Consolas" panose="020B0609020204030204" pitchFamily="49" charset="0"/>
-              </a:rPr>
-              <a:t>    private string message;</a:t>
-            </a:r>
-          </a:p>
-          <a:p>
-            <a:pPr marL="152400" indent="0">
-              <a:buNone/>
-            </a:pPr>
-            <a:endParaRPr lang="en-US" sz="1800" dirty="0">
-              <a:latin typeface="Consolas" panose="020B0609020204030204" pitchFamily="49" charset="0"/>
-              <a:cs typeface="Consolas" panose="020B0609020204030204" pitchFamily="49" charset="0"/>
-            </a:endParaRPr>
-          </a:p>
-          <a:p>
-            <a:pPr marL="152400" indent="0">
-              <a:buNone/>
-            </a:pPr>
-            <a:r>
-              <a:rPr lang="en-US" sz="1800" dirty="0">
-                <a:latin typeface="Consolas" panose="020B0609020204030204" pitchFamily="49" charset="0"/>
-                <a:cs typeface="Consolas" panose="020B0609020204030204" pitchFamily="49" charset="0"/>
-              </a:rPr>
-              <a:t>    protected override void </a:t>
-            </a:r>
-            <a:r>
-              <a:rPr lang="en-US" sz="1800" dirty="0" err="1">
-                <a:latin typeface="Consolas" panose="020B0609020204030204" pitchFamily="49" charset="0"/>
-                <a:cs typeface="Consolas" panose="020B0609020204030204" pitchFamily="49" charset="0"/>
-              </a:rPr>
-              <a:t>OnInitialized</a:t>
-            </a:r>
-            <a:r>
-              <a:rPr lang="en-US" sz="1800" dirty="0">
-                <a:latin typeface="Consolas" panose="020B0609020204030204" pitchFamily="49" charset="0"/>
-                <a:cs typeface="Consolas" panose="020B0609020204030204" pitchFamily="49" charset="0"/>
-              </a:rPr>
-              <a:t>()</a:t>
-            </a:r>
-          </a:p>
-          <a:p>
-            <a:pPr marL="152400" indent="0">
-              <a:buNone/>
-            </a:pPr>
-            <a:r>
-              <a:rPr lang="en-US" sz="1800" dirty="0">
-                <a:latin typeface="Consolas" panose="020B0609020204030204" pitchFamily="49" charset="0"/>
-                <a:cs typeface="Consolas" panose="020B0609020204030204" pitchFamily="49" charset="0"/>
-              </a:rPr>
-              <a:t>    {</a:t>
-            </a:r>
-          </a:p>
-          <a:p>
-            <a:pPr marL="152400" indent="0">
-              <a:buNone/>
-            </a:pPr>
-            <a:r>
-              <a:rPr lang="en-US" sz="1800" dirty="0">
-                <a:latin typeface="Consolas" panose="020B0609020204030204" pitchFamily="49" charset="0"/>
-                <a:cs typeface="Consolas" panose="020B0609020204030204" pitchFamily="49" charset="0"/>
-              </a:rPr>
-              <a:t>        message = "Component initialized!";</a:t>
-            </a:r>
-          </a:p>
-          <a:p>
-            <a:pPr marL="152400" indent="0">
-              <a:buNone/>
-            </a:pPr>
-            <a:r>
-              <a:rPr lang="en-US" sz="1800" dirty="0">
-                <a:latin typeface="Consolas" panose="020B0609020204030204" pitchFamily="49" charset="0"/>
-                <a:cs typeface="Consolas" panose="020B0609020204030204" pitchFamily="49" charset="0"/>
-              </a:rPr>
-              <a:t>    }</a:t>
-            </a:r>
-          </a:p>
-          <a:p>
-            <a:pPr marL="152400" indent="0">
-              <a:buNone/>
-            </a:pPr>
-            <a:r>
-              <a:rPr lang="en-US" sz="1800" dirty="0">
-                <a:latin typeface="Consolas" panose="020B0609020204030204" pitchFamily="49" charset="0"/>
-                <a:cs typeface="Consolas" panose="020B0609020204030204" pitchFamily="49" charset="0"/>
-              </a:rPr>
-              <a:t>}</a:t>
-            </a:r>
-          </a:p>
-          <a:p>
-            <a:pPr marL="152400" indent="0">
-              <a:buNone/>
-            </a:pPr>
-            <a:endParaRPr lang="en-US" sz="1800" dirty="0">
-              <a:latin typeface="Consolas" panose="020B0609020204030204" pitchFamily="49" charset="0"/>
-              <a:cs typeface="Consolas" panose="020B0609020204030204" pitchFamily="49" charset="0"/>
-            </a:endParaRPr>
-          </a:p>
-        </p:txBody>
-      </p:sp>
-      <p:sp>
-        <p:nvSpPr>
-          <p:cNvPr id="3" name="Title 2">
-            <a:extLst>
-              <a:ext uri="{FF2B5EF4-FFF2-40B4-BE49-F238E27FC236}">
-                <a16:creationId xmlns:a16="http://schemas.microsoft.com/office/drawing/2014/main" id="{BD35EB89-C248-96AC-0587-6C89DC9B7227}"/>
-              </a:ext>
-            </a:extLst>
-          </p:cNvPr>
-          <p:cNvSpPr>
-            <a:spLocks noGrp="1"/>
-          </p:cNvSpPr>
-          <p:nvPr>
-            <p:ph type="title"/>
-          </p:nvPr>
-        </p:nvSpPr>
-        <p:spPr/>
-        <p:txBody>
-          <a:bodyPr/>
-          <a:lstStyle/>
-          <a:p>
-            <a:r>
-              <a:rPr lang="en-US" dirty="0"/>
-              <a:t>Lifecycle Methods</a:t>
-            </a:r>
-          </a:p>
-        </p:txBody>
-      </p:sp>
-    </p:spTree>
-    <p:extLst>
-      <p:ext uri="{BB962C8B-B14F-4D97-AF65-F5344CB8AC3E}">
-        <p14:creationId xmlns:p14="http://schemas.microsoft.com/office/powerpoint/2010/main" val="3954198679"/>
-      </p:ext>
-    </p:extLst>
-  </p:cSld>
-  <p:clrMapOvr>
-    <a:masterClrMapping/>
-  </p:clrMapOvr>
-</p:sld>
-</file>
-
-<file path=ppt/slides/slide13.xml><?xml version="1.0" encoding="utf-8"?>
+<file path=ppt/slides/slide15.xml><?xml version="1.0" encoding="utf-8"?>
 <p:sld xmlns:a="http://schemas.openxmlformats.org/drawingml/2006/main" xmlns:r="http://schemas.openxmlformats.org/officeDocument/2006/relationships" xmlns:p="http://schemas.openxmlformats.org/presentationml/2006/main">
   <p:cSld>
     <p:spTree>
@@ -20951,7 +24087,7 @@
 </p:sld>
 </file>
 
-<file path=ppt/slides/slide14.xml><?xml version="1.0" encoding="utf-8"?>
+<file path=ppt/slides/slide16.xml><?xml version="1.0" encoding="utf-8"?>
 <p:sld xmlns:a="http://schemas.openxmlformats.org/drawingml/2006/main" xmlns:r="http://schemas.openxmlformats.org/officeDocument/2006/relationships" xmlns:p="http://schemas.openxmlformats.org/presentationml/2006/main">
   <p:cSld>
     <p:spTree>
@@ -21257,7 +24393,7 @@
 </p:sld>
 </file>
 
-<file path=ppt/slides/slide15.xml><?xml version="1.0" encoding="utf-8"?>
+<file path=ppt/slides/slide17.xml><?xml version="1.0" encoding="utf-8"?>
 <p:sld xmlns:a="http://schemas.openxmlformats.org/drawingml/2006/main" xmlns:r="http://schemas.openxmlformats.org/officeDocument/2006/relationships" xmlns:p="http://schemas.openxmlformats.org/presentationml/2006/main">
   <p:cSld>
     <p:spTree>
@@ -21585,7 +24721,7 @@
 </p:sld>
 </file>
 
-<file path=ppt/slides/slide16.xml><?xml version="1.0" encoding="utf-8"?>
+<file path=ppt/slides/slide18.xml><?xml version="1.0" encoding="utf-8"?>
 <p:sld xmlns:a="http://schemas.openxmlformats.org/drawingml/2006/main" xmlns:r="http://schemas.openxmlformats.org/officeDocument/2006/relationships" xmlns:p="http://schemas.openxmlformats.org/presentationml/2006/main">
   <p:cSld>
     <p:spTree>
@@ -21794,7 +24930,1538 @@
 </p:sld>
 </file>
 
-<file path=ppt/slides/slide17.xml><?xml version="1.0" encoding="utf-8"?>
+<file path=ppt/slides/slide19.xml><?xml version="1.0" encoding="utf-8"?>
+<p:sld xmlns:a="http://schemas.openxmlformats.org/drawingml/2006/main" xmlns:r="http://schemas.openxmlformats.org/officeDocument/2006/relationships" xmlns:p="http://schemas.openxmlformats.org/presentationml/2006/main">
+  <p:cSld>
+    <p:spTree>
+      <p:nvGrpSpPr>
+        <p:cNvPr id="1" name="">
+          <a:extLst>
+            <a:ext uri="{FF2B5EF4-FFF2-40B4-BE49-F238E27FC236}">
+              <a16:creationId xmlns:a16="http://schemas.microsoft.com/office/drawing/2014/main" id="{70FC89D4-C747-98E3-6B24-1AFB7565A861}"/>
+            </a:ext>
+          </a:extLst>
+        </p:cNvPr>
+        <p:cNvGrpSpPr/>
+        <p:nvPr/>
+      </p:nvGrpSpPr>
+      <p:grpSpPr>
+        <a:xfrm>
+          <a:off x="0" y="0"/>
+          <a:ext cx="0" cy="0"/>
+          <a:chOff x="0" y="0"/>
+          <a:chExt cx="0" cy="0"/>
+        </a:xfrm>
+      </p:grpSpPr>
+      <p:sp>
+        <p:nvSpPr>
+          <p:cNvPr id="2" name="Text Placeholder 1">
+            <a:extLst>
+              <a:ext uri="{FF2B5EF4-FFF2-40B4-BE49-F238E27FC236}">
+                <a16:creationId xmlns:a16="http://schemas.microsoft.com/office/drawing/2014/main" id="{5A47E7AB-38BF-2E92-C7E5-68D1B4A995E0}"/>
+              </a:ext>
+            </a:extLst>
+          </p:cNvPr>
+          <p:cNvSpPr>
+            <a:spLocks noGrp="1"/>
+          </p:cNvSpPr>
+          <p:nvPr>
+            <p:ph type="body" idx="1"/>
+          </p:nvPr>
+        </p:nvSpPr>
+        <p:spPr>
+          <a:xfrm>
+            <a:off x="713225" y="1398725"/>
+            <a:ext cx="7419098" cy="2638800"/>
+          </a:xfrm>
+        </p:spPr>
+        <p:txBody>
+          <a:bodyPr/>
+          <a:lstStyle/>
+          <a:p>
+            <a:pPr marL="152400" indent="0">
+              <a:buNone/>
+            </a:pPr>
+            <a:endParaRPr lang="da-DK" sz="2400" dirty="0">
+              <a:latin typeface="Consolas" panose="020B0609020204030204" pitchFamily="49" charset="0"/>
+            </a:endParaRPr>
+          </a:p>
+          <a:p>
+            <a:pPr marL="152400" indent="0">
+              <a:buNone/>
+            </a:pPr>
+            <a:r>
+              <a:rPr lang="da-DK" sz="2400" dirty="0">
+                <a:latin typeface="Consolas" panose="020B0609020204030204" pitchFamily="49" charset="0"/>
+              </a:rPr>
+              <a:t>// wwwroot/js/myLibrary.js</a:t>
+            </a:r>
+          </a:p>
+          <a:p>
+            <a:pPr marL="152400" indent="0">
+              <a:buNone/>
+            </a:pPr>
+            <a:r>
+              <a:rPr lang="da-DK" sz="2400" dirty="0">
+                <a:latin typeface="Consolas" panose="020B0609020204030204" pitchFamily="49" charset="0"/>
+              </a:rPr>
+              <a:t>function showAlert(message) {</a:t>
+            </a:r>
+          </a:p>
+          <a:p>
+            <a:pPr marL="152400" indent="0">
+              <a:buNone/>
+            </a:pPr>
+            <a:r>
+              <a:rPr lang="da-DK" sz="2400" dirty="0">
+                <a:latin typeface="Consolas" panose="020B0609020204030204" pitchFamily="49" charset="0"/>
+              </a:rPr>
+              <a:t>    alert(message);</a:t>
+            </a:r>
+          </a:p>
+          <a:p>
+            <a:pPr marL="152400" indent="0">
+              <a:buNone/>
+            </a:pPr>
+            <a:r>
+              <a:rPr lang="da-DK" sz="2400" dirty="0">
+                <a:latin typeface="Consolas" panose="020B0609020204030204" pitchFamily="49" charset="0"/>
+              </a:rPr>
+              <a:t>}</a:t>
+            </a:r>
+          </a:p>
+          <a:p>
+            <a:pPr marL="152400" indent="0">
+              <a:buNone/>
+            </a:pPr>
+            <a:endParaRPr lang="da-DK" sz="2400" dirty="0">
+              <a:latin typeface="Consolas" panose="020B0609020204030204" pitchFamily="49" charset="0"/>
+            </a:endParaRPr>
+          </a:p>
+          <a:p>
+            <a:pPr marL="152400" indent="0">
+              <a:buNone/>
+            </a:pPr>
+            <a:r>
+              <a:rPr lang="en-US" sz="2400" dirty="0">
+                <a:latin typeface="Consolas" panose="020B0609020204030204" pitchFamily="49" charset="0"/>
+              </a:rPr>
+              <a:t>&lt;!-- Add this in the &lt;head&gt; section --&gt;</a:t>
+            </a:r>
+          </a:p>
+          <a:p>
+            <a:pPr marL="152400" indent="0">
+              <a:buNone/>
+            </a:pPr>
+            <a:r>
+              <a:rPr lang="en-US" sz="2400" dirty="0">
+                <a:latin typeface="Consolas" panose="020B0609020204030204" pitchFamily="49" charset="0"/>
+              </a:rPr>
+              <a:t>&lt;script </a:t>
+            </a:r>
+            <a:r>
+              <a:rPr lang="en-US" sz="2400" dirty="0" err="1">
+                <a:latin typeface="Consolas" panose="020B0609020204030204" pitchFamily="49" charset="0"/>
+              </a:rPr>
+              <a:t>src</a:t>
+            </a:r>
+            <a:r>
+              <a:rPr lang="en-US" sz="2400" dirty="0">
+                <a:latin typeface="Consolas" panose="020B0609020204030204" pitchFamily="49" charset="0"/>
+              </a:rPr>
+              <a:t>="</a:t>
+            </a:r>
+            <a:r>
+              <a:rPr lang="en-US" sz="2400" dirty="0" err="1">
+                <a:latin typeface="Consolas" panose="020B0609020204030204" pitchFamily="49" charset="0"/>
+              </a:rPr>
+              <a:t>js</a:t>
+            </a:r>
+            <a:r>
+              <a:rPr lang="en-US" sz="2400" dirty="0">
+                <a:latin typeface="Consolas" panose="020B0609020204030204" pitchFamily="49" charset="0"/>
+              </a:rPr>
+              <a:t>/myLibrary.js"&gt;&lt;/script&gt;</a:t>
+            </a:r>
+          </a:p>
+          <a:p>
+            <a:pPr marL="152400" indent="0">
+              <a:buNone/>
+            </a:pPr>
+            <a:endParaRPr lang="da-DK" sz="2400" dirty="0">
+              <a:latin typeface="Consolas" panose="020B0609020204030204" pitchFamily="49" charset="0"/>
+            </a:endParaRPr>
+          </a:p>
+          <a:p>
+            <a:pPr marL="152400" indent="0">
+              <a:buNone/>
+            </a:pPr>
+            <a:endParaRPr lang="en-US" dirty="0"/>
+          </a:p>
+          <a:p>
+            <a:pPr marL="152400" indent="0">
+              <a:buNone/>
+            </a:pPr>
+            <a:endParaRPr lang="en-US" dirty="0"/>
+          </a:p>
+        </p:txBody>
+      </p:sp>
+      <p:sp>
+        <p:nvSpPr>
+          <p:cNvPr id="3" name="Title 2">
+            <a:extLst>
+              <a:ext uri="{FF2B5EF4-FFF2-40B4-BE49-F238E27FC236}">
+                <a16:creationId xmlns:a16="http://schemas.microsoft.com/office/drawing/2014/main" id="{340BDA5B-47B1-BA9D-C592-283F8198E259}"/>
+              </a:ext>
+            </a:extLst>
+          </p:cNvPr>
+          <p:cNvSpPr>
+            <a:spLocks noGrp="1"/>
+          </p:cNvSpPr>
+          <p:nvPr>
+            <p:ph type="title"/>
+          </p:nvPr>
+        </p:nvSpPr>
+        <p:spPr/>
+        <p:txBody>
+          <a:bodyPr/>
+          <a:lstStyle/>
+          <a:p>
+            <a:r>
+              <a:rPr lang="en-US" dirty="0"/>
+              <a:t>Call JavaScript from a Blazor Component</a:t>
+            </a:r>
+          </a:p>
+        </p:txBody>
+      </p:sp>
+    </p:spTree>
+    <p:extLst>
+      <p:ext uri="{BB962C8B-B14F-4D97-AF65-F5344CB8AC3E}">
+        <p14:creationId xmlns:p14="http://schemas.microsoft.com/office/powerpoint/2010/main" val="1798505099"/>
+      </p:ext>
+    </p:extLst>
+  </p:cSld>
+  <p:clrMapOvr>
+    <a:masterClrMapping/>
+  </p:clrMapOvr>
+  <p:timing>
+    <p:tnLst>
+      <p:par>
+        <p:cTn id="1" dur="indefinite" restart="never" nodeType="tmRoot">
+          <p:childTnLst>
+            <p:seq concurrent="1" nextAc="seek">
+              <p:cTn id="2" dur="indefinite" nodeType="mainSeq">
+                <p:childTnLst>
+                  <p:par>
+                    <p:cTn id="3" fill="hold">
+                      <p:stCondLst>
+                        <p:cond delay="indefinite"/>
+                      </p:stCondLst>
+                      <p:childTnLst>
+                        <p:par>
+                          <p:cTn id="4" fill="hold">
+                            <p:stCondLst>
+                              <p:cond delay="0"/>
+                            </p:stCondLst>
+                            <p:childTnLst>
+                              <p:par>
+                                <p:cTn id="5" presetID="1" presetClass="entr" presetSubtype="0" fill="hold" nodeType="clickEffect">
+                                  <p:stCondLst>
+                                    <p:cond delay="0"/>
+                                  </p:stCondLst>
+                                  <p:childTnLst>
+                                    <p:set>
+                                      <p:cBhvr>
+                                        <p:cTn id="6" dur="1" fill="hold">
+                                          <p:stCondLst>
+                                            <p:cond delay="0"/>
+                                          </p:stCondLst>
+                                        </p:cTn>
+                                        <p:tgtEl>
+                                          <p:spTgt spid="2">
+                                            <p:txEl>
+                                              <p:pRg st="1" end="1"/>
+                                            </p:txEl>
+                                          </p:spTgt>
+                                        </p:tgtEl>
+                                        <p:attrNameLst>
+                                          <p:attrName>style.visibility</p:attrName>
+                                        </p:attrNameLst>
+                                      </p:cBhvr>
+                                      <p:to>
+                                        <p:strVal val="visible"/>
+                                      </p:to>
+                                    </p:set>
+                                  </p:childTnLst>
+                                </p:cTn>
+                              </p:par>
+                              <p:par>
+                                <p:cTn id="7" presetID="1" presetClass="entr" presetSubtype="0" fill="hold" nodeType="withEffect">
+                                  <p:stCondLst>
+                                    <p:cond delay="0"/>
+                                  </p:stCondLst>
+                                  <p:childTnLst>
+                                    <p:set>
+                                      <p:cBhvr>
+                                        <p:cTn id="8" dur="1" fill="hold">
+                                          <p:stCondLst>
+                                            <p:cond delay="0"/>
+                                          </p:stCondLst>
+                                        </p:cTn>
+                                        <p:tgtEl>
+                                          <p:spTgt spid="2">
+                                            <p:txEl>
+                                              <p:pRg st="2" end="2"/>
+                                            </p:txEl>
+                                          </p:spTgt>
+                                        </p:tgtEl>
+                                        <p:attrNameLst>
+                                          <p:attrName>style.visibility</p:attrName>
+                                        </p:attrNameLst>
+                                      </p:cBhvr>
+                                      <p:to>
+                                        <p:strVal val="visible"/>
+                                      </p:to>
+                                    </p:set>
+                                  </p:childTnLst>
+                                </p:cTn>
+                              </p:par>
+                              <p:par>
+                                <p:cTn id="9" presetID="1" presetClass="entr" presetSubtype="0" fill="hold" nodeType="withEffect">
+                                  <p:stCondLst>
+                                    <p:cond delay="0"/>
+                                  </p:stCondLst>
+                                  <p:childTnLst>
+                                    <p:set>
+                                      <p:cBhvr>
+                                        <p:cTn id="10" dur="1" fill="hold">
+                                          <p:stCondLst>
+                                            <p:cond delay="0"/>
+                                          </p:stCondLst>
+                                        </p:cTn>
+                                        <p:tgtEl>
+                                          <p:spTgt spid="2">
+                                            <p:txEl>
+                                              <p:pRg st="3" end="3"/>
+                                            </p:txEl>
+                                          </p:spTgt>
+                                        </p:tgtEl>
+                                        <p:attrNameLst>
+                                          <p:attrName>style.visibility</p:attrName>
+                                        </p:attrNameLst>
+                                      </p:cBhvr>
+                                      <p:to>
+                                        <p:strVal val="visible"/>
+                                      </p:to>
+                                    </p:set>
+                                  </p:childTnLst>
+                                </p:cTn>
+                              </p:par>
+                              <p:par>
+                                <p:cTn id="11" presetID="1" presetClass="entr" presetSubtype="0" fill="hold" nodeType="withEffect">
+                                  <p:stCondLst>
+                                    <p:cond delay="0"/>
+                                  </p:stCondLst>
+                                  <p:childTnLst>
+                                    <p:set>
+                                      <p:cBhvr>
+                                        <p:cTn id="12" dur="1" fill="hold">
+                                          <p:stCondLst>
+                                            <p:cond delay="0"/>
+                                          </p:stCondLst>
+                                        </p:cTn>
+                                        <p:tgtEl>
+                                          <p:spTgt spid="2">
+                                            <p:txEl>
+                                              <p:pRg st="4" end="4"/>
+                                            </p:txEl>
+                                          </p:spTgt>
+                                        </p:tgtEl>
+                                        <p:attrNameLst>
+                                          <p:attrName>style.visibility</p:attrName>
+                                        </p:attrNameLst>
+                                      </p:cBhvr>
+                                      <p:to>
+                                        <p:strVal val="visible"/>
+                                      </p:to>
+                                    </p:set>
+                                  </p:childTnLst>
+                                </p:cTn>
+                              </p:par>
+                            </p:childTnLst>
+                          </p:cTn>
+                        </p:par>
+                      </p:childTnLst>
+                    </p:cTn>
+                  </p:par>
+                  <p:par>
+                    <p:cTn id="13" fill="hold">
+                      <p:stCondLst>
+                        <p:cond delay="indefinite"/>
+                      </p:stCondLst>
+                      <p:childTnLst>
+                        <p:par>
+                          <p:cTn id="14" fill="hold">
+                            <p:stCondLst>
+                              <p:cond delay="0"/>
+                            </p:stCondLst>
+                            <p:childTnLst>
+                              <p:par>
+                                <p:cTn id="15" presetID="1" presetClass="entr" presetSubtype="0" fill="hold" nodeType="clickEffect">
+                                  <p:stCondLst>
+                                    <p:cond delay="0"/>
+                                  </p:stCondLst>
+                                  <p:childTnLst>
+                                    <p:set>
+                                      <p:cBhvr>
+                                        <p:cTn id="16" dur="1" fill="hold">
+                                          <p:stCondLst>
+                                            <p:cond delay="0"/>
+                                          </p:stCondLst>
+                                        </p:cTn>
+                                        <p:tgtEl>
+                                          <p:spTgt spid="2">
+                                            <p:txEl>
+                                              <p:pRg st="6" end="6"/>
+                                            </p:txEl>
+                                          </p:spTgt>
+                                        </p:tgtEl>
+                                        <p:attrNameLst>
+                                          <p:attrName>style.visibility</p:attrName>
+                                        </p:attrNameLst>
+                                      </p:cBhvr>
+                                      <p:to>
+                                        <p:strVal val="visible"/>
+                                      </p:to>
+                                    </p:set>
+                                  </p:childTnLst>
+                                </p:cTn>
+                              </p:par>
+                              <p:par>
+                                <p:cTn id="17" presetID="1" presetClass="entr" presetSubtype="0" fill="hold" nodeType="withEffect">
+                                  <p:stCondLst>
+                                    <p:cond delay="0"/>
+                                  </p:stCondLst>
+                                  <p:childTnLst>
+                                    <p:set>
+                                      <p:cBhvr>
+                                        <p:cTn id="18" dur="1" fill="hold">
+                                          <p:stCondLst>
+                                            <p:cond delay="0"/>
+                                          </p:stCondLst>
+                                        </p:cTn>
+                                        <p:tgtEl>
+                                          <p:spTgt spid="2">
+                                            <p:txEl>
+                                              <p:pRg st="7" end="7"/>
+                                            </p:txEl>
+                                          </p:spTgt>
+                                        </p:tgtEl>
+                                        <p:attrNameLst>
+                                          <p:attrName>style.visibility</p:attrName>
+                                        </p:attrNameLst>
+                                      </p:cBhvr>
+                                      <p:to>
+                                        <p:strVal val="visible"/>
+                                      </p:to>
+                                    </p:set>
+                                  </p:childTnLst>
+                                </p:cTn>
+                              </p:par>
+                            </p:childTnLst>
+                          </p:cTn>
+                        </p:par>
+                      </p:childTnLst>
+                    </p:cTn>
+                  </p:par>
+                </p:childTnLst>
+              </p:cTn>
+              <p:prevCondLst>
+                <p:cond evt="onPrev" delay="0">
+                  <p:tgtEl>
+                    <p:sldTgt/>
+                  </p:tgtEl>
+                </p:cond>
+              </p:prevCondLst>
+              <p:nextCondLst>
+                <p:cond evt="onNext" delay="0">
+                  <p:tgtEl>
+                    <p:sldTgt/>
+                  </p:tgtEl>
+                </p:cond>
+              </p:nextCondLst>
+            </p:seq>
+          </p:childTnLst>
+        </p:cTn>
+      </p:par>
+    </p:tnLst>
+  </p:timing>
+</p:sld>
+</file>
+
+<file path=ppt/slides/slide2.xml><?xml version="1.0" encoding="utf-8"?>
+<p:sld xmlns:a="http://schemas.openxmlformats.org/drawingml/2006/main" xmlns:r="http://schemas.openxmlformats.org/officeDocument/2006/relationships" xmlns:p="http://schemas.openxmlformats.org/presentationml/2006/main">
+  <p:cSld>
+    <p:spTree>
+      <p:nvGrpSpPr>
+        <p:cNvPr id="1" name=""/>
+        <p:cNvGrpSpPr/>
+        <p:nvPr/>
+      </p:nvGrpSpPr>
+      <p:grpSpPr>
+        <a:xfrm>
+          <a:off x="0" y="0"/>
+          <a:ext cx="0" cy="0"/>
+          <a:chOff x="0" y="0"/>
+          <a:chExt cx="0" cy="0"/>
+        </a:xfrm>
+      </p:grpSpPr>
+      <p:sp>
+        <p:nvSpPr>
+          <p:cNvPr id="9" name="Title 8">
+            <a:extLst>
+              <a:ext uri="{FF2B5EF4-FFF2-40B4-BE49-F238E27FC236}">
+                <a16:creationId xmlns:a16="http://schemas.microsoft.com/office/drawing/2014/main" id="{02458801-A2C4-F2AC-1AF3-D5E67F167A60}"/>
+              </a:ext>
+            </a:extLst>
+          </p:cNvPr>
+          <p:cNvSpPr>
+            <a:spLocks noGrp="1"/>
+          </p:cNvSpPr>
+          <p:nvPr>
+            <p:ph type="title"/>
+          </p:nvPr>
+        </p:nvSpPr>
+        <p:spPr>
+          <a:xfrm>
+            <a:off x="713225" y="885888"/>
+            <a:ext cx="7098086" cy="806725"/>
+          </a:xfrm>
+        </p:spPr>
+        <p:txBody>
+          <a:bodyPr/>
+          <a:lstStyle/>
+          <a:p>
+            <a:r>
+              <a:rPr lang="en-US" sz="3600" dirty="0"/>
+              <a:t>Chris Woody Woodruff</a:t>
+            </a:r>
+          </a:p>
+        </p:txBody>
+      </p:sp>
+      <p:sp>
+        <p:nvSpPr>
+          <p:cNvPr id="10" name="Subtitle 9">
+            <a:extLst>
+              <a:ext uri="{FF2B5EF4-FFF2-40B4-BE49-F238E27FC236}">
+                <a16:creationId xmlns:a16="http://schemas.microsoft.com/office/drawing/2014/main" id="{073952F8-07D4-DF80-D036-67A05B3E3233}"/>
+              </a:ext>
+            </a:extLst>
+          </p:cNvPr>
+          <p:cNvSpPr>
+            <a:spLocks noGrp="1"/>
+          </p:cNvSpPr>
+          <p:nvPr>
+            <p:ph type="subTitle" idx="1"/>
+          </p:nvPr>
+        </p:nvSpPr>
+        <p:spPr/>
+        <p:txBody>
+          <a:bodyPr/>
+          <a:lstStyle/>
+          <a:p>
+            <a:pPr marL="152400" indent="0">
+              <a:buNone/>
+            </a:pPr>
+            <a:r>
+              <a:rPr lang="en-US" sz="1800" dirty="0"/>
+              <a:t>Yes, I am old</a:t>
+            </a:r>
+          </a:p>
+          <a:p>
+            <a:pPr marL="152400" indent="0">
+              <a:buNone/>
+            </a:pPr>
+            <a:endParaRPr lang="en-US" sz="1800" dirty="0"/>
+          </a:p>
+          <a:p>
+            <a:pPr marL="152400" indent="0">
+              <a:buNone/>
+            </a:pPr>
+            <a:r>
+              <a:rPr lang="en-US" sz="1800" dirty="0"/>
+              <a:t>I am from Michigan in USA</a:t>
+            </a:r>
+          </a:p>
+          <a:p>
+            <a:pPr marL="152400" indent="0">
+              <a:buNone/>
+            </a:pPr>
+            <a:endParaRPr lang="en-US" sz="1800" dirty="0"/>
+          </a:p>
+          <a:p>
+            <a:pPr marL="152400" indent="0">
+              <a:buNone/>
+            </a:pPr>
+            <a:r>
+              <a:rPr lang="en-US" sz="1800" dirty="0"/>
+              <a:t>I am a Solution Architect</a:t>
+            </a:r>
+          </a:p>
+          <a:p>
+            <a:pPr marL="152400" indent="0">
+              <a:buNone/>
+            </a:pPr>
+            <a:endParaRPr lang="en-US" sz="1800" dirty="0"/>
+          </a:p>
+          <a:p>
+            <a:pPr marL="152400" indent="0">
+              <a:buNone/>
+            </a:pPr>
+            <a:r>
+              <a:rPr lang="en-US" sz="1800" dirty="0"/>
+              <a:t>Find me at</a:t>
+            </a:r>
+          </a:p>
+          <a:p>
+            <a:pPr marL="152400" indent="0">
+              <a:buNone/>
+            </a:pPr>
+            <a:endParaRPr lang="en-US" sz="1800" dirty="0"/>
+          </a:p>
+          <a:p>
+            <a:pPr marL="152400" indent="0">
+              <a:buNone/>
+            </a:pPr>
+            <a:r>
+              <a:rPr lang="en-US" sz="1800" dirty="0"/>
+              <a:t>http://woodruff.dev</a:t>
+            </a:r>
+          </a:p>
+        </p:txBody>
+      </p:sp>
+      <p:pic>
+        <p:nvPicPr>
+          <p:cNvPr id="15" name="Graphic 14" descr="Smiling face with solid fill with solid fill">
+            <a:extLst>
+              <a:ext uri="{FF2B5EF4-FFF2-40B4-BE49-F238E27FC236}">
+                <a16:creationId xmlns:a16="http://schemas.microsoft.com/office/drawing/2014/main" id="{4B70302D-9DF5-8949-759A-D3A6B88E0AF1}"/>
+              </a:ext>
+            </a:extLst>
+          </p:cNvPr>
+          <p:cNvPicPr>
+            <a:picLocks noChangeAspect="1"/>
+          </p:cNvPicPr>
+          <p:nvPr/>
+        </p:nvPicPr>
+        <p:blipFill>
+          <a:blip r:embed="rId2">
+            <a:extLst>
+              <a:ext uri="{96DAC541-7B7A-43D3-8B79-37D633B846F1}">
+                <asvg:svgBlip xmlns:asvg="http://schemas.microsoft.com/office/drawing/2016/SVG/main" r:embed="rId3"/>
+              </a:ext>
+            </a:extLst>
+          </a:blip>
+          <a:stretch>
+            <a:fillRect/>
+          </a:stretch>
+        </p:blipFill>
+        <p:spPr>
+          <a:xfrm>
+            <a:off x="2289936" y="1797097"/>
+            <a:ext cx="638783" cy="638783"/>
+          </a:xfrm>
+          <a:prstGeom prst="rect">
+            <a:avLst/>
+          </a:prstGeom>
+        </p:spPr>
+      </p:pic>
+      <p:pic>
+        <p:nvPicPr>
+          <p:cNvPr id="2050" name="Picture 2" descr="Map Of Michigan PNG Transparent Images Free Download | Vector Files |  Pngtree">
+            <a:extLst>
+              <a:ext uri="{FF2B5EF4-FFF2-40B4-BE49-F238E27FC236}">
+                <a16:creationId xmlns:a16="http://schemas.microsoft.com/office/drawing/2014/main" id="{5882EA90-A5D7-6169-935F-BD9A30349705}"/>
+              </a:ext>
+            </a:extLst>
+          </p:cNvPr>
+          <p:cNvPicPr>
+            <a:picLocks noChangeAspect="1" noChangeArrowheads="1"/>
+          </p:cNvPicPr>
+          <p:nvPr/>
+        </p:nvPicPr>
+        <p:blipFill>
+          <a:blip r:embed="rId4">
+            <a:extLst>
+              <a:ext uri="{28A0092B-C50C-407E-A947-70E740481C1C}">
+                <a14:useLocalDpi xmlns:a14="http://schemas.microsoft.com/office/drawing/2010/main" val="0"/>
+              </a:ext>
+            </a:extLst>
+          </a:blip>
+          <a:srcRect/>
+          <a:stretch>
+            <a:fillRect/>
+          </a:stretch>
+        </p:blipFill>
+        <p:spPr bwMode="auto">
+          <a:xfrm>
+            <a:off x="3894305" y="1788092"/>
+            <a:ext cx="4454863" cy="2765087"/>
+          </a:xfrm>
+          <a:prstGeom prst="rect">
+            <a:avLst/>
+          </a:prstGeom>
+          <a:noFill/>
+          <a:extLst>
+            <a:ext uri="{909E8E84-426E-40DD-AFC4-6F175D3DCCD1}">
+              <a14:hiddenFill xmlns:a14="http://schemas.microsoft.com/office/drawing/2010/main">
+                <a:solidFill>
+                  <a:srgbClr val="FFFFFF"/>
+                </a:solidFill>
+              </a14:hiddenFill>
+            </a:ext>
+          </a:extLst>
+        </p:spPr>
+      </p:pic>
+    </p:spTree>
+    <p:extLst>
+      <p:ext uri="{BB962C8B-B14F-4D97-AF65-F5344CB8AC3E}">
+        <p14:creationId xmlns:p14="http://schemas.microsoft.com/office/powerpoint/2010/main" val="909428646"/>
+      </p:ext>
+    </p:extLst>
+  </p:cSld>
+  <p:clrMapOvr>
+    <a:masterClrMapping/>
+  </p:clrMapOvr>
+</p:sld>
+</file>
+
+<file path=ppt/slides/slide20.xml><?xml version="1.0" encoding="utf-8"?>
+<p:sld xmlns:a="http://schemas.openxmlformats.org/drawingml/2006/main" xmlns:r="http://schemas.openxmlformats.org/officeDocument/2006/relationships" xmlns:p="http://schemas.openxmlformats.org/presentationml/2006/main">
+  <p:cSld>
+    <p:spTree>
+      <p:nvGrpSpPr>
+        <p:cNvPr id="1" name=""/>
+        <p:cNvGrpSpPr/>
+        <p:nvPr/>
+      </p:nvGrpSpPr>
+      <p:grpSpPr>
+        <a:xfrm>
+          <a:off x="0" y="0"/>
+          <a:ext cx="0" cy="0"/>
+          <a:chOff x="0" y="0"/>
+          <a:chExt cx="0" cy="0"/>
+        </a:xfrm>
+      </p:grpSpPr>
+      <p:sp>
+        <p:nvSpPr>
+          <p:cNvPr id="2" name="Text Placeholder 1">
+            <a:extLst>
+              <a:ext uri="{FF2B5EF4-FFF2-40B4-BE49-F238E27FC236}">
+                <a16:creationId xmlns:a16="http://schemas.microsoft.com/office/drawing/2014/main" id="{2F9C4B7C-78F5-CB0F-6082-0E58A50EAF32}"/>
+              </a:ext>
+            </a:extLst>
+          </p:cNvPr>
+          <p:cNvSpPr>
+            <a:spLocks noGrp="1"/>
+          </p:cNvSpPr>
+          <p:nvPr>
+            <p:ph type="body" idx="1"/>
+          </p:nvPr>
+        </p:nvSpPr>
+        <p:spPr>
+          <a:xfrm>
+            <a:off x="713225" y="787940"/>
+            <a:ext cx="7581226" cy="3249585"/>
+          </a:xfrm>
+        </p:spPr>
+        <p:txBody>
+          <a:bodyPr/>
+          <a:lstStyle/>
+          <a:p>
+            <a:pPr marL="152400" indent="0">
+              <a:buNone/>
+            </a:pPr>
+            <a:r>
+              <a:rPr lang="en-US" sz="1400" dirty="0">
+                <a:latin typeface="Consolas" panose="020B0609020204030204" pitchFamily="49" charset="0"/>
+              </a:rPr>
+              <a:t>// </a:t>
+            </a:r>
+            <a:r>
+              <a:rPr lang="en-US" sz="1400" dirty="0" err="1">
+                <a:latin typeface="Consolas" panose="020B0609020204030204" pitchFamily="49" charset="0"/>
+              </a:rPr>
+              <a:t>MyInterop.cs</a:t>
+            </a:r>
+            <a:endParaRPr lang="en-US" sz="1400" dirty="0">
+              <a:latin typeface="Consolas" panose="020B0609020204030204" pitchFamily="49" charset="0"/>
+            </a:endParaRPr>
+          </a:p>
+          <a:p>
+            <a:pPr marL="152400" indent="0">
+              <a:buNone/>
+            </a:pPr>
+            <a:r>
+              <a:rPr lang="en-US" sz="1400" dirty="0">
+                <a:latin typeface="Consolas" panose="020B0609020204030204" pitchFamily="49" charset="0"/>
+              </a:rPr>
+              <a:t>using </a:t>
+            </a:r>
+            <a:r>
+              <a:rPr lang="en-US" sz="1400" dirty="0" err="1">
+                <a:latin typeface="Consolas" panose="020B0609020204030204" pitchFamily="49" charset="0"/>
+              </a:rPr>
+              <a:t>Microsoft.JSInterop</a:t>
+            </a:r>
+            <a:r>
+              <a:rPr lang="en-US" sz="1400" dirty="0">
+                <a:latin typeface="Consolas" panose="020B0609020204030204" pitchFamily="49" charset="0"/>
+              </a:rPr>
+              <a:t>;</a:t>
+            </a:r>
+          </a:p>
+          <a:p>
+            <a:pPr marL="152400" indent="0">
+              <a:buNone/>
+            </a:pPr>
+            <a:r>
+              <a:rPr lang="en-US" sz="1400" dirty="0">
+                <a:latin typeface="Consolas" panose="020B0609020204030204" pitchFamily="49" charset="0"/>
+              </a:rPr>
+              <a:t>using </a:t>
+            </a:r>
+            <a:r>
+              <a:rPr lang="en-US" sz="1400" dirty="0" err="1">
+                <a:latin typeface="Consolas" panose="020B0609020204030204" pitchFamily="49" charset="0"/>
+              </a:rPr>
+              <a:t>System.Threading.Tasks</a:t>
+            </a:r>
+            <a:r>
+              <a:rPr lang="en-US" sz="1400" dirty="0">
+                <a:latin typeface="Consolas" panose="020B0609020204030204" pitchFamily="49" charset="0"/>
+              </a:rPr>
+              <a:t>;</a:t>
+            </a:r>
+          </a:p>
+          <a:p>
+            <a:pPr marL="152400" indent="0">
+              <a:buNone/>
+            </a:pPr>
+            <a:endParaRPr lang="en-US" sz="1400" dirty="0">
+              <a:latin typeface="Consolas" panose="020B0609020204030204" pitchFamily="49" charset="0"/>
+            </a:endParaRPr>
+          </a:p>
+          <a:p>
+            <a:pPr marL="152400" indent="0">
+              <a:buNone/>
+            </a:pPr>
+            <a:r>
+              <a:rPr lang="en-US" sz="1400" dirty="0">
+                <a:latin typeface="Consolas" panose="020B0609020204030204" pitchFamily="49" charset="0"/>
+              </a:rPr>
+              <a:t>public class </a:t>
+            </a:r>
+            <a:r>
+              <a:rPr lang="en-US" sz="1400" dirty="0" err="1">
+                <a:latin typeface="Consolas" panose="020B0609020204030204" pitchFamily="49" charset="0"/>
+              </a:rPr>
+              <a:t>MyInterop</a:t>
+            </a:r>
+            <a:endParaRPr lang="en-US" sz="1400" dirty="0">
+              <a:latin typeface="Consolas" panose="020B0609020204030204" pitchFamily="49" charset="0"/>
+            </a:endParaRPr>
+          </a:p>
+          <a:p>
+            <a:pPr marL="152400" indent="0">
+              <a:buNone/>
+            </a:pPr>
+            <a:r>
+              <a:rPr lang="en-US" sz="1400" dirty="0">
+                <a:latin typeface="Consolas" panose="020B0609020204030204" pitchFamily="49" charset="0"/>
+              </a:rPr>
+              <a:t>{</a:t>
+            </a:r>
+          </a:p>
+          <a:p>
+            <a:pPr marL="152400" indent="0">
+              <a:buNone/>
+            </a:pPr>
+            <a:r>
+              <a:rPr lang="en-US" sz="1400" dirty="0">
+                <a:latin typeface="Consolas" panose="020B0609020204030204" pitchFamily="49" charset="0"/>
+              </a:rPr>
+              <a:t>    private </a:t>
+            </a:r>
+            <a:r>
+              <a:rPr lang="en-US" sz="1400" dirty="0" err="1">
+                <a:latin typeface="Consolas" panose="020B0609020204030204" pitchFamily="49" charset="0"/>
+              </a:rPr>
+              <a:t>readonly</a:t>
+            </a:r>
+            <a:r>
+              <a:rPr lang="en-US" sz="1400" dirty="0">
+                <a:latin typeface="Consolas" panose="020B0609020204030204" pitchFamily="49" charset="0"/>
+              </a:rPr>
+              <a:t> </a:t>
+            </a:r>
+            <a:r>
+              <a:rPr lang="en-US" sz="1400" dirty="0" err="1">
+                <a:latin typeface="Consolas" panose="020B0609020204030204" pitchFamily="49" charset="0"/>
+              </a:rPr>
+              <a:t>IJSRuntime</a:t>
+            </a:r>
+            <a:r>
+              <a:rPr lang="en-US" sz="1400" dirty="0">
+                <a:latin typeface="Consolas" panose="020B0609020204030204" pitchFamily="49" charset="0"/>
+              </a:rPr>
+              <a:t> _</a:t>
+            </a:r>
+            <a:r>
+              <a:rPr lang="en-US" sz="1400" dirty="0" err="1">
+                <a:latin typeface="Consolas" panose="020B0609020204030204" pitchFamily="49" charset="0"/>
+              </a:rPr>
+              <a:t>jsRuntime</a:t>
+            </a:r>
+            <a:r>
+              <a:rPr lang="en-US" sz="1400" dirty="0">
+                <a:latin typeface="Consolas" panose="020B0609020204030204" pitchFamily="49" charset="0"/>
+              </a:rPr>
+              <a:t>;</a:t>
+            </a:r>
+          </a:p>
+          <a:p>
+            <a:pPr marL="152400" indent="0">
+              <a:buNone/>
+            </a:pPr>
+            <a:endParaRPr lang="en-US" sz="1400" dirty="0">
+              <a:latin typeface="Consolas" panose="020B0609020204030204" pitchFamily="49" charset="0"/>
+            </a:endParaRPr>
+          </a:p>
+          <a:p>
+            <a:pPr marL="152400" indent="0">
+              <a:buNone/>
+            </a:pPr>
+            <a:r>
+              <a:rPr lang="en-US" sz="1400" dirty="0">
+                <a:latin typeface="Consolas" panose="020B0609020204030204" pitchFamily="49" charset="0"/>
+              </a:rPr>
+              <a:t>    public </a:t>
+            </a:r>
+            <a:r>
+              <a:rPr lang="en-US" sz="1400" dirty="0" err="1">
+                <a:latin typeface="Consolas" panose="020B0609020204030204" pitchFamily="49" charset="0"/>
+              </a:rPr>
+              <a:t>MyInterop</a:t>
+            </a:r>
+            <a:r>
+              <a:rPr lang="en-US" sz="1400" dirty="0">
+                <a:latin typeface="Consolas" panose="020B0609020204030204" pitchFamily="49" charset="0"/>
+              </a:rPr>
+              <a:t>(</a:t>
+            </a:r>
+            <a:r>
+              <a:rPr lang="en-US" sz="1400" dirty="0" err="1">
+                <a:latin typeface="Consolas" panose="020B0609020204030204" pitchFamily="49" charset="0"/>
+              </a:rPr>
+              <a:t>IJSRuntime</a:t>
+            </a:r>
+            <a:r>
+              <a:rPr lang="en-US" sz="1400" dirty="0">
+                <a:latin typeface="Consolas" panose="020B0609020204030204" pitchFamily="49" charset="0"/>
+              </a:rPr>
+              <a:t> </a:t>
+            </a:r>
+            <a:r>
+              <a:rPr lang="en-US" sz="1400" dirty="0" err="1">
+                <a:latin typeface="Consolas" panose="020B0609020204030204" pitchFamily="49" charset="0"/>
+              </a:rPr>
+              <a:t>jsRuntime</a:t>
+            </a:r>
+            <a:r>
+              <a:rPr lang="en-US" sz="1400" dirty="0">
+                <a:latin typeface="Consolas" panose="020B0609020204030204" pitchFamily="49" charset="0"/>
+              </a:rPr>
+              <a:t>)</a:t>
+            </a:r>
+          </a:p>
+          <a:p>
+            <a:pPr marL="152400" indent="0">
+              <a:buNone/>
+            </a:pPr>
+            <a:r>
+              <a:rPr lang="en-US" sz="1400" dirty="0">
+                <a:latin typeface="Consolas" panose="020B0609020204030204" pitchFamily="49" charset="0"/>
+              </a:rPr>
+              <a:t>    {</a:t>
+            </a:r>
+          </a:p>
+          <a:p>
+            <a:pPr marL="152400" indent="0">
+              <a:buNone/>
+            </a:pPr>
+            <a:r>
+              <a:rPr lang="en-US" sz="1400" dirty="0">
+                <a:latin typeface="Consolas" panose="020B0609020204030204" pitchFamily="49" charset="0"/>
+              </a:rPr>
+              <a:t>        _</a:t>
+            </a:r>
+            <a:r>
+              <a:rPr lang="en-US" sz="1400" dirty="0" err="1">
+                <a:latin typeface="Consolas" panose="020B0609020204030204" pitchFamily="49" charset="0"/>
+              </a:rPr>
+              <a:t>jsRuntime</a:t>
+            </a:r>
+            <a:r>
+              <a:rPr lang="en-US" sz="1400" dirty="0">
+                <a:latin typeface="Consolas" panose="020B0609020204030204" pitchFamily="49" charset="0"/>
+              </a:rPr>
+              <a:t> = </a:t>
+            </a:r>
+            <a:r>
+              <a:rPr lang="en-US" sz="1400" dirty="0" err="1">
+                <a:latin typeface="Consolas" panose="020B0609020204030204" pitchFamily="49" charset="0"/>
+              </a:rPr>
+              <a:t>jsRuntime</a:t>
+            </a:r>
+            <a:r>
+              <a:rPr lang="en-US" sz="1400" dirty="0">
+                <a:latin typeface="Consolas" panose="020B0609020204030204" pitchFamily="49" charset="0"/>
+              </a:rPr>
+              <a:t>;</a:t>
+            </a:r>
+          </a:p>
+          <a:p>
+            <a:pPr marL="152400" indent="0">
+              <a:buNone/>
+            </a:pPr>
+            <a:r>
+              <a:rPr lang="en-US" sz="1400" dirty="0">
+                <a:latin typeface="Consolas" panose="020B0609020204030204" pitchFamily="49" charset="0"/>
+              </a:rPr>
+              <a:t>    }</a:t>
+            </a:r>
+          </a:p>
+          <a:p>
+            <a:pPr marL="152400" indent="0">
+              <a:buNone/>
+            </a:pPr>
+            <a:endParaRPr lang="en-US" sz="1400" dirty="0">
+              <a:latin typeface="Consolas" panose="020B0609020204030204" pitchFamily="49" charset="0"/>
+            </a:endParaRPr>
+          </a:p>
+          <a:p>
+            <a:pPr marL="152400" indent="0">
+              <a:buNone/>
+            </a:pPr>
+            <a:r>
+              <a:rPr lang="en-US" sz="1400" dirty="0">
+                <a:latin typeface="Consolas" panose="020B0609020204030204" pitchFamily="49" charset="0"/>
+              </a:rPr>
+              <a:t>    public async Task </a:t>
+            </a:r>
+            <a:r>
+              <a:rPr lang="en-US" sz="1400" dirty="0" err="1">
+                <a:latin typeface="Consolas" panose="020B0609020204030204" pitchFamily="49" charset="0"/>
+              </a:rPr>
+              <a:t>ShowAlertAsync</a:t>
+            </a:r>
+            <a:r>
+              <a:rPr lang="en-US" sz="1400" dirty="0">
+                <a:latin typeface="Consolas" panose="020B0609020204030204" pitchFamily="49" charset="0"/>
+              </a:rPr>
+              <a:t>(string message)</a:t>
+            </a:r>
+          </a:p>
+          <a:p>
+            <a:pPr marL="152400" indent="0">
+              <a:buNone/>
+            </a:pPr>
+            <a:r>
+              <a:rPr lang="en-US" sz="1400" dirty="0">
+                <a:latin typeface="Consolas" panose="020B0609020204030204" pitchFamily="49" charset="0"/>
+              </a:rPr>
+              <a:t>    {</a:t>
+            </a:r>
+          </a:p>
+          <a:p>
+            <a:pPr marL="152400" indent="0">
+              <a:buNone/>
+            </a:pPr>
+            <a:r>
+              <a:rPr lang="en-US" sz="1400" dirty="0">
+                <a:latin typeface="Consolas" panose="020B0609020204030204" pitchFamily="49" charset="0"/>
+              </a:rPr>
+              <a:t>        await _</a:t>
+            </a:r>
+            <a:r>
+              <a:rPr lang="en-US" sz="1400" dirty="0" err="1">
+                <a:latin typeface="Consolas" panose="020B0609020204030204" pitchFamily="49" charset="0"/>
+              </a:rPr>
+              <a:t>jsRuntime.InvokeVoidAsync</a:t>
+            </a:r>
+            <a:r>
+              <a:rPr lang="en-US" sz="1400" dirty="0">
+                <a:latin typeface="Consolas" panose="020B0609020204030204" pitchFamily="49" charset="0"/>
+              </a:rPr>
+              <a:t>("</a:t>
+            </a:r>
+            <a:r>
+              <a:rPr lang="en-US" sz="1400" dirty="0" err="1">
+                <a:latin typeface="Consolas" panose="020B0609020204030204" pitchFamily="49" charset="0"/>
+              </a:rPr>
+              <a:t>showAlert</a:t>
+            </a:r>
+            <a:r>
+              <a:rPr lang="en-US" sz="1400" dirty="0">
+                <a:latin typeface="Consolas" panose="020B0609020204030204" pitchFamily="49" charset="0"/>
+              </a:rPr>
+              <a:t>", message);</a:t>
+            </a:r>
+          </a:p>
+          <a:p>
+            <a:pPr marL="152400" indent="0">
+              <a:buNone/>
+            </a:pPr>
+            <a:r>
+              <a:rPr lang="en-US" sz="1400" dirty="0">
+                <a:latin typeface="Consolas" panose="020B0609020204030204" pitchFamily="49" charset="0"/>
+              </a:rPr>
+              <a:t>    }</a:t>
+            </a:r>
+          </a:p>
+          <a:p>
+            <a:pPr marL="152400" indent="0">
+              <a:buNone/>
+            </a:pPr>
+            <a:r>
+              <a:rPr lang="en-US" sz="1400" dirty="0">
+                <a:latin typeface="Consolas" panose="020B0609020204030204" pitchFamily="49" charset="0"/>
+              </a:rPr>
+              <a:t>}</a:t>
+            </a:r>
+          </a:p>
+          <a:p>
+            <a:pPr marL="152400" indent="0">
+              <a:buNone/>
+            </a:pPr>
+            <a:endParaRPr lang="en-US" sz="1400" dirty="0">
+              <a:latin typeface="Consolas" panose="020B0609020204030204" pitchFamily="49" charset="0"/>
+            </a:endParaRPr>
+          </a:p>
+        </p:txBody>
+      </p:sp>
+    </p:spTree>
+    <p:extLst>
+      <p:ext uri="{BB962C8B-B14F-4D97-AF65-F5344CB8AC3E}">
+        <p14:creationId xmlns:p14="http://schemas.microsoft.com/office/powerpoint/2010/main" val="2862041724"/>
+      </p:ext>
+    </p:extLst>
+  </p:cSld>
+  <p:clrMapOvr>
+    <a:masterClrMapping/>
+  </p:clrMapOvr>
+</p:sld>
+</file>
+
+<file path=ppt/slides/slide21.xml><?xml version="1.0" encoding="utf-8"?>
+<p:sld xmlns:a="http://schemas.openxmlformats.org/drawingml/2006/main" xmlns:r="http://schemas.openxmlformats.org/officeDocument/2006/relationships" xmlns:p="http://schemas.openxmlformats.org/presentationml/2006/main">
+  <p:cSld>
+    <p:spTree>
+      <p:nvGrpSpPr>
+        <p:cNvPr id="1" name="">
+          <a:extLst>
+            <a:ext uri="{FF2B5EF4-FFF2-40B4-BE49-F238E27FC236}">
+              <a16:creationId xmlns:a16="http://schemas.microsoft.com/office/drawing/2014/main" id="{BCA16EAE-A302-A496-BD10-867459E1D5FC}"/>
+            </a:ext>
+          </a:extLst>
+        </p:cNvPr>
+        <p:cNvGrpSpPr/>
+        <p:nvPr/>
+      </p:nvGrpSpPr>
+      <p:grpSpPr>
+        <a:xfrm>
+          <a:off x="0" y="0"/>
+          <a:ext cx="0" cy="0"/>
+          <a:chOff x="0" y="0"/>
+          <a:chExt cx="0" cy="0"/>
+        </a:xfrm>
+      </p:grpSpPr>
+      <p:sp>
+        <p:nvSpPr>
+          <p:cNvPr id="2" name="Text Placeholder 1">
+            <a:extLst>
+              <a:ext uri="{FF2B5EF4-FFF2-40B4-BE49-F238E27FC236}">
+                <a16:creationId xmlns:a16="http://schemas.microsoft.com/office/drawing/2014/main" id="{1B3C16FD-1AD6-6A9E-7767-50B1C4DBDBA3}"/>
+              </a:ext>
+            </a:extLst>
+          </p:cNvPr>
+          <p:cNvSpPr>
+            <a:spLocks noGrp="1"/>
+          </p:cNvSpPr>
+          <p:nvPr>
+            <p:ph type="body" idx="1"/>
+          </p:nvPr>
+        </p:nvSpPr>
+        <p:spPr>
+          <a:xfrm>
+            <a:off x="716468" y="713361"/>
+            <a:ext cx="7535830" cy="3991583"/>
+          </a:xfrm>
+        </p:spPr>
+        <p:txBody>
+          <a:bodyPr/>
+          <a:lstStyle/>
+          <a:p>
+            <a:pPr marL="152400" indent="0">
+              <a:buNone/>
+            </a:pPr>
+            <a:r>
+              <a:rPr lang="en-US" sz="1400" dirty="0">
+                <a:latin typeface="Consolas" panose="020B0609020204030204" pitchFamily="49" charset="0"/>
+              </a:rPr>
+              <a:t>&lt;!-- </a:t>
+            </a:r>
+            <a:r>
+              <a:rPr lang="en-US" sz="1400" dirty="0" err="1">
+                <a:latin typeface="Consolas" panose="020B0609020204030204" pitchFamily="49" charset="0"/>
+              </a:rPr>
+              <a:t>MyComponent.razor</a:t>
+            </a:r>
+            <a:r>
+              <a:rPr lang="en-US" sz="1400" dirty="0">
+                <a:latin typeface="Consolas" panose="020B0609020204030204" pitchFamily="49" charset="0"/>
+              </a:rPr>
+              <a:t> --&gt;</a:t>
+            </a:r>
+          </a:p>
+          <a:p>
+            <a:pPr marL="152400" indent="0">
+              <a:buNone/>
+            </a:pPr>
+            <a:r>
+              <a:rPr lang="en-US" sz="1400" dirty="0">
+                <a:latin typeface="Consolas" panose="020B0609020204030204" pitchFamily="49" charset="0"/>
+              </a:rPr>
+              <a:t>@page "/my-component"</a:t>
+            </a:r>
+          </a:p>
+          <a:p>
+            <a:pPr marL="152400" indent="0">
+              <a:buNone/>
+            </a:pPr>
+            <a:r>
+              <a:rPr lang="en-US" sz="1400" dirty="0">
+                <a:latin typeface="Consolas" panose="020B0609020204030204" pitchFamily="49" charset="0"/>
+              </a:rPr>
+              <a:t>@inject </a:t>
+            </a:r>
+            <a:r>
+              <a:rPr lang="en-US" sz="1400" dirty="0" err="1">
+                <a:latin typeface="Consolas" panose="020B0609020204030204" pitchFamily="49" charset="0"/>
+              </a:rPr>
+              <a:t>IJSRuntime</a:t>
+            </a:r>
+            <a:r>
+              <a:rPr lang="en-US" sz="1400" dirty="0">
+                <a:latin typeface="Consolas" panose="020B0609020204030204" pitchFamily="49" charset="0"/>
+              </a:rPr>
+              <a:t> </a:t>
+            </a:r>
+            <a:r>
+              <a:rPr lang="en-US" sz="1400" dirty="0" err="1">
+                <a:latin typeface="Consolas" panose="020B0609020204030204" pitchFamily="49" charset="0"/>
+              </a:rPr>
+              <a:t>JSRuntime</a:t>
+            </a:r>
+            <a:endParaRPr lang="en-US" sz="1400" dirty="0">
+              <a:latin typeface="Consolas" panose="020B0609020204030204" pitchFamily="49" charset="0"/>
+            </a:endParaRPr>
+          </a:p>
+          <a:p>
+            <a:pPr marL="152400" indent="0">
+              <a:buNone/>
+            </a:pPr>
+            <a:endParaRPr lang="en-US" sz="1400" dirty="0">
+              <a:latin typeface="Consolas" panose="020B0609020204030204" pitchFamily="49" charset="0"/>
+            </a:endParaRPr>
+          </a:p>
+          <a:p>
+            <a:pPr marL="152400" indent="0">
+              <a:buNone/>
+            </a:pPr>
+            <a:r>
+              <a:rPr lang="en-US" sz="1400" dirty="0">
+                <a:latin typeface="Consolas" panose="020B0609020204030204" pitchFamily="49" charset="0"/>
+              </a:rPr>
+              <a:t>&lt;button @onclick="ShowAlert"&gt;Show Alert&lt;/button&gt;</a:t>
+            </a:r>
+          </a:p>
+          <a:p>
+            <a:pPr marL="152400" indent="0">
+              <a:buNone/>
+            </a:pPr>
+            <a:endParaRPr lang="en-US" sz="1400" dirty="0">
+              <a:latin typeface="Consolas" panose="020B0609020204030204" pitchFamily="49" charset="0"/>
+            </a:endParaRPr>
+          </a:p>
+          <a:p>
+            <a:pPr marL="152400" indent="0">
+              <a:buNone/>
+            </a:pPr>
+            <a:r>
+              <a:rPr lang="en-US" sz="1400" dirty="0">
+                <a:latin typeface="Consolas" panose="020B0609020204030204" pitchFamily="49" charset="0"/>
+              </a:rPr>
+              <a:t>@code {</a:t>
+            </a:r>
+          </a:p>
+          <a:p>
+            <a:pPr marL="152400" indent="0">
+              <a:buNone/>
+            </a:pPr>
+            <a:r>
+              <a:rPr lang="en-US" sz="1400" dirty="0">
+                <a:latin typeface="Consolas" panose="020B0609020204030204" pitchFamily="49" charset="0"/>
+              </a:rPr>
+              <a:t>    private </a:t>
+            </a:r>
+            <a:r>
+              <a:rPr lang="en-US" sz="1400" dirty="0" err="1">
+                <a:latin typeface="Consolas" panose="020B0609020204030204" pitchFamily="49" charset="0"/>
+              </a:rPr>
+              <a:t>MyInterop</a:t>
+            </a:r>
+            <a:r>
+              <a:rPr lang="en-US" sz="1400" dirty="0">
+                <a:latin typeface="Consolas" panose="020B0609020204030204" pitchFamily="49" charset="0"/>
+              </a:rPr>
+              <a:t> _</a:t>
+            </a:r>
+            <a:r>
+              <a:rPr lang="en-US" sz="1400" dirty="0" err="1">
+                <a:latin typeface="Consolas" panose="020B0609020204030204" pitchFamily="49" charset="0"/>
+              </a:rPr>
+              <a:t>myInterop</a:t>
+            </a:r>
+            <a:r>
+              <a:rPr lang="en-US" sz="1400" dirty="0">
+                <a:latin typeface="Consolas" panose="020B0609020204030204" pitchFamily="49" charset="0"/>
+              </a:rPr>
+              <a:t>;</a:t>
+            </a:r>
+          </a:p>
+          <a:p>
+            <a:pPr marL="152400" indent="0">
+              <a:buNone/>
+            </a:pPr>
+            <a:endParaRPr lang="en-US" sz="1400" dirty="0">
+              <a:latin typeface="Consolas" panose="020B0609020204030204" pitchFamily="49" charset="0"/>
+            </a:endParaRPr>
+          </a:p>
+          <a:p>
+            <a:pPr marL="152400" indent="0">
+              <a:buNone/>
+            </a:pPr>
+            <a:r>
+              <a:rPr lang="en-US" sz="1400" dirty="0">
+                <a:latin typeface="Consolas" panose="020B0609020204030204" pitchFamily="49" charset="0"/>
+              </a:rPr>
+              <a:t>    protected override void </a:t>
+            </a:r>
+            <a:r>
+              <a:rPr lang="en-US" sz="1400" dirty="0" err="1">
+                <a:latin typeface="Consolas" panose="020B0609020204030204" pitchFamily="49" charset="0"/>
+              </a:rPr>
+              <a:t>OnInitialized</a:t>
+            </a:r>
+            <a:r>
+              <a:rPr lang="en-US" sz="1400" dirty="0">
+                <a:latin typeface="Consolas" panose="020B0609020204030204" pitchFamily="49" charset="0"/>
+              </a:rPr>
+              <a:t>()</a:t>
+            </a:r>
+          </a:p>
+          <a:p>
+            <a:pPr marL="152400" indent="0">
+              <a:buNone/>
+            </a:pPr>
+            <a:r>
+              <a:rPr lang="en-US" sz="1400" dirty="0">
+                <a:latin typeface="Consolas" panose="020B0609020204030204" pitchFamily="49" charset="0"/>
+              </a:rPr>
+              <a:t>    {</a:t>
+            </a:r>
+          </a:p>
+          <a:p>
+            <a:pPr marL="152400" indent="0">
+              <a:buNone/>
+            </a:pPr>
+            <a:r>
+              <a:rPr lang="en-US" sz="1400" dirty="0">
+                <a:latin typeface="Consolas" panose="020B0609020204030204" pitchFamily="49" charset="0"/>
+              </a:rPr>
+              <a:t>        _</a:t>
+            </a:r>
+            <a:r>
+              <a:rPr lang="en-US" sz="1400" dirty="0" err="1">
+                <a:latin typeface="Consolas" panose="020B0609020204030204" pitchFamily="49" charset="0"/>
+              </a:rPr>
+              <a:t>myInterop</a:t>
+            </a:r>
+            <a:r>
+              <a:rPr lang="en-US" sz="1400" dirty="0">
+                <a:latin typeface="Consolas" panose="020B0609020204030204" pitchFamily="49" charset="0"/>
+              </a:rPr>
+              <a:t> = new </a:t>
+            </a:r>
+            <a:r>
+              <a:rPr lang="en-US" sz="1400" dirty="0" err="1">
+                <a:latin typeface="Consolas" panose="020B0609020204030204" pitchFamily="49" charset="0"/>
+              </a:rPr>
+              <a:t>MyInterop</a:t>
+            </a:r>
+            <a:r>
+              <a:rPr lang="en-US" sz="1400" dirty="0">
+                <a:latin typeface="Consolas" panose="020B0609020204030204" pitchFamily="49" charset="0"/>
+              </a:rPr>
+              <a:t>(</a:t>
+            </a:r>
+            <a:r>
+              <a:rPr lang="en-US" sz="1400" dirty="0" err="1">
+                <a:latin typeface="Consolas" panose="020B0609020204030204" pitchFamily="49" charset="0"/>
+              </a:rPr>
+              <a:t>JSRuntime</a:t>
+            </a:r>
+            <a:r>
+              <a:rPr lang="en-US" sz="1400" dirty="0">
+                <a:latin typeface="Consolas" panose="020B0609020204030204" pitchFamily="49" charset="0"/>
+              </a:rPr>
+              <a:t>);</a:t>
+            </a:r>
+          </a:p>
+          <a:p>
+            <a:pPr marL="152400" indent="0">
+              <a:buNone/>
+            </a:pPr>
+            <a:r>
+              <a:rPr lang="en-US" sz="1400" dirty="0">
+                <a:latin typeface="Consolas" panose="020B0609020204030204" pitchFamily="49" charset="0"/>
+              </a:rPr>
+              <a:t>    }</a:t>
+            </a:r>
+          </a:p>
+          <a:p>
+            <a:pPr marL="152400" indent="0">
+              <a:buNone/>
+            </a:pPr>
+            <a:endParaRPr lang="en-US" sz="1400" dirty="0">
+              <a:latin typeface="Consolas" panose="020B0609020204030204" pitchFamily="49" charset="0"/>
+            </a:endParaRPr>
+          </a:p>
+          <a:p>
+            <a:pPr marL="152400" indent="0">
+              <a:buNone/>
+            </a:pPr>
+            <a:r>
+              <a:rPr lang="en-US" sz="1400" dirty="0">
+                <a:latin typeface="Consolas" panose="020B0609020204030204" pitchFamily="49" charset="0"/>
+              </a:rPr>
+              <a:t>    private async Task </a:t>
+            </a:r>
+            <a:r>
+              <a:rPr lang="en-US" sz="1400" dirty="0" err="1">
+                <a:latin typeface="Consolas" panose="020B0609020204030204" pitchFamily="49" charset="0"/>
+              </a:rPr>
+              <a:t>ShowAlert</a:t>
+            </a:r>
+            <a:r>
+              <a:rPr lang="en-US" sz="1400" dirty="0">
+                <a:latin typeface="Consolas" panose="020B0609020204030204" pitchFamily="49" charset="0"/>
+              </a:rPr>
+              <a:t>()</a:t>
+            </a:r>
+          </a:p>
+          <a:p>
+            <a:pPr marL="152400" indent="0">
+              <a:buNone/>
+            </a:pPr>
+            <a:r>
+              <a:rPr lang="en-US" sz="1400" dirty="0">
+                <a:latin typeface="Consolas" panose="020B0609020204030204" pitchFamily="49" charset="0"/>
+              </a:rPr>
+              <a:t>    {</a:t>
+            </a:r>
+          </a:p>
+          <a:p>
+            <a:pPr marL="152400" indent="0">
+              <a:buNone/>
+            </a:pPr>
+            <a:r>
+              <a:rPr lang="en-US" sz="1400" dirty="0">
+                <a:latin typeface="Consolas" panose="020B0609020204030204" pitchFamily="49" charset="0"/>
+              </a:rPr>
+              <a:t>        await _</a:t>
+            </a:r>
+            <a:r>
+              <a:rPr lang="en-US" sz="1400" dirty="0" err="1">
+                <a:latin typeface="Consolas" panose="020B0609020204030204" pitchFamily="49" charset="0"/>
+              </a:rPr>
+              <a:t>myInterop.ShowAlertAsync</a:t>
+            </a:r>
+            <a:r>
+              <a:rPr lang="en-US" sz="1400" dirty="0">
+                <a:latin typeface="Consolas" panose="020B0609020204030204" pitchFamily="49" charset="0"/>
+              </a:rPr>
+              <a:t>("Hello from JavaScript!");</a:t>
+            </a:r>
+          </a:p>
+          <a:p>
+            <a:pPr marL="152400" indent="0">
+              <a:buNone/>
+            </a:pPr>
+            <a:r>
+              <a:rPr lang="en-US" sz="1400" dirty="0">
+                <a:latin typeface="Consolas" panose="020B0609020204030204" pitchFamily="49" charset="0"/>
+              </a:rPr>
+              <a:t>    }</a:t>
+            </a:r>
+          </a:p>
+          <a:p>
+            <a:pPr marL="152400" indent="0">
+              <a:buNone/>
+            </a:pPr>
+            <a:r>
+              <a:rPr lang="en-US" sz="1400" dirty="0">
+                <a:latin typeface="Consolas" panose="020B0609020204030204" pitchFamily="49" charset="0"/>
+              </a:rPr>
+              <a:t>}</a:t>
+            </a:r>
+          </a:p>
+          <a:p>
+            <a:pPr marL="152400" indent="0">
+              <a:buNone/>
+            </a:pPr>
+            <a:endParaRPr lang="en-US" sz="1400" dirty="0">
+              <a:latin typeface="Consolas" panose="020B0609020204030204" pitchFamily="49" charset="0"/>
+            </a:endParaRPr>
+          </a:p>
+        </p:txBody>
+      </p:sp>
+    </p:spTree>
+    <p:extLst>
+      <p:ext uri="{BB962C8B-B14F-4D97-AF65-F5344CB8AC3E}">
+        <p14:creationId xmlns:p14="http://schemas.microsoft.com/office/powerpoint/2010/main" val="3141218630"/>
+      </p:ext>
+    </p:extLst>
+  </p:cSld>
+  <p:clrMapOvr>
+    <a:masterClrMapping/>
+  </p:clrMapOvr>
+</p:sld>
+</file>
+
+<file path=ppt/slides/slide22.xml><?xml version="1.0" encoding="utf-8"?>
 <p:sld xmlns:a="http://schemas.openxmlformats.org/drawingml/2006/main" xmlns:r="http://schemas.openxmlformats.org/officeDocument/2006/relationships" xmlns:p="http://schemas.openxmlformats.org/presentationml/2006/main">
   <p:cSld>
     <p:spTree>
@@ -21833,7 +26500,7 @@
           <a:lstStyle/>
           <a:p>
             <a:r>
-              <a:rPr lang="en-US" dirty="0"/>
+              <a:rPr lang="en-US" sz="3200" dirty="0"/>
               <a:t>Open Source and Free Components</a:t>
             </a:r>
           </a:p>
@@ -21852,7 +26519,7 @@
           <p:nvPr>
             <p:extLst>
               <p:ext uri="{D42A27DB-BD31-4B8C-83A1-F6EECF244321}">
-                <p14:modId xmlns:p14="http://schemas.microsoft.com/office/powerpoint/2010/main" val="917465787"/>
+                <p14:modId xmlns:p14="http://schemas.microsoft.com/office/powerpoint/2010/main" val="1003087691"/>
               </p:ext>
             </p:extLst>
           </p:nvPr>
@@ -21880,7 +26547,7 @@
 </p:sld>
 </file>
 
-<file path=ppt/slides/slide18.xml><?xml version="1.0" encoding="utf-8"?>
+<file path=ppt/slides/slide23.xml><?xml version="1.0" encoding="utf-8"?>
 <p:sld xmlns:a="http://schemas.openxmlformats.org/drawingml/2006/main" xmlns:r="http://schemas.openxmlformats.org/officeDocument/2006/relationships" xmlns:p="http://schemas.openxmlformats.org/presentationml/2006/main">
   <p:cSld>
     <p:spTree>
@@ -22146,7 +26813,7 @@
 </p:sld>
 </file>
 
-<file path=ppt/slides/slide19.xml><?xml version="1.0" encoding="utf-8"?>
+<file path=ppt/slides/slide24.xml><?xml version="1.0" encoding="utf-8"?>
 <p:sld xmlns:a="http://schemas.openxmlformats.org/drawingml/2006/main" xmlns:r="http://schemas.openxmlformats.org/officeDocument/2006/relationships" xmlns:p="http://schemas.openxmlformats.org/presentationml/2006/main">
   <p:cSld>
     <p:spTree>
@@ -22259,7 +26926,738 @@
 </p:sld>
 </file>
 
-<file path=ppt/slides/slide2.xml><?xml version="1.0" encoding="utf-8"?>
+<file path=ppt/slides/slide25.xml><?xml version="1.0" encoding="utf-8"?>
+<p:sld xmlns:a="http://schemas.openxmlformats.org/drawingml/2006/main" xmlns:r="http://schemas.openxmlformats.org/officeDocument/2006/relationships" xmlns:p="http://schemas.openxmlformats.org/presentationml/2006/main">
+  <p:cSld>
+    <p:spTree>
+      <p:nvGrpSpPr>
+        <p:cNvPr id="1" name=""/>
+        <p:cNvGrpSpPr/>
+        <p:nvPr/>
+      </p:nvGrpSpPr>
+      <p:grpSpPr>
+        <a:xfrm>
+          <a:off x="0" y="0"/>
+          <a:ext cx="0" cy="0"/>
+          <a:chOff x="0" y="0"/>
+          <a:chExt cx="0" cy="0"/>
+        </a:xfrm>
+      </p:grpSpPr>
+      <p:sp>
+        <p:nvSpPr>
+          <p:cNvPr id="2" name="Text Placeholder 1">
+            <a:extLst>
+              <a:ext uri="{FF2B5EF4-FFF2-40B4-BE49-F238E27FC236}">
+                <a16:creationId xmlns:a16="http://schemas.microsoft.com/office/drawing/2014/main" id="{C44FED8C-FA29-89F6-E0EA-B30A50D8CFC4}"/>
+              </a:ext>
+            </a:extLst>
+          </p:cNvPr>
+          <p:cNvSpPr>
+            <a:spLocks noGrp="1"/>
+          </p:cNvSpPr>
+          <p:nvPr>
+            <p:ph type="body" idx="1"/>
+          </p:nvPr>
+        </p:nvSpPr>
+        <p:spPr>
+          <a:xfrm>
+            <a:off x="713224" y="1398725"/>
+            <a:ext cx="7703999" cy="3264066"/>
+          </a:xfrm>
+        </p:spPr>
+        <p:txBody>
+          <a:bodyPr/>
+          <a:lstStyle/>
+          <a:p>
+            <a:pPr marL="152400" indent="0">
+              <a:buNone/>
+            </a:pPr>
+            <a:r>
+              <a:rPr lang="en-US" sz="1800" dirty="0">
+                <a:latin typeface="Aldrich" panose="02000000000000000000" pitchFamily="2" charset="0"/>
+              </a:rPr>
+              <a:t>Blazor Samples</a:t>
+            </a:r>
+          </a:p>
+          <a:p>
+            <a:pPr marL="152400" indent="0">
+              <a:buNone/>
+            </a:pPr>
+            <a:endParaRPr lang="en-US" sz="1600" dirty="0"/>
+          </a:p>
+          <a:p>
+            <a:pPr marL="152400" indent="0">
+              <a:buNone/>
+            </a:pPr>
+            <a:r>
+              <a:rPr lang="en-US" sz="1600" dirty="0"/>
+              <a:t>https://github.com/dotnet/blazor-samples</a:t>
+            </a:r>
+          </a:p>
+          <a:p>
+            <a:pPr marL="152400" indent="0">
+              <a:buNone/>
+            </a:pPr>
+            <a:endParaRPr lang="en-US" sz="1600" dirty="0"/>
+          </a:p>
+          <a:p>
+            <a:pPr marL="152400" indent="0">
+              <a:buNone/>
+            </a:pPr>
+            <a:r>
+              <a:rPr lang="en-US" sz="1800" dirty="0">
+                <a:latin typeface="Aldrich" panose="02000000000000000000" pitchFamily="2" charset="0"/>
+              </a:rPr>
+              <a:t>Online Docs for Blazor</a:t>
+            </a:r>
+          </a:p>
+          <a:p>
+            <a:pPr marL="152400" indent="0">
+              <a:buNone/>
+            </a:pPr>
+            <a:endParaRPr lang="en-US" sz="1600" dirty="0"/>
+          </a:p>
+          <a:p>
+            <a:pPr marL="152400" indent="0">
+              <a:buNone/>
+            </a:pPr>
+            <a:r>
+              <a:rPr lang="en-US" sz="1600" dirty="0"/>
+              <a:t>https://learn.microsoft.com/en-us/aspnet/core/blazor</a:t>
+            </a:r>
+          </a:p>
+          <a:p>
+            <a:pPr marL="152400" indent="0">
+              <a:buNone/>
+            </a:pPr>
+            <a:endParaRPr lang="en-US" sz="1600" dirty="0"/>
+          </a:p>
+          <a:p>
+            <a:pPr marL="152400" indent="0">
+              <a:buNone/>
+            </a:pPr>
+            <a:r>
+              <a:rPr lang="en-US" sz="1800" dirty="0">
+                <a:latin typeface="Aldrich" panose="02000000000000000000" pitchFamily="2" charset="0"/>
+              </a:rPr>
+              <a:t>Free Online Training</a:t>
+            </a:r>
+          </a:p>
+          <a:p>
+            <a:pPr marL="152400" indent="0">
+              <a:buNone/>
+            </a:pPr>
+            <a:endParaRPr lang="en-US" sz="1600" dirty="0"/>
+          </a:p>
+          <a:p>
+            <a:pPr marL="152400" indent="0">
+              <a:buNone/>
+            </a:pPr>
+            <a:r>
+              <a:rPr lang="en-US" sz="1600" dirty="0"/>
+              <a:t>https://learn.microsoft.com/en-us/training/paths/build-web-apps-with-blazor/</a:t>
+            </a:r>
+          </a:p>
+        </p:txBody>
+      </p:sp>
+      <p:sp>
+        <p:nvSpPr>
+          <p:cNvPr id="3" name="Title 2">
+            <a:extLst>
+              <a:ext uri="{FF2B5EF4-FFF2-40B4-BE49-F238E27FC236}">
+                <a16:creationId xmlns:a16="http://schemas.microsoft.com/office/drawing/2014/main" id="{64EEDB40-7B8A-419E-8C22-9ECD805C02AF}"/>
+              </a:ext>
+            </a:extLst>
+          </p:cNvPr>
+          <p:cNvSpPr>
+            <a:spLocks noGrp="1"/>
+          </p:cNvSpPr>
+          <p:nvPr>
+            <p:ph type="title"/>
+          </p:nvPr>
+        </p:nvSpPr>
+        <p:spPr/>
+        <p:txBody>
+          <a:bodyPr/>
+          <a:lstStyle/>
+          <a:p>
+            <a:r>
+              <a:rPr lang="en-US" dirty="0"/>
+              <a:t>Learn More</a:t>
+            </a:r>
+          </a:p>
+        </p:txBody>
+      </p:sp>
+    </p:spTree>
+    <p:extLst>
+      <p:ext uri="{BB962C8B-B14F-4D97-AF65-F5344CB8AC3E}">
+        <p14:creationId xmlns:p14="http://schemas.microsoft.com/office/powerpoint/2010/main" val="1223668617"/>
+      </p:ext>
+    </p:extLst>
+  </p:cSld>
+  <p:clrMapOvr>
+    <a:masterClrMapping/>
+  </p:clrMapOvr>
+</p:sld>
+</file>
+
+<file path=ppt/slides/slide26.xml><?xml version="1.0" encoding="utf-8"?>
+<p:sld xmlns:a="http://schemas.openxmlformats.org/drawingml/2006/main" xmlns:r="http://schemas.openxmlformats.org/officeDocument/2006/relationships" xmlns:p="http://schemas.openxmlformats.org/presentationml/2006/main">
+  <p:cSld>
+    <p:spTree>
+      <p:nvGrpSpPr>
+        <p:cNvPr id="1" name=""/>
+        <p:cNvGrpSpPr/>
+        <p:nvPr/>
+      </p:nvGrpSpPr>
+      <p:grpSpPr>
+        <a:xfrm>
+          <a:off x="0" y="0"/>
+          <a:ext cx="0" cy="0"/>
+          <a:chOff x="0" y="0"/>
+          <a:chExt cx="0" cy="0"/>
+        </a:xfrm>
+      </p:grpSpPr>
+      <p:sp>
+        <p:nvSpPr>
+          <p:cNvPr id="4" name="Google Shape;621;p48">
+            <a:extLst>
+              <a:ext uri="{FF2B5EF4-FFF2-40B4-BE49-F238E27FC236}">
+                <a16:creationId xmlns:a16="http://schemas.microsoft.com/office/drawing/2014/main" id="{DD949717-1391-49CF-B25B-F2951F8AF856}"/>
+              </a:ext>
+            </a:extLst>
+          </p:cNvPr>
+          <p:cNvSpPr txBox="1">
+            <a:spLocks/>
+          </p:cNvSpPr>
+          <p:nvPr/>
+        </p:nvSpPr>
+        <p:spPr>
+          <a:xfrm>
+            <a:off x="1224851" y="1880277"/>
+            <a:ext cx="3708900" cy="1468800"/>
+          </a:xfrm>
+          <a:prstGeom prst="rect">
+            <a:avLst/>
+          </a:prstGeom>
+          <a:ln>
+            <a:solidFill>
+              <a:schemeClr val="tx1"/>
+            </a:solidFill>
+          </a:ln>
+        </p:spPr>
+        <p:txBody>
+          <a:bodyPr spcFirstLastPara="1" wrap="square" lIns="91425" tIns="91425" rIns="91425" bIns="91425" anchor="ctr" anchorCtr="0">
+            <a:noAutofit/>
+          </a:bodyPr>
+          <a:lstStyle>
+            <a:defPPr marR="0" lvl="0" algn="l" rtl="0">
+              <a:lnSpc>
+                <a:spcPct val="100000"/>
+              </a:lnSpc>
+              <a:spcBef>
+                <a:spcPts val="0"/>
+              </a:spcBef>
+              <a:spcAft>
+                <a:spcPts val="0"/>
+              </a:spcAft>
+            </a:defPPr>
+            <a:lvl1pPr marR="0" lvl="0" algn="l" rtl="0">
+              <a:lnSpc>
+                <a:spcPct val="100000"/>
+              </a:lnSpc>
+              <a:spcBef>
+                <a:spcPts val="0"/>
+              </a:spcBef>
+              <a:spcAft>
+                <a:spcPts val="0"/>
+              </a:spcAft>
+              <a:buClr>
+                <a:srgbClr val="000000"/>
+              </a:buClr>
+              <a:buFont typeface="Arial"/>
+              <a:defRPr sz="1400" b="0" i="0" u="none" strike="noStrike" cap="none">
+                <a:solidFill>
+                  <a:srgbClr val="000000"/>
+                </a:solidFill>
+                <a:latin typeface="Arial"/>
+                <a:ea typeface="Arial"/>
+                <a:cs typeface="Arial"/>
+                <a:sym typeface="Arial"/>
+              </a:defRPr>
+            </a:lvl1pPr>
+            <a:lvl2pPr marR="0" lvl="1" algn="l" rtl="0">
+              <a:lnSpc>
+                <a:spcPct val="100000"/>
+              </a:lnSpc>
+              <a:spcBef>
+                <a:spcPts val="0"/>
+              </a:spcBef>
+              <a:spcAft>
+                <a:spcPts val="0"/>
+              </a:spcAft>
+              <a:buClr>
+                <a:srgbClr val="000000"/>
+              </a:buClr>
+              <a:buFont typeface="Arial"/>
+              <a:defRPr sz="1400" b="0" i="0" u="none" strike="noStrike" cap="none">
+                <a:solidFill>
+                  <a:srgbClr val="000000"/>
+                </a:solidFill>
+                <a:latin typeface="Arial"/>
+                <a:ea typeface="Arial"/>
+                <a:cs typeface="Arial"/>
+                <a:sym typeface="Arial"/>
+              </a:defRPr>
+            </a:lvl2pPr>
+            <a:lvl3pPr marR="0" lvl="2" algn="l" rtl="0">
+              <a:lnSpc>
+                <a:spcPct val="100000"/>
+              </a:lnSpc>
+              <a:spcBef>
+                <a:spcPts val="0"/>
+              </a:spcBef>
+              <a:spcAft>
+                <a:spcPts val="0"/>
+              </a:spcAft>
+              <a:buClr>
+                <a:srgbClr val="000000"/>
+              </a:buClr>
+              <a:buFont typeface="Arial"/>
+              <a:defRPr sz="1400" b="0" i="0" u="none" strike="noStrike" cap="none">
+                <a:solidFill>
+                  <a:srgbClr val="000000"/>
+                </a:solidFill>
+                <a:latin typeface="Arial"/>
+                <a:ea typeface="Arial"/>
+                <a:cs typeface="Arial"/>
+                <a:sym typeface="Arial"/>
+              </a:defRPr>
+            </a:lvl3pPr>
+            <a:lvl4pPr marR="0" lvl="3" algn="l" rtl="0">
+              <a:lnSpc>
+                <a:spcPct val="100000"/>
+              </a:lnSpc>
+              <a:spcBef>
+                <a:spcPts val="0"/>
+              </a:spcBef>
+              <a:spcAft>
+                <a:spcPts val="0"/>
+              </a:spcAft>
+              <a:buClr>
+                <a:srgbClr val="000000"/>
+              </a:buClr>
+              <a:buFont typeface="Arial"/>
+              <a:defRPr sz="1400" b="0" i="0" u="none" strike="noStrike" cap="none">
+                <a:solidFill>
+                  <a:srgbClr val="000000"/>
+                </a:solidFill>
+                <a:latin typeface="Arial"/>
+                <a:ea typeface="Arial"/>
+                <a:cs typeface="Arial"/>
+                <a:sym typeface="Arial"/>
+              </a:defRPr>
+            </a:lvl4pPr>
+            <a:lvl5pPr marR="0" lvl="4" algn="l" rtl="0">
+              <a:lnSpc>
+                <a:spcPct val="100000"/>
+              </a:lnSpc>
+              <a:spcBef>
+                <a:spcPts val="0"/>
+              </a:spcBef>
+              <a:spcAft>
+                <a:spcPts val="0"/>
+              </a:spcAft>
+              <a:buClr>
+                <a:srgbClr val="000000"/>
+              </a:buClr>
+              <a:buFont typeface="Arial"/>
+              <a:defRPr sz="1400" b="0" i="0" u="none" strike="noStrike" cap="none">
+                <a:solidFill>
+                  <a:srgbClr val="000000"/>
+                </a:solidFill>
+                <a:latin typeface="Arial"/>
+                <a:ea typeface="Arial"/>
+                <a:cs typeface="Arial"/>
+                <a:sym typeface="Arial"/>
+              </a:defRPr>
+            </a:lvl5pPr>
+            <a:lvl6pPr marR="0" lvl="5" algn="l" rtl="0">
+              <a:lnSpc>
+                <a:spcPct val="100000"/>
+              </a:lnSpc>
+              <a:spcBef>
+                <a:spcPts val="0"/>
+              </a:spcBef>
+              <a:spcAft>
+                <a:spcPts val="0"/>
+              </a:spcAft>
+              <a:buClr>
+                <a:srgbClr val="000000"/>
+              </a:buClr>
+              <a:buFont typeface="Arial"/>
+              <a:defRPr sz="1400" b="0" i="0" u="none" strike="noStrike" cap="none">
+                <a:solidFill>
+                  <a:srgbClr val="000000"/>
+                </a:solidFill>
+                <a:latin typeface="Arial"/>
+                <a:ea typeface="Arial"/>
+                <a:cs typeface="Arial"/>
+                <a:sym typeface="Arial"/>
+              </a:defRPr>
+            </a:lvl6pPr>
+            <a:lvl7pPr marR="0" lvl="6" algn="l" rtl="0">
+              <a:lnSpc>
+                <a:spcPct val="100000"/>
+              </a:lnSpc>
+              <a:spcBef>
+                <a:spcPts val="0"/>
+              </a:spcBef>
+              <a:spcAft>
+                <a:spcPts val="0"/>
+              </a:spcAft>
+              <a:buClr>
+                <a:srgbClr val="000000"/>
+              </a:buClr>
+              <a:buFont typeface="Arial"/>
+              <a:defRPr sz="1400" b="0" i="0" u="none" strike="noStrike" cap="none">
+                <a:solidFill>
+                  <a:srgbClr val="000000"/>
+                </a:solidFill>
+                <a:latin typeface="Arial"/>
+                <a:ea typeface="Arial"/>
+                <a:cs typeface="Arial"/>
+                <a:sym typeface="Arial"/>
+              </a:defRPr>
+            </a:lvl7pPr>
+            <a:lvl8pPr marR="0" lvl="7" algn="l" rtl="0">
+              <a:lnSpc>
+                <a:spcPct val="100000"/>
+              </a:lnSpc>
+              <a:spcBef>
+                <a:spcPts val="0"/>
+              </a:spcBef>
+              <a:spcAft>
+                <a:spcPts val="0"/>
+              </a:spcAft>
+              <a:buClr>
+                <a:srgbClr val="000000"/>
+              </a:buClr>
+              <a:buFont typeface="Arial"/>
+              <a:defRPr sz="1400" b="0" i="0" u="none" strike="noStrike" cap="none">
+                <a:solidFill>
+                  <a:srgbClr val="000000"/>
+                </a:solidFill>
+                <a:latin typeface="Arial"/>
+                <a:ea typeface="Arial"/>
+                <a:cs typeface="Arial"/>
+                <a:sym typeface="Arial"/>
+              </a:defRPr>
+            </a:lvl8pPr>
+            <a:lvl9pPr marR="0" lvl="8" algn="l" rtl="0">
+              <a:lnSpc>
+                <a:spcPct val="100000"/>
+              </a:lnSpc>
+              <a:spcBef>
+                <a:spcPts val="0"/>
+              </a:spcBef>
+              <a:spcAft>
+                <a:spcPts val="0"/>
+              </a:spcAft>
+              <a:buClr>
+                <a:srgbClr val="000000"/>
+              </a:buClr>
+              <a:buFont typeface="Arial"/>
+              <a:defRPr sz="1400" b="0" i="0" u="none" strike="noStrike" cap="none">
+                <a:solidFill>
+                  <a:srgbClr val="000000"/>
+                </a:solidFill>
+                <a:latin typeface="Arial"/>
+                <a:ea typeface="Arial"/>
+                <a:cs typeface="Arial"/>
+                <a:sym typeface="Arial"/>
+              </a:defRPr>
+            </a:lvl9pPr>
+          </a:lstStyle>
+          <a:p>
+            <a:pPr algn="ctr"/>
+            <a:r>
+              <a:rPr lang="en-US" sz="1800" b="1" dirty="0">
+                <a:solidFill>
+                  <a:schemeClr val="tx1"/>
+                </a:solidFill>
+              </a:rPr>
+              <a:t>Do you have any questions?</a:t>
+            </a:r>
+          </a:p>
+          <a:p>
+            <a:pPr algn="ctr"/>
+            <a:r>
+              <a:rPr lang="en-US" sz="1800" dirty="0" err="1">
+                <a:solidFill>
+                  <a:schemeClr val="tx1"/>
+                </a:solidFill>
+              </a:rPr>
+              <a:t>cwoodruff@live.com</a:t>
+            </a:r>
+            <a:endParaRPr lang="en-US" sz="1800" dirty="0">
+              <a:solidFill>
+                <a:schemeClr val="tx1"/>
+              </a:solidFill>
+            </a:endParaRPr>
+          </a:p>
+          <a:p>
+            <a:pPr algn="ctr"/>
+            <a:r>
+              <a:rPr lang="en-US" sz="1800" dirty="0">
+                <a:solidFill>
+                  <a:schemeClr val="tx1"/>
+                </a:solidFill>
+              </a:rPr>
+              <a:t>https://woodruff.dev</a:t>
+            </a:r>
+          </a:p>
+          <a:p>
+            <a:pPr algn="ctr"/>
+            <a:r>
+              <a:rPr lang="en-US" sz="1800" dirty="0">
+                <a:solidFill>
+                  <a:schemeClr val="tx1"/>
+                </a:solidFill>
+              </a:rPr>
+              <a:t>@cwoodruff</a:t>
+            </a:r>
+          </a:p>
+        </p:txBody>
+      </p:sp>
+      <p:sp>
+        <p:nvSpPr>
+          <p:cNvPr id="6" name="Google Shape;624;p48">
+            <a:extLst>
+              <a:ext uri="{FF2B5EF4-FFF2-40B4-BE49-F238E27FC236}">
+                <a16:creationId xmlns:a16="http://schemas.microsoft.com/office/drawing/2014/main" id="{F8F92B9A-F3EE-376E-2257-440184822041}"/>
+              </a:ext>
+            </a:extLst>
+          </p:cNvPr>
+          <p:cNvSpPr/>
+          <p:nvPr/>
+        </p:nvSpPr>
+        <p:spPr>
+          <a:xfrm>
+            <a:off x="1224844" y="1723352"/>
+            <a:ext cx="3708979" cy="159600"/>
+          </a:xfrm>
+          <a:prstGeom prst="rect">
+            <a:avLst/>
+          </a:prstGeom>
+          <a:solidFill>
+            <a:schemeClr val="accent1"/>
+          </a:solidFill>
+          <a:ln w="9525" cap="flat" cmpd="sng">
+            <a:solidFill>
+              <a:schemeClr val="dk1"/>
+            </a:solidFill>
+            <a:prstDash val="solid"/>
+            <a:round/>
+            <a:headEnd type="none" w="sm" len="sm"/>
+            <a:tailEnd type="none" w="sm" len="sm"/>
+          </a:ln>
+        </p:spPr>
+        <p:txBody>
+          <a:bodyPr spcFirstLastPara="1" wrap="square" lIns="91425" tIns="91425" rIns="91425" bIns="91425" anchor="ctr" anchorCtr="0">
+            <a:noAutofit/>
+          </a:bodyPr>
+          <a:lstStyle/>
+          <a:p>
+            <a:pPr marL="0" lvl="0" indent="0" algn="ctr" rtl="0">
+              <a:spcBef>
+                <a:spcPts val="0"/>
+              </a:spcBef>
+              <a:spcAft>
+                <a:spcPts val="0"/>
+              </a:spcAft>
+              <a:buNone/>
+            </a:pPr>
+            <a:endParaRPr>
+              <a:latin typeface="Open Sans"/>
+              <a:ea typeface="Open Sans"/>
+              <a:cs typeface="Open Sans"/>
+              <a:sym typeface="Open Sans"/>
+            </a:endParaRPr>
+          </a:p>
+        </p:txBody>
+      </p:sp>
+      <p:sp>
+        <p:nvSpPr>
+          <p:cNvPr id="21" name="TextBox 20">
+            <a:extLst>
+              <a:ext uri="{FF2B5EF4-FFF2-40B4-BE49-F238E27FC236}">
+                <a16:creationId xmlns:a16="http://schemas.microsoft.com/office/drawing/2014/main" id="{FEA30B74-9D4C-5C0E-1BE8-2BB46E0B0F3F}"/>
+              </a:ext>
+            </a:extLst>
+          </p:cNvPr>
+          <p:cNvSpPr txBox="1"/>
+          <p:nvPr/>
+        </p:nvSpPr>
+        <p:spPr>
+          <a:xfrm>
+            <a:off x="1236133" y="953911"/>
+            <a:ext cx="2946400" cy="769441"/>
+          </a:xfrm>
+          <a:prstGeom prst="rect">
+            <a:avLst/>
+          </a:prstGeom>
+          <a:noFill/>
+        </p:spPr>
+        <p:txBody>
+          <a:bodyPr wrap="square" rtlCol="0">
+            <a:spAutoFit/>
+          </a:bodyPr>
+          <a:lstStyle/>
+          <a:p>
+            <a:r>
+              <a:rPr lang="en-US" sz="4400" dirty="0">
+                <a:solidFill>
+                  <a:schemeClr val="tx1"/>
+                </a:solidFill>
+                <a:latin typeface="Aldrich" panose="02000000000000000000" pitchFamily="2" charset="0"/>
+              </a:rPr>
+              <a:t>Thanks!!</a:t>
+            </a:r>
+          </a:p>
+        </p:txBody>
+      </p:sp>
+      <p:sp>
+        <p:nvSpPr>
+          <p:cNvPr id="23" name="TextBox 22">
+            <a:extLst>
+              <a:ext uri="{FF2B5EF4-FFF2-40B4-BE49-F238E27FC236}">
+                <a16:creationId xmlns:a16="http://schemas.microsoft.com/office/drawing/2014/main" id="{28D36460-36B8-3CDB-4CB5-9090D15FC7F4}"/>
+              </a:ext>
+            </a:extLst>
+          </p:cNvPr>
+          <p:cNvSpPr txBox="1"/>
+          <p:nvPr/>
+        </p:nvSpPr>
+        <p:spPr>
+          <a:xfrm>
+            <a:off x="836579" y="3881812"/>
+            <a:ext cx="7918315" cy="523220"/>
+          </a:xfrm>
+          <a:prstGeom prst="rect">
+            <a:avLst/>
+          </a:prstGeom>
+          <a:noFill/>
+        </p:spPr>
+        <p:txBody>
+          <a:bodyPr wrap="square">
+            <a:spAutoFit/>
+          </a:bodyPr>
+          <a:lstStyle/>
+          <a:p>
+            <a:r>
+              <a:rPr lang="en-US" sz="2800" dirty="0">
+                <a:solidFill>
+                  <a:schemeClr val="tx1"/>
+                </a:solidFill>
+              </a:rPr>
+              <a:t>https://</a:t>
+            </a:r>
+            <a:r>
+              <a:rPr lang="en-US" sz="2800" dirty="0" err="1">
+                <a:solidFill>
+                  <a:schemeClr val="tx1"/>
+                </a:solidFill>
+              </a:rPr>
+              <a:t>github.com</a:t>
+            </a:r>
+            <a:r>
+              <a:rPr lang="en-US" sz="2800" dirty="0">
+                <a:solidFill>
+                  <a:schemeClr val="tx1"/>
+                </a:solidFill>
+              </a:rPr>
+              <a:t>/</a:t>
+            </a:r>
+            <a:r>
+              <a:rPr lang="en-US" sz="2800" dirty="0" err="1">
+                <a:solidFill>
+                  <a:schemeClr val="tx1"/>
+                </a:solidFill>
+              </a:rPr>
+              <a:t>cwoodruff</a:t>
+            </a:r>
+            <a:r>
+              <a:rPr lang="en-US" sz="2800" dirty="0">
+                <a:solidFill>
+                  <a:schemeClr val="tx1"/>
+                </a:solidFill>
+              </a:rPr>
+              <a:t>/</a:t>
+            </a:r>
+            <a:r>
+              <a:rPr lang="en-US" sz="2800" dirty="0" err="1">
+                <a:solidFill>
+                  <a:schemeClr val="tx1"/>
+                </a:solidFill>
+              </a:rPr>
+              <a:t>blazor</a:t>
+            </a:r>
+            <a:r>
+              <a:rPr lang="en-US" sz="2800" dirty="0">
+                <a:solidFill>
+                  <a:schemeClr val="tx1"/>
+                </a:solidFill>
+              </a:rPr>
+              <a:t>-introduction</a:t>
+            </a:r>
+          </a:p>
+        </p:txBody>
+      </p:sp>
+      <p:pic>
+        <p:nvPicPr>
+          <p:cNvPr id="9" name="Picture 8">
+            <a:extLst>
+              <a:ext uri="{FF2B5EF4-FFF2-40B4-BE49-F238E27FC236}">
+                <a16:creationId xmlns:a16="http://schemas.microsoft.com/office/drawing/2014/main" id="{93FDF8D6-DB97-4556-F198-477DA11905C9}"/>
+              </a:ext>
+            </a:extLst>
+          </p:cNvPr>
+          <p:cNvPicPr>
+            <a:picLocks noChangeAspect="1"/>
+          </p:cNvPicPr>
+          <p:nvPr/>
+        </p:nvPicPr>
+        <p:blipFill>
+          <a:blip r:embed="rId2"/>
+          <a:stretch>
+            <a:fillRect/>
+          </a:stretch>
+        </p:blipFill>
+        <p:spPr>
+          <a:xfrm>
+            <a:off x="5230238" y="850895"/>
+            <a:ext cx="3013310" cy="3001289"/>
+          </a:xfrm>
+          <a:prstGeom prst="rect">
+            <a:avLst/>
+          </a:prstGeom>
+        </p:spPr>
+      </p:pic>
+    </p:spTree>
+    <p:extLst>
+      <p:ext uri="{BB962C8B-B14F-4D97-AF65-F5344CB8AC3E}">
+        <p14:creationId xmlns:p14="http://schemas.microsoft.com/office/powerpoint/2010/main" val="350343894"/>
+      </p:ext>
+    </p:extLst>
+  </p:cSld>
+  <p:clrMapOvr>
+    <a:masterClrMapping/>
+  </p:clrMapOvr>
+</p:sld>
+</file>
+
+<file path=ppt/slides/slide3.xml><?xml version="1.0" encoding="utf-8"?>
 <p:sld xmlns:a="http://schemas.openxmlformats.org/drawingml/2006/main" xmlns:r="http://schemas.openxmlformats.org/officeDocument/2006/relationships" xmlns:p="http://schemas.openxmlformats.org/presentationml/2006/main">
   <p:cSld>
     <p:spTree>
@@ -22497,535 +27895,7 @@
 </p:sld>
 </file>
 
-<file path=ppt/slides/slide20.xml><?xml version="1.0" encoding="utf-8"?>
-<p:sld xmlns:a="http://schemas.openxmlformats.org/drawingml/2006/main" xmlns:r="http://schemas.openxmlformats.org/officeDocument/2006/relationships" xmlns:p="http://schemas.openxmlformats.org/presentationml/2006/main">
-  <p:cSld>
-    <p:spTree>
-      <p:nvGrpSpPr>
-        <p:cNvPr id="1" name=""/>
-        <p:cNvGrpSpPr/>
-        <p:nvPr/>
-      </p:nvGrpSpPr>
-      <p:grpSpPr>
-        <a:xfrm>
-          <a:off x="0" y="0"/>
-          <a:ext cx="0" cy="0"/>
-          <a:chOff x="0" y="0"/>
-          <a:chExt cx="0" cy="0"/>
-        </a:xfrm>
-      </p:grpSpPr>
-      <p:sp>
-        <p:nvSpPr>
-          <p:cNvPr id="4" name="Google Shape;621;p48">
-            <a:extLst>
-              <a:ext uri="{FF2B5EF4-FFF2-40B4-BE49-F238E27FC236}">
-                <a16:creationId xmlns:a16="http://schemas.microsoft.com/office/drawing/2014/main" id="{DD949717-1391-49CF-B25B-F2951F8AF856}"/>
-              </a:ext>
-            </a:extLst>
-          </p:cNvPr>
-          <p:cNvSpPr txBox="1">
-            <a:spLocks/>
-          </p:cNvSpPr>
-          <p:nvPr/>
-        </p:nvSpPr>
-        <p:spPr>
-          <a:xfrm>
-            <a:off x="1224851" y="1880277"/>
-            <a:ext cx="3708900" cy="1468800"/>
-          </a:xfrm>
-          <a:prstGeom prst="rect">
-            <a:avLst/>
-          </a:prstGeom>
-          <a:ln>
-            <a:solidFill>
-              <a:schemeClr val="tx1"/>
-            </a:solidFill>
-          </a:ln>
-        </p:spPr>
-        <p:txBody>
-          <a:bodyPr spcFirstLastPara="1" wrap="square" lIns="91425" tIns="91425" rIns="91425" bIns="91425" anchor="ctr" anchorCtr="0">
-            <a:noAutofit/>
-          </a:bodyPr>
-          <a:lstStyle>
-            <a:defPPr marR="0" lvl="0" algn="l" rtl="0">
-              <a:lnSpc>
-                <a:spcPct val="100000"/>
-              </a:lnSpc>
-              <a:spcBef>
-                <a:spcPts val="0"/>
-              </a:spcBef>
-              <a:spcAft>
-                <a:spcPts val="0"/>
-              </a:spcAft>
-            </a:defPPr>
-            <a:lvl1pPr marR="0" lvl="0" algn="l" rtl="0">
-              <a:lnSpc>
-                <a:spcPct val="100000"/>
-              </a:lnSpc>
-              <a:spcBef>
-                <a:spcPts val="0"/>
-              </a:spcBef>
-              <a:spcAft>
-                <a:spcPts val="0"/>
-              </a:spcAft>
-              <a:buClr>
-                <a:srgbClr val="000000"/>
-              </a:buClr>
-              <a:buFont typeface="Arial"/>
-              <a:defRPr sz="1400" b="0" i="0" u="none" strike="noStrike" cap="none">
-                <a:solidFill>
-                  <a:srgbClr val="000000"/>
-                </a:solidFill>
-                <a:latin typeface="Arial"/>
-                <a:ea typeface="Arial"/>
-                <a:cs typeface="Arial"/>
-                <a:sym typeface="Arial"/>
-              </a:defRPr>
-            </a:lvl1pPr>
-            <a:lvl2pPr marR="0" lvl="1" algn="l" rtl="0">
-              <a:lnSpc>
-                <a:spcPct val="100000"/>
-              </a:lnSpc>
-              <a:spcBef>
-                <a:spcPts val="0"/>
-              </a:spcBef>
-              <a:spcAft>
-                <a:spcPts val="0"/>
-              </a:spcAft>
-              <a:buClr>
-                <a:srgbClr val="000000"/>
-              </a:buClr>
-              <a:buFont typeface="Arial"/>
-              <a:defRPr sz="1400" b="0" i="0" u="none" strike="noStrike" cap="none">
-                <a:solidFill>
-                  <a:srgbClr val="000000"/>
-                </a:solidFill>
-                <a:latin typeface="Arial"/>
-                <a:ea typeface="Arial"/>
-                <a:cs typeface="Arial"/>
-                <a:sym typeface="Arial"/>
-              </a:defRPr>
-            </a:lvl2pPr>
-            <a:lvl3pPr marR="0" lvl="2" algn="l" rtl="0">
-              <a:lnSpc>
-                <a:spcPct val="100000"/>
-              </a:lnSpc>
-              <a:spcBef>
-                <a:spcPts val="0"/>
-              </a:spcBef>
-              <a:spcAft>
-                <a:spcPts val="0"/>
-              </a:spcAft>
-              <a:buClr>
-                <a:srgbClr val="000000"/>
-              </a:buClr>
-              <a:buFont typeface="Arial"/>
-              <a:defRPr sz="1400" b="0" i="0" u="none" strike="noStrike" cap="none">
-                <a:solidFill>
-                  <a:srgbClr val="000000"/>
-                </a:solidFill>
-                <a:latin typeface="Arial"/>
-                <a:ea typeface="Arial"/>
-                <a:cs typeface="Arial"/>
-                <a:sym typeface="Arial"/>
-              </a:defRPr>
-            </a:lvl3pPr>
-            <a:lvl4pPr marR="0" lvl="3" algn="l" rtl="0">
-              <a:lnSpc>
-                <a:spcPct val="100000"/>
-              </a:lnSpc>
-              <a:spcBef>
-                <a:spcPts val="0"/>
-              </a:spcBef>
-              <a:spcAft>
-                <a:spcPts val="0"/>
-              </a:spcAft>
-              <a:buClr>
-                <a:srgbClr val="000000"/>
-              </a:buClr>
-              <a:buFont typeface="Arial"/>
-              <a:defRPr sz="1400" b="0" i="0" u="none" strike="noStrike" cap="none">
-                <a:solidFill>
-                  <a:srgbClr val="000000"/>
-                </a:solidFill>
-                <a:latin typeface="Arial"/>
-                <a:ea typeface="Arial"/>
-                <a:cs typeface="Arial"/>
-                <a:sym typeface="Arial"/>
-              </a:defRPr>
-            </a:lvl4pPr>
-            <a:lvl5pPr marR="0" lvl="4" algn="l" rtl="0">
-              <a:lnSpc>
-                <a:spcPct val="100000"/>
-              </a:lnSpc>
-              <a:spcBef>
-                <a:spcPts val="0"/>
-              </a:spcBef>
-              <a:spcAft>
-                <a:spcPts val="0"/>
-              </a:spcAft>
-              <a:buClr>
-                <a:srgbClr val="000000"/>
-              </a:buClr>
-              <a:buFont typeface="Arial"/>
-              <a:defRPr sz="1400" b="0" i="0" u="none" strike="noStrike" cap="none">
-                <a:solidFill>
-                  <a:srgbClr val="000000"/>
-                </a:solidFill>
-                <a:latin typeface="Arial"/>
-                <a:ea typeface="Arial"/>
-                <a:cs typeface="Arial"/>
-                <a:sym typeface="Arial"/>
-              </a:defRPr>
-            </a:lvl5pPr>
-            <a:lvl6pPr marR="0" lvl="5" algn="l" rtl="0">
-              <a:lnSpc>
-                <a:spcPct val="100000"/>
-              </a:lnSpc>
-              <a:spcBef>
-                <a:spcPts val="0"/>
-              </a:spcBef>
-              <a:spcAft>
-                <a:spcPts val="0"/>
-              </a:spcAft>
-              <a:buClr>
-                <a:srgbClr val="000000"/>
-              </a:buClr>
-              <a:buFont typeface="Arial"/>
-              <a:defRPr sz="1400" b="0" i="0" u="none" strike="noStrike" cap="none">
-                <a:solidFill>
-                  <a:srgbClr val="000000"/>
-                </a:solidFill>
-                <a:latin typeface="Arial"/>
-                <a:ea typeface="Arial"/>
-                <a:cs typeface="Arial"/>
-                <a:sym typeface="Arial"/>
-              </a:defRPr>
-            </a:lvl6pPr>
-            <a:lvl7pPr marR="0" lvl="6" algn="l" rtl="0">
-              <a:lnSpc>
-                <a:spcPct val="100000"/>
-              </a:lnSpc>
-              <a:spcBef>
-                <a:spcPts val="0"/>
-              </a:spcBef>
-              <a:spcAft>
-                <a:spcPts val="0"/>
-              </a:spcAft>
-              <a:buClr>
-                <a:srgbClr val="000000"/>
-              </a:buClr>
-              <a:buFont typeface="Arial"/>
-              <a:defRPr sz="1400" b="0" i="0" u="none" strike="noStrike" cap="none">
-                <a:solidFill>
-                  <a:srgbClr val="000000"/>
-                </a:solidFill>
-                <a:latin typeface="Arial"/>
-                <a:ea typeface="Arial"/>
-                <a:cs typeface="Arial"/>
-                <a:sym typeface="Arial"/>
-              </a:defRPr>
-            </a:lvl7pPr>
-            <a:lvl8pPr marR="0" lvl="7" algn="l" rtl="0">
-              <a:lnSpc>
-                <a:spcPct val="100000"/>
-              </a:lnSpc>
-              <a:spcBef>
-                <a:spcPts val="0"/>
-              </a:spcBef>
-              <a:spcAft>
-                <a:spcPts val="0"/>
-              </a:spcAft>
-              <a:buClr>
-                <a:srgbClr val="000000"/>
-              </a:buClr>
-              <a:buFont typeface="Arial"/>
-              <a:defRPr sz="1400" b="0" i="0" u="none" strike="noStrike" cap="none">
-                <a:solidFill>
-                  <a:srgbClr val="000000"/>
-                </a:solidFill>
-                <a:latin typeface="Arial"/>
-                <a:ea typeface="Arial"/>
-                <a:cs typeface="Arial"/>
-                <a:sym typeface="Arial"/>
-              </a:defRPr>
-            </a:lvl8pPr>
-            <a:lvl9pPr marR="0" lvl="8" algn="l" rtl="0">
-              <a:lnSpc>
-                <a:spcPct val="100000"/>
-              </a:lnSpc>
-              <a:spcBef>
-                <a:spcPts val="0"/>
-              </a:spcBef>
-              <a:spcAft>
-                <a:spcPts val="0"/>
-              </a:spcAft>
-              <a:buClr>
-                <a:srgbClr val="000000"/>
-              </a:buClr>
-              <a:buFont typeface="Arial"/>
-              <a:defRPr sz="1400" b="0" i="0" u="none" strike="noStrike" cap="none">
-                <a:solidFill>
-                  <a:srgbClr val="000000"/>
-                </a:solidFill>
-                <a:latin typeface="Arial"/>
-                <a:ea typeface="Arial"/>
-                <a:cs typeface="Arial"/>
-                <a:sym typeface="Arial"/>
-              </a:defRPr>
-            </a:lvl9pPr>
-          </a:lstStyle>
-          <a:p>
-            <a:pPr algn="ctr"/>
-            <a:r>
-              <a:rPr lang="en-US" sz="1800" b="1" dirty="0">
-                <a:solidFill>
-                  <a:schemeClr val="tx1"/>
-                </a:solidFill>
-              </a:rPr>
-              <a:t>Do you have any questions?</a:t>
-            </a:r>
-          </a:p>
-          <a:p>
-            <a:pPr algn="ctr"/>
-            <a:r>
-              <a:rPr lang="en-US" sz="1800" dirty="0" err="1">
-                <a:solidFill>
-                  <a:schemeClr val="tx1"/>
-                </a:solidFill>
-              </a:rPr>
-              <a:t>cwoodruff@live.com</a:t>
-            </a:r>
-            <a:endParaRPr lang="en-US" sz="1800" dirty="0">
-              <a:solidFill>
-                <a:schemeClr val="tx1"/>
-              </a:solidFill>
-            </a:endParaRPr>
-          </a:p>
-          <a:p>
-            <a:pPr algn="ctr"/>
-            <a:r>
-              <a:rPr lang="en-US" sz="1800" dirty="0">
-                <a:solidFill>
-                  <a:schemeClr val="tx1"/>
-                </a:solidFill>
-              </a:rPr>
-              <a:t>https://</a:t>
-            </a:r>
-            <a:r>
-              <a:rPr lang="en-US" sz="1800" dirty="0" err="1">
-                <a:solidFill>
-                  <a:schemeClr val="tx1"/>
-                </a:solidFill>
-              </a:rPr>
-              <a:t>woodruff.dev</a:t>
-            </a:r>
-            <a:endParaRPr lang="en-US" sz="1800" dirty="0">
-              <a:solidFill>
-                <a:schemeClr val="tx1"/>
-              </a:solidFill>
-            </a:endParaRPr>
-          </a:p>
-        </p:txBody>
-      </p:sp>
-      <p:sp>
-        <p:nvSpPr>
-          <p:cNvPr id="6" name="Google Shape;624;p48">
-            <a:extLst>
-              <a:ext uri="{FF2B5EF4-FFF2-40B4-BE49-F238E27FC236}">
-                <a16:creationId xmlns:a16="http://schemas.microsoft.com/office/drawing/2014/main" id="{F8F92B9A-F3EE-376E-2257-440184822041}"/>
-              </a:ext>
-            </a:extLst>
-          </p:cNvPr>
-          <p:cNvSpPr/>
-          <p:nvPr/>
-        </p:nvSpPr>
-        <p:spPr>
-          <a:xfrm>
-            <a:off x="1224844" y="1723352"/>
-            <a:ext cx="3708979" cy="159600"/>
-          </a:xfrm>
-          <a:prstGeom prst="rect">
-            <a:avLst/>
-          </a:prstGeom>
-          <a:solidFill>
-            <a:schemeClr val="accent1"/>
-          </a:solidFill>
-          <a:ln w="9525" cap="flat" cmpd="sng">
-            <a:solidFill>
-              <a:schemeClr val="dk1"/>
-            </a:solidFill>
-            <a:prstDash val="solid"/>
-            <a:round/>
-            <a:headEnd type="none" w="sm" len="sm"/>
-            <a:tailEnd type="none" w="sm" len="sm"/>
-          </a:ln>
-        </p:spPr>
-        <p:txBody>
-          <a:bodyPr spcFirstLastPara="1" wrap="square" lIns="91425" tIns="91425" rIns="91425" bIns="91425" anchor="ctr" anchorCtr="0">
-            <a:noAutofit/>
-          </a:bodyPr>
-          <a:lstStyle/>
-          <a:p>
-            <a:pPr marL="0" lvl="0" indent="0" algn="ctr" rtl="0">
-              <a:spcBef>
-                <a:spcPts val="0"/>
-              </a:spcBef>
-              <a:spcAft>
-                <a:spcPts val="0"/>
-              </a:spcAft>
-              <a:buNone/>
-            </a:pPr>
-            <a:endParaRPr>
-              <a:latin typeface="Open Sans"/>
-              <a:ea typeface="Open Sans"/>
-              <a:cs typeface="Open Sans"/>
-              <a:sym typeface="Open Sans"/>
-            </a:endParaRPr>
-          </a:p>
-        </p:txBody>
-      </p:sp>
-      <p:sp>
-        <p:nvSpPr>
-          <p:cNvPr id="21" name="TextBox 20">
-            <a:extLst>
-              <a:ext uri="{FF2B5EF4-FFF2-40B4-BE49-F238E27FC236}">
-                <a16:creationId xmlns:a16="http://schemas.microsoft.com/office/drawing/2014/main" id="{FEA30B74-9D4C-5C0E-1BE8-2BB46E0B0F3F}"/>
-              </a:ext>
-            </a:extLst>
-          </p:cNvPr>
-          <p:cNvSpPr txBox="1"/>
-          <p:nvPr/>
-        </p:nvSpPr>
-        <p:spPr>
-          <a:xfrm>
-            <a:off x="1236133" y="953911"/>
-            <a:ext cx="2946400" cy="769441"/>
-          </a:xfrm>
-          <a:prstGeom prst="rect">
-            <a:avLst/>
-          </a:prstGeom>
-          <a:noFill/>
-        </p:spPr>
-        <p:txBody>
-          <a:bodyPr wrap="square" rtlCol="0">
-            <a:spAutoFit/>
-          </a:bodyPr>
-          <a:lstStyle/>
-          <a:p>
-            <a:r>
-              <a:rPr lang="en-US" sz="4400" dirty="0">
-                <a:solidFill>
-                  <a:schemeClr val="tx1"/>
-                </a:solidFill>
-                <a:latin typeface="Aldrich" panose="02000000000000000000" pitchFamily="2" charset="0"/>
-              </a:rPr>
-              <a:t>Thanks!!</a:t>
-            </a:r>
-          </a:p>
-        </p:txBody>
-      </p:sp>
-      <p:sp>
-        <p:nvSpPr>
-          <p:cNvPr id="23" name="TextBox 22">
-            <a:extLst>
-              <a:ext uri="{FF2B5EF4-FFF2-40B4-BE49-F238E27FC236}">
-                <a16:creationId xmlns:a16="http://schemas.microsoft.com/office/drawing/2014/main" id="{28D36460-36B8-3CDB-4CB5-9090D15FC7F4}"/>
-              </a:ext>
-            </a:extLst>
-          </p:cNvPr>
-          <p:cNvSpPr txBox="1"/>
-          <p:nvPr/>
-        </p:nvSpPr>
-        <p:spPr>
-          <a:xfrm>
-            <a:off x="1224843" y="3881812"/>
-            <a:ext cx="7100505" cy="461665"/>
-          </a:xfrm>
-          <a:prstGeom prst="rect">
-            <a:avLst/>
-          </a:prstGeom>
-          <a:noFill/>
-        </p:spPr>
-        <p:txBody>
-          <a:bodyPr wrap="square">
-            <a:spAutoFit/>
-          </a:bodyPr>
-          <a:lstStyle/>
-          <a:p>
-            <a:r>
-              <a:rPr lang="en-US" sz="2400" dirty="0">
-                <a:solidFill>
-                  <a:schemeClr val="tx1"/>
-                </a:solidFill>
-              </a:rPr>
-              <a:t>https://</a:t>
-            </a:r>
-            <a:r>
-              <a:rPr lang="en-US" sz="2400" dirty="0" err="1">
-                <a:solidFill>
-                  <a:schemeClr val="tx1"/>
-                </a:solidFill>
-              </a:rPr>
-              <a:t>github.com</a:t>
-            </a:r>
-            <a:r>
-              <a:rPr lang="en-US" sz="2400" dirty="0">
-                <a:solidFill>
-                  <a:schemeClr val="tx1"/>
-                </a:solidFill>
-              </a:rPr>
-              <a:t>/</a:t>
-            </a:r>
-            <a:r>
-              <a:rPr lang="en-US" sz="2400" dirty="0" err="1">
-                <a:solidFill>
-                  <a:schemeClr val="tx1"/>
-                </a:solidFill>
-              </a:rPr>
-              <a:t>cwoodruff</a:t>
-            </a:r>
-            <a:r>
-              <a:rPr lang="en-US" sz="2400" dirty="0">
-                <a:solidFill>
-                  <a:schemeClr val="tx1"/>
-                </a:solidFill>
-              </a:rPr>
-              <a:t>/</a:t>
-            </a:r>
-            <a:r>
-              <a:rPr lang="en-US" sz="2400" dirty="0" err="1">
-                <a:solidFill>
-                  <a:schemeClr val="tx1"/>
-                </a:solidFill>
-              </a:rPr>
-              <a:t>blazor</a:t>
-            </a:r>
-            <a:r>
-              <a:rPr lang="en-US" sz="2400" dirty="0">
-                <a:solidFill>
-                  <a:schemeClr val="tx1"/>
-                </a:solidFill>
-              </a:rPr>
-              <a:t>-introduction</a:t>
-            </a:r>
-          </a:p>
-        </p:txBody>
-      </p:sp>
-    </p:spTree>
-    <p:extLst>
-      <p:ext uri="{BB962C8B-B14F-4D97-AF65-F5344CB8AC3E}">
-        <p14:creationId xmlns:p14="http://schemas.microsoft.com/office/powerpoint/2010/main" val="350343894"/>
-      </p:ext>
-    </p:extLst>
-  </p:cSld>
-  <p:clrMapOvr>
-    <a:masterClrMapping/>
-  </p:clrMapOvr>
-</p:sld>
-</file>
-
-<file path=ppt/slides/slide3.xml><?xml version="1.0" encoding="utf-8"?>
+<file path=ppt/slides/slide4.xml><?xml version="1.0" encoding="utf-8"?>
 <p:sld xmlns:a="http://schemas.openxmlformats.org/drawingml/2006/main" xmlns:r="http://schemas.openxmlformats.org/officeDocument/2006/relationships" xmlns:p="http://schemas.openxmlformats.org/presentationml/2006/main">
   <p:cSld>
     <p:spTree>
@@ -23263,7 +28133,7 @@
 </p:sld>
 </file>
 
-<file path=ppt/slides/slide4.xml><?xml version="1.0" encoding="utf-8"?>
+<file path=ppt/slides/slide5.xml><?xml version="1.0" encoding="utf-8"?>
 <p:sld xmlns:a="http://schemas.openxmlformats.org/drawingml/2006/main" xmlns:r="http://schemas.openxmlformats.org/officeDocument/2006/relationships" xmlns:p="http://schemas.openxmlformats.org/presentationml/2006/main">
   <p:cSld>
     <p:spTree>
@@ -23286,6 +28156,42 @@
           <a:chExt cx="0" cy="0"/>
         </a:xfrm>
       </p:grpSpPr>
+      <p:pic>
+        <p:nvPicPr>
+          <p:cNvPr id="3" name="Graphic 2" descr="Server with solid fill">
+            <a:extLst>
+              <a:ext uri="{FF2B5EF4-FFF2-40B4-BE49-F238E27FC236}">
+                <a16:creationId xmlns:a16="http://schemas.microsoft.com/office/drawing/2014/main" id="{B02E3D0F-9886-C795-3535-087F2350D220}"/>
+              </a:ext>
+            </a:extLst>
+          </p:cNvPr>
+          <p:cNvPicPr>
+            <a:picLocks noChangeAspect="1"/>
+          </p:cNvPicPr>
+          <p:nvPr/>
+        </p:nvPicPr>
+        <p:blipFill>
+          <a:blip r:embed="rId3">
+            <a:extLst>
+              <a:ext uri="{96DAC541-7B7A-43D3-8B79-37D633B846F1}">
+                <asvg:svgBlip xmlns:asvg="http://schemas.microsoft.com/office/drawing/2016/SVG/main" r:embed="rId4"/>
+              </a:ext>
+            </a:extLst>
+          </a:blip>
+          <a:stretch>
+            <a:fillRect/>
+          </a:stretch>
+        </p:blipFill>
+        <p:spPr>
+          <a:xfrm>
+            <a:off x="1992785" y="1920002"/>
+            <a:ext cx="1624109" cy="1624109"/>
+          </a:xfrm>
+          <a:prstGeom prst="rect">
+            <a:avLst/>
+          </a:prstGeom>
+        </p:spPr>
+      </p:pic>
       <p:sp>
         <p:nvSpPr>
           <p:cNvPr id="491" name="Google Shape;491;p40">
@@ -23304,7 +28210,7 @@
         </p:nvSpPr>
         <p:spPr>
           <a:xfrm>
-            <a:off x="5017175" y="2163425"/>
+            <a:off x="4926384" y="3657833"/>
             <a:ext cx="2695800" cy="472200"/>
           </a:xfrm>
           <a:prstGeom prst="rect">
@@ -23327,7 +28233,7 @@
               <a:buNone/>
             </a:pPr>
             <a:r>
-              <a:rPr lang="en" dirty="0" err="1"/>
+              <a:rPr lang="en" sz="2800" dirty="0" err="1"/>
               <a:t>WebAssembly</a:t>
             </a:r>
             <a:endParaRPr dirty="0"/>
@@ -23388,102 +28294,6 @@
       </p:sp>
       <p:sp>
         <p:nvSpPr>
-          <p:cNvPr id="493" name="Google Shape;493;p40">
-            <a:extLst>
-              <a:ext uri="{FF2B5EF4-FFF2-40B4-BE49-F238E27FC236}">
-                <a16:creationId xmlns:a16="http://schemas.microsoft.com/office/drawing/2014/main" id="{7F9E22A8-4A32-7DE1-647B-F59A152178F5}"/>
-              </a:ext>
-            </a:extLst>
-          </p:cNvPr>
-          <p:cNvSpPr txBox="1">
-            <a:spLocks noGrp="1"/>
-          </p:cNvSpPr>
-          <p:nvPr>
-            <p:ph type="subTitle" idx="1"/>
-          </p:nvPr>
-        </p:nvSpPr>
-        <p:spPr>
-          <a:xfrm>
-            <a:off x="5017188" y="2650350"/>
-            <a:ext cx="2695800" cy="1755600"/>
-          </a:xfrm>
-          <a:prstGeom prst="rect">
-            <a:avLst/>
-          </a:prstGeom>
-        </p:spPr>
-        <p:txBody>
-          <a:bodyPr spcFirstLastPara="1" wrap="square" lIns="91425" tIns="91425" rIns="91425" bIns="91425" anchor="t" anchorCtr="0">
-            <a:noAutofit/>
-          </a:bodyPr>
-          <a:lstStyle/>
-          <a:p>
-            <a:pPr marL="0" lvl="0" indent="0" algn="ctr" rtl="0">
-              <a:spcBef>
-                <a:spcPts val="0"/>
-              </a:spcBef>
-              <a:spcAft>
-                <a:spcPts val="0"/>
-              </a:spcAft>
-              <a:buNone/>
-            </a:pPr>
-            <a:r>
-              <a:rPr lang="en"/>
-              <a:t>“In this showcase of past projects, delve into another example that underscores my versatility and commitment to excellence. From concept to completion, witness how I navigated complexities and contributed to the success of this [industry/field] initiative”</a:t>
-            </a:r>
-            <a:endParaRPr/>
-          </a:p>
-        </p:txBody>
-      </p:sp>
-      <p:sp>
-        <p:nvSpPr>
-          <p:cNvPr id="494" name="Google Shape;494;p40">
-            <a:extLst>
-              <a:ext uri="{FF2B5EF4-FFF2-40B4-BE49-F238E27FC236}">
-                <a16:creationId xmlns:a16="http://schemas.microsoft.com/office/drawing/2014/main" id="{D65590A5-2451-42B8-89AD-378AB5EEC0EA}"/>
-              </a:ext>
-            </a:extLst>
-          </p:cNvPr>
-          <p:cNvSpPr txBox="1">
-            <a:spLocks noGrp="1"/>
-          </p:cNvSpPr>
-          <p:nvPr>
-            <p:ph type="subTitle" idx="2"/>
-          </p:nvPr>
-        </p:nvSpPr>
-        <p:spPr>
-          <a:xfrm>
-            <a:off x="1431012" y="2650356"/>
-            <a:ext cx="2695800" cy="1755600"/>
-          </a:xfrm>
-          <a:prstGeom prst="rect">
-            <a:avLst/>
-          </a:prstGeom>
-        </p:spPr>
-        <p:txBody>
-          <a:bodyPr spcFirstLastPara="1" wrap="square" lIns="91425" tIns="91425" rIns="91425" bIns="91425" anchor="t" anchorCtr="0">
-            <a:noAutofit/>
-          </a:bodyPr>
-          <a:lstStyle/>
-          <a:p>
-            <a:pPr marL="0" lvl="0" indent="0" algn="ctr" rtl="0">
-              <a:spcBef>
-                <a:spcPts val="0"/>
-              </a:spcBef>
-              <a:spcAft>
-                <a:spcPts val="0"/>
-              </a:spcAft>
-              <a:buNone/>
-            </a:pPr>
-            <a:r>
-              <a:rPr lang="en"/>
-              <a:t>“Explore the details of one of my previous projects, a testament to my ability to meet challenges head-on and deliver results. This undertaking reflects my approach to [industry/field] and highlights the diverse skills applied to ensure successful outcomes”</a:t>
-            </a:r>
-            <a:endParaRPr/>
-          </a:p>
-        </p:txBody>
-      </p:sp>
-      <p:sp>
-        <p:nvSpPr>
           <p:cNvPr id="495" name="Google Shape;495;p40">
             <a:extLst>
               <a:ext uri="{FF2B5EF4-FFF2-40B4-BE49-F238E27FC236}">
@@ -23500,7 +28310,7 @@
         </p:nvSpPr>
         <p:spPr>
           <a:xfrm>
-            <a:off x="1431000" y="2163425"/>
+            <a:off x="1456939" y="3657833"/>
             <a:ext cx="2695800" cy="472200"/>
           </a:xfrm>
           <a:prstGeom prst="rect">
@@ -23523,529 +28333,49 @@
               <a:buNone/>
             </a:pPr>
             <a:r>
-              <a:rPr lang="en" dirty="0"/>
+              <a:rPr lang="en" sz="2800" dirty="0"/>
               <a:t>Server</a:t>
             </a:r>
-            <a:endParaRPr dirty="0"/>
+            <a:endParaRPr sz="2800" dirty="0"/>
           </a:p>
         </p:txBody>
       </p:sp>
-      <p:sp>
-        <p:nvSpPr>
-          <p:cNvPr id="496" name="Google Shape;496;p40">
+      <p:pic>
+        <p:nvPicPr>
+          <p:cNvPr id="9" name="Graphic 8" descr="Blog with solid fill">
             <a:extLst>
               <a:ext uri="{FF2B5EF4-FFF2-40B4-BE49-F238E27FC236}">
-                <a16:creationId xmlns:a16="http://schemas.microsoft.com/office/drawing/2014/main" id="{B373328A-E51B-9AEA-C27F-549D457EF5A2}"/>
+                <a16:creationId xmlns:a16="http://schemas.microsoft.com/office/drawing/2014/main" id="{4BC907C6-349E-2537-C0F1-30B56EE32C42}"/>
               </a:ext>
             </a:extLst>
           </p:cNvPr>
-          <p:cNvSpPr/>
+          <p:cNvPicPr>
+            <a:picLocks noChangeAspect="1"/>
+          </p:cNvPicPr>
           <p:nvPr/>
-        </p:nvSpPr>
+        </p:nvPicPr>
+        <p:blipFill>
+          <a:blip r:embed="rId5">
+            <a:extLst>
+              <a:ext uri="{96DAC541-7B7A-43D3-8B79-37D633B846F1}">
+                <asvg:svgBlip xmlns:asvg="http://schemas.microsoft.com/office/drawing/2016/SVG/main" r:embed="rId6"/>
+              </a:ext>
+            </a:extLst>
+          </a:blip>
+          <a:stretch>
+            <a:fillRect/>
+          </a:stretch>
+        </p:blipFill>
         <p:spPr>
           <a:xfrm>
-            <a:off x="2587811" y="1696488"/>
-            <a:ext cx="382176" cy="382176"/>
+            <a:off x="5275576" y="1719337"/>
+            <a:ext cx="1938496" cy="1938496"/>
           </a:xfrm>
-          <a:custGeom>
+          <a:prstGeom prst="rect">
             <a:avLst/>
-            <a:gdLst/>
-            <a:ahLst/>
-            <a:cxnLst/>
-            <a:rect l="l" t="t" r="r" b="b"/>
-            <a:pathLst>
-              <a:path w="1618" h="1618" extrusionOk="0">
-                <a:moveTo>
-                  <a:pt x="809" y="1491"/>
-                </a:moveTo>
-                <a:cubicBezTo>
-                  <a:pt x="638" y="1491"/>
-                  <a:pt x="499" y="1352"/>
-                  <a:pt x="499" y="1182"/>
-                </a:cubicBezTo>
-                <a:lnTo>
-                  <a:pt x="499" y="684"/>
-                </a:lnTo>
-                <a:lnTo>
-                  <a:pt x="499" y="684"/>
-                </a:lnTo>
-                <a:lnTo>
-                  <a:pt x="499" y="684"/>
-                </a:lnTo>
-                <a:cubicBezTo>
-                  <a:pt x="499" y="513"/>
-                  <a:pt x="638" y="375"/>
-                  <a:pt x="809" y="375"/>
-                </a:cubicBezTo>
-                <a:cubicBezTo>
-                  <a:pt x="980" y="375"/>
-                  <a:pt x="1118" y="513"/>
-                  <a:pt x="1119" y="684"/>
-                </a:cubicBezTo>
-                <a:lnTo>
-                  <a:pt x="1119" y="684"/>
-                </a:lnTo>
-                <a:lnTo>
-                  <a:pt x="1119" y="684"/>
-                </a:lnTo>
-                <a:lnTo>
-                  <a:pt x="1119" y="1182"/>
-                </a:lnTo>
-                <a:lnTo>
-                  <a:pt x="1119" y="1182"/>
-                </a:lnTo>
-                <a:lnTo>
-                  <a:pt x="1119" y="1182"/>
-                </a:lnTo>
-                <a:cubicBezTo>
-                  <a:pt x="1118" y="1353"/>
-                  <a:pt x="980" y="1491"/>
-                  <a:pt x="809" y="1491"/>
-                </a:cubicBezTo>
-                <a:moveTo>
-                  <a:pt x="1590" y="1005"/>
-                </a:moveTo>
-                <a:lnTo>
-                  <a:pt x="1403" y="880"/>
-                </a:lnTo>
-                <a:cubicBezTo>
-                  <a:pt x="1393" y="873"/>
-                  <a:pt x="1381" y="870"/>
-                  <a:pt x="1368" y="870"/>
-                </a:cubicBezTo>
-                <a:lnTo>
-                  <a:pt x="1245" y="870"/>
-                </a:lnTo>
-                <a:lnTo>
-                  <a:pt x="1245" y="718"/>
-                </a:lnTo>
-                <a:lnTo>
-                  <a:pt x="1403" y="613"/>
-                </a:lnTo>
-                <a:cubicBezTo>
-                  <a:pt x="1421" y="601"/>
-                  <a:pt x="1432" y="581"/>
-                  <a:pt x="1432" y="560"/>
-                </a:cubicBezTo>
-                <a:lnTo>
-                  <a:pt x="1432" y="311"/>
-                </a:lnTo>
-                <a:cubicBezTo>
-                  <a:pt x="1432" y="276"/>
-                  <a:pt x="1403" y="248"/>
-                  <a:pt x="1368" y="248"/>
-                </a:cubicBezTo>
-                <a:cubicBezTo>
-                  <a:pt x="1333" y="248"/>
-                  <a:pt x="1305" y="276"/>
-                  <a:pt x="1305" y="311"/>
-                </a:cubicBezTo>
-                <a:lnTo>
-                  <a:pt x="1305" y="526"/>
-                </a:lnTo>
-                <a:lnTo>
-                  <a:pt x="1231" y="575"/>
-                </a:lnTo>
-                <a:cubicBezTo>
-                  <a:pt x="1201" y="457"/>
-                  <a:pt x="1122" y="358"/>
-                  <a:pt x="1017" y="301"/>
-                </a:cubicBezTo>
-                <a:lnTo>
-                  <a:pt x="1115" y="89"/>
-                </a:lnTo>
-                <a:cubicBezTo>
-                  <a:pt x="1130" y="57"/>
-                  <a:pt x="1116" y="20"/>
-                  <a:pt x="1084" y="5"/>
-                </a:cubicBezTo>
-                <a:cubicBezTo>
-                  <a:pt x="1052" y="-8"/>
-                  <a:pt x="1015" y="5"/>
-                  <a:pt x="1000" y="36"/>
-                </a:cubicBezTo>
-                <a:lnTo>
-                  <a:pt x="898" y="257"/>
-                </a:lnTo>
-                <a:cubicBezTo>
-                  <a:pt x="839" y="245"/>
-                  <a:pt x="778" y="245"/>
-                  <a:pt x="720" y="257"/>
-                </a:cubicBezTo>
-                <a:lnTo>
-                  <a:pt x="618" y="36"/>
-                </a:lnTo>
-                <a:cubicBezTo>
-                  <a:pt x="603" y="5"/>
-                  <a:pt x="566" y="-8"/>
-                  <a:pt x="534" y="5"/>
-                </a:cubicBezTo>
-                <a:cubicBezTo>
-                  <a:pt x="502" y="20"/>
-                  <a:pt x="488" y="57"/>
-                  <a:pt x="503" y="89"/>
-                </a:cubicBezTo>
-                <a:lnTo>
-                  <a:pt x="601" y="301"/>
-                </a:lnTo>
-                <a:cubicBezTo>
-                  <a:pt x="496" y="358"/>
-                  <a:pt x="417" y="457"/>
-                  <a:pt x="387" y="575"/>
-                </a:cubicBezTo>
-                <a:lnTo>
-                  <a:pt x="313" y="526"/>
-                </a:lnTo>
-                <a:lnTo>
-                  <a:pt x="313" y="315"/>
-                </a:lnTo>
-                <a:cubicBezTo>
-                  <a:pt x="313" y="280"/>
-                  <a:pt x="284" y="252"/>
-                  <a:pt x="249" y="252"/>
-                </a:cubicBezTo>
-                <a:cubicBezTo>
-                  <a:pt x="215" y="252"/>
-                  <a:pt x="186" y="280"/>
-                  <a:pt x="186" y="315"/>
-                </a:cubicBezTo>
-                <a:lnTo>
-                  <a:pt x="186" y="560"/>
-                </a:lnTo>
-                <a:cubicBezTo>
-                  <a:pt x="186" y="581"/>
-                  <a:pt x="197" y="601"/>
-                  <a:pt x="214" y="613"/>
-                </a:cubicBezTo>
-                <a:lnTo>
-                  <a:pt x="373" y="718"/>
-                </a:lnTo>
-                <a:lnTo>
-                  <a:pt x="373" y="870"/>
-                </a:lnTo>
-                <a:cubicBezTo>
-                  <a:pt x="257" y="873"/>
-                  <a:pt x="241" y="863"/>
-                  <a:pt x="214" y="880"/>
-                </a:cubicBezTo>
-                <a:lnTo>
-                  <a:pt x="28" y="1005"/>
-                </a:lnTo>
-                <a:cubicBezTo>
-                  <a:pt x="-1" y="1024"/>
-                  <a:pt x="-9" y="1063"/>
-                  <a:pt x="10" y="1092"/>
-                </a:cubicBezTo>
-                <a:cubicBezTo>
-                  <a:pt x="30" y="1121"/>
-                  <a:pt x="69" y="1129"/>
-                  <a:pt x="98" y="1110"/>
-                </a:cubicBezTo>
-                <a:lnTo>
-                  <a:pt x="269" y="996"/>
-                </a:lnTo>
-                <a:lnTo>
-                  <a:pt x="373" y="996"/>
-                </a:lnTo>
-                <a:lnTo>
-                  <a:pt x="373" y="1147"/>
-                </a:lnTo>
-                <a:lnTo>
-                  <a:pt x="215" y="1249"/>
-                </a:lnTo>
-                <a:cubicBezTo>
-                  <a:pt x="197" y="1261"/>
-                  <a:pt x="186" y="1281"/>
-                  <a:pt x="186" y="1302"/>
-                </a:cubicBezTo>
-                <a:lnTo>
-                  <a:pt x="186" y="1555"/>
-                </a:lnTo>
-                <a:cubicBezTo>
-                  <a:pt x="186" y="1589"/>
-                  <a:pt x="215" y="1618"/>
-                  <a:pt x="249" y="1618"/>
-                </a:cubicBezTo>
-                <a:cubicBezTo>
-                  <a:pt x="284" y="1618"/>
-                  <a:pt x="313" y="1589"/>
-                  <a:pt x="313" y="1555"/>
-                </a:cubicBezTo>
-                <a:lnTo>
-                  <a:pt x="313" y="1336"/>
-                </a:lnTo>
-                <a:lnTo>
-                  <a:pt x="386" y="1289"/>
-                </a:lnTo>
-                <a:cubicBezTo>
-                  <a:pt x="434" y="1478"/>
-                  <a:pt x="605" y="1618"/>
-                  <a:pt x="809" y="1618"/>
-                </a:cubicBezTo>
-                <a:cubicBezTo>
-                  <a:pt x="1012" y="1618"/>
-                  <a:pt x="1183" y="1478"/>
-                  <a:pt x="1231" y="1291"/>
-                </a:cubicBezTo>
-                <a:lnTo>
-                  <a:pt x="1305" y="1340"/>
-                </a:lnTo>
-                <a:lnTo>
-                  <a:pt x="1305" y="1555"/>
-                </a:lnTo>
-                <a:cubicBezTo>
-                  <a:pt x="1305" y="1589"/>
-                  <a:pt x="1333" y="1618"/>
-                  <a:pt x="1368" y="1618"/>
-                </a:cubicBezTo>
-                <a:cubicBezTo>
-                  <a:pt x="1403" y="1618"/>
-                  <a:pt x="1432" y="1589"/>
-                  <a:pt x="1432" y="1555"/>
-                </a:cubicBezTo>
-                <a:lnTo>
-                  <a:pt x="1432" y="1306"/>
-                </a:lnTo>
-                <a:cubicBezTo>
-                  <a:pt x="1432" y="1285"/>
-                  <a:pt x="1421" y="1265"/>
-                  <a:pt x="1403" y="1253"/>
-                </a:cubicBezTo>
-                <a:lnTo>
-                  <a:pt x="1245" y="1148"/>
-                </a:lnTo>
-                <a:lnTo>
-                  <a:pt x="1245" y="996"/>
-                </a:lnTo>
-                <a:lnTo>
-                  <a:pt x="1349" y="996"/>
-                </a:lnTo>
-                <a:lnTo>
-                  <a:pt x="1520" y="1110"/>
-                </a:lnTo>
-                <a:cubicBezTo>
-                  <a:pt x="1549" y="1129"/>
-                  <a:pt x="1588" y="1121"/>
-                  <a:pt x="1607" y="1092"/>
-                </a:cubicBezTo>
-                <a:cubicBezTo>
-                  <a:pt x="1627" y="1063"/>
-                  <a:pt x="1619" y="1024"/>
-                  <a:pt x="1590" y="1005"/>
-                </a:cubicBezTo>
-                <a:close/>
-              </a:path>
-            </a:pathLst>
-          </a:custGeom>
-          <a:solidFill>
-            <a:schemeClr val="dk1"/>
-          </a:solidFill>
-          <a:ln>
-            <a:noFill/>
-          </a:ln>
+          </a:prstGeom>
         </p:spPr>
-        <p:txBody>
-          <a:bodyPr spcFirstLastPara="1" wrap="square" lIns="90000" tIns="45000" rIns="90000" bIns="45000" anchor="ctr" anchorCtr="1">
-            <a:noAutofit/>
-          </a:bodyPr>
-          <a:lstStyle/>
-          <a:p>
-            <a:pPr marL="0" marR="0" lvl="0" indent="0" algn="l" rtl="0">
-              <a:spcBef>
-                <a:spcPts val="0"/>
-              </a:spcBef>
-              <a:spcAft>
-                <a:spcPts val="0"/>
-              </a:spcAft>
-              <a:buNone/>
-            </a:pPr>
-            <a:endParaRPr sz="1800" b="0" strike="noStrike">
-              <a:solidFill>
-                <a:srgbClr val="FFFFFF"/>
-              </a:solidFill>
-              <a:latin typeface="Arial"/>
-              <a:ea typeface="Arial"/>
-              <a:cs typeface="Arial"/>
-              <a:sym typeface="Arial"/>
-            </a:endParaRPr>
-          </a:p>
-        </p:txBody>
-      </p:sp>
-      <p:sp>
-        <p:nvSpPr>
-          <p:cNvPr id="497" name="Google Shape;497;p40">
-            <a:extLst>
-              <a:ext uri="{FF2B5EF4-FFF2-40B4-BE49-F238E27FC236}">
-                <a16:creationId xmlns:a16="http://schemas.microsoft.com/office/drawing/2014/main" id="{B15265D5-CC67-94D6-1243-3E1A8E25BF36}"/>
-              </a:ext>
-            </a:extLst>
-          </p:cNvPr>
-          <p:cNvSpPr/>
-          <p:nvPr/>
-        </p:nvSpPr>
-        <p:spPr>
-          <a:xfrm>
-            <a:off x="6174935" y="1696961"/>
-            <a:ext cx="380286" cy="381231"/>
-          </a:xfrm>
-          <a:custGeom>
-            <a:avLst/>
-            <a:gdLst/>
-            <a:ahLst/>
-            <a:cxnLst/>
-            <a:rect l="l" t="t" r="r" b="b"/>
-            <a:pathLst>
-              <a:path w="1610" h="1614" extrusionOk="0">
-                <a:moveTo>
-                  <a:pt x="868" y="1181"/>
-                </a:moveTo>
-                <a:lnTo>
-                  <a:pt x="868" y="1305"/>
-                </a:lnTo>
-                <a:cubicBezTo>
-                  <a:pt x="868" y="1340"/>
-                  <a:pt x="840" y="1368"/>
-                  <a:pt x="805" y="1368"/>
-                </a:cubicBezTo>
-                <a:cubicBezTo>
-                  <a:pt x="770" y="1368"/>
-                  <a:pt x="742" y="1340"/>
-                  <a:pt x="742" y="1305"/>
-                </a:cubicBezTo>
-                <a:lnTo>
-                  <a:pt x="742" y="1181"/>
-                </a:lnTo>
-                <a:cubicBezTo>
-                  <a:pt x="742" y="1146"/>
-                  <a:pt x="770" y="1118"/>
-                  <a:pt x="805" y="1118"/>
-                </a:cubicBezTo>
-                <a:cubicBezTo>
-                  <a:pt x="840" y="1118"/>
-                  <a:pt x="868" y="1146"/>
-                  <a:pt x="868" y="1181"/>
-                </a:cubicBezTo>
-                <a:moveTo>
-                  <a:pt x="868" y="435"/>
-                </a:moveTo>
-                <a:lnTo>
-                  <a:pt x="868" y="932"/>
-                </a:lnTo>
-                <a:cubicBezTo>
-                  <a:pt x="868" y="967"/>
-                  <a:pt x="840" y="995"/>
-                  <a:pt x="805" y="995"/>
-                </a:cubicBezTo>
-                <a:cubicBezTo>
-                  <a:pt x="770" y="995"/>
-                  <a:pt x="742" y="967"/>
-                  <a:pt x="742" y="932"/>
-                </a:cubicBezTo>
-                <a:lnTo>
-                  <a:pt x="742" y="435"/>
-                </a:lnTo>
-                <a:cubicBezTo>
-                  <a:pt x="742" y="400"/>
-                  <a:pt x="770" y="372"/>
-                  <a:pt x="805" y="372"/>
-                </a:cubicBezTo>
-                <a:cubicBezTo>
-                  <a:pt x="840" y="372"/>
-                  <a:pt x="868" y="400"/>
-                  <a:pt x="868" y="435"/>
-                </a:cubicBezTo>
-                <a:moveTo>
-                  <a:pt x="1248" y="1488"/>
-                </a:moveTo>
-                <a:lnTo>
-                  <a:pt x="362" y="1488"/>
-                </a:lnTo>
-                <a:cubicBezTo>
-                  <a:pt x="183" y="1488"/>
-                  <a:pt x="70" y="1294"/>
-                  <a:pt x="157" y="1139"/>
-                </a:cubicBezTo>
-                <a:lnTo>
-                  <a:pt x="676" y="202"/>
-                </a:lnTo>
-                <a:cubicBezTo>
-                  <a:pt x="732" y="100"/>
-                  <a:pt x="878" y="100"/>
-                  <a:pt x="934" y="202"/>
-                </a:cubicBezTo>
-                <a:lnTo>
-                  <a:pt x="1454" y="1139"/>
-                </a:lnTo>
-                <a:cubicBezTo>
-                  <a:pt x="1540" y="1294"/>
-                  <a:pt x="1428" y="1488"/>
-                  <a:pt x="1248" y="1488"/>
-                </a:cubicBezTo>
-                <a:moveTo>
-                  <a:pt x="1564" y="1078"/>
-                </a:moveTo>
-                <a:lnTo>
-                  <a:pt x="1045" y="140"/>
-                </a:lnTo>
-                <a:cubicBezTo>
-                  <a:pt x="941" y="-47"/>
-                  <a:pt x="670" y="-47"/>
-                  <a:pt x="565" y="140"/>
-                </a:cubicBezTo>
-                <a:lnTo>
-                  <a:pt x="46" y="1078"/>
-                </a:lnTo>
-                <a:cubicBezTo>
-                  <a:pt x="-87" y="1317"/>
-                  <a:pt x="86" y="1614"/>
-                  <a:pt x="362" y="1614"/>
-                </a:cubicBezTo>
-                <a:lnTo>
-                  <a:pt x="1248" y="1614"/>
-                </a:lnTo>
-                <a:cubicBezTo>
-                  <a:pt x="1526" y="1614"/>
-                  <a:pt x="1696" y="1316"/>
-                  <a:pt x="1564" y="1078"/>
-                </a:cubicBezTo>
-                <a:close/>
-              </a:path>
-            </a:pathLst>
-          </a:custGeom>
-          <a:solidFill>
-            <a:schemeClr val="dk1"/>
-          </a:solidFill>
-          <a:ln>
-            <a:noFill/>
-          </a:ln>
-        </p:spPr>
-        <p:txBody>
-          <a:bodyPr spcFirstLastPara="1" wrap="square" lIns="90000" tIns="45000" rIns="90000" bIns="45000" anchor="ctr" anchorCtr="1">
-            <a:noAutofit/>
-          </a:bodyPr>
-          <a:lstStyle/>
-          <a:p>
-            <a:pPr marL="0" marR="0" lvl="0" indent="0" algn="l" rtl="0">
-              <a:spcBef>
-                <a:spcPts val="0"/>
-              </a:spcBef>
-              <a:spcAft>
-                <a:spcPts val="0"/>
-              </a:spcAft>
-              <a:buNone/>
-            </a:pPr>
-            <a:endParaRPr sz="1800" b="0" strike="noStrike">
-              <a:solidFill>
-                <a:srgbClr val="FFFFFF"/>
-              </a:solidFill>
-              <a:latin typeface="Arial"/>
-              <a:ea typeface="Arial"/>
-              <a:cs typeface="Arial"/>
-              <a:sym typeface="Arial"/>
-            </a:endParaRPr>
-          </a:p>
-        </p:txBody>
-      </p:sp>
+      </p:pic>
     </p:spTree>
     <p:extLst>
       <p:ext uri="{BB962C8B-B14F-4D97-AF65-F5344CB8AC3E}">
@@ -24059,7 +28389,7 @@
 </p:sld>
 </file>
 
-<file path=ppt/slides/slide5.xml><?xml version="1.0" encoding="utf-8"?>
+<file path=ppt/slides/slide6.xml><?xml version="1.0" encoding="utf-8"?>
 <p:sld xmlns:a="http://schemas.openxmlformats.org/drawingml/2006/main" xmlns:r="http://schemas.openxmlformats.org/officeDocument/2006/relationships" xmlns:p="http://schemas.openxmlformats.org/presentationml/2006/main">
   <p:cSld>
     <p:spTree>
@@ -24222,7 +28552,7 @@
 </p:sld>
 </file>
 
-<file path=ppt/slides/slide6.xml><?xml version="1.0" encoding="utf-8"?>
+<file path=ppt/slides/slide7.xml><?xml version="1.0" encoding="utf-8"?>
 <p:sld xmlns:a="http://schemas.openxmlformats.org/drawingml/2006/main" xmlns:r="http://schemas.openxmlformats.org/officeDocument/2006/relationships" xmlns:p="http://schemas.openxmlformats.org/presentationml/2006/main">
   <p:cSld>
     <p:spTree>
@@ -24390,7 +28720,100 @@
 </p:sld>
 </file>
 
-<file path=ppt/slides/slide7.xml><?xml version="1.0" encoding="utf-8"?>
+<file path=ppt/slides/slide8.xml><?xml version="1.0" encoding="utf-8"?>
+<p:sld xmlns:a="http://schemas.openxmlformats.org/drawingml/2006/main" xmlns:r="http://schemas.openxmlformats.org/officeDocument/2006/relationships" xmlns:p="http://schemas.openxmlformats.org/presentationml/2006/main">
+  <p:cSld>
+    <p:spTree>
+      <p:nvGrpSpPr>
+        <p:cNvPr id="1" name=""/>
+        <p:cNvGrpSpPr/>
+        <p:nvPr/>
+      </p:nvGrpSpPr>
+      <p:grpSpPr>
+        <a:xfrm>
+          <a:off x="0" y="0"/>
+          <a:ext cx="0" cy="0"/>
+          <a:chOff x="0" y="0"/>
+          <a:chExt cx="0" cy="0"/>
+        </a:xfrm>
+      </p:grpSpPr>
+      <p:sp>
+        <p:nvSpPr>
+          <p:cNvPr id="8" name="Title 7">
+            <a:extLst>
+              <a:ext uri="{FF2B5EF4-FFF2-40B4-BE49-F238E27FC236}">
+                <a16:creationId xmlns:a16="http://schemas.microsoft.com/office/drawing/2014/main" id="{7A9AC4D0-FAAB-7138-3982-E93412A397BE}"/>
+              </a:ext>
+            </a:extLst>
+          </p:cNvPr>
+          <p:cNvSpPr>
+            <a:spLocks noGrp="1"/>
+          </p:cNvSpPr>
+          <p:nvPr>
+            <p:ph type="title"/>
+          </p:nvPr>
+        </p:nvSpPr>
+        <p:spPr>
+          <a:xfrm>
+            <a:off x="713225" y="445025"/>
+            <a:ext cx="7717500" cy="572700"/>
+          </a:xfrm>
+        </p:spPr>
+        <p:txBody>
+          <a:bodyPr wrap="square" anchor="ctr">
+            <a:noAutofit/>
+          </a:bodyPr>
+          <a:lstStyle/>
+          <a:p>
+            <a:r>
+              <a:rPr lang="en-US" sz="3200" dirty="0"/>
+              <a:t>Disadvantages of Blazor</a:t>
+            </a:r>
+          </a:p>
+        </p:txBody>
+      </p:sp>
+      <p:graphicFrame>
+        <p:nvGraphicFramePr>
+          <p:cNvPr id="11" name="Text Placeholder 8">
+            <a:extLst>
+              <a:ext uri="{FF2B5EF4-FFF2-40B4-BE49-F238E27FC236}">
+                <a16:creationId xmlns:a16="http://schemas.microsoft.com/office/drawing/2014/main" id="{98E88889-C107-0001-7AA4-CB7E5D4C6878}"/>
+              </a:ext>
+            </a:extLst>
+          </p:cNvPr>
+          <p:cNvGraphicFramePr/>
+          <p:nvPr>
+            <p:extLst>
+              <p:ext uri="{D42A27DB-BD31-4B8C-83A1-F6EECF244321}">
+                <p14:modId xmlns:p14="http://schemas.microsoft.com/office/powerpoint/2010/main" val="4226678410"/>
+              </p:ext>
+            </p:extLst>
+          </p:nvPr>
+        </p:nvGraphicFramePr>
+        <p:xfrm>
+          <a:off x="713225" y="1208225"/>
+          <a:ext cx="7717500" cy="3264408"/>
+        </p:xfrm>
+        <a:graphic>
+          <a:graphicData uri="http://schemas.openxmlformats.org/drawingml/2006/diagram">
+            <dgm:relIds xmlns:dgm="http://schemas.openxmlformats.org/drawingml/2006/diagram" xmlns:r="http://schemas.openxmlformats.org/officeDocument/2006/relationships" r:dm="rId2" r:lo="rId3" r:qs="rId4" r:cs="rId5"/>
+          </a:graphicData>
+        </a:graphic>
+      </p:graphicFrame>
+    </p:spTree>
+    <p:extLst>
+      <p:ext uri="{BB962C8B-B14F-4D97-AF65-F5344CB8AC3E}">
+        <p14:creationId xmlns:p14="http://schemas.microsoft.com/office/powerpoint/2010/main" val="131959100"/>
+      </p:ext>
+    </p:extLst>
+  </p:cSld>
+  <p:clrMapOvr>
+    <a:masterClrMapping/>
+  </p:clrMapOvr>
+</p:sld>
+</file>
+
+<file path=ppt/slides/slide9.xml><?xml version="1.0" encoding="utf-8"?>
 <p:sld xmlns:a="http://schemas.openxmlformats.org/drawingml/2006/main" xmlns:r="http://schemas.openxmlformats.org/officeDocument/2006/relationships" xmlns:p="http://schemas.openxmlformats.org/presentationml/2006/main">
   <p:cSld>
     <p:spTree>
@@ -24428,47 +28851,52 @@
           <a:bodyPr/>
           <a:lstStyle/>
           <a:p>
-            <a:r>
-              <a:rPr lang="en-US" sz="1600" dirty="0"/>
+            <a:pPr marL="152400" indent="0">
+              <a:buNone/>
+            </a:pPr>
+            <a:r>
+              <a:rPr lang="en-US" sz="2000" b="1" dirty="0">
+                <a:latin typeface="Consolas" panose="020B0609020204030204" pitchFamily="49" charset="0"/>
+              </a:rPr>
               <a:t>Server Web App</a:t>
             </a:r>
           </a:p>
           <a:p>
-            <a:endParaRPr lang="en-US" sz="1600" dirty="0"/>
+            <a:endParaRPr lang="en-US" sz="2000" dirty="0"/>
           </a:p>
           <a:p>
             <a:pPr marL="152400" indent="0">
               <a:buNone/>
             </a:pPr>
             <a:r>
-              <a:rPr lang="en-US" sz="1600" dirty="0">
+              <a:rPr lang="en-US" sz="2000" dirty="0">
                 <a:latin typeface="Consolas" panose="020B0609020204030204" pitchFamily="49" charset="0"/>
                 <a:cs typeface="Consolas" panose="020B0609020204030204" pitchFamily="49" charset="0"/>
               </a:rPr>
               <a:t>dotnet new </a:t>
             </a:r>
             <a:r>
-              <a:rPr lang="en-US" sz="1600" dirty="0" err="1">
+              <a:rPr lang="en-US" sz="2000" dirty="0" err="1">
                 <a:latin typeface="Consolas" panose="020B0609020204030204" pitchFamily="49" charset="0"/>
                 <a:cs typeface="Consolas" panose="020B0609020204030204" pitchFamily="49" charset="0"/>
               </a:rPr>
               <a:t>blazor</a:t>
             </a:r>
             <a:r>
-              <a:rPr lang="en-US" sz="1600" dirty="0">
+              <a:rPr lang="en-US" sz="2000" dirty="0">
                 <a:latin typeface="Consolas" panose="020B0609020204030204" pitchFamily="49" charset="0"/>
                 <a:cs typeface="Consolas" panose="020B0609020204030204" pitchFamily="49" charset="0"/>
               </a:rPr>
               <a:t> -o </a:t>
             </a:r>
             <a:r>
-              <a:rPr lang="en-US" sz="1600" dirty="0" err="1">
+              <a:rPr lang="en-US" sz="2000" dirty="0" err="1">
                 <a:latin typeface="Consolas" panose="020B0609020204030204" pitchFamily="49" charset="0"/>
                 <a:cs typeface="Consolas" panose="020B0609020204030204" pitchFamily="49" charset="0"/>
               </a:rPr>
               <a:t>BlazorApp</a:t>
             </a:r>
-            <a:endParaRPr lang="en-US" sz="1600" dirty="0">
+            <a:endParaRPr lang="en-US" sz="2000" dirty="0">
               <a:latin typeface="Consolas" panose="020B0609020204030204" pitchFamily="49" charset="0"/>
               <a:cs typeface="Consolas" panose="020B0609020204030204" pitchFamily="49" charset="0"/>
             </a:endParaRPr>
@@ -24477,54 +28905,61 @@
             <a:pPr marL="152400" indent="0">
               <a:buNone/>
             </a:pPr>
-            <a:endParaRPr lang="en-US" sz="1600" dirty="0"/>
-          </a:p>
-          <a:p>
-            <a:r>
-              <a:rPr lang="en-US" sz="1600" dirty="0" err="1"/>
-              <a:t>WebAssembly</a:t>
-            </a:r>
-            <a:r>
-              <a:rPr lang="en-US" sz="1600" dirty="0"/>
-              <a:t> Web App</a:t>
-            </a:r>
-          </a:p>
-          <a:p>
-            <a:endParaRPr lang="en-US" sz="1600" dirty="0"/>
+            <a:endParaRPr lang="en-US" sz="2000" dirty="0"/>
           </a:p>
           <a:p>
             <a:pPr marL="152400" indent="0">
               <a:buNone/>
             </a:pPr>
             <a:r>
-              <a:rPr lang="en-US" sz="1600" dirty="0">
+              <a:rPr lang="en-US" sz="2000" dirty="0" err="1">
+                <a:latin typeface="Aldrich" panose="02000000000000000000" pitchFamily="2" charset="0"/>
+              </a:rPr>
+              <a:t>WebAssembly</a:t>
+            </a:r>
+            <a:r>
+              <a:rPr lang="en-US" sz="2000" dirty="0">
+                <a:latin typeface="Aldrich" panose="02000000000000000000" pitchFamily="2" charset="0"/>
+              </a:rPr>
+              <a:t> Web App</a:t>
+            </a:r>
+          </a:p>
+          <a:p>
+            <a:endParaRPr lang="en-US" sz="2000" dirty="0"/>
+          </a:p>
+          <a:p>
+            <a:pPr marL="152400" indent="0">
+              <a:buNone/>
+            </a:pPr>
+            <a:r>
+              <a:rPr lang="en-US" sz="2000" dirty="0">
                 <a:latin typeface="Consolas" panose="020B0609020204030204" pitchFamily="49" charset="0"/>
                 <a:cs typeface="Consolas" panose="020B0609020204030204" pitchFamily="49" charset="0"/>
               </a:rPr>
               <a:t>dotnet new </a:t>
             </a:r>
             <a:r>
-              <a:rPr lang="en-US" sz="1600" dirty="0" err="1">
+              <a:rPr lang="en-US" sz="2000" dirty="0" err="1">
                 <a:latin typeface="Consolas" panose="020B0609020204030204" pitchFamily="49" charset="0"/>
                 <a:cs typeface="Consolas" panose="020B0609020204030204" pitchFamily="49" charset="0"/>
               </a:rPr>
               <a:t>blazorwasm</a:t>
             </a:r>
             <a:r>
-              <a:rPr lang="en-US" sz="1600" dirty="0">
+              <a:rPr lang="en-US" sz="2000" dirty="0">
                 <a:latin typeface="Consolas" panose="020B0609020204030204" pitchFamily="49" charset="0"/>
                 <a:cs typeface="Consolas" panose="020B0609020204030204" pitchFamily="49" charset="0"/>
               </a:rPr>
               <a:t> -o </a:t>
             </a:r>
             <a:r>
-              <a:rPr lang="en-US" sz="1600" dirty="0" err="1">
+              <a:rPr lang="en-US" sz="2000" dirty="0" err="1">
                 <a:latin typeface="Consolas" panose="020B0609020204030204" pitchFamily="49" charset="0"/>
                 <a:cs typeface="Consolas" panose="020B0609020204030204" pitchFamily="49" charset="0"/>
               </a:rPr>
               <a:t>BlazorApp</a:t>
             </a:r>
-            <a:endParaRPr lang="en-US" sz="1600" dirty="0">
+            <a:endParaRPr lang="en-US" sz="2000" dirty="0">
               <a:latin typeface="Consolas" panose="020B0609020204030204" pitchFamily="49" charset="0"/>
               <a:cs typeface="Consolas" panose="020B0609020204030204" pitchFamily="49" charset="0"/>
             </a:endParaRPr>
@@ -24533,7 +28968,7 @@
             <a:pPr marL="152400" indent="0">
               <a:buNone/>
             </a:pPr>
-            <a:endParaRPr lang="en-US" sz="1600" dirty="0"/>
+            <a:endParaRPr lang="en-US" sz="2000" dirty="0"/>
           </a:p>
         </p:txBody>
       </p:sp>
@@ -24577,441 +29012,6 @@
     <p:extLst>
       <p:ext uri="{BB962C8B-B14F-4D97-AF65-F5344CB8AC3E}">
         <p14:creationId xmlns:p14="http://schemas.microsoft.com/office/powerpoint/2010/main" val="2987279557"/>
-      </p:ext>
-    </p:extLst>
-  </p:cSld>
-  <p:clrMapOvr>
-    <a:masterClrMapping/>
-  </p:clrMapOvr>
-</p:sld>
-</file>
-
-<file path=ppt/slides/slide8.xml><?xml version="1.0" encoding="utf-8"?>
-<p:sld xmlns:a="http://schemas.openxmlformats.org/drawingml/2006/main" xmlns:r="http://schemas.openxmlformats.org/officeDocument/2006/relationships" xmlns:p="http://schemas.openxmlformats.org/presentationml/2006/main">
-  <p:cSld>
-    <p:spTree>
-      <p:nvGrpSpPr>
-        <p:cNvPr id="1" name=""/>
-        <p:cNvGrpSpPr/>
-        <p:nvPr/>
-      </p:nvGrpSpPr>
-      <p:grpSpPr>
-        <a:xfrm>
-          <a:off x="0" y="0"/>
-          <a:ext cx="0" cy="0"/>
-          <a:chOff x="0" y="0"/>
-          <a:chExt cx="0" cy="0"/>
-        </a:xfrm>
-      </p:grpSpPr>
-      <p:sp>
-        <p:nvSpPr>
-          <p:cNvPr id="2" name="Text Placeholder 1">
-            <a:extLst>
-              <a:ext uri="{FF2B5EF4-FFF2-40B4-BE49-F238E27FC236}">
-                <a16:creationId xmlns:a16="http://schemas.microsoft.com/office/drawing/2014/main" id="{A6A9454D-8040-E779-0768-3F9F17BD6C7E}"/>
-              </a:ext>
-            </a:extLst>
-          </p:cNvPr>
-          <p:cNvSpPr>
-            <a:spLocks noGrp="1"/>
-          </p:cNvSpPr>
-          <p:nvPr>
-            <p:ph type="body" idx="1"/>
-          </p:nvPr>
-        </p:nvSpPr>
-        <p:spPr>
-          <a:xfrm>
-            <a:off x="713225" y="1398725"/>
-            <a:ext cx="7651842" cy="2638800"/>
-          </a:xfrm>
-        </p:spPr>
-        <p:txBody>
-          <a:bodyPr/>
-          <a:lstStyle/>
-          <a:p>
-            <a:pPr marL="152400" indent="0">
-              <a:buNone/>
-            </a:pPr>
-            <a:r>
-              <a:rPr lang="en-US" sz="2000" dirty="0">
-                <a:latin typeface="Consolas" panose="020B0609020204030204" pitchFamily="49" charset="0"/>
-                <a:cs typeface="Consolas" panose="020B0609020204030204" pitchFamily="49" charset="0"/>
-              </a:rPr>
-              <a:t>&lt;input @bind="name" placeholder="Enter your name" /&gt;</a:t>
-            </a:r>
-          </a:p>
-          <a:p>
-            <a:pPr marL="152400" indent="0">
-              <a:buNone/>
-            </a:pPr>
-            <a:r>
-              <a:rPr lang="en-US" sz="2000" dirty="0">
-                <a:latin typeface="Consolas" panose="020B0609020204030204" pitchFamily="49" charset="0"/>
-                <a:cs typeface="Consolas" panose="020B0609020204030204" pitchFamily="49" charset="0"/>
-              </a:rPr>
-              <a:t>&lt;p&gt;Hello, @name!&lt;/p&gt;</a:t>
-            </a:r>
-          </a:p>
-          <a:p>
-            <a:pPr marL="152400" indent="0">
-              <a:buNone/>
-            </a:pPr>
-            <a:endParaRPr lang="en-US" sz="2000" dirty="0">
-              <a:latin typeface="Consolas" panose="020B0609020204030204" pitchFamily="49" charset="0"/>
-              <a:cs typeface="Consolas" panose="020B0609020204030204" pitchFamily="49" charset="0"/>
-            </a:endParaRPr>
-          </a:p>
-          <a:p>
-            <a:pPr marL="152400" indent="0">
-              <a:buNone/>
-            </a:pPr>
-            <a:r>
-              <a:rPr lang="en-US" sz="2000" dirty="0">
-                <a:latin typeface="Consolas" panose="020B0609020204030204" pitchFamily="49" charset="0"/>
-                <a:cs typeface="Consolas" panose="020B0609020204030204" pitchFamily="49" charset="0"/>
-              </a:rPr>
-              <a:t>@code {</a:t>
-            </a:r>
-          </a:p>
-          <a:p>
-            <a:pPr marL="152400" indent="0">
-              <a:buNone/>
-            </a:pPr>
-            <a:r>
-              <a:rPr lang="en-US" sz="2000" dirty="0">
-                <a:latin typeface="Consolas" panose="020B0609020204030204" pitchFamily="49" charset="0"/>
-                <a:cs typeface="Consolas" panose="020B0609020204030204" pitchFamily="49" charset="0"/>
-              </a:rPr>
-              <a:t>    private string name = "</a:t>
-            </a:r>
-            <a:r>
-              <a:rPr lang="en-US" sz="2000" dirty="0" err="1">
-                <a:latin typeface="Consolas" panose="020B0609020204030204" pitchFamily="49" charset="0"/>
-                <a:cs typeface="Consolas" panose="020B0609020204030204" pitchFamily="49" charset="0"/>
-              </a:rPr>
-              <a:t>Blazor</a:t>
-            </a:r>
-            <a:r>
-              <a:rPr lang="en-US" sz="2000" dirty="0">
-                <a:latin typeface="Consolas" panose="020B0609020204030204" pitchFamily="49" charset="0"/>
-                <a:cs typeface="Consolas" panose="020B0609020204030204" pitchFamily="49" charset="0"/>
-              </a:rPr>
-              <a:t>";</a:t>
-            </a:r>
-          </a:p>
-          <a:p>
-            <a:pPr marL="152400" indent="0">
-              <a:buNone/>
-            </a:pPr>
-            <a:r>
-              <a:rPr lang="en-US" sz="2000" dirty="0">
-                <a:latin typeface="Consolas" panose="020B0609020204030204" pitchFamily="49" charset="0"/>
-                <a:cs typeface="Consolas" panose="020B0609020204030204" pitchFamily="49" charset="0"/>
-              </a:rPr>
-              <a:t>}</a:t>
-            </a:r>
-          </a:p>
-          <a:p>
-            <a:pPr marL="152400" indent="0">
-              <a:buNone/>
-            </a:pPr>
-            <a:endParaRPr lang="en-US" sz="1600" dirty="0">
-              <a:latin typeface="Consolas" panose="020B0609020204030204" pitchFamily="49" charset="0"/>
-              <a:cs typeface="Consolas" panose="020B0609020204030204" pitchFamily="49" charset="0"/>
-            </a:endParaRPr>
-          </a:p>
-        </p:txBody>
-      </p:sp>
-      <p:sp>
-        <p:nvSpPr>
-          <p:cNvPr id="3" name="Title 2">
-            <a:extLst>
-              <a:ext uri="{FF2B5EF4-FFF2-40B4-BE49-F238E27FC236}">
-                <a16:creationId xmlns:a16="http://schemas.microsoft.com/office/drawing/2014/main" id="{335A6545-40FC-3D0D-A0D9-957D9B0D7DBD}"/>
-              </a:ext>
-            </a:extLst>
-          </p:cNvPr>
-          <p:cNvSpPr>
-            <a:spLocks noGrp="1"/>
-          </p:cNvSpPr>
-          <p:nvPr>
-            <p:ph type="title"/>
-          </p:nvPr>
-        </p:nvSpPr>
-        <p:spPr/>
-        <p:txBody>
-          <a:bodyPr/>
-          <a:lstStyle/>
-          <a:p>
-            <a:r>
-              <a:rPr lang="en-US" dirty="0"/>
-              <a:t>Data Binding in </a:t>
-            </a:r>
-            <a:r>
-              <a:rPr lang="en-US" dirty="0" err="1"/>
-              <a:t>Blazor</a:t>
-            </a:r>
-            <a:endParaRPr lang="en-US" dirty="0"/>
-          </a:p>
-        </p:txBody>
-      </p:sp>
-    </p:spTree>
-    <p:extLst>
-      <p:ext uri="{BB962C8B-B14F-4D97-AF65-F5344CB8AC3E}">
-        <p14:creationId xmlns:p14="http://schemas.microsoft.com/office/powerpoint/2010/main" val="1473923475"/>
-      </p:ext>
-    </p:extLst>
-  </p:cSld>
-  <p:clrMapOvr>
-    <a:masterClrMapping/>
-  </p:clrMapOvr>
-</p:sld>
-</file>
-
-<file path=ppt/slides/slide9.xml><?xml version="1.0" encoding="utf-8"?>
-<p:sld xmlns:a="http://schemas.openxmlformats.org/drawingml/2006/main" xmlns:r="http://schemas.openxmlformats.org/officeDocument/2006/relationships" xmlns:p="http://schemas.openxmlformats.org/presentationml/2006/main">
-  <p:cSld>
-    <p:spTree>
-      <p:nvGrpSpPr>
-        <p:cNvPr id="1" name=""/>
-        <p:cNvGrpSpPr/>
-        <p:nvPr/>
-      </p:nvGrpSpPr>
-      <p:grpSpPr>
-        <a:xfrm>
-          <a:off x="0" y="0"/>
-          <a:ext cx="0" cy="0"/>
-          <a:chOff x="0" y="0"/>
-          <a:chExt cx="0" cy="0"/>
-        </a:xfrm>
-      </p:grpSpPr>
-      <p:sp>
-        <p:nvSpPr>
-          <p:cNvPr id="8" name="Text Placeholder 7">
-            <a:extLst>
-              <a:ext uri="{FF2B5EF4-FFF2-40B4-BE49-F238E27FC236}">
-                <a16:creationId xmlns:a16="http://schemas.microsoft.com/office/drawing/2014/main" id="{761CB51C-8E23-263F-FA97-BA1141190F7D}"/>
-              </a:ext>
-            </a:extLst>
-          </p:cNvPr>
-          <p:cNvSpPr>
-            <a:spLocks noGrp="1"/>
-          </p:cNvSpPr>
-          <p:nvPr>
-            <p:ph type="body" idx="1"/>
-          </p:nvPr>
-        </p:nvSpPr>
-        <p:spPr>
-          <a:xfrm>
-            <a:off x="713224" y="1398724"/>
-            <a:ext cx="7459931" cy="3229719"/>
-          </a:xfrm>
-        </p:spPr>
-        <p:txBody>
-          <a:bodyPr/>
-          <a:lstStyle/>
-          <a:p>
-            <a:pPr marL="152400" indent="0">
-              <a:buNone/>
-            </a:pPr>
-            <a:r>
-              <a:rPr lang="en-US" sz="1800" dirty="0">
-                <a:latin typeface="Consolas" panose="020B0609020204030204" pitchFamily="49" charset="0"/>
-                <a:cs typeface="Consolas" panose="020B0609020204030204" pitchFamily="49" charset="0"/>
-              </a:rPr>
-              <a:t>&lt;button @onclick="</a:t>
-            </a:r>
-            <a:r>
-              <a:rPr lang="en-US" sz="1800" dirty="0" err="1">
-                <a:latin typeface="Consolas" panose="020B0609020204030204" pitchFamily="49" charset="0"/>
-                <a:cs typeface="Consolas" panose="020B0609020204030204" pitchFamily="49" charset="0"/>
-              </a:rPr>
-              <a:t>ShowMessage</a:t>
-            </a:r>
-            <a:r>
-              <a:rPr lang="en-US" sz="1800" dirty="0">
-                <a:latin typeface="Consolas" panose="020B0609020204030204" pitchFamily="49" charset="0"/>
-                <a:cs typeface="Consolas" panose="020B0609020204030204" pitchFamily="49" charset="0"/>
-              </a:rPr>
-              <a:t>"&gt;Click me&lt;/button&gt;</a:t>
-            </a:r>
-          </a:p>
-          <a:p>
-            <a:pPr marL="152400" indent="0">
-              <a:buNone/>
-            </a:pPr>
-            <a:r>
-              <a:rPr lang="en-US" sz="1800" dirty="0">
-                <a:latin typeface="Consolas" panose="020B0609020204030204" pitchFamily="49" charset="0"/>
-                <a:cs typeface="Consolas" panose="020B0609020204030204" pitchFamily="49" charset="0"/>
-              </a:rPr>
-              <a:t>&lt;p&gt;@message&lt;/p&gt;</a:t>
-            </a:r>
-          </a:p>
-          <a:p>
-            <a:pPr marL="152400" indent="0">
-              <a:buNone/>
-            </a:pPr>
-            <a:endParaRPr lang="en-US" sz="1800" dirty="0">
-              <a:latin typeface="Consolas" panose="020B0609020204030204" pitchFamily="49" charset="0"/>
-              <a:cs typeface="Consolas" panose="020B0609020204030204" pitchFamily="49" charset="0"/>
-            </a:endParaRPr>
-          </a:p>
-          <a:p>
-            <a:pPr marL="152400" indent="0">
-              <a:buNone/>
-            </a:pPr>
-            <a:r>
-              <a:rPr lang="en-US" sz="1800" dirty="0">
-                <a:latin typeface="Consolas" panose="020B0609020204030204" pitchFamily="49" charset="0"/>
-                <a:cs typeface="Consolas" panose="020B0609020204030204" pitchFamily="49" charset="0"/>
-              </a:rPr>
-              <a:t>@code {</a:t>
-            </a:r>
-          </a:p>
-          <a:p>
-            <a:pPr marL="152400" indent="0">
-              <a:buNone/>
-            </a:pPr>
-            <a:r>
-              <a:rPr lang="en-US" sz="1800" dirty="0">
-                <a:latin typeface="Consolas" panose="020B0609020204030204" pitchFamily="49" charset="0"/>
-                <a:cs typeface="Consolas" panose="020B0609020204030204" pitchFamily="49" charset="0"/>
-              </a:rPr>
-              <a:t>    private string message = "";</a:t>
-            </a:r>
-          </a:p>
-          <a:p>
-            <a:pPr marL="152400" indent="0">
-              <a:buNone/>
-            </a:pPr>
-            <a:endParaRPr lang="en-US" sz="1800" dirty="0">
-              <a:latin typeface="Consolas" panose="020B0609020204030204" pitchFamily="49" charset="0"/>
-              <a:cs typeface="Consolas" panose="020B0609020204030204" pitchFamily="49" charset="0"/>
-            </a:endParaRPr>
-          </a:p>
-          <a:p>
-            <a:pPr marL="152400" indent="0">
-              <a:buNone/>
-            </a:pPr>
-            <a:r>
-              <a:rPr lang="en-US" sz="1800" dirty="0">
-                <a:latin typeface="Consolas" panose="020B0609020204030204" pitchFamily="49" charset="0"/>
-                <a:cs typeface="Consolas" panose="020B0609020204030204" pitchFamily="49" charset="0"/>
-              </a:rPr>
-              <a:t>    private void </a:t>
-            </a:r>
-            <a:r>
-              <a:rPr lang="en-US" sz="1800" dirty="0" err="1">
-                <a:latin typeface="Consolas" panose="020B0609020204030204" pitchFamily="49" charset="0"/>
-                <a:cs typeface="Consolas" panose="020B0609020204030204" pitchFamily="49" charset="0"/>
-              </a:rPr>
-              <a:t>ShowMessage</a:t>
-            </a:r>
-            <a:r>
-              <a:rPr lang="en-US" sz="1800" dirty="0">
-                <a:latin typeface="Consolas" panose="020B0609020204030204" pitchFamily="49" charset="0"/>
-                <a:cs typeface="Consolas" panose="020B0609020204030204" pitchFamily="49" charset="0"/>
-              </a:rPr>
-              <a:t>()</a:t>
-            </a:r>
-          </a:p>
-          <a:p>
-            <a:pPr marL="152400" indent="0">
-              <a:buNone/>
-            </a:pPr>
-            <a:r>
-              <a:rPr lang="en-US" sz="1800" dirty="0">
-                <a:latin typeface="Consolas" panose="020B0609020204030204" pitchFamily="49" charset="0"/>
-                <a:cs typeface="Consolas" panose="020B0609020204030204" pitchFamily="49" charset="0"/>
-              </a:rPr>
-              <a:t>    {</a:t>
-            </a:r>
-          </a:p>
-          <a:p>
-            <a:pPr marL="152400" indent="0">
-              <a:buNone/>
-            </a:pPr>
-            <a:r>
-              <a:rPr lang="en-US" sz="1800" dirty="0">
-                <a:latin typeface="Consolas" panose="020B0609020204030204" pitchFamily="49" charset="0"/>
-                <a:cs typeface="Consolas" panose="020B0609020204030204" pitchFamily="49" charset="0"/>
-              </a:rPr>
-              <a:t>        message = "Button clicked!";</a:t>
-            </a:r>
-          </a:p>
-          <a:p>
-            <a:pPr marL="152400" indent="0">
-              <a:buNone/>
-            </a:pPr>
-            <a:r>
-              <a:rPr lang="en-US" sz="1800" dirty="0">
-                <a:latin typeface="Consolas" panose="020B0609020204030204" pitchFamily="49" charset="0"/>
-                <a:cs typeface="Consolas" panose="020B0609020204030204" pitchFamily="49" charset="0"/>
-              </a:rPr>
-              <a:t>    }</a:t>
-            </a:r>
-          </a:p>
-          <a:p>
-            <a:pPr marL="152400" indent="0">
-              <a:buNone/>
-            </a:pPr>
-            <a:r>
-              <a:rPr lang="en-US" sz="1800" dirty="0">
-                <a:latin typeface="Consolas" panose="020B0609020204030204" pitchFamily="49" charset="0"/>
-                <a:cs typeface="Consolas" panose="020B0609020204030204" pitchFamily="49" charset="0"/>
-              </a:rPr>
-              <a:t>}</a:t>
-            </a:r>
-          </a:p>
-          <a:p>
-            <a:pPr marL="152400" indent="0">
-              <a:buNone/>
-            </a:pPr>
-            <a:endParaRPr lang="en-US" sz="1800" dirty="0">
-              <a:latin typeface="Consolas" panose="020B0609020204030204" pitchFamily="49" charset="0"/>
-              <a:cs typeface="Consolas" panose="020B0609020204030204" pitchFamily="49" charset="0"/>
-            </a:endParaRPr>
-          </a:p>
-        </p:txBody>
-      </p:sp>
-      <p:sp>
-        <p:nvSpPr>
-          <p:cNvPr id="7" name="Title 6">
-            <a:extLst>
-              <a:ext uri="{FF2B5EF4-FFF2-40B4-BE49-F238E27FC236}">
-                <a16:creationId xmlns:a16="http://schemas.microsoft.com/office/drawing/2014/main" id="{EE3F54A3-4619-FEAF-A3E2-71D0D762D83F}"/>
-              </a:ext>
-            </a:extLst>
-          </p:cNvPr>
-          <p:cNvSpPr>
-            <a:spLocks noGrp="1"/>
-          </p:cNvSpPr>
-          <p:nvPr>
-            <p:ph type="title"/>
-          </p:nvPr>
-        </p:nvSpPr>
-        <p:spPr/>
-        <p:txBody>
-          <a:bodyPr/>
-          <a:lstStyle/>
-          <a:p>
-            <a:r>
-              <a:rPr lang="en-US" dirty="0"/>
-              <a:t>Event Handling in </a:t>
-            </a:r>
-            <a:r>
-              <a:rPr lang="en-US" dirty="0" err="1"/>
-              <a:t>Blazor</a:t>
-            </a:r>
-            <a:endParaRPr lang="en-US" dirty="0"/>
-          </a:p>
-        </p:txBody>
-      </p:sp>
-    </p:spTree>
-    <p:extLst>
-      <p:ext uri="{BB962C8B-B14F-4D97-AF65-F5344CB8AC3E}">
-        <p14:creationId xmlns:p14="http://schemas.microsoft.com/office/powerpoint/2010/main" val="730345138"/>
       </p:ext>
     </p:extLst>
   </p:cSld>

--- a/Blazor Introduction.pptx
+++ b/Blazor Introduction.pptx
@@ -13538,6 +13538,105 @@
         <p:cNvPr id="1" name="">
           <a:extLst>
             <a:ext uri="{FF2B5EF4-FFF2-40B4-BE49-F238E27FC236}">
+              <a16:creationId xmlns:a16="http://schemas.microsoft.com/office/drawing/2014/main" id="{B0B9431F-0C3A-40B4-E27E-140B20986EA2}"/>
+            </a:ext>
+          </a:extLst>
+        </p:cNvPr>
+        <p:cNvGrpSpPr/>
+        <p:nvPr/>
+      </p:nvGrpSpPr>
+      <p:grpSpPr>
+        <a:xfrm>
+          <a:off x="0" y="0"/>
+          <a:ext cx="0" cy="0"/>
+          <a:chOff x="0" y="0"/>
+          <a:chExt cx="0" cy="0"/>
+        </a:xfrm>
+      </p:grpSpPr>
+      <p:sp>
+        <p:nvSpPr>
+          <p:cNvPr id="2" name="Slide Image Placeholder 1">
+            <a:extLst>
+              <a:ext uri="{FF2B5EF4-FFF2-40B4-BE49-F238E27FC236}">
+                <a16:creationId xmlns:a16="http://schemas.microsoft.com/office/drawing/2014/main" id="{9AB36C63-DE05-F14E-CE87-590B4FC58D11}"/>
+              </a:ext>
+            </a:extLst>
+          </p:cNvPr>
+          <p:cNvSpPr>
+            <a:spLocks noGrp="1" noRot="1" noChangeAspect="1"/>
+          </p:cNvSpPr>
+          <p:nvPr>
+            <p:ph type="sldImg"/>
+          </p:nvPr>
+        </p:nvSpPr>
+        <p:spPr>
+          <a:xfrm>
+            <a:off x="381000" y="685800"/>
+            <a:ext cx="6096000" cy="3429000"/>
+          </a:xfrm>
+        </p:spPr>
+      </p:sp>
+      <p:sp>
+        <p:nvSpPr>
+          <p:cNvPr id="3" name="Notes Placeholder 2">
+            <a:extLst>
+              <a:ext uri="{FF2B5EF4-FFF2-40B4-BE49-F238E27FC236}">
+                <a16:creationId xmlns:a16="http://schemas.microsoft.com/office/drawing/2014/main" id="{A56D51FE-6A01-AB9E-3129-12F78F1B7C5E}"/>
+              </a:ext>
+            </a:extLst>
+          </p:cNvPr>
+          <p:cNvSpPr>
+            <a:spLocks noGrp="1"/>
+          </p:cNvSpPr>
+          <p:nvPr>
+            <p:ph type="body" idx="1"/>
+          </p:nvPr>
+        </p:nvSpPr>
+        <p:spPr/>
+        <p:txBody>
+          <a:bodyPr/>
+          <a:lstStyle/>
+          <a:p>
+            <a:r>
+              <a:rPr lang="en-US" b="1" dirty="0" err="1"/>
+              <a:t>OnAfterRender</a:t>
+            </a:r>
+            <a:r>
+              <a:rPr lang="en-US" b="1" dirty="0"/>
+              <a:t> / </a:t>
+            </a:r>
+            <a:r>
+              <a:rPr lang="en-US" b="1" dirty="0" err="1"/>
+              <a:t>OnAfterRenderAsync</a:t>
+            </a:r>
+            <a:r>
+              <a:rPr lang="en-US" dirty="0"/>
+              <a:t>: For actions that need the component to be rendered.</a:t>
+            </a:r>
+          </a:p>
+        </p:txBody>
+      </p:sp>
+    </p:spTree>
+    <p:extLst>
+      <p:ext uri="{BB962C8B-B14F-4D97-AF65-F5344CB8AC3E}">
+        <p14:creationId xmlns:p14="http://schemas.microsoft.com/office/powerpoint/2010/main" val="3863782326"/>
+      </p:ext>
+    </p:extLst>
+  </p:cSld>
+  <p:clrMapOvr>
+    <a:masterClrMapping/>
+  </p:clrMapOvr>
+</p:notes>
+</file>
+
+<file path=ppt/notesSlides/notesSlide11.xml><?xml version="1.0" encoding="utf-8"?>
+<p:notes xmlns:a="http://schemas.openxmlformats.org/drawingml/2006/main" xmlns:r="http://schemas.openxmlformats.org/officeDocument/2006/relationships" xmlns:p="http://schemas.openxmlformats.org/presentationml/2006/main">
+  <p:cSld>
+    <p:spTree>
+      <p:nvGrpSpPr>
+        <p:cNvPr id="1" name="">
+          <a:extLst>
+            <a:ext uri="{FF2B5EF4-FFF2-40B4-BE49-F238E27FC236}">
               <a16:creationId xmlns:a16="http://schemas.microsoft.com/office/drawing/2014/main" id="{E931C800-2FEF-60FB-1AA0-EFBED5E69B6F}"/>
             </a:ext>
           </a:extLst>
@@ -13621,7 +13720,7 @@
 </p:notes>
 </file>
 
-<file path=ppt/notesSlides/notesSlide11.xml><?xml version="1.0" encoding="utf-8"?>
+<file path=ppt/notesSlides/notesSlide12.xml><?xml version="1.0" encoding="utf-8"?>
 <p:notes xmlns:a="http://schemas.openxmlformats.org/drawingml/2006/main" xmlns:r="http://schemas.openxmlformats.org/officeDocument/2006/relationships" xmlns:p="http://schemas.openxmlformats.org/presentationml/2006/main">
   <p:cSld>
     <p:spTree>
@@ -13712,7 +13811,7 @@
 </p:notes>
 </file>
 
-<file path=ppt/notesSlides/notesSlide12.xml><?xml version="1.0" encoding="utf-8"?>
+<file path=ppt/notesSlides/notesSlide13.xml><?xml version="1.0" encoding="utf-8"?>
 <p:notes xmlns:a="http://schemas.openxmlformats.org/drawingml/2006/main" xmlns:r="http://schemas.openxmlformats.org/officeDocument/2006/relationships" xmlns:p="http://schemas.openxmlformats.org/presentationml/2006/main" showMasterSp="0" showMasterPhAnim="0">
   <p:cSld>
     <p:spTree>
@@ -13967,6 +14066,67 @@
 </file>
 
 <file path=ppt/notesSlides/notesSlide3.xml><?xml version="1.0" encoding="utf-8"?>
+<p:notes xmlns:a="http://schemas.openxmlformats.org/drawingml/2006/main" xmlns:r="http://schemas.openxmlformats.org/officeDocument/2006/relationships" xmlns:p="http://schemas.openxmlformats.org/presentationml/2006/main">
+  <p:cSld>
+    <p:spTree>
+      <p:nvGrpSpPr>
+        <p:cNvPr id="1" name=""/>
+        <p:cNvGrpSpPr/>
+        <p:nvPr/>
+      </p:nvGrpSpPr>
+      <p:grpSpPr>
+        <a:xfrm>
+          <a:off x="0" y="0"/>
+          <a:ext cx="0" cy="0"/>
+          <a:chOff x="0" y="0"/>
+          <a:chExt cx="0" cy="0"/>
+        </a:xfrm>
+      </p:grpSpPr>
+      <p:sp>
+        <p:nvSpPr>
+          <p:cNvPr id="2" name="Slide Image Placeholder 1"/>
+          <p:cNvSpPr>
+            <a:spLocks noGrp="1" noRot="1" noChangeAspect="1"/>
+          </p:cNvSpPr>
+          <p:nvPr>
+            <p:ph type="sldImg"/>
+          </p:nvPr>
+        </p:nvSpPr>
+        <p:spPr/>
+      </p:sp>
+      <p:sp>
+        <p:nvSpPr>
+          <p:cNvPr id="3" name="Notes Placeholder 2"/>
+          <p:cNvSpPr>
+            <a:spLocks noGrp="1"/>
+          </p:cNvSpPr>
+          <p:nvPr>
+            <p:ph type="body" idx="1"/>
+          </p:nvPr>
+        </p:nvSpPr>
+        <p:spPr/>
+        <p:txBody>
+          <a:bodyPr/>
+          <a:lstStyle/>
+          <a:p>
+            <a:endParaRPr lang="en-US" dirty="0"/>
+          </a:p>
+        </p:txBody>
+      </p:sp>
+    </p:spTree>
+    <p:extLst>
+      <p:ext uri="{BB962C8B-B14F-4D97-AF65-F5344CB8AC3E}">
+        <p14:creationId xmlns:p14="http://schemas.microsoft.com/office/powerpoint/2010/main" val="2814463274"/>
+      </p:ext>
+    </p:extLst>
+  </p:cSld>
+  <p:clrMapOvr>
+    <a:masterClrMapping/>
+  </p:clrMapOvr>
+</p:notes>
+</file>
+
+<file path=ppt/notesSlides/notesSlide4.xml><?xml version="1.0" encoding="utf-8"?>
 <p:notes xmlns:a="http://schemas.openxmlformats.org/drawingml/2006/main" xmlns:r="http://schemas.openxmlformats.org/officeDocument/2006/relationships" xmlns:p="http://schemas.openxmlformats.org/presentationml/2006/main" showMasterSp="0" showMasterPhAnim="0">
   <p:cSld>
     <p:spTree>
@@ -14093,81 +14253,6 @@
 </p:notes>
 </file>
 
-<file path=ppt/notesSlides/notesSlide4.xml><?xml version="1.0" encoding="utf-8"?>
-<p:notes xmlns:a="http://schemas.openxmlformats.org/drawingml/2006/main" xmlns:r="http://schemas.openxmlformats.org/officeDocument/2006/relationships" xmlns:p="http://schemas.openxmlformats.org/presentationml/2006/main">
-  <p:cSld>
-    <p:spTree>
-      <p:nvGrpSpPr>
-        <p:cNvPr id="1" name=""/>
-        <p:cNvGrpSpPr/>
-        <p:nvPr/>
-      </p:nvGrpSpPr>
-      <p:grpSpPr>
-        <a:xfrm>
-          <a:off x="0" y="0"/>
-          <a:ext cx="0" cy="0"/>
-          <a:chOff x="0" y="0"/>
-          <a:chExt cx="0" cy="0"/>
-        </a:xfrm>
-      </p:grpSpPr>
-      <p:sp>
-        <p:nvSpPr>
-          <p:cNvPr id="2" name="Slide Image Placeholder 1"/>
-          <p:cNvSpPr>
-            <a:spLocks noGrp="1" noRot="1" noChangeAspect="1"/>
-          </p:cNvSpPr>
-          <p:nvPr>
-            <p:ph type="sldImg"/>
-          </p:nvPr>
-        </p:nvSpPr>
-        <p:spPr>
-          <a:xfrm>
-            <a:off x="381000" y="685800"/>
-            <a:ext cx="6096000" cy="3429000"/>
-          </a:xfrm>
-        </p:spPr>
-      </p:sp>
-      <p:sp>
-        <p:nvSpPr>
-          <p:cNvPr id="3" name="Notes Placeholder 2"/>
-          <p:cNvSpPr>
-            <a:spLocks noGrp="1"/>
-          </p:cNvSpPr>
-          <p:nvPr>
-            <p:ph type="body" idx="1"/>
-          </p:nvPr>
-        </p:nvSpPr>
-        <p:spPr/>
-        <p:txBody>
-          <a:bodyPr/>
-          <a:lstStyle/>
-          <a:p>
-            <a:r>
-              <a:rPr lang="en-US" dirty="0"/>
-              <a:t>The @bind directive binds the input field's value to the name variable, allowing real-time updates both ways.</a:t>
-            </a:r>
-          </a:p>
-          <a:p>
-            <a:r>
-              <a:rPr lang="en-US" dirty="0"/>
-              <a:t>As the user types in the input field, the name variable updates automatically, and any changes to name in the code are reflected in the input. The p tag then displays the updated value of name.</a:t>
-            </a:r>
-          </a:p>
-        </p:txBody>
-      </p:sp>
-    </p:spTree>
-    <p:extLst>
-      <p:ext uri="{BB962C8B-B14F-4D97-AF65-F5344CB8AC3E}">
-        <p14:creationId xmlns:p14="http://schemas.microsoft.com/office/powerpoint/2010/main" val="3245781862"/>
-      </p:ext>
-    </p:extLst>
-  </p:cSld>
-  <p:clrMapOvr>
-    <a:masterClrMapping/>
-  </p:clrMapOvr>
-</p:notes>
-</file>
-
 <file path=ppt/notesSlides/notesSlide5.xml><?xml version="1.0" encoding="utf-8"?>
 <p:notes xmlns:a="http://schemas.openxmlformats.org/drawingml/2006/main" xmlns:r="http://schemas.openxmlformats.org/officeDocument/2006/relationships" xmlns:p="http://schemas.openxmlformats.org/presentationml/2006/main">
   <p:cSld>
@@ -14219,29 +14304,13 @@
           <a:p>
             <a:r>
               <a:rPr lang="en-US" dirty="0"/>
-              <a:t>The @onclick directive binds the </a:t>
-            </a:r>
-            <a:r>
-              <a:rPr lang="en-US" dirty="0" err="1"/>
-              <a:t>ShowMessage</a:t>
-            </a:r>
-            <a:r>
-              <a:rPr lang="en-US" dirty="0"/>
-              <a:t> method to the button's click event.</a:t>
+              <a:t>The @bind directive binds the input field's value to the name variable, allowing real-time updates both ways.</a:t>
             </a:r>
           </a:p>
           <a:p>
             <a:r>
               <a:rPr lang="en-US" dirty="0"/>
-              <a:t>When the button is clicked, the </a:t>
-            </a:r>
-            <a:r>
-              <a:rPr lang="en-US" dirty="0" err="1"/>
-              <a:t>ShowMessage</a:t>
-            </a:r>
-            <a:r>
-              <a:rPr lang="en-US" dirty="0"/>
-              <a:t> method updates the message variable, which is then displayed in the &lt;p&gt; tag.</a:t>
+              <a:t>As the user types in the input field, the name variable updates automatically, and any changes to name in the code are reflected in the input. The p tag then displays the updated value of name.</a:t>
             </a:r>
           </a:p>
         </p:txBody>
@@ -14249,7 +14318,7 @@
     </p:spTree>
     <p:extLst>
       <p:ext uri="{BB962C8B-B14F-4D97-AF65-F5344CB8AC3E}">
-        <p14:creationId xmlns:p14="http://schemas.microsoft.com/office/powerpoint/2010/main" val="70843319"/>
+        <p14:creationId xmlns:p14="http://schemas.microsoft.com/office/powerpoint/2010/main" val="3245781862"/>
       </p:ext>
     </p:extLst>
   </p:cSld>
@@ -14310,55 +14379,29 @@
           <a:p>
             <a:r>
               <a:rPr lang="en-US" dirty="0"/>
-              <a:t>The service </a:t>
+              <a:t>The @onclick directive binds the </a:t>
             </a:r>
             <a:r>
               <a:rPr lang="en-US" dirty="0" err="1"/>
-              <a:t>GreetingService</a:t>
+              <a:t>ShowMessage</a:t>
             </a:r>
             <a:r>
               <a:rPr lang="en-US" dirty="0"/>
-              <a:t> is registered as a singleton in </a:t>
-            </a:r>
-            <a:r>
-              <a:rPr lang="en-US" dirty="0" err="1"/>
-              <a:t>Program.cs</a:t>
-            </a:r>
-            <a:r>
-              <a:rPr lang="en-US" dirty="0"/>
-              <a:t>.</a:t>
+              <a:t> method to the button's click event.</a:t>
             </a:r>
           </a:p>
           <a:p>
             <a:r>
               <a:rPr lang="en-US" dirty="0"/>
-              <a:t>The @inject directive injects </a:t>
+              <a:t>When the button is clicked, the </a:t>
             </a:r>
             <a:r>
               <a:rPr lang="en-US" dirty="0" err="1"/>
-              <a:t>GreetingService</a:t>
+              <a:t>ShowMessage</a:t>
             </a:r>
             <a:r>
               <a:rPr lang="en-US" dirty="0"/>
-              <a:t> into the component, making it accessible as </a:t>
-            </a:r>
-            <a:r>
-              <a:rPr lang="en-US" dirty="0" err="1"/>
-              <a:t>GreetingService</a:t>
-            </a:r>
-            <a:r>
-              <a:rPr lang="en-US" dirty="0"/>
-              <a:t>.</a:t>
-            </a:r>
-          </a:p>
-          <a:p>
-            <a:r>
-              <a:rPr lang="en-US" dirty="0" err="1"/>
-              <a:t>GetGreeting</a:t>
-            </a:r>
-            <a:r>
-              <a:rPr lang="en-US" dirty="0"/>
-              <a:t>() is called to display a message from the service in the component.</a:t>
+              <a:t> method updates the message variable, which is then displayed in the &lt;p&gt; tag.</a:t>
             </a:r>
           </a:p>
         </p:txBody>
@@ -14366,7 +14409,7 @@
     </p:spTree>
     <p:extLst>
       <p:ext uri="{BB962C8B-B14F-4D97-AF65-F5344CB8AC3E}">
-        <p14:creationId xmlns:p14="http://schemas.microsoft.com/office/powerpoint/2010/main" val="3913446860"/>
+        <p14:creationId xmlns:p14="http://schemas.microsoft.com/office/powerpoint/2010/main" val="70843319"/>
       </p:ext>
     </p:extLst>
   </p:cSld>
@@ -14427,6 +14470,123 @@
           <a:p>
             <a:r>
               <a:rPr lang="en-US" dirty="0"/>
+              <a:t>The service </a:t>
+            </a:r>
+            <a:r>
+              <a:rPr lang="en-US" dirty="0" err="1"/>
+              <a:t>GreetingService</a:t>
+            </a:r>
+            <a:r>
+              <a:rPr lang="en-US" dirty="0"/>
+              <a:t> is registered as a singleton in </a:t>
+            </a:r>
+            <a:r>
+              <a:rPr lang="en-US" dirty="0" err="1"/>
+              <a:t>Program.cs</a:t>
+            </a:r>
+            <a:r>
+              <a:rPr lang="en-US" dirty="0"/>
+              <a:t>.</a:t>
+            </a:r>
+          </a:p>
+          <a:p>
+            <a:r>
+              <a:rPr lang="en-US" dirty="0"/>
+              <a:t>The @inject directive injects </a:t>
+            </a:r>
+            <a:r>
+              <a:rPr lang="en-US" dirty="0" err="1"/>
+              <a:t>GreetingService</a:t>
+            </a:r>
+            <a:r>
+              <a:rPr lang="en-US" dirty="0"/>
+              <a:t> into the component, making it accessible as </a:t>
+            </a:r>
+            <a:r>
+              <a:rPr lang="en-US" dirty="0" err="1"/>
+              <a:t>GreetingService</a:t>
+            </a:r>
+            <a:r>
+              <a:rPr lang="en-US" dirty="0"/>
+              <a:t>.</a:t>
+            </a:r>
+          </a:p>
+          <a:p>
+            <a:r>
+              <a:rPr lang="en-US" dirty="0" err="1"/>
+              <a:t>GetGreeting</a:t>
+            </a:r>
+            <a:r>
+              <a:rPr lang="en-US" dirty="0"/>
+              <a:t>() is called to display a message from the service in the component.</a:t>
+            </a:r>
+          </a:p>
+        </p:txBody>
+      </p:sp>
+    </p:spTree>
+    <p:extLst>
+      <p:ext uri="{BB962C8B-B14F-4D97-AF65-F5344CB8AC3E}">
+        <p14:creationId xmlns:p14="http://schemas.microsoft.com/office/powerpoint/2010/main" val="3913446860"/>
+      </p:ext>
+    </p:extLst>
+  </p:cSld>
+  <p:clrMapOvr>
+    <a:masterClrMapping/>
+  </p:clrMapOvr>
+</p:notes>
+</file>
+
+<file path=ppt/notesSlides/notesSlide8.xml><?xml version="1.0" encoding="utf-8"?>
+<p:notes xmlns:a="http://schemas.openxmlformats.org/drawingml/2006/main" xmlns:r="http://schemas.openxmlformats.org/officeDocument/2006/relationships" xmlns:p="http://schemas.openxmlformats.org/presentationml/2006/main">
+  <p:cSld>
+    <p:spTree>
+      <p:nvGrpSpPr>
+        <p:cNvPr id="1" name=""/>
+        <p:cNvGrpSpPr/>
+        <p:nvPr/>
+      </p:nvGrpSpPr>
+      <p:grpSpPr>
+        <a:xfrm>
+          <a:off x="0" y="0"/>
+          <a:ext cx="0" cy="0"/>
+          <a:chOff x="0" y="0"/>
+          <a:chExt cx="0" cy="0"/>
+        </a:xfrm>
+      </p:grpSpPr>
+      <p:sp>
+        <p:nvSpPr>
+          <p:cNvPr id="2" name="Slide Image Placeholder 1"/>
+          <p:cNvSpPr>
+            <a:spLocks noGrp="1" noRot="1" noChangeAspect="1"/>
+          </p:cNvSpPr>
+          <p:nvPr>
+            <p:ph type="sldImg"/>
+          </p:nvPr>
+        </p:nvSpPr>
+        <p:spPr>
+          <a:xfrm>
+            <a:off x="381000" y="685800"/>
+            <a:ext cx="6096000" cy="3429000"/>
+          </a:xfrm>
+        </p:spPr>
+      </p:sp>
+      <p:sp>
+        <p:nvSpPr>
+          <p:cNvPr id="3" name="Notes Placeholder 2"/>
+          <p:cNvSpPr>
+            <a:spLocks noGrp="1"/>
+          </p:cNvSpPr>
+          <p:nvPr>
+            <p:ph type="body" idx="1"/>
+          </p:nvPr>
+        </p:nvSpPr>
+        <p:spPr/>
+        <p:txBody>
+          <a:bodyPr/>
+          <a:lstStyle/>
+          <a:p>
+            <a:r>
+              <a:rPr lang="en-US" dirty="0"/>
               <a:t>The </a:t>
             </a:r>
             <a:r>
@@ -14481,7 +14641,7 @@
 </p:notes>
 </file>
 
-<file path=ppt/notesSlides/notesSlide8.xml><?xml version="1.0" encoding="utf-8"?>
+<file path=ppt/notesSlides/notesSlide9.xml><?xml version="1.0" encoding="utf-8"?>
 <p:notes xmlns:a="http://schemas.openxmlformats.org/drawingml/2006/main" xmlns:r="http://schemas.openxmlformats.org/officeDocument/2006/relationships" xmlns:p="http://schemas.openxmlformats.org/presentationml/2006/main">
   <p:cSld>
     <p:spTree>
@@ -14571,105 +14731,6 @@
     <p:extLst>
       <p:ext uri="{BB962C8B-B14F-4D97-AF65-F5344CB8AC3E}">
         <p14:creationId xmlns:p14="http://schemas.microsoft.com/office/powerpoint/2010/main" val="965777559"/>
-      </p:ext>
-    </p:extLst>
-  </p:cSld>
-  <p:clrMapOvr>
-    <a:masterClrMapping/>
-  </p:clrMapOvr>
-</p:notes>
-</file>
-
-<file path=ppt/notesSlides/notesSlide9.xml><?xml version="1.0" encoding="utf-8"?>
-<p:notes xmlns:a="http://schemas.openxmlformats.org/drawingml/2006/main" xmlns:r="http://schemas.openxmlformats.org/officeDocument/2006/relationships" xmlns:p="http://schemas.openxmlformats.org/presentationml/2006/main">
-  <p:cSld>
-    <p:spTree>
-      <p:nvGrpSpPr>
-        <p:cNvPr id="1" name="">
-          <a:extLst>
-            <a:ext uri="{FF2B5EF4-FFF2-40B4-BE49-F238E27FC236}">
-              <a16:creationId xmlns:a16="http://schemas.microsoft.com/office/drawing/2014/main" id="{B0B9431F-0C3A-40B4-E27E-140B20986EA2}"/>
-            </a:ext>
-          </a:extLst>
-        </p:cNvPr>
-        <p:cNvGrpSpPr/>
-        <p:nvPr/>
-      </p:nvGrpSpPr>
-      <p:grpSpPr>
-        <a:xfrm>
-          <a:off x="0" y="0"/>
-          <a:ext cx="0" cy="0"/>
-          <a:chOff x="0" y="0"/>
-          <a:chExt cx="0" cy="0"/>
-        </a:xfrm>
-      </p:grpSpPr>
-      <p:sp>
-        <p:nvSpPr>
-          <p:cNvPr id="2" name="Slide Image Placeholder 1">
-            <a:extLst>
-              <a:ext uri="{FF2B5EF4-FFF2-40B4-BE49-F238E27FC236}">
-                <a16:creationId xmlns:a16="http://schemas.microsoft.com/office/drawing/2014/main" id="{9AB36C63-DE05-F14E-CE87-590B4FC58D11}"/>
-              </a:ext>
-            </a:extLst>
-          </p:cNvPr>
-          <p:cNvSpPr>
-            <a:spLocks noGrp="1" noRot="1" noChangeAspect="1"/>
-          </p:cNvSpPr>
-          <p:nvPr>
-            <p:ph type="sldImg"/>
-          </p:nvPr>
-        </p:nvSpPr>
-        <p:spPr>
-          <a:xfrm>
-            <a:off x="381000" y="685800"/>
-            <a:ext cx="6096000" cy="3429000"/>
-          </a:xfrm>
-        </p:spPr>
-      </p:sp>
-      <p:sp>
-        <p:nvSpPr>
-          <p:cNvPr id="3" name="Notes Placeholder 2">
-            <a:extLst>
-              <a:ext uri="{FF2B5EF4-FFF2-40B4-BE49-F238E27FC236}">
-                <a16:creationId xmlns:a16="http://schemas.microsoft.com/office/drawing/2014/main" id="{A56D51FE-6A01-AB9E-3129-12F78F1B7C5E}"/>
-              </a:ext>
-            </a:extLst>
-          </p:cNvPr>
-          <p:cNvSpPr>
-            <a:spLocks noGrp="1"/>
-          </p:cNvSpPr>
-          <p:nvPr>
-            <p:ph type="body" idx="1"/>
-          </p:nvPr>
-        </p:nvSpPr>
-        <p:spPr/>
-        <p:txBody>
-          <a:bodyPr/>
-          <a:lstStyle/>
-          <a:p>
-            <a:r>
-              <a:rPr lang="en-US" b="1" dirty="0" err="1"/>
-              <a:t>OnAfterRender</a:t>
-            </a:r>
-            <a:r>
-              <a:rPr lang="en-US" b="1" dirty="0"/>
-              <a:t> / </a:t>
-            </a:r>
-            <a:r>
-              <a:rPr lang="en-US" b="1" dirty="0" err="1"/>
-              <a:t>OnAfterRenderAsync</a:t>
-            </a:r>
-            <a:r>
-              <a:rPr lang="en-US" dirty="0"/>
-              <a:t>: For actions that need the component to be rendered.</a:t>
-            </a:r>
-          </a:p>
-        </p:txBody>
-      </p:sp>
-    </p:spTree>
-    <p:extLst>
-      <p:ext uri="{BB962C8B-B14F-4D97-AF65-F5344CB8AC3E}">
-        <p14:creationId xmlns:p14="http://schemas.microsoft.com/office/powerpoint/2010/main" val="3863782326"/>
       </p:ext>
     </p:extLst>
   </p:cSld>
@@ -22968,12 +23029,94 @@
         <p:spPr>
           <a:xfrm>
             <a:off x="713224" y="1398724"/>
-            <a:ext cx="7437353" cy="3320031"/>
+            <a:ext cx="7895755" cy="3320031"/>
           </a:xfrm>
         </p:spPr>
         <p:txBody>
           <a:bodyPr/>
           <a:lstStyle/>
+          <a:p>
+            <a:pPr marL="152400" indent="0">
+              <a:buNone/>
+            </a:pPr>
+            <a:r>
+              <a:rPr lang="en-US" sz="1600" dirty="0">
+                <a:latin typeface="Consolas" panose="020B0609020204030204" pitchFamily="49" charset="0"/>
+                <a:cs typeface="Consolas" panose="020B0609020204030204" pitchFamily="49" charset="0"/>
+              </a:rPr>
+              <a:t>public class </a:t>
+            </a:r>
+            <a:r>
+              <a:rPr lang="en-US" sz="1600" dirty="0" err="1">
+                <a:latin typeface="Consolas" panose="020B0609020204030204" pitchFamily="49" charset="0"/>
+                <a:cs typeface="Consolas" panose="020B0609020204030204" pitchFamily="49" charset="0"/>
+              </a:rPr>
+              <a:t>GreetingService</a:t>
+            </a:r>
+            <a:endParaRPr lang="en-US" sz="1600" dirty="0">
+              <a:latin typeface="Consolas" panose="020B0609020204030204" pitchFamily="49" charset="0"/>
+              <a:cs typeface="Consolas" panose="020B0609020204030204" pitchFamily="49" charset="0"/>
+            </a:endParaRPr>
+          </a:p>
+          <a:p>
+            <a:pPr marL="152400" indent="0">
+              <a:buNone/>
+            </a:pPr>
+            <a:r>
+              <a:rPr lang="en-US" sz="1600" dirty="0">
+                <a:latin typeface="Consolas" panose="020B0609020204030204" pitchFamily="49" charset="0"/>
+                <a:cs typeface="Consolas" panose="020B0609020204030204" pitchFamily="49" charset="0"/>
+              </a:rPr>
+              <a:t>{</a:t>
+            </a:r>
+          </a:p>
+          <a:p>
+            <a:pPr marL="152400" indent="0">
+              <a:buNone/>
+            </a:pPr>
+            <a:r>
+              <a:rPr lang="en-US" sz="1600" dirty="0">
+                <a:latin typeface="Consolas" panose="020B0609020204030204" pitchFamily="49" charset="0"/>
+                <a:cs typeface="Consolas" panose="020B0609020204030204" pitchFamily="49" charset="0"/>
+              </a:rPr>
+              <a:t>    public string </a:t>
+            </a:r>
+            <a:r>
+              <a:rPr lang="en-US" sz="1600" dirty="0" err="1">
+                <a:latin typeface="Consolas" panose="020B0609020204030204" pitchFamily="49" charset="0"/>
+                <a:cs typeface="Consolas" panose="020B0609020204030204" pitchFamily="49" charset="0"/>
+              </a:rPr>
+              <a:t>GetGreeting</a:t>
+            </a:r>
+            <a:r>
+              <a:rPr lang="en-US" sz="1600" dirty="0">
+                <a:latin typeface="Consolas" panose="020B0609020204030204" pitchFamily="49" charset="0"/>
+                <a:cs typeface="Consolas" panose="020B0609020204030204" pitchFamily="49" charset="0"/>
+              </a:rPr>
+              <a:t>() =&gt; "Hello from Greeting Service!";</a:t>
+            </a:r>
+          </a:p>
+          <a:p>
+            <a:pPr marL="152400" indent="0">
+              <a:buNone/>
+            </a:pPr>
+            <a:r>
+              <a:rPr lang="en-US" sz="1600" dirty="0">
+                <a:latin typeface="Consolas" panose="020B0609020204030204" pitchFamily="49" charset="0"/>
+                <a:cs typeface="Consolas" panose="020B0609020204030204" pitchFamily="49" charset="0"/>
+              </a:rPr>
+              <a:t>}</a:t>
+            </a:r>
+          </a:p>
+          <a:p>
+            <a:pPr marL="152400" indent="0">
+              <a:buNone/>
+            </a:pPr>
+            <a:endParaRPr lang="en-US" sz="1600" dirty="0">
+              <a:latin typeface="Consolas" panose="020B0609020204030204" pitchFamily="49" charset="0"/>
+              <a:cs typeface="Consolas" panose="020B0609020204030204" pitchFamily="49" charset="0"/>
+            </a:endParaRPr>
+          </a:p>
           <a:p>
             <a:pPr marL="152400" indent="0">
               <a:buNone/>
@@ -23116,88 +23259,6 @@
                 <a:cs typeface="Consolas" panose="020B0609020204030204" pitchFamily="49" charset="0"/>
               </a:rPr>
               <a:t>    // No additional code needed here; the service is ready to use</a:t>
-            </a:r>
-          </a:p>
-          <a:p>
-            <a:pPr marL="152400" indent="0">
-              <a:buNone/>
-            </a:pPr>
-            <a:r>
-              <a:rPr lang="en-US" sz="1400" dirty="0">
-                <a:latin typeface="Consolas" panose="020B0609020204030204" pitchFamily="49" charset="0"/>
-                <a:cs typeface="Consolas" panose="020B0609020204030204" pitchFamily="49" charset="0"/>
-              </a:rPr>
-              <a:t>}</a:t>
-            </a:r>
-          </a:p>
-          <a:p>
-            <a:pPr marL="152400" indent="0">
-              <a:buNone/>
-            </a:pPr>
-            <a:endParaRPr lang="en-US" sz="1400" dirty="0">
-              <a:latin typeface="Consolas" panose="020B0609020204030204" pitchFamily="49" charset="0"/>
-              <a:cs typeface="Consolas" panose="020B0609020204030204" pitchFamily="49" charset="0"/>
-            </a:endParaRPr>
-          </a:p>
-          <a:p>
-            <a:pPr marL="152400" indent="0">
-              <a:buNone/>
-            </a:pPr>
-            <a:r>
-              <a:rPr lang="en-US" sz="1400" dirty="0">
-                <a:latin typeface="Consolas" panose="020B0609020204030204" pitchFamily="49" charset="0"/>
-                <a:cs typeface="Consolas" panose="020B0609020204030204" pitchFamily="49" charset="0"/>
-              </a:rPr>
-              <a:t>public class </a:t>
-            </a:r>
-            <a:r>
-              <a:rPr lang="en-US" sz="1400" dirty="0" err="1">
-                <a:latin typeface="Consolas" panose="020B0609020204030204" pitchFamily="49" charset="0"/>
-                <a:cs typeface="Consolas" panose="020B0609020204030204" pitchFamily="49" charset="0"/>
-              </a:rPr>
-              <a:t>GreetingService</a:t>
-            </a:r>
-            <a:endParaRPr lang="en-US" sz="1400" dirty="0">
-              <a:latin typeface="Consolas" panose="020B0609020204030204" pitchFamily="49" charset="0"/>
-              <a:cs typeface="Consolas" panose="020B0609020204030204" pitchFamily="49" charset="0"/>
-            </a:endParaRPr>
-          </a:p>
-          <a:p>
-            <a:pPr marL="152400" indent="0">
-              <a:buNone/>
-            </a:pPr>
-            <a:r>
-              <a:rPr lang="en-US" sz="1400" dirty="0">
-                <a:latin typeface="Consolas" panose="020B0609020204030204" pitchFamily="49" charset="0"/>
-                <a:cs typeface="Consolas" panose="020B0609020204030204" pitchFamily="49" charset="0"/>
-              </a:rPr>
-              <a:t>{</a:t>
-            </a:r>
-          </a:p>
-          <a:p>
-            <a:pPr marL="152400" indent="0">
-              <a:buNone/>
-            </a:pPr>
-            <a:r>
-              <a:rPr lang="en-US" sz="1400" dirty="0">
-                <a:latin typeface="Consolas" panose="020B0609020204030204" pitchFamily="49" charset="0"/>
-                <a:cs typeface="Consolas" panose="020B0609020204030204" pitchFamily="49" charset="0"/>
-              </a:rPr>
-              <a:t>    public string </a:t>
-            </a:r>
-            <a:r>
-              <a:rPr lang="en-US" sz="1400" dirty="0" err="1">
-                <a:latin typeface="Consolas" panose="020B0609020204030204" pitchFamily="49" charset="0"/>
-                <a:cs typeface="Consolas" panose="020B0609020204030204" pitchFamily="49" charset="0"/>
-              </a:rPr>
-              <a:t>GetGreeting</a:t>
-            </a:r>
-            <a:r>
-              <a:rPr lang="en-US" sz="1400" dirty="0">
-                <a:latin typeface="Consolas" panose="020B0609020204030204" pitchFamily="49" charset="0"/>
-                <a:cs typeface="Consolas" panose="020B0609020204030204" pitchFamily="49" charset="0"/>
-              </a:rPr>
-              <a:t>() =&gt; "Hello from the Greeting Service!";</a:t>
             </a:r>
           </a:p>
           <a:p>
@@ -23308,26 +23369,39 @@
                                   </p:childTnLst>
                                 </p:cTn>
                               </p:par>
-                            </p:childTnLst>
-                          </p:cTn>
-                        </p:par>
-                      </p:childTnLst>
-                    </p:cTn>
-                  </p:par>
-                  <p:par>
-                    <p:cTn id="7" fill="hold">
-                      <p:stCondLst>
-                        <p:cond delay="indefinite"/>
-                      </p:stCondLst>
-                      <p:childTnLst>
-                        <p:par>
-                          <p:cTn id="8" fill="hold">
-                            <p:stCondLst>
-                              <p:cond delay="0"/>
-                            </p:stCondLst>
-                            <p:childTnLst>
                               <p:par>
-                                <p:cTn id="9" presetID="1" presetClass="entr" presetSubtype="0" fill="hold" nodeType="clickEffect">
+                                <p:cTn id="7" presetID="1" presetClass="entr" presetSubtype="0" fill="hold" nodeType="withEffect">
+                                  <p:stCondLst>
+                                    <p:cond delay="0"/>
+                                  </p:stCondLst>
+                                  <p:childTnLst>
+                                    <p:set>
+                                      <p:cBhvr>
+                                        <p:cTn id="8" dur="1" fill="hold">
+                                          <p:stCondLst>
+                                            <p:cond delay="0"/>
+                                          </p:stCondLst>
+                                        </p:cTn>
+                                        <p:tgtEl>
+                                          <p:spTgt spid="2">
+                                            <p:txEl>
+                                              <p:pRg st="1" end="1"/>
+                                            </p:txEl>
+                                          </p:spTgt>
+                                        </p:tgtEl>
+                                        <p:attrNameLst>
+                                          <p:attrName>style.visibility</p:attrName>
+                                        </p:attrNameLst>
+                                      </p:cBhvr>
+                                      <p:to>
+                                        <p:strVal val="visible"/>
+                                      </p:to>
+                                    </p:set>
+                                  </p:childTnLst>
+                                </p:cTn>
+                              </p:par>
+                              <p:par>
+                                <p:cTn id="9" presetID="1" presetClass="entr" presetSubtype="0" fill="hold" nodeType="withEffect">
                                   <p:stCondLst>
                                     <p:cond delay="0"/>
                                   </p:stCondLst>
@@ -23373,7 +23447,7 @@
                                         <p:tgtEl>
                                           <p:spTgt spid="2">
                                             <p:txEl>
-                                              <p:pRg st="4" end="4"/>
+                                              <p:pRg st="3" end="3"/>
                                             </p:txEl>
                                           </p:spTgt>
                                         </p:tgtEl>
@@ -23388,15 +23462,33 @@
                                   </p:childTnLst>
                                 </p:cTn>
                               </p:par>
+                            </p:childTnLst>
+                          </p:cTn>
+                        </p:par>
+                      </p:childTnLst>
+                    </p:cTn>
+                  </p:par>
+                  <p:par>
+                    <p:cTn id="13" fill="hold">
+                      <p:stCondLst>
+                        <p:cond delay="indefinite"/>
+                      </p:stCondLst>
+                      <p:childTnLst>
+                        <p:par>
+                          <p:cTn id="14" fill="hold">
+                            <p:stCondLst>
+                              <p:cond delay="0"/>
+                            </p:stCondLst>
+                            <p:childTnLst>
                               <p:par>
-                                <p:cTn id="13" presetID="1" presetClass="entr" presetSubtype="0" fill="hold" nodeType="withEffect">
+                                <p:cTn id="15" presetID="1" presetClass="entr" presetSubtype="0" fill="hold" nodeType="clickEffect">
                                   <p:stCondLst>
                                     <p:cond delay="0"/>
                                   </p:stCondLst>
                                   <p:childTnLst>
                                     <p:set>
                                       <p:cBhvr>
-                                        <p:cTn id="14" dur="1" fill="hold">
+                                        <p:cTn id="16" dur="1" fill="hold">
                                           <p:stCondLst>
                                             <p:cond delay="0"/>
                                           </p:stCondLst>
@@ -23404,7 +23496,7 @@
                                         <p:tgtEl>
                                           <p:spTgt spid="2">
                                             <p:txEl>
-                                              <p:pRg st="6" end="6"/>
+                                              <p:pRg st="5" end="5"/>
                                             </p:txEl>
                                           </p:spTgt>
                                         </p:tgtEl>
@@ -23419,15 +23511,33 @@
                                   </p:childTnLst>
                                 </p:cTn>
                               </p:par>
+                            </p:childTnLst>
+                          </p:cTn>
+                        </p:par>
+                      </p:childTnLst>
+                    </p:cTn>
+                  </p:par>
+                  <p:par>
+                    <p:cTn id="17" fill="hold">
+                      <p:stCondLst>
+                        <p:cond delay="indefinite"/>
+                      </p:stCondLst>
+                      <p:childTnLst>
+                        <p:par>
+                          <p:cTn id="18" fill="hold">
+                            <p:stCondLst>
+                              <p:cond delay="0"/>
+                            </p:stCondLst>
+                            <p:childTnLst>
                               <p:par>
-                                <p:cTn id="15" presetID="1" presetClass="entr" presetSubtype="0" fill="hold" nodeType="withEffect">
+                                <p:cTn id="19" presetID="1" presetClass="entr" presetSubtype="0" fill="hold" nodeType="clickEffect">
                                   <p:stCondLst>
                                     <p:cond delay="0"/>
                                   </p:stCondLst>
                                   <p:childTnLst>
                                     <p:set>
                                       <p:cBhvr>
-                                        <p:cTn id="16" dur="1" fill="hold">
+                                        <p:cTn id="20" dur="1" fill="hold">
                                           <p:stCondLst>
                                             <p:cond delay="0"/>
                                           </p:stCondLst>
@@ -23451,56 +23561,7 @@
                                 </p:cTn>
                               </p:par>
                               <p:par>
-                                <p:cTn id="17" presetID="1" presetClass="entr" presetSubtype="0" fill="hold" nodeType="withEffect">
-                                  <p:stCondLst>
-                                    <p:cond delay="0"/>
-                                  </p:stCondLst>
-                                  <p:childTnLst>
-                                    <p:set>
-                                      <p:cBhvr>
-                                        <p:cTn id="18" dur="1" fill="hold">
-                                          <p:stCondLst>
-                                            <p:cond delay="0"/>
-                                          </p:stCondLst>
-                                        </p:cTn>
-                                        <p:tgtEl>
-                                          <p:spTgt spid="2">
-                                            <p:txEl>
-                                              <p:pRg st="8" end="8"/>
-                                            </p:txEl>
-                                          </p:spTgt>
-                                        </p:tgtEl>
-                                        <p:attrNameLst>
-                                          <p:attrName>style.visibility</p:attrName>
-                                        </p:attrNameLst>
-                                      </p:cBhvr>
-                                      <p:to>
-                                        <p:strVal val="visible"/>
-                                      </p:to>
-                                    </p:set>
-                                  </p:childTnLst>
-                                </p:cTn>
-                              </p:par>
-                            </p:childTnLst>
-                          </p:cTn>
-                        </p:par>
-                      </p:childTnLst>
-                    </p:cTn>
-                  </p:par>
-                  <p:par>
-                    <p:cTn id="19" fill="hold">
-                      <p:stCondLst>
-                        <p:cond delay="indefinite"/>
-                      </p:stCondLst>
-                      <p:childTnLst>
-                        <p:par>
-                          <p:cTn id="20" fill="hold">
-                            <p:stCondLst>
-                              <p:cond delay="0"/>
-                            </p:stCondLst>
-                            <p:childTnLst>
-                              <p:par>
-                                <p:cTn id="21" presetID="1" presetClass="entr" presetSubtype="0" fill="hold" nodeType="clickEffect">
+                                <p:cTn id="21" presetID="1" presetClass="entr" presetSubtype="0" fill="hold" nodeType="withEffect">
                                   <p:stCondLst>
                                     <p:cond delay="0"/>
                                   </p:stCondLst>
@@ -23515,7 +23576,7 @@
                                         <p:tgtEl>
                                           <p:spTgt spid="2">
                                             <p:txEl>
-                                              <p:pRg st="10" end="10"/>
+                                              <p:pRg st="9" end="9"/>
                                             </p:txEl>
                                           </p:spTgt>
                                         </p:tgtEl>
